--- a/Presentations/14_02_2020/Evaluating Benchmarks for SGD Classifier.pptx
+++ b/Presentations/14_02_2020/Evaluating Benchmarks for SGD Classifier.pptx
@@ -7,16 +7,19 @@
   <p:sldIdLst>
     <p:sldId id="257" r:id="rId2"/>
     <p:sldId id="259" r:id="rId3"/>
-    <p:sldId id="260" r:id="rId4"/>
-    <p:sldId id="261" r:id="rId5"/>
-    <p:sldId id="262" r:id="rId6"/>
-    <p:sldId id="263" r:id="rId7"/>
-    <p:sldId id="264" r:id="rId8"/>
-    <p:sldId id="265" r:id="rId9"/>
-    <p:sldId id="266" r:id="rId10"/>
-    <p:sldId id="267" r:id="rId11"/>
-    <p:sldId id="268" r:id="rId12"/>
-    <p:sldId id="269" r:id="rId13"/>
+    <p:sldId id="270" r:id="rId4"/>
+    <p:sldId id="260" r:id="rId5"/>
+    <p:sldId id="273" r:id="rId6"/>
+    <p:sldId id="274" r:id="rId7"/>
+    <p:sldId id="263" r:id="rId8"/>
+    <p:sldId id="264" r:id="rId9"/>
+    <p:sldId id="265" r:id="rId10"/>
+    <p:sldId id="271" r:id="rId11"/>
+    <p:sldId id="266" r:id="rId12"/>
+    <p:sldId id="267" r:id="rId13"/>
+    <p:sldId id="268" r:id="rId14"/>
+    <p:sldId id="269" r:id="rId15"/>
+    <p:sldId id="272" r:id="rId16"/>
   </p:sldIdLst>
   <p:sldSz cx="12192000" cy="6858000"/>
   <p:notesSz cx="6858000" cy="9144000"/>
@@ -4057,6 +4060,667 @@
           <p:cNvPr id="2" name="Title 1">
             <a:extLst>
               <a:ext uri="{FF2B5EF4-FFF2-40B4-BE49-F238E27FC236}">
+                <a16:creationId xmlns:a16="http://schemas.microsoft.com/office/drawing/2014/main" id="{351699FE-CF80-4781-9970-927AD544B54C}"/>
+              </a:ext>
+            </a:extLst>
+          </p:cNvPr>
+          <p:cNvSpPr>
+            <a:spLocks noGrp="1"/>
+          </p:cNvSpPr>
+          <p:nvPr>
+            <p:ph type="title"/>
+          </p:nvPr>
+        </p:nvSpPr>
+        <p:spPr/>
+        <p:txBody>
+          <a:bodyPr/>
+          <a:lstStyle/>
+          <a:p>
+            <a:r>
+              <a:rPr lang="en-US" dirty="0"/>
+              <a:t>Gaussian Noise</a:t>
+            </a:r>
+          </a:p>
+        </p:txBody>
+      </p:sp>
+      <mc:AlternateContent xmlns:mc="http://schemas.openxmlformats.org/markup-compatibility/2006">
+        <mc:Choice xmlns:a14="http://schemas.microsoft.com/office/drawing/2010/main" Requires="a14">
+          <p:sp>
+            <p:nvSpPr>
+              <p:cNvPr id="3" name="Content Placeholder 2">
+                <a:extLst>
+                  <a:ext uri="{FF2B5EF4-FFF2-40B4-BE49-F238E27FC236}">
+                    <a16:creationId xmlns:a16="http://schemas.microsoft.com/office/drawing/2014/main" id="{D8F40D20-AABB-4B46-A4E3-423513252FD1}"/>
+                  </a:ext>
+                </a:extLst>
+              </p:cNvPr>
+              <p:cNvSpPr>
+                <a:spLocks noGrp="1"/>
+              </p:cNvSpPr>
+              <p:nvPr>
+                <p:ph idx="1"/>
+              </p:nvPr>
+            </p:nvSpPr>
+            <p:spPr/>
+            <p:txBody>
+              <a:bodyPr/>
+              <a:lstStyle/>
+              <a:p>
+                <a:r>
+                  <a:rPr lang="en-US" dirty="0"/>
+                  <a:t>Pseudo-Random noise is added to each image – Drawn from Gaussian</a:t>
+                </a:r>
+              </a:p>
+              <a:p>
+                <a:endParaRPr lang="en-US" dirty="0"/>
+              </a:p>
+              <a:p>
+                <a:pPr algn="ctr"/>
+                <a14:m>
+                  <m:oMath xmlns:m="http://schemas.openxmlformats.org/officeDocument/2006/math">
+                    <m:r>
+                      <a:rPr lang="en-US" sz="2800" i="1" smtClean="0">
+                        <a:latin typeface="Cambria Math" panose="02040503050406030204" pitchFamily="18" charset="0"/>
+                        <a:ea typeface="Cambria Math" panose="02040503050406030204" pitchFamily="18" charset="0"/>
+                      </a:rPr>
+                      <m:t>𝒩</m:t>
+                    </m:r>
+                    <m:d>
+                      <m:dPr>
+                        <m:ctrlPr>
+                          <a:rPr lang="en-US" sz="2800" b="0" i="1" smtClean="0">
+                            <a:latin typeface="Cambria Math" panose="02040503050406030204" pitchFamily="18" charset="0"/>
+                            <a:ea typeface="Cambria Math" panose="02040503050406030204" pitchFamily="18" charset="0"/>
+                          </a:rPr>
+                        </m:ctrlPr>
+                      </m:dPr>
+                      <m:e>
+                        <m:r>
+                          <a:rPr lang="en-US" sz="2800" b="0" i="1" smtClean="0">
+                            <a:latin typeface="Cambria Math" panose="02040503050406030204" pitchFamily="18" charset="0"/>
+                            <a:ea typeface="Cambria Math" panose="02040503050406030204" pitchFamily="18" charset="0"/>
+                          </a:rPr>
+                          <m:t>𝜇</m:t>
+                        </m:r>
+                        <m:r>
+                          <a:rPr lang="en-US" sz="2800" b="0" i="1" smtClean="0">
+                            <a:latin typeface="Cambria Math" panose="02040503050406030204" pitchFamily="18" charset="0"/>
+                            <a:ea typeface="Cambria Math" panose="02040503050406030204" pitchFamily="18" charset="0"/>
+                          </a:rPr>
+                          <m:t>,</m:t>
+                        </m:r>
+                        <m:r>
+                          <a:rPr lang="en-US" sz="2800" b="0" i="1" smtClean="0">
+                            <a:latin typeface="Cambria Math" panose="02040503050406030204" pitchFamily="18" charset="0"/>
+                            <a:ea typeface="Cambria Math" panose="02040503050406030204" pitchFamily="18" charset="0"/>
+                          </a:rPr>
+                          <m:t>𝜎</m:t>
+                        </m:r>
+                      </m:e>
+                    </m:d>
+                    <m:r>
+                      <a:rPr lang="en-US" sz="2800" b="0" i="1" smtClean="0">
+                        <a:latin typeface="Cambria Math" panose="02040503050406030204" pitchFamily="18" charset="0"/>
+                        <a:ea typeface="Cambria Math" panose="02040503050406030204" pitchFamily="18" charset="0"/>
+                      </a:rPr>
+                      <m:t>= </m:t>
+                    </m:r>
+                    <m:f>
+                      <m:fPr>
+                        <m:ctrlPr>
+                          <a:rPr lang="en-US" sz="2800" b="0" i="1" smtClean="0">
+                            <a:latin typeface="Cambria Math" panose="02040503050406030204" pitchFamily="18" charset="0"/>
+                            <a:ea typeface="Cambria Math" panose="02040503050406030204" pitchFamily="18" charset="0"/>
+                          </a:rPr>
+                        </m:ctrlPr>
+                      </m:fPr>
+                      <m:num>
+                        <m:r>
+                          <a:rPr lang="en-US" sz="2800" b="0" i="1" smtClean="0">
+                            <a:latin typeface="Cambria Math" panose="02040503050406030204" pitchFamily="18" charset="0"/>
+                            <a:ea typeface="Cambria Math" panose="02040503050406030204" pitchFamily="18" charset="0"/>
+                          </a:rPr>
+                          <m:t>1</m:t>
+                        </m:r>
+                      </m:num>
+                      <m:den>
+                        <m:rad>
+                          <m:radPr>
+                            <m:degHide m:val="on"/>
+                            <m:ctrlPr>
+                              <a:rPr lang="en-US" sz="2800" b="0" i="1" smtClean="0">
+                                <a:latin typeface="Cambria Math" panose="02040503050406030204" pitchFamily="18" charset="0"/>
+                                <a:ea typeface="Cambria Math" panose="02040503050406030204" pitchFamily="18" charset="0"/>
+                              </a:rPr>
+                            </m:ctrlPr>
+                          </m:radPr>
+                          <m:deg/>
+                          <m:e>
+                            <m:r>
+                              <a:rPr lang="en-US" sz="2800" b="0" i="1" smtClean="0">
+                                <a:latin typeface="Cambria Math" panose="02040503050406030204" pitchFamily="18" charset="0"/>
+                                <a:ea typeface="Cambria Math" panose="02040503050406030204" pitchFamily="18" charset="0"/>
+                              </a:rPr>
+                              <m:t>2</m:t>
+                            </m:r>
+                            <m:r>
+                              <a:rPr lang="en-US" sz="2800" b="0" i="1" smtClean="0">
+                                <a:latin typeface="Cambria Math" panose="02040503050406030204" pitchFamily="18" charset="0"/>
+                                <a:ea typeface="Cambria Math" panose="02040503050406030204" pitchFamily="18" charset="0"/>
+                              </a:rPr>
+                              <m:t>𝜋</m:t>
+                            </m:r>
+                            <m:sSup>
+                              <m:sSupPr>
+                                <m:ctrlPr>
+                                  <a:rPr lang="en-US" sz="2800" b="0" i="1" smtClean="0">
+                                    <a:latin typeface="Cambria Math" panose="02040503050406030204" pitchFamily="18" charset="0"/>
+                                    <a:ea typeface="Cambria Math" panose="02040503050406030204" pitchFamily="18" charset="0"/>
+                                  </a:rPr>
+                                </m:ctrlPr>
+                              </m:sSupPr>
+                              <m:e>
+                                <m:r>
+                                  <a:rPr lang="en-US" sz="2800" b="0" i="1" smtClean="0">
+                                    <a:latin typeface="Cambria Math" panose="02040503050406030204" pitchFamily="18" charset="0"/>
+                                    <a:ea typeface="Cambria Math" panose="02040503050406030204" pitchFamily="18" charset="0"/>
+                                  </a:rPr>
+                                  <m:t>𝜎</m:t>
+                                </m:r>
+                              </m:e>
+                              <m:sup>
+                                <m:r>
+                                  <a:rPr lang="en-US" sz="2800" b="0" i="1" smtClean="0">
+                                    <a:latin typeface="Cambria Math" panose="02040503050406030204" pitchFamily="18" charset="0"/>
+                                    <a:ea typeface="Cambria Math" panose="02040503050406030204" pitchFamily="18" charset="0"/>
+                                  </a:rPr>
+                                  <m:t>2</m:t>
+                                </m:r>
+                              </m:sup>
+                            </m:sSup>
+                          </m:e>
+                        </m:rad>
+                      </m:den>
+                    </m:f>
+                    <m:sSup>
+                      <m:sSupPr>
+                        <m:ctrlPr>
+                          <a:rPr lang="en-US" sz="2800" b="0" i="1" smtClean="0">
+                            <a:latin typeface="Cambria Math" panose="02040503050406030204" pitchFamily="18" charset="0"/>
+                            <a:ea typeface="Cambria Math" panose="02040503050406030204" pitchFamily="18" charset="0"/>
+                          </a:rPr>
+                        </m:ctrlPr>
+                      </m:sSupPr>
+                      <m:e>
+                        <m:r>
+                          <a:rPr lang="en-US" sz="2800" b="0" i="1" smtClean="0">
+                            <a:latin typeface="Cambria Math" panose="02040503050406030204" pitchFamily="18" charset="0"/>
+                            <a:ea typeface="Cambria Math" panose="02040503050406030204" pitchFamily="18" charset="0"/>
+                          </a:rPr>
+                          <m:t>𝑒</m:t>
+                        </m:r>
+                      </m:e>
+                      <m:sup>
+                        <m:r>
+                          <a:rPr lang="en-US" sz="2800" b="0" i="1" smtClean="0">
+                            <a:latin typeface="Cambria Math" panose="02040503050406030204" pitchFamily="18" charset="0"/>
+                            <a:ea typeface="Cambria Math" panose="02040503050406030204" pitchFamily="18" charset="0"/>
+                          </a:rPr>
+                          <m:t>−</m:t>
+                        </m:r>
+                        <m:f>
+                          <m:fPr>
+                            <m:ctrlPr>
+                              <a:rPr lang="en-US" sz="2800" b="0" i="1" smtClean="0">
+                                <a:latin typeface="Cambria Math" panose="02040503050406030204" pitchFamily="18" charset="0"/>
+                                <a:ea typeface="Cambria Math" panose="02040503050406030204" pitchFamily="18" charset="0"/>
+                              </a:rPr>
+                            </m:ctrlPr>
+                          </m:fPr>
+                          <m:num>
+                            <m:sSup>
+                              <m:sSupPr>
+                                <m:ctrlPr>
+                                  <a:rPr lang="en-US" sz="2800" b="0" i="1" smtClean="0">
+                                    <a:latin typeface="Cambria Math" panose="02040503050406030204" pitchFamily="18" charset="0"/>
+                                    <a:ea typeface="Cambria Math" panose="02040503050406030204" pitchFamily="18" charset="0"/>
+                                  </a:rPr>
+                                </m:ctrlPr>
+                              </m:sSupPr>
+                              <m:e>
+                                <m:d>
+                                  <m:dPr>
+                                    <m:ctrlPr>
+                                      <a:rPr lang="en-US" sz="2800" b="0" i="1" smtClean="0">
+                                        <a:latin typeface="Cambria Math" panose="02040503050406030204" pitchFamily="18" charset="0"/>
+                                        <a:ea typeface="Cambria Math" panose="02040503050406030204" pitchFamily="18" charset="0"/>
+                                      </a:rPr>
+                                    </m:ctrlPr>
+                                  </m:dPr>
+                                  <m:e>
+                                    <m:r>
+                                      <a:rPr lang="en-US" sz="2800" b="0" i="1" smtClean="0">
+                                        <a:latin typeface="Cambria Math" panose="02040503050406030204" pitchFamily="18" charset="0"/>
+                                        <a:ea typeface="Cambria Math" panose="02040503050406030204" pitchFamily="18" charset="0"/>
+                                      </a:rPr>
+                                      <m:t>𝑥</m:t>
+                                    </m:r>
+                                    <m:r>
+                                      <a:rPr lang="en-US" sz="2800" b="0" i="1" smtClean="0">
+                                        <a:latin typeface="Cambria Math" panose="02040503050406030204" pitchFamily="18" charset="0"/>
+                                        <a:ea typeface="Cambria Math" panose="02040503050406030204" pitchFamily="18" charset="0"/>
+                                      </a:rPr>
+                                      <m:t>−</m:t>
+                                    </m:r>
+                                    <m:r>
+                                      <a:rPr lang="en-US" sz="2800" b="0" i="1" smtClean="0">
+                                        <a:latin typeface="Cambria Math" panose="02040503050406030204" pitchFamily="18" charset="0"/>
+                                        <a:ea typeface="Cambria Math" panose="02040503050406030204" pitchFamily="18" charset="0"/>
+                                      </a:rPr>
+                                      <m:t>𝜇</m:t>
+                                    </m:r>
+                                  </m:e>
+                                </m:d>
+                              </m:e>
+                              <m:sup>
+                                <m:r>
+                                  <a:rPr lang="en-US" sz="2800" b="0" i="1" smtClean="0">
+                                    <a:latin typeface="Cambria Math" panose="02040503050406030204" pitchFamily="18" charset="0"/>
+                                    <a:ea typeface="Cambria Math" panose="02040503050406030204" pitchFamily="18" charset="0"/>
+                                  </a:rPr>
+                                  <m:t>2</m:t>
+                                </m:r>
+                              </m:sup>
+                            </m:sSup>
+                          </m:num>
+                          <m:den>
+                            <m:r>
+                              <a:rPr lang="en-US" sz="2800" b="0" i="1" smtClean="0">
+                                <a:latin typeface="Cambria Math" panose="02040503050406030204" pitchFamily="18" charset="0"/>
+                                <a:ea typeface="Cambria Math" panose="02040503050406030204" pitchFamily="18" charset="0"/>
+                              </a:rPr>
+                              <m:t>2</m:t>
+                            </m:r>
+                            <m:sSup>
+                              <m:sSupPr>
+                                <m:ctrlPr>
+                                  <a:rPr lang="en-US" sz="2800" b="0" i="1" smtClean="0">
+                                    <a:latin typeface="Cambria Math" panose="02040503050406030204" pitchFamily="18" charset="0"/>
+                                    <a:ea typeface="Cambria Math" panose="02040503050406030204" pitchFamily="18" charset="0"/>
+                                  </a:rPr>
+                                </m:ctrlPr>
+                              </m:sSupPr>
+                              <m:e>
+                                <m:r>
+                                  <a:rPr lang="en-US" sz="2800" b="0" i="1" smtClean="0">
+                                    <a:latin typeface="Cambria Math" panose="02040503050406030204" pitchFamily="18" charset="0"/>
+                                    <a:ea typeface="Cambria Math" panose="02040503050406030204" pitchFamily="18" charset="0"/>
+                                  </a:rPr>
+                                  <m:t>𝜎</m:t>
+                                </m:r>
+                              </m:e>
+                              <m:sup>
+                                <m:r>
+                                  <a:rPr lang="en-US" sz="2800" b="0" i="1" smtClean="0">
+                                    <a:latin typeface="Cambria Math" panose="02040503050406030204" pitchFamily="18" charset="0"/>
+                                    <a:ea typeface="Cambria Math" panose="02040503050406030204" pitchFamily="18" charset="0"/>
+                                  </a:rPr>
+                                  <m:t>2</m:t>
+                                </m:r>
+                              </m:sup>
+                            </m:sSup>
+                          </m:den>
+                        </m:f>
+                      </m:sup>
+                    </m:sSup>
+                  </m:oMath>
+                </a14:m>
+                <a:endParaRPr lang="en-US" sz="2000" dirty="0"/>
+              </a:p>
+              <a:p>
+                <a:pPr algn="ctr"/>
+                <a:endParaRPr lang="en-US" sz="2000" dirty="0"/>
+              </a:p>
+              <a:p>
+                <a:r>
+                  <a:rPr lang="en-US" dirty="0"/>
+                  <a:t>This is a common approximation for error in regression functions (James)</a:t>
+                </a:r>
+              </a:p>
+            </p:txBody>
+          </p:sp>
+        </mc:Choice>
+        <mc:Fallback>
+          <p:sp>
+            <p:nvSpPr>
+              <p:cNvPr id="3" name="Content Placeholder 2">
+                <a:extLst>
+                  <a:ext uri="{FF2B5EF4-FFF2-40B4-BE49-F238E27FC236}">
+                    <a16:creationId xmlns:a16="http://schemas.microsoft.com/office/drawing/2014/main" id="{D8F40D20-AABB-4B46-A4E3-423513252FD1}"/>
+                  </a:ext>
+                </a:extLst>
+              </p:cNvPr>
+              <p:cNvSpPr>
+                <a:spLocks noGrp="1" noRot="1" noChangeAspect="1" noMove="1" noResize="1" noEditPoints="1" noAdjustHandles="1" noChangeArrowheads="1" noChangeShapeType="1" noTextEdit="1"/>
+              </p:cNvSpPr>
+              <p:nvPr>
+                <p:ph idx="1"/>
+              </p:nvPr>
+            </p:nvSpPr>
+            <p:spPr>
+              <a:blipFill>
+                <a:blip r:embed="rId2"/>
+                <a:stretch>
+                  <a:fillRect l="-545" t="-810"/>
+                </a:stretch>
+              </a:blipFill>
+            </p:spPr>
+            <p:txBody>
+              <a:bodyPr/>
+              <a:lstStyle/>
+              <a:p>
+                <a:r>
+                  <a:rPr lang="en-US">
+                    <a:noFill/>
+                  </a:rPr>
+                  <a:t> </a:t>
+                </a:r>
+              </a:p>
+            </p:txBody>
+          </p:sp>
+        </mc:Fallback>
+      </mc:AlternateContent>
+    </p:spTree>
+    <p:extLst>
+      <p:ext uri="{BB962C8B-B14F-4D97-AF65-F5344CB8AC3E}">
+        <p14:creationId xmlns:p14="http://schemas.microsoft.com/office/powerpoint/2010/main" val="1242430148"/>
+      </p:ext>
+    </p:extLst>
+  </p:cSld>
+  <p:clrMapOvr>
+    <a:masterClrMapping/>
+  </p:clrMapOvr>
+</p:sld>
+</file>
+
+<file path=ppt/slides/slide11.xml><?xml version="1.0" encoding="utf-8"?>
+<p:sld xmlns:a="http://schemas.openxmlformats.org/drawingml/2006/main" xmlns:r="http://schemas.openxmlformats.org/officeDocument/2006/relationships" xmlns:p="http://schemas.openxmlformats.org/presentationml/2006/main">
+  <p:cSld>
+    <p:spTree>
+      <p:nvGrpSpPr>
+        <p:cNvPr id="1" name=""/>
+        <p:cNvGrpSpPr/>
+        <p:nvPr/>
+      </p:nvGrpSpPr>
+      <p:grpSpPr>
+        <a:xfrm>
+          <a:off x="0" y="0"/>
+          <a:ext cx="0" cy="0"/>
+          <a:chOff x="0" y="0"/>
+          <a:chExt cx="0" cy="0"/>
+        </a:xfrm>
+      </p:grpSpPr>
+      <p:sp>
+        <p:nvSpPr>
+          <p:cNvPr id="2" name="Title 1">
+            <a:extLst>
+              <a:ext uri="{FF2B5EF4-FFF2-40B4-BE49-F238E27FC236}">
+                <a16:creationId xmlns:a16="http://schemas.microsoft.com/office/drawing/2014/main" id="{09DE836D-D42A-4032-A27B-DD5C855920DB}"/>
+              </a:ext>
+            </a:extLst>
+          </p:cNvPr>
+          <p:cNvSpPr>
+            <a:spLocks noGrp="1"/>
+          </p:cNvSpPr>
+          <p:nvPr>
+            <p:ph type="title"/>
+          </p:nvPr>
+        </p:nvSpPr>
+        <p:spPr/>
+        <p:txBody>
+          <a:bodyPr/>
+          <a:lstStyle/>
+          <a:p>
+            <a:r>
+              <a:rPr lang="en-US" dirty="0"/>
+              <a:t>The Control Classifier</a:t>
+            </a:r>
+          </a:p>
+        </p:txBody>
+      </p:sp>
+      <p:sp>
+        <p:nvSpPr>
+          <p:cNvPr id="6" name="Text Placeholder 5">
+            <a:extLst>
+              <a:ext uri="{FF2B5EF4-FFF2-40B4-BE49-F238E27FC236}">
+                <a16:creationId xmlns:a16="http://schemas.microsoft.com/office/drawing/2014/main" id="{923E4841-90BA-4093-8C2F-717EC623B77E}"/>
+              </a:ext>
+            </a:extLst>
+          </p:cNvPr>
+          <p:cNvSpPr>
+            <a:spLocks noGrp="1"/>
+          </p:cNvSpPr>
+          <p:nvPr>
+            <p:ph type="body" idx="1"/>
+          </p:nvPr>
+        </p:nvSpPr>
+        <p:spPr/>
+        <p:txBody>
+          <a:bodyPr/>
+          <a:lstStyle/>
+          <a:p>
+            <a:r>
+              <a:rPr lang="en-US" dirty="0"/>
+              <a:t>Training samples</a:t>
+            </a:r>
+          </a:p>
+        </p:txBody>
+      </p:sp>
+      <p:pic>
+        <p:nvPicPr>
+          <p:cNvPr id="4" name="Content Placeholder 3" descr="A screenshot of a cell phone&#10;&#10;Description automatically generated">
+            <a:extLst>
+              <a:ext uri="{FF2B5EF4-FFF2-40B4-BE49-F238E27FC236}">
+                <a16:creationId xmlns:a16="http://schemas.microsoft.com/office/drawing/2014/main" id="{8BDF7D61-D7D9-4CFC-A2D5-C278BA20D269}"/>
+              </a:ext>
+            </a:extLst>
+          </p:cNvPr>
+          <p:cNvPicPr>
+            <a:picLocks noGrp="1" noChangeAspect="1"/>
+          </p:cNvPicPr>
+          <p:nvPr>
+            <p:ph sz="half" idx="2"/>
+          </p:nvPr>
+        </p:nvPicPr>
+        <p:blipFill>
+          <a:blip r:embed="rId2">
+            <a:extLst>
+              <a:ext uri="{28A0092B-C50C-407E-A947-70E740481C1C}">
+                <a14:useLocalDpi xmlns:a14="http://schemas.microsoft.com/office/drawing/2010/main" val="0"/>
+              </a:ext>
+            </a:extLst>
+          </a:blip>
+          <a:stretch>
+            <a:fillRect/>
+          </a:stretch>
+        </p:blipFill>
+        <p:spPr>
+          <a:xfrm>
+            <a:off x="392186" y="3108239"/>
+            <a:ext cx="2683201" cy="2012402"/>
+          </a:xfrm>
+        </p:spPr>
+      </p:pic>
+      <p:sp>
+        <p:nvSpPr>
+          <p:cNvPr id="8" name="Text Placeholder 7">
+            <a:extLst>
+              <a:ext uri="{FF2B5EF4-FFF2-40B4-BE49-F238E27FC236}">
+                <a16:creationId xmlns:a16="http://schemas.microsoft.com/office/drawing/2014/main" id="{FBC349E6-C94D-41B0-94E3-4315D39FED9C}"/>
+              </a:ext>
+            </a:extLst>
+          </p:cNvPr>
+          <p:cNvSpPr>
+            <a:spLocks noGrp="1"/>
+          </p:cNvSpPr>
+          <p:nvPr>
+            <p:ph type="body" sz="quarter" idx="3"/>
+          </p:nvPr>
+        </p:nvSpPr>
+        <p:spPr/>
+        <p:txBody>
+          <a:bodyPr/>
+          <a:lstStyle/>
+          <a:p>
+            <a:r>
+              <a:rPr lang="en-US" dirty="0"/>
+              <a:t>Testing Samples</a:t>
+            </a:r>
+          </a:p>
+        </p:txBody>
+      </p:sp>
+      <p:pic>
+        <p:nvPicPr>
+          <p:cNvPr id="10" name="Content Placeholder 9" descr="A close up of a logo&#10;&#10;Description automatically generated">
+            <a:extLst>
+              <a:ext uri="{FF2B5EF4-FFF2-40B4-BE49-F238E27FC236}">
+                <a16:creationId xmlns:a16="http://schemas.microsoft.com/office/drawing/2014/main" id="{AD0C57D2-FAC1-4B70-8127-5004D9FA07E2}"/>
+              </a:ext>
+            </a:extLst>
+          </p:cNvPr>
+          <p:cNvPicPr>
+            <a:picLocks noGrp="1" noChangeAspect="1"/>
+          </p:cNvPicPr>
+          <p:nvPr>
+            <p:ph sz="quarter" idx="4"/>
+          </p:nvPr>
+        </p:nvPicPr>
+        <p:blipFill>
+          <a:blip r:embed="rId3">
+            <a:extLst>
+              <a:ext uri="{28A0092B-C50C-407E-A947-70E740481C1C}">
+                <a14:useLocalDpi xmlns:a14="http://schemas.microsoft.com/office/drawing/2010/main" val="0"/>
+              </a:ext>
+            </a:extLst>
+          </a:blip>
+          <a:stretch>
+            <a:fillRect/>
+          </a:stretch>
+        </p:blipFill>
+        <p:spPr>
+          <a:xfrm>
+            <a:off x="2895589" y="3108239"/>
+            <a:ext cx="2683202" cy="2012402"/>
+          </a:xfrm>
+        </p:spPr>
+      </p:pic>
+      <p:pic>
+        <p:nvPicPr>
+          <p:cNvPr id="12" name="Picture 11" descr="A screenshot of a cell phone&#10;&#10;Description automatically generated">
+            <a:extLst>
+              <a:ext uri="{FF2B5EF4-FFF2-40B4-BE49-F238E27FC236}">
+                <a16:creationId xmlns:a16="http://schemas.microsoft.com/office/drawing/2014/main" id="{AADA4724-BE14-410D-A8CD-1730D9324806}"/>
+              </a:ext>
+            </a:extLst>
+          </p:cNvPr>
+          <p:cNvPicPr>
+            <a:picLocks noChangeAspect="1"/>
+          </p:cNvPicPr>
+          <p:nvPr/>
+        </p:nvPicPr>
+        <p:blipFill>
+          <a:blip r:embed="rId4">
+            <a:extLst>
+              <a:ext uri="{28A0092B-C50C-407E-A947-70E740481C1C}">
+                <a14:useLocalDpi xmlns:a14="http://schemas.microsoft.com/office/drawing/2010/main" val="0"/>
+              </a:ext>
+            </a:extLst>
+          </a:blip>
+          <a:stretch>
+            <a:fillRect/>
+          </a:stretch>
+        </p:blipFill>
+        <p:spPr>
+          <a:xfrm>
+            <a:off x="5737016" y="3108239"/>
+            <a:ext cx="2740284" cy="2055214"/>
+          </a:xfrm>
+          <a:prstGeom prst="rect">
+            <a:avLst/>
+          </a:prstGeom>
+        </p:spPr>
+      </p:pic>
+      <p:pic>
+        <p:nvPicPr>
+          <p:cNvPr id="14" name="Picture 13" descr="A screenshot of a cell phone&#10;&#10;Description automatically generated">
+            <a:extLst>
+              <a:ext uri="{FF2B5EF4-FFF2-40B4-BE49-F238E27FC236}">
+                <a16:creationId xmlns:a16="http://schemas.microsoft.com/office/drawing/2014/main" id="{3724E65D-4E96-4328-9C09-5FFE07DE702B}"/>
+              </a:ext>
+            </a:extLst>
+          </p:cNvPr>
+          <p:cNvPicPr>
+            <a:picLocks noChangeAspect="1"/>
+          </p:cNvPicPr>
+          <p:nvPr/>
+        </p:nvPicPr>
+        <p:blipFill>
+          <a:blip r:embed="rId5">
+            <a:extLst>
+              <a:ext uri="{28A0092B-C50C-407E-A947-70E740481C1C}">
+                <a14:useLocalDpi xmlns:a14="http://schemas.microsoft.com/office/drawing/2010/main" val="0"/>
+              </a:ext>
+            </a:extLst>
+          </a:blip>
+          <a:stretch>
+            <a:fillRect/>
+          </a:stretch>
+        </p:blipFill>
+        <p:spPr>
+          <a:xfrm>
+            <a:off x="8358339" y="3093124"/>
+            <a:ext cx="2780590" cy="2085443"/>
+          </a:xfrm>
+          <a:prstGeom prst="rect">
+            <a:avLst/>
+          </a:prstGeom>
+        </p:spPr>
+      </p:pic>
+    </p:spTree>
+    <p:extLst>
+      <p:ext uri="{BB962C8B-B14F-4D97-AF65-F5344CB8AC3E}">
+        <p14:creationId xmlns:p14="http://schemas.microsoft.com/office/powerpoint/2010/main" val="877663952"/>
+      </p:ext>
+    </p:extLst>
+  </p:cSld>
+  <p:clrMapOvr>
+    <a:masterClrMapping/>
+  </p:clrMapOvr>
+</p:sld>
+</file>
+
+<file path=ppt/slides/slide12.xml><?xml version="1.0" encoding="utf-8"?>
+<p:sld xmlns:a="http://schemas.openxmlformats.org/drawingml/2006/main" xmlns:r="http://schemas.openxmlformats.org/officeDocument/2006/relationships" xmlns:p="http://schemas.openxmlformats.org/presentationml/2006/main">
+  <p:cSld>
+    <p:spTree>
+      <p:nvGrpSpPr>
+        <p:cNvPr id="1" name=""/>
+        <p:cNvGrpSpPr/>
+        <p:nvPr/>
+      </p:nvGrpSpPr>
+      <p:grpSpPr>
+        <a:xfrm>
+          <a:off x="0" y="0"/>
+          <a:ext cx="0" cy="0"/>
+          <a:chOff x="0" y="0"/>
+          <a:chExt cx="0" cy="0"/>
+        </a:xfrm>
+      </p:grpSpPr>
+      <p:sp>
+        <p:nvSpPr>
+          <p:cNvPr id="2" name="Title 1">
+            <a:extLst>
+              <a:ext uri="{FF2B5EF4-FFF2-40B4-BE49-F238E27FC236}">
                 <a16:creationId xmlns:a16="http://schemas.microsoft.com/office/drawing/2014/main" id="{EAD59842-CB7B-4A08-83C8-8B2FB6A14B3E}"/>
               </a:ext>
             </a:extLst>
@@ -4291,7 +4955,7 @@
 </p:sld>
 </file>
 
-<file path=ppt/slides/slide11.xml><?xml version="1.0" encoding="utf-8"?>
+<file path=ppt/slides/slide13.xml><?xml version="1.0" encoding="utf-8"?>
 <p:sld xmlns:a="http://schemas.openxmlformats.org/drawingml/2006/main" xmlns:r="http://schemas.openxmlformats.org/officeDocument/2006/relationships" xmlns:p="http://schemas.openxmlformats.org/presentationml/2006/main">
   <p:cSld>
     <p:spTree>
@@ -4547,7 +5211,7 @@
 </p:sld>
 </file>
 
-<file path=ppt/slides/slide12.xml><?xml version="1.0" encoding="utf-8"?>
+<file path=ppt/slides/slide14.xml><?xml version="1.0" encoding="utf-8"?>
 <p:sld xmlns:a="http://schemas.openxmlformats.org/drawingml/2006/main" xmlns:r="http://schemas.openxmlformats.org/officeDocument/2006/relationships" xmlns:p="http://schemas.openxmlformats.org/presentationml/2006/main">
   <p:cSld>
     <p:spTree>
@@ -4803,6 +5467,171 @@
 </p:sld>
 </file>
 
+<file path=ppt/slides/slide15.xml><?xml version="1.0" encoding="utf-8"?>
+<p:sld xmlns:a="http://schemas.openxmlformats.org/drawingml/2006/main" xmlns:r="http://schemas.openxmlformats.org/officeDocument/2006/relationships" xmlns:p="http://schemas.openxmlformats.org/presentationml/2006/main">
+  <p:cSld>
+    <p:spTree>
+      <p:nvGrpSpPr>
+        <p:cNvPr id="1" name=""/>
+        <p:cNvGrpSpPr/>
+        <p:nvPr/>
+      </p:nvGrpSpPr>
+      <p:grpSpPr>
+        <a:xfrm>
+          <a:off x="0" y="0"/>
+          <a:ext cx="0" cy="0"/>
+          <a:chOff x="0" y="0"/>
+          <a:chExt cx="0" cy="0"/>
+        </a:xfrm>
+      </p:grpSpPr>
+      <p:sp>
+        <p:nvSpPr>
+          <p:cNvPr id="2" name="Title 1">
+            <a:extLst>
+              <a:ext uri="{FF2B5EF4-FFF2-40B4-BE49-F238E27FC236}">
+                <a16:creationId xmlns:a16="http://schemas.microsoft.com/office/drawing/2014/main" id="{672E8C62-61E7-45B2-BA72-76C0DFA45ADC}"/>
+              </a:ext>
+            </a:extLst>
+          </p:cNvPr>
+          <p:cNvSpPr>
+            <a:spLocks noGrp="1"/>
+          </p:cNvSpPr>
+          <p:nvPr>
+            <p:ph type="title"/>
+          </p:nvPr>
+        </p:nvSpPr>
+        <p:spPr/>
+        <p:txBody>
+          <a:bodyPr/>
+          <a:lstStyle/>
+          <a:p>
+            <a:r>
+              <a:rPr lang="en-US" dirty="0"/>
+              <a:t>Citations</a:t>
+            </a:r>
+          </a:p>
+        </p:txBody>
+      </p:sp>
+      <p:sp>
+        <p:nvSpPr>
+          <p:cNvPr id="3" name="Content Placeholder 2">
+            <a:extLst>
+              <a:ext uri="{FF2B5EF4-FFF2-40B4-BE49-F238E27FC236}">
+                <a16:creationId xmlns:a16="http://schemas.microsoft.com/office/drawing/2014/main" id="{64627BC6-7D6A-484C-B1A4-3646D8448567}"/>
+              </a:ext>
+            </a:extLst>
+          </p:cNvPr>
+          <p:cNvSpPr>
+            <a:spLocks noGrp="1"/>
+          </p:cNvSpPr>
+          <p:nvPr>
+            <p:ph idx="1"/>
+          </p:nvPr>
+        </p:nvSpPr>
+        <p:spPr/>
+        <p:txBody>
+          <a:bodyPr>
+            <a:normAutofit fontScale="92500" lnSpcReduction="10000"/>
+          </a:bodyPr>
+          <a:lstStyle/>
+          <a:p>
+            <a:r>
+              <a:rPr lang="en-US" dirty="0" err="1"/>
+              <a:t>Geron</a:t>
+            </a:r>
+            <a:r>
+              <a:rPr lang="en-US" dirty="0"/>
+              <a:t> </a:t>
+            </a:r>
+            <a:r>
+              <a:rPr lang="en-US" dirty="0" err="1"/>
+              <a:t>Aurelien</a:t>
+            </a:r>
+            <a:r>
+              <a:rPr lang="en-US" dirty="0"/>
+              <a:t>. Hands-on Machine Learning with </a:t>
+            </a:r>
+            <a:r>
+              <a:rPr lang="en-US" dirty="0" err="1"/>
+              <a:t>Scikit</a:t>
+            </a:r>
+            <a:r>
+              <a:rPr lang="en-US" dirty="0"/>
+              <a:t>-Learn and TensorFlow: Concepts, Tools, and Techniques to Build Intelligent Systems. O’Reilly, 2017.</a:t>
+            </a:r>
+          </a:p>
+          <a:p>
+            <a:r>
+              <a:rPr lang="en-US" dirty="0"/>
+              <a:t>Goodfellow, Ian, et </a:t>
+            </a:r>
+            <a:r>
+              <a:rPr lang="en-US" dirty="0" err="1"/>
+              <a:t>al.Deep</a:t>
+            </a:r>
+            <a:r>
+              <a:rPr lang="en-US" dirty="0"/>
+              <a:t> Learning. MIT Press, 2017.</a:t>
+            </a:r>
+          </a:p>
+          <a:p>
+            <a:r>
+              <a:rPr lang="en-US" dirty="0"/>
+              <a:t>James, Gareth, et al. An Introduction to Statistical Learning with Applications in R. Springer, 2017.</a:t>
+            </a:r>
+          </a:p>
+          <a:p>
+            <a:r>
+              <a:rPr lang="en-US" dirty="0"/>
+              <a:t>Olsen, R.S., et al. 2017. ’PMLB: A Large Benchmarking Suite for Machine Learning Evaluation and Comparison’. Biodata Mining</a:t>
+            </a:r>
+          </a:p>
+          <a:p>
+            <a:r>
+              <a:rPr lang="en-US" dirty="0"/>
+              <a:t>Petrik, Marek. “Introduction to Machine Learning.” Machine Learning. 05 Feb. 2020, Durham, New Hampshire</a:t>
+            </a:r>
+          </a:p>
+          <a:p>
+            <a:r>
+              <a:rPr lang="en-US" dirty="0"/>
+              <a:t>Sanderson, Grant. </a:t>
+            </a:r>
+            <a:r>
+              <a:rPr lang="en-US" i="1" dirty="0"/>
+              <a:t>But What Is A Neural Network?</a:t>
+            </a:r>
+            <a:r>
+              <a:rPr lang="en-US" dirty="0"/>
+              <a:t> </a:t>
+            </a:r>
+            <a:r>
+              <a:rPr lang="en-US" i="1" dirty="0"/>
+              <a:t>3Blue1Brown</a:t>
+            </a:r>
+            <a:r>
+              <a:rPr lang="en-US" dirty="0"/>
+              <a:t>, www.3blue1brown.com/neural-networks.</a:t>
+            </a:r>
+          </a:p>
+          <a:p>
+            <a:endParaRPr lang="en-US" dirty="0"/>
+          </a:p>
+        </p:txBody>
+      </p:sp>
+    </p:spTree>
+    <p:extLst>
+      <p:ext uri="{BB962C8B-B14F-4D97-AF65-F5344CB8AC3E}">
+        <p14:creationId xmlns:p14="http://schemas.microsoft.com/office/powerpoint/2010/main" val="903319644"/>
+      </p:ext>
+    </p:extLst>
+  </p:cSld>
+  <p:clrMapOvr>
+    <a:masterClrMapping/>
+  </p:clrMapOvr>
+</p:sld>
+</file>
+
 <file path=ppt/slides/slide2.xml><?xml version="1.0" encoding="utf-8"?>
 <p:sld xmlns:a="http://schemas.openxmlformats.org/drawingml/2006/main" xmlns:r="http://schemas.openxmlformats.org/officeDocument/2006/relationships" xmlns:p="http://schemas.openxmlformats.org/presentationml/2006/main">
   <p:cSld>
@@ -4871,7 +5700,7 @@
           <a:p>
             <a:r>
               <a:rPr lang="en-US" dirty="0"/>
-              <a:t>Precision, Recall, F1 Score</a:t>
+              <a:t>Confusion Matrix, Precision, Recall, F1 Score</a:t>
             </a:r>
           </a:p>
         </p:txBody>
@@ -4908,10 +5737,10 @@
       </p:grpSpPr>
       <p:sp>
         <p:nvSpPr>
-          <p:cNvPr id="7" name="Title 6">
-            <a:extLst>
-              <a:ext uri="{FF2B5EF4-FFF2-40B4-BE49-F238E27FC236}">
-                <a16:creationId xmlns:a16="http://schemas.microsoft.com/office/drawing/2014/main" id="{C82D570F-98C4-452F-84CD-EE2B1E355979}"/>
+          <p:cNvPr id="2" name="Title 1">
+            <a:extLst>
+              <a:ext uri="{FF2B5EF4-FFF2-40B4-BE49-F238E27FC236}">
+                <a16:creationId xmlns:a16="http://schemas.microsoft.com/office/drawing/2014/main" id="{CB0C03D7-ED1B-4C79-9C2F-7BF10B2EE448}"/>
               </a:ext>
             </a:extLst>
           </p:cNvPr>
@@ -4929,17 +5758,17 @@
           <a:p>
             <a:r>
               <a:rPr lang="en-US" dirty="0"/>
-              <a:t>Precision Score</a:t>
-            </a:r>
-          </a:p>
-        </p:txBody>
-      </p:sp>
-      <p:sp>
-        <p:nvSpPr>
-          <p:cNvPr id="8" name="Content Placeholder 7">
-            <a:extLst>
-              <a:ext uri="{FF2B5EF4-FFF2-40B4-BE49-F238E27FC236}">
-                <a16:creationId xmlns:a16="http://schemas.microsoft.com/office/drawing/2014/main" id="{665984DD-9C79-42A6-9A6F-41597ECCEE4F}"/>
+              <a:t>Confusion Matrix</a:t>
+            </a:r>
+          </a:p>
+        </p:txBody>
+      </p:sp>
+      <p:sp>
+        <p:nvSpPr>
+          <p:cNvPr id="3" name="Content Placeholder 2">
+            <a:extLst>
+              <a:ext uri="{FF2B5EF4-FFF2-40B4-BE49-F238E27FC236}">
+                <a16:creationId xmlns:a16="http://schemas.microsoft.com/office/drawing/2014/main" id="{329ED218-B353-43C4-B066-AC7A954EF228}"/>
               </a:ext>
             </a:extLst>
           </p:cNvPr>
@@ -4952,42 +5781,970 @@
         </p:nvSpPr>
         <p:spPr/>
         <p:txBody>
-          <a:bodyPr/>
+          <a:bodyPr>
+            <a:normAutofit/>
+          </a:bodyPr>
           <a:lstStyle/>
           <a:p>
+            <a:r>
+              <a:rPr lang="en-US" dirty="0"/>
+              <a:t>(K x K) matrix for a K-Bins classifier</a:t>
+            </a:r>
+          </a:p>
+          <a:p>
+            <a:r>
+              <a:rPr lang="en-US" dirty="0"/>
+              <a:t>(Petrik)</a:t>
+            </a:r>
+          </a:p>
+          <a:p>
             <a:endParaRPr lang="en-US" dirty="0"/>
           </a:p>
-        </p:txBody>
-      </p:sp>
-      <p:sp>
-        <p:nvSpPr>
-          <p:cNvPr id="9" name="Content Placeholder 8">
-            <a:extLst>
-              <a:ext uri="{FF2B5EF4-FFF2-40B4-BE49-F238E27FC236}">
-                <a16:creationId xmlns:a16="http://schemas.microsoft.com/office/drawing/2014/main" id="{DF81FF24-D2DD-49DE-9BE6-54D97FF6289D}"/>
-              </a:ext>
-            </a:extLst>
-          </p:cNvPr>
-          <p:cNvSpPr>
-            <a:spLocks noGrp="1"/>
-          </p:cNvSpPr>
-          <p:nvPr>
-            <p:ph sz="half" idx="2"/>
-          </p:nvPr>
-        </p:nvSpPr>
-        <p:spPr/>
-        <p:txBody>
-          <a:bodyPr/>
-          <a:lstStyle/>
-          <a:p>
-            <a:endParaRPr lang="en-US"/>
-          </a:p>
-        </p:txBody>
-      </p:sp>
+          <a:p>
+            <a:r>
+              <a:rPr lang="en-US" dirty="0"/>
+              <a:t>Columns are </a:t>
+            </a:r>
+            <a:r>
+              <a:rPr lang="en-US" i="1" dirty="0"/>
+              <a:t>actual</a:t>
+            </a:r>
+            <a:r>
+              <a:rPr lang="en-US" dirty="0"/>
+              <a:t> values</a:t>
+            </a:r>
+          </a:p>
+          <a:p>
+            <a:r>
+              <a:rPr lang="en-US" dirty="0"/>
+              <a:t>Rows are </a:t>
+            </a:r>
+            <a:r>
+              <a:rPr lang="en-US" i="1" dirty="0"/>
+              <a:t>predicted</a:t>
+            </a:r>
+            <a:r>
+              <a:rPr lang="en-US" dirty="0"/>
+              <a:t> values</a:t>
+            </a:r>
+          </a:p>
+          <a:p>
+            <a:endParaRPr lang="en-US" dirty="0"/>
+          </a:p>
+          <a:p>
+            <a:r>
+              <a:rPr lang="en-US" dirty="0"/>
+              <a:t>A Good classifier has a strong main diagonal</a:t>
+            </a:r>
+          </a:p>
+        </p:txBody>
+      </p:sp>
+      <mc:AlternateContent xmlns:mc="http://schemas.openxmlformats.org/markup-compatibility/2006">
+        <mc:Choice xmlns:a14="http://schemas.microsoft.com/office/drawing/2010/main" Requires="a14">
+          <p:graphicFrame>
+            <p:nvGraphicFramePr>
+              <p:cNvPr id="5" name="Table 5">
+                <a:extLst>
+                  <a:ext uri="{FF2B5EF4-FFF2-40B4-BE49-F238E27FC236}">
+                    <a16:creationId xmlns:a16="http://schemas.microsoft.com/office/drawing/2014/main" id="{DB938DF6-A85B-4F63-A000-9D585F339973}"/>
+                  </a:ext>
+                </a:extLst>
+              </p:cNvPr>
+              <p:cNvGraphicFramePr>
+                <a:graphicFrameLocks noGrp="1"/>
+              </p:cNvGraphicFramePr>
+              <p:nvPr>
+                <p:ph sz="half" idx="2"/>
+                <p:extLst>
+                  <p:ext uri="{D42A27DB-BD31-4B8C-83A1-F6EECF244321}">
+                    <p14:modId xmlns:p14="http://schemas.microsoft.com/office/powerpoint/2010/main" val="1941372521"/>
+                  </p:ext>
+                </p:extLst>
+              </p:nvPr>
+            </p:nvGraphicFramePr>
+            <p:xfrm>
+              <a:off x="6516688" y="2120900"/>
+              <a:ext cx="4638672" cy="1497330"/>
+            </p:xfrm>
+            <a:graphic>
+              <a:graphicData uri="http://schemas.openxmlformats.org/drawingml/2006/table">
+                <a:tbl>
+                  <a:tblPr firstRow="1" bandRow="1">
+                    <a:tableStyleId>{E8B1032C-EA38-4F05-BA0D-38AFFFC7BED3}</a:tableStyleId>
+                  </a:tblPr>
+                  <a:tblGrid>
+                    <a:gridCol w="1159668">
+                      <a:extLst>
+                        <a:ext uri="{9D8B030D-6E8A-4147-A177-3AD203B41FA5}">
+                          <a16:colId xmlns:a16="http://schemas.microsoft.com/office/drawing/2014/main" val="3104402084"/>
+                        </a:ext>
+                      </a:extLst>
+                    </a:gridCol>
+                    <a:gridCol w="1159668">
+                      <a:extLst>
+                        <a:ext uri="{9D8B030D-6E8A-4147-A177-3AD203B41FA5}">
+                          <a16:colId xmlns:a16="http://schemas.microsoft.com/office/drawing/2014/main" val="116974159"/>
+                        </a:ext>
+                      </a:extLst>
+                    </a:gridCol>
+                    <a:gridCol w="1159668">
+                      <a:extLst>
+                        <a:ext uri="{9D8B030D-6E8A-4147-A177-3AD203B41FA5}">
+                          <a16:colId xmlns:a16="http://schemas.microsoft.com/office/drawing/2014/main" val="1762024210"/>
+                        </a:ext>
+                      </a:extLst>
+                    </a:gridCol>
+                    <a:gridCol w="1159668">
+                      <a:extLst>
+                        <a:ext uri="{9D8B030D-6E8A-4147-A177-3AD203B41FA5}">
+                          <a16:colId xmlns:a16="http://schemas.microsoft.com/office/drawing/2014/main" val="1814731412"/>
+                        </a:ext>
+                      </a:extLst>
+                    </a:gridCol>
+                  </a:tblGrid>
+                  <a:tr h="370840">
+                    <a:tc>
+                      <a:txBody>
+                        <a:bodyPr/>
+                        <a:lstStyle/>
+                        <a:p>
+                          <a:endParaRPr lang="en-US" dirty="0"/>
+                        </a:p>
+                      </a:txBody>
+                      <a:tcPr/>
+                    </a:tc>
+                    <a:tc gridSpan="3">
+                      <a:txBody>
+                        <a:bodyPr/>
+                        <a:lstStyle/>
+                        <a:p>
+                          <a:pPr algn="ctr"/>
+                          <a:r>
+                            <a:rPr lang="en-US" dirty="0"/>
+                            <a:t>Actual Class</a:t>
+                          </a:r>
+                        </a:p>
+                      </a:txBody>
+                      <a:tcPr/>
+                    </a:tc>
+                    <a:tc hMerge="1">
+                      <a:txBody>
+                        <a:bodyPr/>
+                        <a:lstStyle/>
+                        <a:p>
+                          <a:endParaRPr lang="en-US" dirty="0"/>
+                        </a:p>
+                      </a:txBody>
+                      <a:tcPr/>
+                    </a:tc>
+                    <a:tc hMerge="1">
+                      <a:txBody>
+                        <a:bodyPr/>
+                        <a:lstStyle/>
+                        <a:p>
+                          <a:endParaRPr lang="en-US" dirty="0"/>
+                        </a:p>
+                      </a:txBody>
+                      <a:tcPr/>
+                    </a:tc>
+                    <a:extLst>
+                      <a:ext uri="{0D108BD9-81ED-4DB2-BD59-A6C34878D82A}">
+                        <a16:rowId xmlns:a16="http://schemas.microsoft.com/office/drawing/2014/main" val="3392156338"/>
+                      </a:ext>
+                    </a:extLst>
+                  </a:tr>
+                  <a:tr h="370840">
+                    <a:tc rowSpan="3">
+                      <a:txBody>
+                        <a:bodyPr/>
+                        <a:lstStyle/>
+                        <a:p>
+                          <a:pPr algn="ctr"/>
+                          <a:endParaRPr lang="en-US" dirty="0"/>
+                        </a:p>
+                        <a:p>
+                          <a:pPr algn="ctr"/>
+                          <a:r>
+                            <a:rPr lang="en-US" b="1" dirty="0"/>
+                            <a:t>Predicted Class</a:t>
+                          </a:r>
+                        </a:p>
+                      </a:txBody>
+                      <a:tcPr/>
+                    </a:tc>
+                    <a:tc>
+                      <a:txBody>
+                        <a:bodyPr/>
+                        <a:lstStyle/>
+                        <a:p>
+                          <a14:m>
+                            <m:oMathPara xmlns:m="http://schemas.openxmlformats.org/officeDocument/2006/math">
+                              <m:oMathParaPr>
+                                <m:jc m:val="centerGroup"/>
+                              </m:oMathParaPr>
+                              <m:oMath xmlns:m="http://schemas.openxmlformats.org/officeDocument/2006/math">
+                                <m:sSub>
+                                  <m:sSubPr>
+                                    <m:ctrlPr>
+                                      <a:rPr lang="en-US" b="0" i="1" smtClean="0">
+                                        <a:latin typeface="Cambria Math" panose="02040503050406030204" pitchFamily="18" charset="0"/>
+                                      </a:rPr>
+                                    </m:ctrlPr>
+                                  </m:sSubPr>
+                                  <m:e>
+                                    <m:r>
+                                      <a:rPr lang="en-US" b="0" i="1" smtClean="0">
+                                        <a:latin typeface="Cambria Math" panose="02040503050406030204" pitchFamily="18" charset="0"/>
+                                      </a:rPr>
+                                      <m:t>𝐶</m:t>
+                                    </m:r>
+                                  </m:e>
+                                  <m:sub>
+                                    <m:r>
+                                      <a:rPr lang="en-US" b="0" i="1" smtClean="0">
+                                        <a:latin typeface="Cambria Math" panose="02040503050406030204" pitchFamily="18" charset="0"/>
+                                      </a:rPr>
+                                      <m:t>1,1</m:t>
+                                    </m:r>
+                                  </m:sub>
+                                </m:sSub>
+                              </m:oMath>
+                            </m:oMathPara>
+                          </a14:m>
+                          <a:endParaRPr lang="en-US" b="0" dirty="0"/>
+                        </a:p>
+                      </a:txBody>
+                      <a:tcPr/>
+                    </a:tc>
+                    <a:tc>
+                      <a:txBody>
+                        <a:bodyPr/>
+                        <a:lstStyle/>
+                        <a:p>
+                          <a14:m>
+                            <m:oMathPara xmlns:m="http://schemas.openxmlformats.org/officeDocument/2006/math">
+                              <m:oMathParaPr>
+                                <m:jc m:val="centerGroup"/>
+                              </m:oMathParaPr>
+                              <m:oMath xmlns:m="http://schemas.openxmlformats.org/officeDocument/2006/math">
+                                <m:r>
+                                  <a:rPr lang="en-US" b="0" i="1" smtClean="0">
+                                    <a:latin typeface="Cambria Math" panose="02040503050406030204" pitchFamily="18" charset="0"/>
+                                  </a:rPr>
+                                  <m:t>…</m:t>
+                                </m:r>
+                              </m:oMath>
+                            </m:oMathPara>
+                          </a14:m>
+                          <a:endParaRPr lang="en-US" dirty="0"/>
+                        </a:p>
+                      </a:txBody>
+                      <a:tcPr/>
+                    </a:tc>
+                    <a:tc>
+                      <a:txBody>
+                        <a:bodyPr/>
+                        <a:lstStyle/>
+                        <a:p>
+                          <a14:m>
+                            <m:oMathPara xmlns:m="http://schemas.openxmlformats.org/officeDocument/2006/math">
+                              <m:oMathParaPr>
+                                <m:jc m:val="centerGroup"/>
+                              </m:oMathParaPr>
+                              <m:oMath xmlns:m="http://schemas.openxmlformats.org/officeDocument/2006/math">
+                                <m:sSub>
+                                  <m:sSubPr>
+                                    <m:ctrlPr>
+                                      <a:rPr lang="en-US" b="0" i="1" smtClean="0">
+                                        <a:latin typeface="Cambria Math" panose="02040503050406030204" pitchFamily="18" charset="0"/>
+                                      </a:rPr>
+                                    </m:ctrlPr>
+                                  </m:sSubPr>
+                                  <m:e>
+                                    <m:r>
+                                      <a:rPr lang="en-US" b="0" i="1" smtClean="0">
+                                        <a:latin typeface="Cambria Math" panose="02040503050406030204" pitchFamily="18" charset="0"/>
+                                      </a:rPr>
+                                      <m:t>𝐶</m:t>
+                                    </m:r>
+                                  </m:e>
+                                  <m:sub>
+                                    <m:r>
+                                      <a:rPr lang="en-US" b="0" i="1" smtClean="0">
+                                        <a:latin typeface="Cambria Math" panose="02040503050406030204" pitchFamily="18" charset="0"/>
+                                      </a:rPr>
+                                      <m:t>1,</m:t>
+                                    </m:r>
+                                    <m:r>
+                                      <a:rPr lang="en-US" b="0" i="1" smtClean="0">
+                                        <a:latin typeface="Cambria Math" panose="02040503050406030204" pitchFamily="18" charset="0"/>
+                                      </a:rPr>
+                                      <m:t>𝑘</m:t>
+                                    </m:r>
+                                  </m:sub>
+                                </m:sSub>
+                              </m:oMath>
+                            </m:oMathPara>
+                          </a14:m>
+                          <a:endParaRPr lang="en-US" dirty="0"/>
+                        </a:p>
+                      </a:txBody>
+                      <a:tcPr/>
+                    </a:tc>
+                    <a:extLst>
+                      <a:ext uri="{0D108BD9-81ED-4DB2-BD59-A6C34878D82A}">
+                        <a16:rowId xmlns:a16="http://schemas.microsoft.com/office/drawing/2014/main" val="1821877301"/>
+                      </a:ext>
+                    </a:extLst>
+                  </a:tr>
+                  <a:tr h="370840">
+                    <a:tc vMerge="1">
+                      <a:txBody>
+                        <a:bodyPr/>
+                        <a:lstStyle/>
+                        <a:p>
+                          <a:endParaRPr lang="en-US"/>
+                        </a:p>
+                      </a:txBody>
+                      <a:tcPr/>
+                    </a:tc>
+                    <a:tc>
+                      <a:txBody>
+                        <a:bodyPr/>
+                        <a:lstStyle/>
+                        <a:p>
+                          <a:pPr marL="0" marR="0" lvl="0" indent="0" algn="l" defTabSz="914400" rtl="0" eaLnBrk="1" fontAlgn="auto" latinLnBrk="0" hangingPunct="1">
+                            <a:lnSpc>
+                              <a:spcPct val="100000"/>
+                            </a:lnSpc>
+                            <a:spcBef>
+                              <a:spcPts val="0"/>
+                            </a:spcBef>
+                            <a:spcAft>
+                              <a:spcPts val="0"/>
+                            </a:spcAft>
+                            <a:buClrTx/>
+                            <a:buSzTx/>
+                            <a:buFontTx/>
+                            <a:buNone/>
+                            <a:tabLst/>
+                            <a:defRPr/>
+                          </a:pPr>
+                          <a14:m>
+                            <m:oMathPara xmlns:m="http://schemas.openxmlformats.org/officeDocument/2006/math">
+                              <m:oMathParaPr>
+                                <m:jc m:val="centerGroup"/>
+                              </m:oMathParaPr>
+                              <m:oMath xmlns:m="http://schemas.openxmlformats.org/officeDocument/2006/math">
+                                <m:r>
+                                  <a:rPr lang="en-US" b="0" i="1" smtClean="0">
+                                    <a:latin typeface="Cambria Math" panose="02040503050406030204" pitchFamily="18" charset="0"/>
+                                  </a:rPr>
+                                  <m:t>…</m:t>
+                                </m:r>
+                              </m:oMath>
+                            </m:oMathPara>
+                          </a14:m>
+                          <a:endParaRPr lang="en-US" dirty="0"/>
+                        </a:p>
+                      </a:txBody>
+                      <a:tcPr/>
+                    </a:tc>
+                    <a:tc>
+                      <a:txBody>
+                        <a:bodyPr/>
+                        <a:lstStyle/>
+                        <a:p>
+                          <a:pPr marL="0" marR="0" lvl="0" indent="0" algn="l" defTabSz="914400" rtl="0" eaLnBrk="1" fontAlgn="auto" latinLnBrk="0" hangingPunct="1">
+                            <a:lnSpc>
+                              <a:spcPct val="100000"/>
+                            </a:lnSpc>
+                            <a:spcBef>
+                              <a:spcPts val="0"/>
+                            </a:spcBef>
+                            <a:spcAft>
+                              <a:spcPts val="0"/>
+                            </a:spcAft>
+                            <a:buClrTx/>
+                            <a:buSzTx/>
+                            <a:buFontTx/>
+                            <a:buNone/>
+                            <a:tabLst/>
+                            <a:defRPr/>
+                          </a:pPr>
+                          <a14:m>
+                            <m:oMathPara xmlns:m="http://schemas.openxmlformats.org/officeDocument/2006/math">
+                              <m:oMathParaPr>
+                                <m:jc m:val="centerGroup"/>
+                              </m:oMathParaPr>
+                              <m:oMath xmlns:m="http://schemas.openxmlformats.org/officeDocument/2006/math">
+                                <m:r>
+                                  <a:rPr lang="en-US" b="0" i="1" smtClean="0">
+                                    <a:latin typeface="Cambria Math" panose="02040503050406030204" pitchFamily="18" charset="0"/>
+                                  </a:rPr>
+                                  <m:t>…</m:t>
+                                </m:r>
+                              </m:oMath>
+                            </m:oMathPara>
+                          </a14:m>
+                          <a:endParaRPr lang="en-US" dirty="0"/>
+                        </a:p>
+                      </a:txBody>
+                      <a:tcPr/>
+                    </a:tc>
+                    <a:tc>
+                      <a:txBody>
+                        <a:bodyPr/>
+                        <a:lstStyle/>
+                        <a:p>
+                          <a:pPr marL="0" marR="0" lvl="0" indent="0" algn="l" defTabSz="914400" rtl="0" eaLnBrk="1" fontAlgn="auto" latinLnBrk="0" hangingPunct="1">
+                            <a:lnSpc>
+                              <a:spcPct val="100000"/>
+                            </a:lnSpc>
+                            <a:spcBef>
+                              <a:spcPts val="0"/>
+                            </a:spcBef>
+                            <a:spcAft>
+                              <a:spcPts val="0"/>
+                            </a:spcAft>
+                            <a:buClrTx/>
+                            <a:buSzTx/>
+                            <a:buFontTx/>
+                            <a:buNone/>
+                            <a:tabLst/>
+                            <a:defRPr/>
+                          </a:pPr>
+                          <a14:m>
+                            <m:oMathPara xmlns:m="http://schemas.openxmlformats.org/officeDocument/2006/math">
+                              <m:oMathParaPr>
+                                <m:jc m:val="centerGroup"/>
+                              </m:oMathParaPr>
+                              <m:oMath xmlns:m="http://schemas.openxmlformats.org/officeDocument/2006/math">
+                                <m:r>
+                                  <a:rPr lang="en-US" b="0" i="1" smtClean="0">
+                                    <a:latin typeface="Cambria Math" panose="02040503050406030204" pitchFamily="18" charset="0"/>
+                                  </a:rPr>
+                                  <m:t>…</m:t>
+                                </m:r>
+                              </m:oMath>
+                            </m:oMathPara>
+                          </a14:m>
+                          <a:endParaRPr lang="en-US" dirty="0"/>
+                        </a:p>
+                      </a:txBody>
+                      <a:tcPr/>
+                    </a:tc>
+                    <a:extLst>
+                      <a:ext uri="{0D108BD9-81ED-4DB2-BD59-A6C34878D82A}">
+                        <a16:rowId xmlns:a16="http://schemas.microsoft.com/office/drawing/2014/main" val="2919549694"/>
+                      </a:ext>
+                    </a:extLst>
+                  </a:tr>
+                  <a:tr h="370840">
+                    <a:tc vMerge="1">
+                      <a:txBody>
+                        <a:bodyPr/>
+                        <a:lstStyle/>
+                        <a:p>
+                          <a:endParaRPr lang="en-US"/>
+                        </a:p>
+                      </a:txBody>
+                      <a:tcPr/>
+                    </a:tc>
+                    <a:tc>
+                      <a:txBody>
+                        <a:bodyPr/>
+                        <a:lstStyle/>
+                        <a:p>
+                          <a14:m>
+                            <m:oMathPara xmlns:m="http://schemas.openxmlformats.org/officeDocument/2006/math">
+                              <m:oMathParaPr>
+                                <m:jc m:val="centerGroup"/>
+                              </m:oMathParaPr>
+                              <m:oMath xmlns:m="http://schemas.openxmlformats.org/officeDocument/2006/math">
+                                <m:sSub>
+                                  <m:sSubPr>
+                                    <m:ctrlPr>
+                                      <a:rPr lang="en-US" b="0" i="1" smtClean="0">
+                                        <a:latin typeface="Cambria Math" panose="02040503050406030204" pitchFamily="18" charset="0"/>
+                                      </a:rPr>
+                                    </m:ctrlPr>
+                                  </m:sSubPr>
+                                  <m:e>
+                                    <m:r>
+                                      <a:rPr lang="en-US" b="0" i="1" smtClean="0">
+                                        <a:latin typeface="Cambria Math" panose="02040503050406030204" pitchFamily="18" charset="0"/>
+                                      </a:rPr>
+                                      <m:t>𝐶</m:t>
+                                    </m:r>
+                                  </m:e>
+                                  <m:sub>
+                                    <m:r>
+                                      <a:rPr lang="en-US" b="0" i="1" smtClean="0">
+                                        <a:latin typeface="Cambria Math" panose="02040503050406030204" pitchFamily="18" charset="0"/>
+                                      </a:rPr>
+                                      <m:t>𝑘</m:t>
+                                    </m:r>
+                                    <m:r>
+                                      <a:rPr lang="en-US" b="0" i="1" smtClean="0">
+                                        <a:latin typeface="Cambria Math" panose="02040503050406030204" pitchFamily="18" charset="0"/>
+                                      </a:rPr>
+                                      <m:t>,1</m:t>
+                                    </m:r>
+                                  </m:sub>
+                                </m:sSub>
+                              </m:oMath>
+                            </m:oMathPara>
+                          </a14:m>
+                          <a:endParaRPr lang="en-US" dirty="0"/>
+                        </a:p>
+                      </a:txBody>
+                      <a:tcPr/>
+                    </a:tc>
+                    <a:tc>
+                      <a:txBody>
+                        <a:bodyPr/>
+                        <a:lstStyle/>
+                        <a:p>
+                          <a:pPr marL="0" marR="0" lvl="0" indent="0" algn="l" defTabSz="914400" rtl="0" eaLnBrk="1" fontAlgn="auto" latinLnBrk="0" hangingPunct="1">
+                            <a:lnSpc>
+                              <a:spcPct val="100000"/>
+                            </a:lnSpc>
+                            <a:spcBef>
+                              <a:spcPts val="0"/>
+                            </a:spcBef>
+                            <a:spcAft>
+                              <a:spcPts val="0"/>
+                            </a:spcAft>
+                            <a:buClrTx/>
+                            <a:buSzTx/>
+                            <a:buFontTx/>
+                            <a:buNone/>
+                            <a:tabLst/>
+                            <a:defRPr/>
+                          </a:pPr>
+                          <a14:m>
+                            <m:oMathPara xmlns:m="http://schemas.openxmlformats.org/officeDocument/2006/math">
+                              <m:oMathParaPr>
+                                <m:jc m:val="centerGroup"/>
+                              </m:oMathParaPr>
+                              <m:oMath xmlns:m="http://schemas.openxmlformats.org/officeDocument/2006/math">
+                                <m:r>
+                                  <a:rPr lang="en-US" b="0" i="1" smtClean="0">
+                                    <a:latin typeface="Cambria Math" panose="02040503050406030204" pitchFamily="18" charset="0"/>
+                                  </a:rPr>
+                                  <m:t>…</m:t>
+                                </m:r>
+                              </m:oMath>
+                            </m:oMathPara>
+                          </a14:m>
+                          <a:endParaRPr lang="en-US" dirty="0"/>
+                        </a:p>
+                      </a:txBody>
+                      <a:tcPr/>
+                    </a:tc>
+                    <a:tc>
+                      <a:txBody>
+                        <a:bodyPr/>
+                        <a:lstStyle/>
+                        <a:p>
+                          <a14:m>
+                            <m:oMathPara xmlns:m="http://schemas.openxmlformats.org/officeDocument/2006/math">
+                              <m:oMathParaPr>
+                                <m:jc m:val="centerGroup"/>
+                              </m:oMathParaPr>
+                              <m:oMath xmlns:m="http://schemas.openxmlformats.org/officeDocument/2006/math">
+                                <m:sSub>
+                                  <m:sSubPr>
+                                    <m:ctrlPr>
+                                      <a:rPr lang="en-US" b="0" i="1" smtClean="0">
+                                        <a:latin typeface="Cambria Math" panose="02040503050406030204" pitchFamily="18" charset="0"/>
+                                      </a:rPr>
+                                    </m:ctrlPr>
+                                  </m:sSubPr>
+                                  <m:e>
+                                    <m:r>
+                                      <a:rPr lang="en-US" b="0" i="1" smtClean="0">
+                                        <a:latin typeface="Cambria Math" panose="02040503050406030204" pitchFamily="18" charset="0"/>
+                                      </a:rPr>
+                                      <m:t>𝐶</m:t>
+                                    </m:r>
+                                  </m:e>
+                                  <m:sub>
+                                    <m:r>
+                                      <a:rPr lang="en-US" b="0" i="1" smtClean="0">
+                                        <a:latin typeface="Cambria Math" panose="02040503050406030204" pitchFamily="18" charset="0"/>
+                                      </a:rPr>
+                                      <m:t>𝑘</m:t>
+                                    </m:r>
+                                    <m:r>
+                                      <a:rPr lang="en-US" b="0" i="1" smtClean="0">
+                                        <a:latin typeface="Cambria Math" panose="02040503050406030204" pitchFamily="18" charset="0"/>
+                                      </a:rPr>
+                                      <m:t>,</m:t>
+                                    </m:r>
+                                    <m:r>
+                                      <a:rPr lang="en-US" b="0" i="1" smtClean="0">
+                                        <a:latin typeface="Cambria Math" panose="02040503050406030204" pitchFamily="18" charset="0"/>
+                                      </a:rPr>
+                                      <m:t>𝑘</m:t>
+                                    </m:r>
+                                  </m:sub>
+                                </m:sSub>
+                              </m:oMath>
+                            </m:oMathPara>
+                          </a14:m>
+                          <a:endParaRPr lang="en-US" dirty="0"/>
+                        </a:p>
+                      </a:txBody>
+                      <a:tcPr/>
+                    </a:tc>
+                    <a:extLst>
+                      <a:ext uri="{0D108BD9-81ED-4DB2-BD59-A6C34878D82A}">
+                        <a16:rowId xmlns:a16="http://schemas.microsoft.com/office/drawing/2014/main" val="2559987573"/>
+                      </a:ext>
+                    </a:extLst>
+                  </a:tr>
+                </a:tbl>
+              </a:graphicData>
+            </a:graphic>
+          </p:graphicFrame>
+        </mc:Choice>
+        <mc:Fallback>
+          <p:graphicFrame>
+            <p:nvGraphicFramePr>
+              <p:cNvPr id="5" name="Table 5">
+                <a:extLst>
+                  <a:ext uri="{FF2B5EF4-FFF2-40B4-BE49-F238E27FC236}">
+                    <a16:creationId xmlns:a16="http://schemas.microsoft.com/office/drawing/2014/main" id="{DB938DF6-A85B-4F63-A000-9D585F339973}"/>
+                  </a:ext>
+                </a:extLst>
+              </p:cNvPr>
+              <p:cNvGraphicFramePr>
+                <a:graphicFrameLocks noGrp="1"/>
+              </p:cNvGraphicFramePr>
+              <p:nvPr>
+                <p:ph sz="half" idx="2"/>
+                <p:extLst>
+                  <p:ext uri="{D42A27DB-BD31-4B8C-83A1-F6EECF244321}">
+                    <p14:modId xmlns:p14="http://schemas.microsoft.com/office/powerpoint/2010/main" val="1941372521"/>
+                  </p:ext>
+                </p:extLst>
+              </p:nvPr>
+            </p:nvGraphicFramePr>
+            <p:xfrm>
+              <a:off x="6516688" y="2120900"/>
+              <a:ext cx="4638672" cy="1497330"/>
+            </p:xfrm>
+            <a:graphic>
+              <a:graphicData uri="http://schemas.openxmlformats.org/drawingml/2006/table">
+                <a:tbl>
+                  <a:tblPr firstRow="1" bandRow="1">
+                    <a:tableStyleId>{E8B1032C-EA38-4F05-BA0D-38AFFFC7BED3}</a:tableStyleId>
+                  </a:tblPr>
+                  <a:tblGrid>
+                    <a:gridCol w="1159668">
+                      <a:extLst>
+                        <a:ext uri="{9D8B030D-6E8A-4147-A177-3AD203B41FA5}">
+                          <a16:colId xmlns:a16="http://schemas.microsoft.com/office/drawing/2014/main" val="3104402084"/>
+                        </a:ext>
+                      </a:extLst>
+                    </a:gridCol>
+                    <a:gridCol w="1159668">
+                      <a:extLst>
+                        <a:ext uri="{9D8B030D-6E8A-4147-A177-3AD203B41FA5}">
+                          <a16:colId xmlns:a16="http://schemas.microsoft.com/office/drawing/2014/main" val="116974159"/>
+                        </a:ext>
+                      </a:extLst>
+                    </a:gridCol>
+                    <a:gridCol w="1159668">
+                      <a:extLst>
+                        <a:ext uri="{9D8B030D-6E8A-4147-A177-3AD203B41FA5}">
+                          <a16:colId xmlns:a16="http://schemas.microsoft.com/office/drawing/2014/main" val="1762024210"/>
+                        </a:ext>
+                      </a:extLst>
+                    </a:gridCol>
+                    <a:gridCol w="1159668">
+                      <a:extLst>
+                        <a:ext uri="{9D8B030D-6E8A-4147-A177-3AD203B41FA5}">
+                          <a16:colId xmlns:a16="http://schemas.microsoft.com/office/drawing/2014/main" val="1814731412"/>
+                        </a:ext>
+                      </a:extLst>
+                    </a:gridCol>
+                  </a:tblGrid>
+                  <a:tr h="370840">
+                    <a:tc>
+                      <a:txBody>
+                        <a:bodyPr/>
+                        <a:lstStyle/>
+                        <a:p>
+                          <a:endParaRPr lang="en-US" dirty="0"/>
+                        </a:p>
+                      </a:txBody>
+                      <a:tcPr/>
+                    </a:tc>
+                    <a:tc gridSpan="3">
+                      <a:txBody>
+                        <a:bodyPr/>
+                        <a:lstStyle/>
+                        <a:p>
+                          <a:pPr algn="ctr"/>
+                          <a:r>
+                            <a:rPr lang="en-US" dirty="0"/>
+                            <a:t>Actual Class</a:t>
+                          </a:r>
+                        </a:p>
+                      </a:txBody>
+                      <a:tcPr/>
+                    </a:tc>
+                    <a:tc hMerge="1">
+                      <a:txBody>
+                        <a:bodyPr/>
+                        <a:lstStyle/>
+                        <a:p>
+                          <a:endParaRPr lang="en-US" dirty="0"/>
+                        </a:p>
+                      </a:txBody>
+                      <a:tcPr/>
+                    </a:tc>
+                    <a:tc hMerge="1">
+                      <a:txBody>
+                        <a:bodyPr/>
+                        <a:lstStyle/>
+                        <a:p>
+                          <a:endParaRPr lang="en-US" dirty="0"/>
+                        </a:p>
+                      </a:txBody>
+                      <a:tcPr/>
+                    </a:tc>
+                    <a:extLst>
+                      <a:ext uri="{0D108BD9-81ED-4DB2-BD59-A6C34878D82A}">
+                        <a16:rowId xmlns:a16="http://schemas.microsoft.com/office/drawing/2014/main" val="3392156338"/>
+                      </a:ext>
+                    </a:extLst>
+                  </a:tr>
+                  <a:tr h="377825">
+                    <a:tc rowSpan="3">
+                      <a:txBody>
+                        <a:bodyPr/>
+                        <a:lstStyle/>
+                        <a:p>
+                          <a:pPr algn="ctr"/>
+                          <a:endParaRPr lang="en-US" dirty="0"/>
+                        </a:p>
+                        <a:p>
+                          <a:pPr algn="ctr"/>
+                          <a:r>
+                            <a:rPr lang="en-US" b="1" dirty="0"/>
+                            <a:t>Predicted Class</a:t>
+                          </a:r>
+                        </a:p>
+                      </a:txBody>
+                      <a:tcPr/>
+                    </a:tc>
+                    <a:tc>
+                      <a:txBody>
+                        <a:bodyPr/>
+                        <a:lstStyle/>
+                        <a:p>
+                          <a:endParaRPr lang="en-US"/>
+                        </a:p>
+                      </a:txBody>
+                      <a:tcPr>
+                        <a:blipFill>
+                          <a:blip r:embed="rId2"/>
+                          <a:stretch>
+                            <a:fillRect l="-100524" t="-104762" r="-201047" b="-198413"/>
+                          </a:stretch>
+                        </a:blipFill>
+                      </a:tcPr>
+                    </a:tc>
+                    <a:tc>
+                      <a:txBody>
+                        <a:bodyPr/>
+                        <a:lstStyle/>
+                        <a:p>
+                          <a:endParaRPr lang="en-US"/>
+                        </a:p>
+                      </a:txBody>
+                      <a:tcPr>
+                        <a:blipFill>
+                          <a:blip r:embed="rId2"/>
+                          <a:stretch>
+                            <a:fillRect l="-201579" t="-104762" r="-102105" b="-198413"/>
+                          </a:stretch>
+                        </a:blipFill>
+                      </a:tcPr>
+                    </a:tc>
+                    <a:tc>
+                      <a:txBody>
+                        <a:bodyPr/>
+                        <a:lstStyle/>
+                        <a:p>
+                          <a:endParaRPr lang="en-US"/>
+                        </a:p>
+                      </a:txBody>
+                      <a:tcPr>
+                        <a:blipFill>
+                          <a:blip r:embed="rId2"/>
+                          <a:stretch>
+                            <a:fillRect l="-301579" t="-104762" r="-2105" b="-198413"/>
+                          </a:stretch>
+                        </a:blipFill>
+                      </a:tcPr>
+                    </a:tc>
+                    <a:extLst>
+                      <a:ext uri="{0D108BD9-81ED-4DB2-BD59-A6C34878D82A}">
+                        <a16:rowId xmlns:a16="http://schemas.microsoft.com/office/drawing/2014/main" val="1821877301"/>
+                      </a:ext>
+                    </a:extLst>
+                  </a:tr>
+                  <a:tr h="370840">
+                    <a:tc vMerge="1">
+                      <a:txBody>
+                        <a:bodyPr/>
+                        <a:lstStyle/>
+                        <a:p>
+                          <a:endParaRPr lang="en-US"/>
+                        </a:p>
+                      </a:txBody>
+                      <a:tcPr/>
+                    </a:tc>
+                    <a:tc>
+                      <a:txBody>
+                        <a:bodyPr/>
+                        <a:lstStyle/>
+                        <a:p>
+                          <a:endParaRPr lang="en-US"/>
+                        </a:p>
+                      </a:txBody>
+                      <a:tcPr>
+                        <a:blipFill>
+                          <a:blip r:embed="rId2"/>
+                          <a:stretch>
+                            <a:fillRect l="-100524" t="-211475" r="-201047" b="-104918"/>
+                          </a:stretch>
+                        </a:blipFill>
+                      </a:tcPr>
+                    </a:tc>
+                    <a:tc>
+                      <a:txBody>
+                        <a:bodyPr/>
+                        <a:lstStyle/>
+                        <a:p>
+                          <a:endParaRPr lang="en-US"/>
+                        </a:p>
+                      </a:txBody>
+                      <a:tcPr>
+                        <a:blipFill>
+                          <a:blip r:embed="rId2"/>
+                          <a:stretch>
+                            <a:fillRect l="-201579" t="-211475" r="-102105" b="-104918"/>
+                          </a:stretch>
+                        </a:blipFill>
+                      </a:tcPr>
+                    </a:tc>
+                    <a:tc>
+                      <a:txBody>
+                        <a:bodyPr/>
+                        <a:lstStyle/>
+                        <a:p>
+                          <a:endParaRPr lang="en-US"/>
+                        </a:p>
+                      </a:txBody>
+                      <a:tcPr>
+                        <a:blipFill>
+                          <a:blip r:embed="rId2"/>
+                          <a:stretch>
+                            <a:fillRect l="-301579" t="-211475" r="-2105" b="-104918"/>
+                          </a:stretch>
+                        </a:blipFill>
+                      </a:tcPr>
+                    </a:tc>
+                    <a:extLst>
+                      <a:ext uri="{0D108BD9-81ED-4DB2-BD59-A6C34878D82A}">
+                        <a16:rowId xmlns:a16="http://schemas.microsoft.com/office/drawing/2014/main" val="2919549694"/>
+                      </a:ext>
+                    </a:extLst>
+                  </a:tr>
+                  <a:tr h="377825">
+                    <a:tc vMerge="1">
+                      <a:txBody>
+                        <a:bodyPr/>
+                        <a:lstStyle/>
+                        <a:p>
+                          <a:endParaRPr lang="en-US"/>
+                        </a:p>
+                      </a:txBody>
+                      <a:tcPr/>
+                    </a:tc>
+                    <a:tc>
+                      <a:txBody>
+                        <a:bodyPr/>
+                        <a:lstStyle/>
+                        <a:p>
+                          <a:endParaRPr lang="en-US"/>
+                        </a:p>
+                      </a:txBody>
+                      <a:tcPr>
+                        <a:blipFill>
+                          <a:blip r:embed="rId2"/>
+                          <a:stretch>
+                            <a:fillRect l="-100524" t="-306452" r="-201047" b="-3226"/>
+                          </a:stretch>
+                        </a:blipFill>
+                      </a:tcPr>
+                    </a:tc>
+                    <a:tc>
+                      <a:txBody>
+                        <a:bodyPr/>
+                        <a:lstStyle/>
+                        <a:p>
+                          <a:endParaRPr lang="en-US"/>
+                        </a:p>
+                      </a:txBody>
+                      <a:tcPr>
+                        <a:blipFill>
+                          <a:blip r:embed="rId2"/>
+                          <a:stretch>
+                            <a:fillRect l="-201579" t="-306452" r="-102105" b="-3226"/>
+                          </a:stretch>
+                        </a:blipFill>
+                      </a:tcPr>
+                    </a:tc>
+                    <a:tc>
+                      <a:txBody>
+                        <a:bodyPr/>
+                        <a:lstStyle/>
+                        <a:p>
+                          <a:endParaRPr lang="en-US"/>
+                        </a:p>
+                      </a:txBody>
+                      <a:tcPr>
+                        <a:blipFill>
+                          <a:blip r:embed="rId2"/>
+                          <a:stretch>
+                            <a:fillRect l="-301579" t="-306452" r="-2105" b="-3226"/>
+                          </a:stretch>
+                        </a:blipFill>
+                      </a:tcPr>
+                    </a:tc>
+                    <a:extLst>
+                      <a:ext uri="{0D108BD9-81ED-4DB2-BD59-A6C34878D82A}">
+                        <a16:rowId xmlns:a16="http://schemas.microsoft.com/office/drawing/2014/main" val="2559987573"/>
+                      </a:ext>
+                    </a:extLst>
+                  </a:tr>
+                </a:tbl>
+              </a:graphicData>
+            </a:graphic>
+          </p:graphicFrame>
+        </mc:Fallback>
+      </mc:AlternateContent>
     </p:spTree>
     <p:extLst>
       <p:ext uri="{BB962C8B-B14F-4D97-AF65-F5344CB8AC3E}">
-        <p14:creationId xmlns:p14="http://schemas.microsoft.com/office/powerpoint/2010/main" val="1114741424"/>
+        <p14:creationId xmlns:p14="http://schemas.microsoft.com/office/powerpoint/2010/main" val="22067985"/>
       </p:ext>
     </p:extLst>
   </p:cSld>
@@ -5037,65 +6794,436 @@
           <a:p>
             <a:r>
               <a:rPr lang="en-US" dirty="0"/>
-              <a:t>Recall Score</a:t>
-            </a:r>
-          </a:p>
-        </p:txBody>
-      </p:sp>
-      <p:sp>
-        <p:nvSpPr>
-          <p:cNvPr id="8" name="Content Placeholder 7">
-            <a:extLst>
-              <a:ext uri="{FF2B5EF4-FFF2-40B4-BE49-F238E27FC236}">
-                <a16:creationId xmlns:a16="http://schemas.microsoft.com/office/drawing/2014/main" id="{665984DD-9C79-42A6-9A6F-41597ECCEE4F}"/>
-              </a:ext>
-            </a:extLst>
-          </p:cNvPr>
-          <p:cNvSpPr>
-            <a:spLocks noGrp="1"/>
-          </p:cNvSpPr>
-          <p:nvPr>
-            <p:ph sz="half" idx="1"/>
-          </p:nvPr>
-        </p:nvSpPr>
-        <p:spPr/>
-        <p:txBody>
-          <a:bodyPr/>
-          <a:lstStyle/>
-          <a:p>
-            <a:endParaRPr lang="en-US" dirty="0"/>
-          </a:p>
-        </p:txBody>
-      </p:sp>
-      <p:sp>
-        <p:nvSpPr>
-          <p:cNvPr id="9" name="Content Placeholder 8">
-            <a:extLst>
-              <a:ext uri="{FF2B5EF4-FFF2-40B4-BE49-F238E27FC236}">
-                <a16:creationId xmlns:a16="http://schemas.microsoft.com/office/drawing/2014/main" id="{DF81FF24-D2DD-49DE-9BE6-54D97FF6289D}"/>
-              </a:ext>
-            </a:extLst>
-          </p:cNvPr>
-          <p:cNvSpPr>
-            <a:spLocks noGrp="1"/>
-          </p:cNvSpPr>
-          <p:nvPr>
-            <p:ph sz="half" idx="2"/>
-          </p:nvPr>
-        </p:nvSpPr>
-        <p:spPr/>
-        <p:txBody>
-          <a:bodyPr/>
-          <a:lstStyle/>
-          <a:p>
-            <a:endParaRPr lang="en-US"/>
-          </a:p>
-        </p:txBody>
-      </p:sp>
+              <a:t>Precision Score</a:t>
+            </a:r>
+          </a:p>
+        </p:txBody>
+      </p:sp>
+      <mc:AlternateContent xmlns:mc="http://schemas.openxmlformats.org/markup-compatibility/2006">
+        <mc:Choice xmlns:a14="http://schemas.microsoft.com/office/drawing/2010/main" Requires="a14">
+          <p:sp>
+            <p:nvSpPr>
+              <p:cNvPr id="8" name="Content Placeholder 7">
+                <a:extLst>
+                  <a:ext uri="{FF2B5EF4-FFF2-40B4-BE49-F238E27FC236}">
+                    <a16:creationId xmlns:a16="http://schemas.microsoft.com/office/drawing/2014/main" id="{665984DD-9C79-42A6-9A6F-41597ECCEE4F}"/>
+                  </a:ext>
+                </a:extLst>
+              </p:cNvPr>
+              <p:cNvSpPr>
+                <a:spLocks noGrp="1"/>
+              </p:cNvSpPr>
+              <p:nvPr>
+                <p:ph sz="half" idx="1"/>
+              </p:nvPr>
+            </p:nvSpPr>
+            <p:spPr/>
+            <p:txBody>
+              <a:bodyPr>
+                <a:normAutofit lnSpcReduction="10000"/>
+              </a:bodyPr>
+              <a:lstStyle/>
+              <a:p>
+                <a:r>
+                  <a:rPr lang="en-US" dirty="0"/>
+                  <a:t>Precision score is the number of correct detections by a model (</a:t>
+                </a:r>
+                <a:r>
+                  <a:rPr lang="en-US" dirty="0" err="1"/>
+                  <a:t>Geron</a:t>
+                </a:r>
+                <a:r>
+                  <a:rPr lang="en-US" dirty="0"/>
+                  <a:t>)</a:t>
+                </a:r>
+              </a:p>
+              <a:p>
+                <a:endParaRPr lang="en-US" dirty="0"/>
+              </a:p>
+              <a:p>
+                <a:r>
+                  <a:rPr lang="en-US" dirty="0"/>
+                  <a:t>For a binary classifier:</a:t>
+                </a:r>
+              </a:p>
+              <a:p>
+                <a:pPr algn="ctr"/>
+                <a14:m>
+                  <m:oMath xmlns:m="http://schemas.openxmlformats.org/officeDocument/2006/math">
+                    <m:r>
+                      <a:rPr lang="en-US" sz="2400" i="1">
+                        <a:latin typeface="Cambria Math" panose="02040503050406030204" pitchFamily="18" charset="0"/>
+                      </a:rPr>
+                      <m:t>𝑃</m:t>
+                    </m:r>
+                    <m:r>
+                      <a:rPr lang="en-US" sz="2400" i="1">
+                        <a:latin typeface="Cambria Math" panose="02040503050406030204" pitchFamily="18" charset="0"/>
+                      </a:rPr>
+                      <m:t>= </m:t>
+                    </m:r>
+                    <m:f>
+                      <m:fPr>
+                        <m:ctrlPr>
+                          <a:rPr lang="en-US" sz="2400" i="1">
+                            <a:latin typeface="Cambria Math" panose="02040503050406030204" pitchFamily="18" charset="0"/>
+                          </a:rPr>
+                        </m:ctrlPr>
+                      </m:fPr>
+                      <m:num>
+                        <m:r>
+                          <a:rPr lang="en-US" sz="2400" i="1">
+                            <a:latin typeface="Cambria Math" panose="02040503050406030204" pitchFamily="18" charset="0"/>
+                          </a:rPr>
+                          <m:t>𝑇𝑃</m:t>
+                        </m:r>
+                      </m:num>
+                      <m:den>
+                        <m:r>
+                          <a:rPr lang="en-US" sz="2400" i="1">
+                            <a:latin typeface="Cambria Math" panose="02040503050406030204" pitchFamily="18" charset="0"/>
+                          </a:rPr>
+                          <m:t>𝑇𝑃</m:t>
+                        </m:r>
+                        <m:r>
+                          <a:rPr lang="en-US" sz="2400" i="1">
+                            <a:latin typeface="Cambria Math" panose="02040503050406030204" pitchFamily="18" charset="0"/>
+                          </a:rPr>
+                          <m:t>+</m:t>
+                        </m:r>
+                        <m:r>
+                          <a:rPr lang="en-US" sz="2400" i="1">
+                            <a:latin typeface="Cambria Math" panose="02040503050406030204" pitchFamily="18" charset="0"/>
+                          </a:rPr>
+                          <m:t>𝐹𝑃</m:t>
+                        </m:r>
+                      </m:den>
+                    </m:f>
+                  </m:oMath>
+                </a14:m>
+                <a:endParaRPr lang="en-US" dirty="0"/>
+              </a:p>
+              <a:p>
+                <a:pPr/>
+                <a:endParaRPr lang="en-US" dirty="0"/>
+              </a:p>
+              <a:p>
+                <a:r>
+                  <a:rPr lang="en-US" dirty="0"/>
+                  <a:t>It is the measurement of how many selected items are relevant (Goodfellow)</a:t>
+                </a:r>
+              </a:p>
+            </p:txBody>
+          </p:sp>
+        </mc:Choice>
+        <mc:Fallback>
+          <p:sp>
+            <p:nvSpPr>
+              <p:cNvPr id="8" name="Content Placeholder 7">
+                <a:extLst>
+                  <a:ext uri="{FF2B5EF4-FFF2-40B4-BE49-F238E27FC236}">
+                    <a16:creationId xmlns:a16="http://schemas.microsoft.com/office/drawing/2014/main" id="{665984DD-9C79-42A6-9A6F-41597ECCEE4F}"/>
+                  </a:ext>
+                </a:extLst>
+              </p:cNvPr>
+              <p:cNvSpPr>
+                <a:spLocks noGrp="1" noRot="1" noChangeAspect="1" noMove="1" noResize="1" noEditPoints="1" noAdjustHandles="1" noChangeArrowheads="1" noChangeShapeType="1" noTextEdit="1"/>
+              </p:cNvSpPr>
+              <p:nvPr>
+                <p:ph sz="half" idx="1"/>
+              </p:nvPr>
+            </p:nvSpPr>
+            <p:spPr>
+              <a:blipFill>
+                <a:blip r:embed="rId2"/>
+                <a:stretch>
+                  <a:fillRect l="-1183" t="-976" r="-3417"/>
+                </a:stretch>
+              </a:blipFill>
+            </p:spPr>
+            <p:txBody>
+              <a:bodyPr/>
+              <a:lstStyle/>
+              <a:p>
+                <a:r>
+                  <a:rPr lang="en-US">
+                    <a:noFill/>
+                  </a:rPr>
+                  <a:t> </a:t>
+                </a:r>
+              </a:p>
+            </p:txBody>
+          </p:sp>
+        </mc:Fallback>
+      </mc:AlternateContent>
+      <mc:AlternateContent xmlns:mc="http://schemas.openxmlformats.org/markup-compatibility/2006">
+        <mc:Choice xmlns:a14="http://schemas.microsoft.com/office/drawing/2010/main" Requires="a14">
+          <p:sp>
+            <p:nvSpPr>
+              <p:cNvPr id="9" name="Content Placeholder 8">
+                <a:extLst>
+                  <a:ext uri="{FF2B5EF4-FFF2-40B4-BE49-F238E27FC236}">
+                    <a16:creationId xmlns:a16="http://schemas.microsoft.com/office/drawing/2014/main" id="{DF81FF24-D2DD-49DE-9BE6-54D97FF6289D}"/>
+                  </a:ext>
+                </a:extLst>
+              </p:cNvPr>
+              <p:cNvSpPr>
+                <a:spLocks noGrp="1"/>
+              </p:cNvSpPr>
+              <p:nvPr>
+                <p:ph sz="half" idx="2"/>
+              </p:nvPr>
+            </p:nvSpPr>
+            <p:spPr/>
+            <p:txBody>
+              <a:bodyPr>
+                <a:normAutofit lnSpcReduction="10000"/>
+              </a:bodyPr>
+              <a:lstStyle/>
+              <a:p>
+                <a:r>
+                  <a:rPr lang="en-US" dirty="0"/>
+                  <a:t>For a K-Folds Classifier:</a:t>
+                </a:r>
+              </a:p>
+              <a:p>
+                <a:endParaRPr lang="en-US" dirty="0"/>
+              </a:p>
+              <a:p>
+                <a:r>
+                  <a:rPr lang="en-US" dirty="0"/>
+                  <a:t>Precision for </a:t>
+                </a:r>
+                <a:r>
+                  <a:rPr lang="en-US" i="1" dirty="0"/>
+                  <a:t>n</a:t>
+                </a:r>
+                <a:r>
+                  <a:rPr lang="en-US" dirty="0"/>
+                  <a:t>-</a:t>
+                </a:r>
+                <a:r>
+                  <a:rPr lang="en-US" dirty="0" err="1"/>
+                  <a:t>th</a:t>
+                </a:r>
+                <a:r>
+                  <a:rPr lang="en-US" dirty="0"/>
+                  <a:t> class:</a:t>
+                </a:r>
+              </a:p>
+              <a:p>
+                <a:endParaRPr lang="en-US" dirty="0"/>
+              </a:p>
+              <a:p>
+                <a:pPr algn="ctr"/>
+                <a14:m>
+                  <m:oMath xmlns:m="http://schemas.openxmlformats.org/officeDocument/2006/math">
+                    <m:sSub>
+                      <m:sSubPr>
+                        <m:ctrlPr>
+                          <a:rPr lang="en-US" sz="2800" b="0" i="1" smtClean="0">
+                            <a:latin typeface="Cambria Math" panose="02040503050406030204" pitchFamily="18" charset="0"/>
+                          </a:rPr>
+                        </m:ctrlPr>
+                      </m:sSubPr>
+                      <m:e>
+                        <m:r>
+                          <a:rPr lang="en-US" sz="2800" b="0" i="1" smtClean="0">
+                            <a:latin typeface="Cambria Math" panose="02040503050406030204" pitchFamily="18" charset="0"/>
+                          </a:rPr>
+                          <m:t>𝑃</m:t>
+                        </m:r>
+                      </m:e>
+                      <m:sub>
+                        <m:r>
+                          <a:rPr lang="en-US" sz="2800" b="0" i="1" smtClean="0">
+                            <a:latin typeface="Cambria Math" panose="02040503050406030204" pitchFamily="18" charset="0"/>
+                          </a:rPr>
+                          <m:t>𝑛</m:t>
+                        </m:r>
+                      </m:sub>
+                    </m:sSub>
+                    <m:r>
+                      <a:rPr lang="en-US" sz="2800" b="0" i="1" smtClean="0">
+                        <a:latin typeface="Cambria Math" panose="02040503050406030204" pitchFamily="18" charset="0"/>
+                      </a:rPr>
+                      <m:t>= </m:t>
+                    </m:r>
+                    <m:f>
+                      <m:fPr>
+                        <m:ctrlPr>
+                          <a:rPr lang="en-US" sz="2800" b="0" i="1" smtClean="0">
+                            <a:latin typeface="Cambria Math" panose="02040503050406030204" pitchFamily="18" charset="0"/>
+                          </a:rPr>
+                        </m:ctrlPr>
+                      </m:fPr>
+                      <m:num>
+                        <m:sSub>
+                          <m:sSubPr>
+                            <m:ctrlPr>
+                              <a:rPr lang="en-US" sz="2800" b="0" i="1" smtClean="0">
+                                <a:latin typeface="Cambria Math" panose="02040503050406030204" pitchFamily="18" charset="0"/>
+                              </a:rPr>
+                            </m:ctrlPr>
+                          </m:sSubPr>
+                          <m:e>
+                            <m:r>
+                              <a:rPr lang="en-US" sz="2800" b="0" i="1" smtClean="0">
+                                <a:latin typeface="Cambria Math" panose="02040503050406030204" pitchFamily="18" charset="0"/>
+                              </a:rPr>
+                              <m:t>𝐶</m:t>
+                            </m:r>
+                          </m:e>
+                          <m:sub>
+                            <m:r>
+                              <a:rPr lang="en-US" sz="2800" b="0" i="1" smtClean="0">
+                                <a:latin typeface="Cambria Math" panose="02040503050406030204" pitchFamily="18" charset="0"/>
+                              </a:rPr>
+                              <m:t>𝑛</m:t>
+                            </m:r>
+                            <m:r>
+                              <a:rPr lang="en-US" sz="2800" b="0" i="1" smtClean="0">
+                                <a:latin typeface="Cambria Math" panose="02040503050406030204" pitchFamily="18" charset="0"/>
+                              </a:rPr>
+                              <m:t>,</m:t>
+                            </m:r>
+                            <m:r>
+                              <a:rPr lang="en-US" sz="2800" b="0" i="1" smtClean="0">
+                                <a:latin typeface="Cambria Math" panose="02040503050406030204" pitchFamily="18" charset="0"/>
+                              </a:rPr>
+                              <m:t>𝑛</m:t>
+                            </m:r>
+                          </m:sub>
+                        </m:sSub>
+                      </m:num>
+                      <m:den>
+                        <m:nary>
+                          <m:naryPr>
+                            <m:chr m:val="∑"/>
+                            <m:ctrlPr>
+                              <a:rPr lang="en-US" sz="2800" b="0" i="1" smtClean="0">
+                                <a:latin typeface="Cambria Math" panose="02040503050406030204" pitchFamily="18" charset="0"/>
+                              </a:rPr>
+                            </m:ctrlPr>
+                          </m:naryPr>
+                          <m:sub>
+                            <m:r>
+                              <m:rPr>
+                                <m:brk m:alnAt="23"/>
+                              </m:rPr>
+                              <a:rPr lang="en-US" sz="2800" b="0" i="1" smtClean="0">
+                                <a:latin typeface="Cambria Math" panose="02040503050406030204" pitchFamily="18" charset="0"/>
+                              </a:rPr>
+                              <m:t>𝑖</m:t>
+                            </m:r>
+                            <m:r>
+                              <a:rPr lang="en-US" sz="2800" b="0" i="1" smtClean="0">
+                                <a:latin typeface="Cambria Math" panose="02040503050406030204" pitchFamily="18" charset="0"/>
+                              </a:rPr>
+                              <m:t>=1</m:t>
+                            </m:r>
+                          </m:sub>
+                          <m:sup>
+                            <m:r>
+                              <a:rPr lang="en-US" sz="2800" b="0" i="1" smtClean="0">
+                                <a:latin typeface="Cambria Math" panose="02040503050406030204" pitchFamily="18" charset="0"/>
+                              </a:rPr>
+                              <m:t>𝑘</m:t>
+                            </m:r>
+                          </m:sup>
+                          <m:e>
+                            <m:sSub>
+                              <m:sSubPr>
+                                <m:ctrlPr>
+                                  <a:rPr lang="en-US" sz="2800" b="0" i="1" smtClean="0">
+                                    <a:latin typeface="Cambria Math" panose="02040503050406030204" pitchFamily="18" charset="0"/>
+                                  </a:rPr>
+                                </m:ctrlPr>
+                              </m:sSubPr>
+                              <m:e>
+                                <m:r>
+                                  <a:rPr lang="en-US" sz="2800" b="0" i="1" smtClean="0">
+                                    <a:latin typeface="Cambria Math" panose="02040503050406030204" pitchFamily="18" charset="0"/>
+                                  </a:rPr>
+                                  <m:t>𝐶</m:t>
+                                </m:r>
+                              </m:e>
+                              <m:sub>
+                                <m:r>
+                                  <a:rPr lang="en-US" sz="2800" b="0" i="1" smtClean="0">
+                                    <a:latin typeface="Cambria Math" panose="02040503050406030204" pitchFamily="18" charset="0"/>
+                                  </a:rPr>
+                                  <m:t>𝑖</m:t>
+                                </m:r>
+                                <m:r>
+                                  <a:rPr lang="en-US" sz="2800" b="0" i="1" smtClean="0">
+                                    <a:latin typeface="Cambria Math" panose="02040503050406030204" pitchFamily="18" charset="0"/>
+                                  </a:rPr>
+                                  <m:t>,</m:t>
+                                </m:r>
+                                <m:r>
+                                  <a:rPr lang="en-US" sz="2800" b="0" i="1" smtClean="0">
+                                    <a:latin typeface="Cambria Math" panose="02040503050406030204" pitchFamily="18" charset="0"/>
+                                  </a:rPr>
+                                  <m:t>𝑛</m:t>
+                                </m:r>
+                              </m:sub>
+                            </m:sSub>
+                          </m:e>
+                        </m:nary>
+                      </m:den>
+                    </m:f>
+                  </m:oMath>
+                </a14:m>
+                <a:endParaRPr lang="en-US" sz="2400" dirty="0"/>
+              </a:p>
+            </p:txBody>
+          </p:sp>
+        </mc:Choice>
+        <mc:Fallback>
+          <p:sp>
+            <p:nvSpPr>
+              <p:cNvPr id="9" name="Content Placeholder 8">
+                <a:extLst>
+                  <a:ext uri="{FF2B5EF4-FFF2-40B4-BE49-F238E27FC236}">
+                    <a16:creationId xmlns:a16="http://schemas.microsoft.com/office/drawing/2014/main" id="{DF81FF24-D2DD-49DE-9BE6-54D97FF6289D}"/>
+                  </a:ext>
+                </a:extLst>
+              </p:cNvPr>
+              <p:cNvSpPr>
+                <a:spLocks noGrp="1" noRot="1" noChangeAspect="1" noMove="1" noResize="1" noEditPoints="1" noAdjustHandles="1" noChangeArrowheads="1" noChangeShapeType="1" noTextEdit="1"/>
+              </p:cNvSpPr>
+              <p:nvPr>
+                <p:ph sz="half" idx="2"/>
+              </p:nvPr>
+            </p:nvSpPr>
+            <p:spPr>
+              <a:blipFill>
+                <a:blip r:embed="rId3"/>
+                <a:stretch>
+                  <a:fillRect l="-1314" t="-976"/>
+                </a:stretch>
+              </a:blipFill>
+            </p:spPr>
+            <p:txBody>
+              <a:bodyPr/>
+              <a:lstStyle/>
+              <a:p>
+                <a:r>
+                  <a:rPr lang="en-US">
+                    <a:noFill/>
+                  </a:rPr>
+                  <a:t> </a:t>
+                </a:r>
+              </a:p>
+            </p:txBody>
+          </p:sp>
+        </mc:Fallback>
+      </mc:AlternateContent>
     </p:spTree>
     <p:extLst>
       <p:ext uri="{BB962C8B-B14F-4D97-AF65-F5344CB8AC3E}">
-        <p14:creationId xmlns:p14="http://schemas.microsoft.com/office/powerpoint/2010/main" val="3567540303"/>
+        <p14:creationId xmlns:p14="http://schemas.microsoft.com/office/powerpoint/2010/main" val="1114741424"/>
       </p:ext>
     </p:extLst>
   </p:cSld>
@@ -5145,65 +7273,436 @@
           <a:p>
             <a:r>
               <a:rPr lang="en-US" dirty="0"/>
-              <a:t>Accuracy Score</a:t>
-            </a:r>
-          </a:p>
-        </p:txBody>
-      </p:sp>
-      <p:sp>
-        <p:nvSpPr>
-          <p:cNvPr id="8" name="Content Placeholder 7">
-            <a:extLst>
-              <a:ext uri="{FF2B5EF4-FFF2-40B4-BE49-F238E27FC236}">
-                <a16:creationId xmlns:a16="http://schemas.microsoft.com/office/drawing/2014/main" id="{665984DD-9C79-42A6-9A6F-41597ECCEE4F}"/>
-              </a:ext>
-            </a:extLst>
-          </p:cNvPr>
-          <p:cNvSpPr>
-            <a:spLocks noGrp="1"/>
-          </p:cNvSpPr>
-          <p:nvPr>
-            <p:ph sz="half" idx="1"/>
-          </p:nvPr>
-        </p:nvSpPr>
-        <p:spPr/>
-        <p:txBody>
-          <a:bodyPr/>
-          <a:lstStyle/>
-          <a:p>
-            <a:endParaRPr lang="en-US" dirty="0"/>
-          </a:p>
-        </p:txBody>
-      </p:sp>
-      <p:sp>
-        <p:nvSpPr>
-          <p:cNvPr id="9" name="Content Placeholder 8">
-            <a:extLst>
-              <a:ext uri="{FF2B5EF4-FFF2-40B4-BE49-F238E27FC236}">
-                <a16:creationId xmlns:a16="http://schemas.microsoft.com/office/drawing/2014/main" id="{DF81FF24-D2DD-49DE-9BE6-54D97FF6289D}"/>
-              </a:ext>
-            </a:extLst>
-          </p:cNvPr>
-          <p:cNvSpPr>
-            <a:spLocks noGrp="1"/>
-          </p:cNvSpPr>
-          <p:nvPr>
-            <p:ph sz="half" idx="2"/>
-          </p:nvPr>
-        </p:nvSpPr>
-        <p:spPr/>
-        <p:txBody>
-          <a:bodyPr/>
-          <a:lstStyle/>
-          <a:p>
-            <a:endParaRPr lang="en-US"/>
-          </a:p>
-        </p:txBody>
-      </p:sp>
+              <a:t>Recall Score</a:t>
+            </a:r>
+          </a:p>
+        </p:txBody>
+      </p:sp>
+      <mc:AlternateContent xmlns:mc="http://schemas.openxmlformats.org/markup-compatibility/2006">
+        <mc:Choice xmlns:a14="http://schemas.microsoft.com/office/drawing/2010/main" Requires="a14">
+          <p:sp>
+            <p:nvSpPr>
+              <p:cNvPr id="8" name="Content Placeholder 7">
+                <a:extLst>
+                  <a:ext uri="{FF2B5EF4-FFF2-40B4-BE49-F238E27FC236}">
+                    <a16:creationId xmlns:a16="http://schemas.microsoft.com/office/drawing/2014/main" id="{665984DD-9C79-42A6-9A6F-41597ECCEE4F}"/>
+                  </a:ext>
+                </a:extLst>
+              </p:cNvPr>
+              <p:cNvSpPr>
+                <a:spLocks noGrp="1"/>
+              </p:cNvSpPr>
+              <p:nvPr>
+                <p:ph sz="half" idx="1"/>
+              </p:nvPr>
+            </p:nvSpPr>
+            <p:spPr/>
+            <p:txBody>
+              <a:bodyPr>
+                <a:normAutofit lnSpcReduction="10000"/>
+              </a:bodyPr>
+              <a:lstStyle/>
+              <a:p>
+                <a:r>
+                  <a:rPr lang="en-US" dirty="0"/>
+                  <a:t>Recall score is the number of correct events detected (</a:t>
+                </a:r>
+                <a:r>
+                  <a:rPr lang="en-US" dirty="0" err="1"/>
+                  <a:t>Geron</a:t>
+                </a:r>
+                <a:r>
+                  <a:rPr lang="en-US" dirty="0"/>
+                  <a:t>)</a:t>
+                </a:r>
+              </a:p>
+              <a:p>
+                <a:endParaRPr lang="en-US" dirty="0"/>
+              </a:p>
+              <a:p>
+                <a:r>
+                  <a:rPr lang="en-US" dirty="0"/>
+                  <a:t>For a binary classifier:</a:t>
+                </a:r>
+              </a:p>
+              <a:p>
+                <a:pPr algn="ctr"/>
+                <a14:m>
+                  <m:oMath xmlns:m="http://schemas.openxmlformats.org/officeDocument/2006/math">
+                    <m:r>
+                      <a:rPr lang="en-US" sz="2400" b="0" i="1" smtClean="0">
+                        <a:latin typeface="Cambria Math" panose="02040503050406030204" pitchFamily="18" charset="0"/>
+                      </a:rPr>
+                      <m:t>𝑅</m:t>
+                    </m:r>
+                    <m:r>
+                      <a:rPr lang="en-US" sz="2400" i="1">
+                        <a:latin typeface="Cambria Math" panose="02040503050406030204" pitchFamily="18" charset="0"/>
+                      </a:rPr>
+                      <m:t>= </m:t>
+                    </m:r>
+                    <m:f>
+                      <m:fPr>
+                        <m:ctrlPr>
+                          <a:rPr lang="en-US" sz="2400" i="1">
+                            <a:latin typeface="Cambria Math" panose="02040503050406030204" pitchFamily="18" charset="0"/>
+                          </a:rPr>
+                        </m:ctrlPr>
+                      </m:fPr>
+                      <m:num>
+                        <m:r>
+                          <a:rPr lang="en-US" sz="2400" i="1">
+                            <a:latin typeface="Cambria Math" panose="02040503050406030204" pitchFamily="18" charset="0"/>
+                          </a:rPr>
+                          <m:t>𝑇𝑃</m:t>
+                        </m:r>
+                      </m:num>
+                      <m:den>
+                        <m:r>
+                          <a:rPr lang="en-US" sz="2400" i="1">
+                            <a:latin typeface="Cambria Math" panose="02040503050406030204" pitchFamily="18" charset="0"/>
+                          </a:rPr>
+                          <m:t>𝑇𝑃</m:t>
+                        </m:r>
+                        <m:r>
+                          <a:rPr lang="en-US" sz="2400" i="1">
+                            <a:latin typeface="Cambria Math" panose="02040503050406030204" pitchFamily="18" charset="0"/>
+                          </a:rPr>
+                          <m:t>+</m:t>
+                        </m:r>
+                        <m:r>
+                          <a:rPr lang="en-US" sz="2400" i="1">
+                            <a:latin typeface="Cambria Math" panose="02040503050406030204" pitchFamily="18" charset="0"/>
+                          </a:rPr>
+                          <m:t>𝐹𝑁</m:t>
+                        </m:r>
+                      </m:den>
+                    </m:f>
+                  </m:oMath>
+                </a14:m>
+                <a:endParaRPr lang="en-US" dirty="0"/>
+              </a:p>
+              <a:p>
+                <a:pPr/>
+                <a:endParaRPr lang="en-US" dirty="0"/>
+              </a:p>
+              <a:p>
+                <a:r>
+                  <a:rPr lang="en-US" dirty="0"/>
+                  <a:t>It is the measurement of how relevant items are selected (Goodfellow)</a:t>
+                </a:r>
+              </a:p>
+            </p:txBody>
+          </p:sp>
+        </mc:Choice>
+        <mc:Fallback>
+          <p:sp>
+            <p:nvSpPr>
+              <p:cNvPr id="8" name="Content Placeholder 7">
+                <a:extLst>
+                  <a:ext uri="{FF2B5EF4-FFF2-40B4-BE49-F238E27FC236}">
+                    <a16:creationId xmlns:a16="http://schemas.microsoft.com/office/drawing/2014/main" id="{665984DD-9C79-42A6-9A6F-41597ECCEE4F}"/>
+                  </a:ext>
+                </a:extLst>
+              </p:cNvPr>
+              <p:cNvSpPr>
+                <a:spLocks noGrp="1" noRot="1" noChangeAspect="1" noMove="1" noResize="1" noEditPoints="1" noAdjustHandles="1" noChangeArrowheads="1" noChangeShapeType="1" noTextEdit="1"/>
+              </p:cNvSpPr>
+              <p:nvPr>
+                <p:ph sz="half" idx="1"/>
+              </p:nvPr>
+            </p:nvSpPr>
+            <p:spPr>
+              <a:blipFill>
+                <a:blip r:embed="rId2"/>
+                <a:stretch>
+                  <a:fillRect l="-1183" t="-976" r="-2760"/>
+                </a:stretch>
+              </a:blipFill>
+            </p:spPr>
+            <p:txBody>
+              <a:bodyPr/>
+              <a:lstStyle/>
+              <a:p>
+                <a:r>
+                  <a:rPr lang="en-US">
+                    <a:noFill/>
+                  </a:rPr>
+                  <a:t> </a:t>
+                </a:r>
+              </a:p>
+            </p:txBody>
+          </p:sp>
+        </mc:Fallback>
+      </mc:AlternateContent>
+      <mc:AlternateContent xmlns:mc="http://schemas.openxmlformats.org/markup-compatibility/2006">
+        <mc:Choice xmlns:a14="http://schemas.microsoft.com/office/drawing/2010/main" Requires="a14">
+          <p:sp>
+            <p:nvSpPr>
+              <p:cNvPr id="9" name="Content Placeholder 8">
+                <a:extLst>
+                  <a:ext uri="{FF2B5EF4-FFF2-40B4-BE49-F238E27FC236}">
+                    <a16:creationId xmlns:a16="http://schemas.microsoft.com/office/drawing/2014/main" id="{DF81FF24-D2DD-49DE-9BE6-54D97FF6289D}"/>
+                  </a:ext>
+                </a:extLst>
+              </p:cNvPr>
+              <p:cNvSpPr>
+                <a:spLocks noGrp="1"/>
+              </p:cNvSpPr>
+              <p:nvPr>
+                <p:ph sz="half" idx="2"/>
+              </p:nvPr>
+            </p:nvSpPr>
+            <p:spPr/>
+            <p:txBody>
+              <a:bodyPr>
+                <a:normAutofit lnSpcReduction="10000"/>
+              </a:bodyPr>
+              <a:lstStyle/>
+              <a:p>
+                <a:r>
+                  <a:rPr lang="en-US" dirty="0"/>
+                  <a:t>For a K-Folds Classifier:</a:t>
+                </a:r>
+              </a:p>
+              <a:p>
+                <a:endParaRPr lang="en-US" dirty="0"/>
+              </a:p>
+              <a:p>
+                <a:r>
+                  <a:rPr lang="en-US" dirty="0"/>
+                  <a:t>Precision for </a:t>
+                </a:r>
+                <a:r>
+                  <a:rPr lang="en-US" i="1" dirty="0"/>
+                  <a:t>n</a:t>
+                </a:r>
+                <a:r>
+                  <a:rPr lang="en-US" dirty="0"/>
+                  <a:t>-</a:t>
+                </a:r>
+                <a:r>
+                  <a:rPr lang="en-US" dirty="0" err="1"/>
+                  <a:t>th</a:t>
+                </a:r>
+                <a:r>
+                  <a:rPr lang="en-US" dirty="0"/>
+                  <a:t> class:</a:t>
+                </a:r>
+              </a:p>
+              <a:p>
+                <a:endParaRPr lang="en-US" dirty="0"/>
+              </a:p>
+              <a:p>
+                <a:pPr algn="ctr"/>
+                <a14:m>
+                  <m:oMath xmlns:m="http://schemas.openxmlformats.org/officeDocument/2006/math">
+                    <m:sSub>
+                      <m:sSubPr>
+                        <m:ctrlPr>
+                          <a:rPr lang="en-US" sz="2800" b="0" i="1" smtClean="0">
+                            <a:latin typeface="Cambria Math" panose="02040503050406030204" pitchFamily="18" charset="0"/>
+                          </a:rPr>
+                        </m:ctrlPr>
+                      </m:sSubPr>
+                      <m:e>
+                        <m:r>
+                          <a:rPr lang="en-US" sz="2800" b="0" i="1" smtClean="0">
+                            <a:latin typeface="Cambria Math" panose="02040503050406030204" pitchFamily="18" charset="0"/>
+                          </a:rPr>
+                          <m:t>𝑃</m:t>
+                        </m:r>
+                      </m:e>
+                      <m:sub>
+                        <m:r>
+                          <a:rPr lang="en-US" sz="2800" b="0" i="1" smtClean="0">
+                            <a:latin typeface="Cambria Math" panose="02040503050406030204" pitchFamily="18" charset="0"/>
+                          </a:rPr>
+                          <m:t>𝑛</m:t>
+                        </m:r>
+                      </m:sub>
+                    </m:sSub>
+                    <m:r>
+                      <a:rPr lang="en-US" sz="2800" b="0" i="1" smtClean="0">
+                        <a:latin typeface="Cambria Math" panose="02040503050406030204" pitchFamily="18" charset="0"/>
+                      </a:rPr>
+                      <m:t>= </m:t>
+                    </m:r>
+                    <m:f>
+                      <m:fPr>
+                        <m:ctrlPr>
+                          <a:rPr lang="en-US" sz="2800" b="0" i="1" smtClean="0">
+                            <a:latin typeface="Cambria Math" panose="02040503050406030204" pitchFamily="18" charset="0"/>
+                          </a:rPr>
+                        </m:ctrlPr>
+                      </m:fPr>
+                      <m:num>
+                        <m:sSub>
+                          <m:sSubPr>
+                            <m:ctrlPr>
+                              <a:rPr lang="en-US" sz="2800" b="0" i="1" smtClean="0">
+                                <a:latin typeface="Cambria Math" panose="02040503050406030204" pitchFamily="18" charset="0"/>
+                              </a:rPr>
+                            </m:ctrlPr>
+                          </m:sSubPr>
+                          <m:e>
+                            <m:r>
+                              <a:rPr lang="en-US" sz="2800" b="0" i="1" smtClean="0">
+                                <a:latin typeface="Cambria Math" panose="02040503050406030204" pitchFamily="18" charset="0"/>
+                              </a:rPr>
+                              <m:t>𝐶</m:t>
+                            </m:r>
+                          </m:e>
+                          <m:sub>
+                            <m:r>
+                              <a:rPr lang="en-US" sz="2800" b="0" i="1" smtClean="0">
+                                <a:latin typeface="Cambria Math" panose="02040503050406030204" pitchFamily="18" charset="0"/>
+                              </a:rPr>
+                              <m:t>𝑛</m:t>
+                            </m:r>
+                            <m:r>
+                              <a:rPr lang="en-US" sz="2800" b="0" i="1" smtClean="0">
+                                <a:latin typeface="Cambria Math" panose="02040503050406030204" pitchFamily="18" charset="0"/>
+                              </a:rPr>
+                              <m:t>,</m:t>
+                            </m:r>
+                            <m:r>
+                              <a:rPr lang="en-US" sz="2800" b="0" i="1" smtClean="0">
+                                <a:latin typeface="Cambria Math" panose="02040503050406030204" pitchFamily="18" charset="0"/>
+                              </a:rPr>
+                              <m:t>𝑛</m:t>
+                            </m:r>
+                          </m:sub>
+                        </m:sSub>
+                      </m:num>
+                      <m:den>
+                        <m:nary>
+                          <m:naryPr>
+                            <m:chr m:val="∑"/>
+                            <m:ctrlPr>
+                              <a:rPr lang="en-US" sz="2800" b="0" i="1" smtClean="0">
+                                <a:latin typeface="Cambria Math" panose="02040503050406030204" pitchFamily="18" charset="0"/>
+                              </a:rPr>
+                            </m:ctrlPr>
+                          </m:naryPr>
+                          <m:sub>
+                            <m:r>
+                              <m:rPr>
+                                <m:brk m:alnAt="23"/>
+                              </m:rPr>
+                              <a:rPr lang="en-US" sz="2800" b="0" i="1" smtClean="0">
+                                <a:latin typeface="Cambria Math" panose="02040503050406030204" pitchFamily="18" charset="0"/>
+                              </a:rPr>
+                              <m:t>𝑖</m:t>
+                            </m:r>
+                            <m:r>
+                              <a:rPr lang="en-US" sz="2800" b="0" i="1" smtClean="0">
+                                <a:latin typeface="Cambria Math" panose="02040503050406030204" pitchFamily="18" charset="0"/>
+                              </a:rPr>
+                              <m:t>=1</m:t>
+                            </m:r>
+                          </m:sub>
+                          <m:sup>
+                            <m:r>
+                              <a:rPr lang="en-US" sz="2800" b="0" i="1" smtClean="0">
+                                <a:latin typeface="Cambria Math" panose="02040503050406030204" pitchFamily="18" charset="0"/>
+                              </a:rPr>
+                              <m:t>𝑘</m:t>
+                            </m:r>
+                          </m:sup>
+                          <m:e>
+                            <m:sSub>
+                              <m:sSubPr>
+                                <m:ctrlPr>
+                                  <a:rPr lang="en-US" sz="2800" b="0" i="1" smtClean="0">
+                                    <a:latin typeface="Cambria Math" panose="02040503050406030204" pitchFamily="18" charset="0"/>
+                                  </a:rPr>
+                                </m:ctrlPr>
+                              </m:sSubPr>
+                              <m:e>
+                                <m:r>
+                                  <a:rPr lang="en-US" sz="2800" b="0" i="1" smtClean="0">
+                                    <a:latin typeface="Cambria Math" panose="02040503050406030204" pitchFamily="18" charset="0"/>
+                                  </a:rPr>
+                                  <m:t>𝐶</m:t>
+                                </m:r>
+                              </m:e>
+                              <m:sub>
+                                <m:r>
+                                  <a:rPr lang="en-US" sz="2800" b="0" i="1" smtClean="0">
+                                    <a:latin typeface="Cambria Math" panose="02040503050406030204" pitchFamily="18" charset="0"/>
+                                  </a:rPr>
+                                  <m:t>𝑛</m:t>
+                                </m:r>
+                                <m:r>
+                                  <a:rPr lang="en-US" sz="2800" b="0" i="1" smtClean="0">
+                                    <a:latin typeface="Cambria Math" panose="02040503050406030204" pitchFamily="18" charset="0"/>
+                                  </a:rPr>
+                                  <m:t>,</m:t>
+                                </m:r>
+                                <m:r>
+                                  <a:rPr lang="en-US" sz="2800" b="0" i="1" smtClean="0">
+                                    <a:latin typeface="Cambria Math" panose="02040503050406030204" pitchFamily="18" charset="0"/>
+                                  </a:rPr>
+                                  <m:t>𝑖</m:t>
+                                </m:r>
+                              </m:sub>
+                            </m:sSub>
+                          </m:e>
+                        </m:nary>
+                      </m:den>
+                    </m:f>
+                  </m:oMath>
+                </a14:m>
+                <a:endParaRPr lang="en-US" sz="2400" dirty="0"/>
+              </a:p>
+            </p:txBody>
+          </p:sp>
+        </mc:Choice>
+        <mc:Fallback>
+          <p:sp>
+            <p:nvSpPr>
+              <p:cNvPr id="9" name="Content Placeholder 8">
+                <a:extLst>
+                  <a:ext uri="{FF2B5EF4-FFF2-40B4-BE49-F238E27FC236}">
+                    <a16:creationId xmlns:a16="http://schemas.microsoft.com/office/drawing/2014/main" id="{DF81FF24-D2DD-49DE-9BE6-54D97FF6289D}"/>
+                  </a:ext>
+                </a:extLst>
+              </p:cNvPr>
+              <p:cNvSpPr>
+                <a:spLocks noGrp="1" noRot="1" noChangeAspect="1" noMove="1" noResize="1" noEditPoints="1" noAdjustHandles="1" noChangeArrowheads="1" noChangeShapeType="1" noTextEdit="1"/>
+              </p:cNvSpPr>
+              <p:nvPr>
+                <p:ph sz="half" idx="2"/>
+              </p:nvPr>
+            </p:nvSpPr>
+            <p:spPr>
+              <a:blipFill>
+                <a:blip r:embed="rId3"/>
+                <a:stretch>
+                  <a:fillRect l="-1314" t="-976"/>
+                </a:stretch>
+              </a:blipFill>
+            </p:spPr>
+            <p:txBody>
+              <a:bodyPr/>
+              <a:lstStyle/>
+              <a:p>
+                <a:r>
+                  <a:rPr lang="en-US">
+                    <a:noFill/>
+                  </a:rPr>
+                  <a:t> </a:t>
+                </a:r>
+              </a:p>
+            </p:txBody>
+          </p:sp>
+        </mc:Fallback>
+      </mc:AlternateContent>
     </p:spTree>
     <p:extLst>
       <p:ext uri="{BB962C8B-B14F-4D97-AF65-F5344CB8AC3E}">
-        <p14:creationId xmlns:p14="http://schemas.microsoft.com/office/powerpoint/2010/main" val="2163750372"/>
+        <p14:creationId xmlns:p14="http://schemas.microsoft.com/office/powerpoint/2010/main" val="1457694712"/>
       </p:ext>
     </p:extLst>
   </p:cSld>
@@ -5232,10 +7731,10 @@
       </p:grpSpPr>
       <p:sp>
         <p:nvSpPr>
-          <p:cNvPr id="2" name="Title 1">
-            <a:extLst>
-              <a:ext uri="{FF2B5EF4-FFF2-40B4-BE49-F238E27FC236}">
-                <a16:creationId xmlns:a16="http://schemas.microsoft.com/office/drawing/2014/main" id="{BC65E75E-08EE-4169-B0E4-4F3637864F5A}"/>
+          <p:cNvPr id="7" name="Title 6">
+            <a:extLst>
+              <a:ext uri="{FF2B5EF4-FFF2-40B4-BE49-F238E27FC236}">
+                <a16:creationId xmlns:a16="http://schemas.microsoft.com/office/drawing/2014/main" id="{C82D570F-98C4-452F-84CD-EE2B1E355979}"/>
               </a:ext>
             </a:extLst>
           </p:cNvPr>
@@ -5253,43 +7752,204 @@
           <a:p>
             <a:r>
               <a:rPr lang="en-US" dirty="0"/>
-              <a:t>Stochastic Gradient Descent Classifier</a:t>
-            </a:r>
-          </a:p>
-        </p:txBody>
-      </p:sp>
-      <p:sp>
-        <p:nvSpPr>
-          <p:cNvPr id="3" name="Text Placeholder 2">
-            <a:extLst>
-              <a:ext uri="{FF2B5EF4-FFF2-40B4-BE49-F238E27FC236}">
-                <a16:creationId xmlns:a16="http://schemas.microsoft.com/office/drawing/2014/main" id="{E0E8C105-FA8E-47B7-8364-E4F3B8B2355C}"/>
-              </a:ext>
-            </a:extLst>
-          </p:cNvPr>
-          <p:cNvSpPr>
-            <a:spLocks noGrp="1"/>
-          </p:cNvSpPr>
-          <p:nvPr>
-            <p:ph type="body" idx="1"/>
-          </p:nvPr>
-        </p:nvSpPr>
-        <p:spPr/>
-        <p:txBody>
-          <a:bodyPr/>
-          <a:lstStyle/>
-          <a:p>
-            <a:r>
-              <a:rPr lang="en-US" dirty="0"/>
-              <a:t>“The Heart of All Learning Algorithms” (Goodfellow)</a:t>
-            </a:r>
-          </a:p>
-        </p:txBody>
-      </p:sp>
+              <a:t>F1 Score</a:t>
+            </a:r>
+          </a:p>
+        </p:txBody>
+      </p:sp>
+      <mc:AlternateContent xmlns:mc="http://schemas.openxmlformats.org/markup-compatibility/2006">
+        <mc:Choice xmlns:a14="http://schemas.microsoft.com/office/drawing/2010/main" Requires="a14">
+          <p:sp>
+            <p:nvSpPr>
+              <p:cNvPr id="8" name="Content Placeholder 7">
+                <a:extLst>
+                  <a:ext uri="{FF2B5EF4-FFF2-40B4-BE49-F238E27FC236}">
+                    <a16:creationId xmlns:a16="http://schemas.microsoft.com/office/drawing/2014/main" id="{665984DD-9C79-42A6-9A6F-41597ECCEE4F}"/>
+                  </a:ext>
+                </a:extLst>
+              </p:cNvPr>
+              <p:cNvSpPr>
+                <a:spLocks noGrp="1"/>
+              </p:cNvSpPr>
+              <p:nvPr>
+                <p:ph idx="1"/>
+              </p:nvPr>
+            </p:nvSpPr>
+            <p:spPr/>
+            <p:txBody>
+              <a:bodyPr>
+                <a:normAutofit/>
+              </a:bodyPr>
+              <a:lstStyle/>
+              <a:p>
+                <a:r>
+                  <a:rPr lang="en-US" dirty="0"/>
+                  <a:t>F1 score is the </a:t>
+                </a:r>
+                <a:r>
+                  <a:rPr lang="en-US" i="1" dirty="0"/>
+                  <a:t>harmonic mean </a:t>
+                </a:r>
+                <a:r>
+                  <a:rPr lang="en-US" dirty="0"/>
+                  <a:t>of precision and recall, bounded on [0,1]</a:t>
+                </a:r>
+              </a:p>
+              <a:p>
+                <a:pPr marL="0" indent="0">
+                  <a:buNone/>
+                </a:pPr>
+                <a:endParaRPr lang="en-US" dirty="0"/>
+              </a:p>
+              <a:p>
+                <a:r>
+                  <a:rPr lang="en-US" dirty="0"/>
+                  <a:t>For a binary classifier:</a:t>
+                </a:r>
+              </a:p>
+              <a:p>
+                <a:pPr algn="ctr"/>
+                <a14:m>
+                  <m:oMath xmlns:m="http://schemas.openxmlformats.org/officeDocument/2006/math">
+                    <m:r>
+                      <a:rPr lang="en-US" sz="2400" b="0" i="1" smtClean="0">
+                        <a:latin typeface="Cambria Math" panose="02040503050406030204" pitchFamily="18" charset="0"/>
+                      </a:rPr>
+                      <m:t>𝐹</m:t>
+                    </m:r>
+                    <m:r>
+                      <a:rPr lang="en-US" sz="2400" b="0" i="1" smtClean="0">
+                        <a:latin typeface="Cambria Math" panose="02040503050406030204" pitchFamily="18" charset="0"/>
+                      </a:rPr>
+                      <m:t>1=2</m:t>
+                    </m:r>
+                    <m:d>
+                      <m:dPr>
+                        <m:ctrlPr>
+                          <a:rPr lang="en-US" sz="2400" b="0" i="1" smtClean="0">
+                            <a:latin typeface="Cambria Math" panose="02040503050406030204" pitchFamily="18" charset="0"/>
+                          </a:rPr>
+                        </m:ctrlPr>
+                      </m:dPr>
+                      <m:e>
+                        <m:f>
+                          <m:fPr>
+                            <m:ctrlPr>
+                              <a:rPr lang="en-US" sz="2400" b="0" i="1" smtClean="0">
+                                <a:latin typeface="Cambria Math" panose="02040503050406030204" pitchFamily="18" charset="0"/>
+                              </a:rPr>
+                            </m:ctrlPr>
+                          </m:fPr>
+                          <m:num>
+                            <m:r>
+                              <a:rPr lang="en-US" sz="2400" b="0" i="1" smtClean="0">
+                                <a:latin typeface="Cambria Math" panose="02040503050406030204" pitchFamily="18" charset="0"/>
+                              </a:rPr>
+                              <m:t>𝑃</m:t>
+                            </m:r>
+                            <m:r>
+                              <a:rPr lang="en-US" sz="2400" b="0" i="1" smtClean="0">
+                                <a:latin typeface="Cambria Math" panose="02040503050406030204" pitchFamily="18" charset="0"/>
+                              </a:rPr>
+                              <m:t>×</m:t>
+                            </m:r>
+                            <m:r>
+                              <a:rPr lang="en-US" sz="2400" b="0" i="1" smtClean="0">
+                                <a:latin typeface="Cambria Math" panose="02040503050406030204" pitchFamily="18" charset="0"/>
+                              </a:rPr>
+                              <m:t>𝑅</m:t>
+                            </m:r>
+                          </m:num>
+                          <m:den>
+                            <m:r>
+                              <a:rPr lang="en-US" sz="2400" b="0" i="1" smtClean="0">
+                                <a:latin typeface="Cambria Math" panose="02040503050406030204" pitchFamily="18" charset="0"/>
+                              </a:rPr>
+                              <m:t>𝑃</m:t>
+                            </m:r>
+                            <m:r>
+                              <a:rPr lang="en-US" sz="2400" b="0" i="1" smtClean="0">
+                                <a:latin typeface="Cambria Math" panose="02040503050406030204" pitchFamily="18" charset="0"/>
+                              </a:rPr>
+                              <m:t>+</m:t>
+                            </m:r>
+                            <m:r>
+                              <a:rPr lang="en-US" sz="2400" b="0" i="1" smtClean="0">
+                                <a:latin typeface="Cambria Math" panose="02040503050406030204" pitchFamily="18" charset="0"/>
+                              </a:rPr>
+                              <m:t>𝑅</m:t>
+                            </m:r>
+                            <m:r>
+                              <a:rPr lang="en-US" sz="2400" b="0" i="1" smtClean="0">
+                                <a:latin typeface="Cambria Math" panose="02040503050406030204" pitchFamily="18" charset="0"/>
+                              </a:rPr>
+                              <m:t> </m:t>
+                            </m:r>
+                          </m:den>
+                        </m:f>
+                      </m:e>
+                    </m:d>
+                  </m:oMath>
+                </a14:m>
+                <a:endParaRPr lang="en-US" dirty="0"/>
+              </a:p>
+              <a:p>
+                <a:pPr/>
+                <a:endParaRPr lang="en-US" dirty="0"/>
+              </a:p>
+              <a:p>
+                <a:r>
+                  <a:rPr lang="en-US" dirty="0"/>
+                  <a:t>It is the measurement of how relevant items are selected (Goodfellow)</a:t>
+                </a:r>
+              </a:p>
+            </p:txBody>
+          </p:sp>
+        </mc:Choice>
+        <mc:Fallback>
+          <p:sp>
+            <p:nvSpPr>
+              <p:cNvPr id="8" name="Content Placeholder 7">
+                <a:extLst>
+                  <a:ext uri="{FF2B5EF4-FFF2-40B4-BE49-F238E27FC236}">
+                    <a16:creationId xmlns:a16="http://schemas.microsoft.com/office/drawing/2014/main" id="{665984DD-9C79-42A6-9A6F-41597ECCEE4F}"/>
+                  </a:ext>
+                </a:extLst>
+              </p:cNvPr>
+              <p:cNvSpPr>
+                <a:spLocks noGrp="1" noRot="1" noChangeAspect="1" noMove="1" noResize="1" noEditPoints="1" noAdjustHandles="1" noChangeArrowheads="1" noChangeShapeType="1" noTextEdit="1"/>
+              </p:cNvSpPr>
+              <p:nvPr>
+                <p:ph idx="1"/>
+              </p:nvPr>
+            </p:nvSpPr>
+            <p:spPr>
+              <a:blipFill>
+                <a:blip r:embed="rId2"/>
+                <a:stretch>
+                  <a:fillRect l="-545" t="-810"/>
+                </a:stretch>
+              </a:blipFill>
+            </p:spPr>
+            <p:txBody>
+              <a:bodyPr/>
+              <a:lstStyle/>
+              <a:p>
+                <a:r>
+                  <a:rPr lang="en-US">
+                    <a:noFill/>
+                  </a:rPr>
+                  <a:t> </a:t>
+                </a:r>
+              </a:p>
+            </p:txBody>
+          </p:sp>
+        </mc:Fallback>
+      </mc:AlternateContent>
     </p:spTree>
     <p:extLst>
       <p:ext uri="{BB962C8B-B14F-4D97-AF65-F5344CB8AC3E}">
-        <p14:creationId xmlns:p14="http://schemas.microsoft.com/office/powerpoint/2010/main" val="3744921450"/>
+        <p14:creationId xmlns:p14="http://schemas.microsoft.com/office/powerpoint/2010/main" val="1280450987"/>
       </p:ext>
     </p:extLst>
   </p:cSld>
@@ -5321,7 +7981,7 @@
           <p:cNvPr id="2" name="Title 1">
             <a:extLst>
               <a:ext uri="{FF2B5EF4-FFF2-40B4-BE49-F238E27FC236}">
-                <a16:creationId xmlns:a16="http://schemas.microsoft.com/office/drawing/2014/main" id="{F7F153B4-E789-4050-A441-1E16D50BC13F}"/>
+                <a16:creationId xmlns:a16="http://schemas.microsoft.com/office/drawing/2014/main" id="{BC65E75E-08EE-4169-B0E4-4F3637864F5A}"/>
               </a:ext>
             </a:extLst>
           </p:cNvPr>
@@ -5339,123 +7999,43 @@
           <a:p>
             <a:r>
               <a:rPr lang="en-US" dirty="0"/>
-              <a:t>SGD Classifier</a:t>
-            </a:r>
-          </a:p>
-        </p:txBody>
-      </p:sp>
-      <p:sp>
-        <p:nvSpPr>
-          <p:cNvPr id="3" name="Content Placeholder 2">
-            <a:extLst>
-              <a:ext uri="{FF2B5EF4-FFF2-40B4-BE49-F238E27FC236}">
-                <a16:creationId xmlns:a16="http://schemas.microsoft.com/office/drawing/2014/main" id="{32DDD9F8-4BF8-443A-9B46-B46040FE85F7}"/>
-              </a:ext>
-            </a:extLst>
-          </p:cNvPr>
-          <p:cNvSpPr>
-            <a:spLocks noGrp="1"/>
-          </p:cNvSpPr>
-          <p:nvPr>
-            <p:ph sz="half" idx="1"/>
+              <a:t>Stochastic Gradient Descent Classifier</a:t>
+            </a:r>
+          </a:p>
+        </p:txBody>
+      </p:sp>
+      <p:sp>
+        <p:nvSpPr>
+          <p:cNvPr id="3" name="Text Placeholder 2">
+            <a:extLst>
+              <a:ext uri="{FF2B5EF4-FFF2-40B4-BE49-F238E27FC236}">
+                <a16:creationId xmlns:a16="http://schemas.microsoft.com/office/drawing/2014/main" id="{E0E8C105-FA8E-47B7-8364-E4F3B8B2355C}"/>
+              </a:ext>
+            </a:extLst>
+          </p:cNvPr>
+          <p:cNvSpPr>
+            <a:spLocks noGrp="1"/>
+          </p:cNvSpPr>
+          <p:nvPr>
+            <p:ph type="body" idx="1"/>
           </p:nvPr>
         </p:nvSpPr>
         <p:spPr/>
         <p:txBody>
-          <a:bodyPr>
-            <a:normAutofit/>
-          </a:bodyPr>
+          <a:bodyPr/>
           <a:lstStyle/>
           <a:p>
             <a:r>
               <a:rPr lang="en-US" dirty="0"/>
-              <a:t>Basic Linear Model Classifier</a:t>
-            </a:r>
-          </a:p>
-          <a:p>
-            <a:endParaRPr lang="en-US" dirty="0"/>
-          </a:p>
-          <a:p>
-            <a:r>
-              <a:rPr lang="en-US" dirty="0"/>
-              <a:t>Many algorithms use some variation of this</a:t>
-            </a:r>
-          </a:p>
-          <a:p>
-            <a:r>
-              <a:rPr lang="en-US" dirty="0"/>
-              <a:t>(Goodfellow)</a:t>
-            </a:r>
-          </a:p>
-          <a:p>
-            <a:endParaRPr lang="en-US" dirty="0"/>
-          </a:p>
-          <a:p>
-            <a:r>
-              <a:rPr lang="en-US" dirty="0"/>
-              <a:t>Uses the gradient of a decision function</a:t>
-            </a:r>
-          </a:p>
-          <a:p>
-            <a:r>
-              <a:rPr lang="en-US" dirty="0"/>
-              <a:t>(Sanderson)</a:t>
-            </a:r>
-          </a:p>
-          <a:p>
-            <a:endParaRPr lang="en-US" dirty="0"/>
-          </a:p>
-        </p:txBody>
-      </p:sp>
-      <p:sp>
-        <p:nvSpPr>
-          <p:cNvPr id="4" name="Content Placeholder 3">
-            <a:extLst>
-              <a:ext uri="{FF2B5EF4-FFF2-40B4-BE49-F238E27FC236}">
-                <a16:creationId xmlns:a16="http://schemas.microsoft.com/office/drawing/2014/main" id="{C41D5D60-5360-4F6E-9D99-4E495FFBB7E5}"/>
-              </a:ext>
-            </a:extLst>
-          </p:cNvPr>
-          <p:cNvSpPr>
-            <a:spLocks noGrp="1"/>
-          </p:cNvSpPr>
-          <p:nvPr>
-            <p:ph sz="half" idx="2"/>
-          </p:nvPr>
-        </p:nvSpPr>
-        <p:spPr/>
-        <p:txBody>
-          <a:bodyPr>
-            <a:normAutofit/>
-          </a:bodyPr>
-          <a:lstStyle/>
-          <a:p>
-            <a:r>
-              <a:rPr lang="en-US" dirty="0"/>
-              <a:t>Very powerful, Very slow</a:t>
-            </a:r>
-          </a:p>
-          <a:p>
-            <a:endParaRPr lang="en-US" dirty="0"/>
-          </a:p>
-          <a:p>
-            <a:r>
-              <a:rPr lang="en-US" dirty="0"/>
-              <a:t>Used on 10,000 figures of MNIST data set</a:t>
-            </a:r>
-          </a:p>
-          <a:p>
-            <a:endParaRPr lang="en-US" dirty="0"/>
-          </a:p>
-          <a:p>
-            <a:endParaRPr lang="en-US" dirty="0"/>
+              <a:t>“The Heart of All Learning Algorithms” (Goodfellow)</a:t>
+            </a:r>
           </a:p>
         </p:txBody>
       </p:sp>
     </p:spTree>
     <p:extLst>
       <p:ext uri="{BB962C8B-B14F-4D97-AF65-F5344CB8AC3E}">
-        <p14:creationId xmlns:p14="http://schemas.microsoft.com/office/powerpoint/2010/main" val="1668715585"/>
+        <p14:creationId xmlns:p14="http://schemas.microsoft.com/office/powerpoint/2010/main" val="3744921450"/>
       </p:ext>
     </p:extLst>
   </p:cSld>
@@ -5487,7 +8067,7 @@
           <p:cNvPr id="2" name="Title 1">
             <a:extLst>
               <a:ext uri="{FF2B5EF4-FFF2-40B4-BE49-F238E27FC236}">
-                <a16:creationId xmlns:a16="http://schemas.microsoft.com/office/drawing/2014/main" id="{4847D709-AEFF-4FF8-A693-3FBCD2E1BC57}"/>
+                <a16:creationId xmlns:a16="http://schemas.microsoft.com/office/drawing/2014/main" id="{F7F153B4-E789-4050-A441-1E16D50BC13F}"/>
               </a:ext>
             </a:extLst>
           </p:cNvPr>
@@ -5505,7 +8085,7 @@
           <a:p>
             <a:r>
               <a:rPr lang="en-US" dirty="0"/>
-              <a:t>MNIST DATA</a:t>
+              <a:t>SGD Classifier</a:t>
             </a:r>
           </a:p>
         </p:txBody>
@@ -5515,25 +8095,27 @@
           <p:cNvPr id="3" name="Content Placeholder 2">
             <a:extLst>
               <a:ext uri="{FF2B5EF4-FFF2-40B4-BE49-F238E27FC236}">
-                <a16:creationId xmlns:a16="http://schemas.microsoft.com/office/drawing/2014/main" id="{F118950D-8118-4CD2-BF05-243B93A4C439}"/>
-              </a:ext>
-            </a:extLst>
-          </p:cNvPr>
-          <p:cNvSpPr>
-            <a:spLocks noGrp="1"/>
-          </p:cNvSpPr>
-          <p:nvPr>
-            <p:ph sz="half" idx="1"/>
+                <a16:creationId xmlns:a16="http://schemas.microsoft.com/office/drawing/2014/main" id="{32DDD9F8-4BF8-443A-9B46-B46040FE85F7}"/>
+              </a:ext>
+            </a:extLst>
+          </p:cNvPr>
+          <p:cNvSpPr>
+            <a:spLocks noGrp="1"/>
+          </p:cNvSpPr>
+          <p:nvPr>
+            <p:ph idx="1"/>
           </p:nvPr>
         </p:nvSpPr>
         <p:spPr/>
         <p:txBody>
-          <a:bodyPr/>
+          <a:bodyPr>
+            <a:normAutofit/>
+          </a:bodyPr>
           <a:lstStyle/>
           <a:p>
             <a:r>
               <a:rPr lang="en-US" dirty="0"/>
-              <a:t>Collection of 70,000 images of hand-written figures</a:t>
+              <a:t>Basic Linear Model Classifier – very power &amp; very slow</a:t>
             </a:r>
           </a:p>
           <a:p>
@@ -5542,7 +8124,7 @@
           <a:p>
             <a:r>
               <a:rPr lang="en-US" dirty="0"/>
-              <a:t>Arranged into 28 x 28 pixel arrays</a:t>
+              <a:t>Many algorithms use some variation of this (Goodfellow)</a:t>
             </a:r>
           </a:p>
           <a:p>
@@ -5551,52 +8133,7 @@
           <a:p>
             <a:r>
               <a:rPr lang="en-US" dirty="0"/>
-              <a:t>For this test, I use the first 10,000 images</a:t>
-            </a:r>
-          </a:p>
-        </p:txBody>
-      </p:sp>
-      <p:sp>
-        <p:nvSpPr>
-          <p:cNvPr id="4" name="Content Placeholder 3">
-            <a:extLst>
-              <a:ext uri="{FF2B5EF4-FFF2-40B4-BE49-F238E27FC236}">
-                <a16:creationId xmlns:a16="http://schemas.microsoft.com/office/drawing/2014/main" id="{0FEBC844-CFB3-4EFC-ABC6-683BA66B2342}"/>
-              </a:ext>
-            </a:extLst>
-          </p:cNvPr>
-          <p:cNvSpPr>
-            <a:spLocks noGrp="1"/>
-          </p:cNvSpPr>
-          <p:nvPr>
-            <p:ph sz="half" idx="2"/>
-          </p:nvPr>
-        </p:nvSpPr>
-        <p:spPr/>
-        <p:txBody>
-          <a:bodyPr/>
-          <a:lstStyle/>
-          <a:p>
-            <a:r>
-              <a:rPr lang="en-US" dirty="0"/>
-              <a:t>Split into 8,000 training figures, 2,000 testing figures</a:t>
-            </a:r>
-          </a:p>
-          <a:p>
-            <a:endParaRPr lang="en-US" dirty="0"/>
-          </a:p>
-          <a:p>
-            <a:r>
-              <a:rPr lang="en-US" dirty="0"/>
-              <a:t>Permutated w/ </a:t>
-            </a:r>
-            <a:r>
-              <a:rPr lang="en-US" dirty="0" err="1"/>
-              <a:t>numpy</a:t>
-            </a:r>
-            <a:r>
-              <a:rPr lang="en-US" dirty="0"/>
-              <a:t> library</a:t>
+              <a:t>Uses the gradient of a decision function to create an optimal set of parameters for classifier (Sanderson)</a:t>
             </a:r>
           </a:p>
           <a:p>
@@ -5607,7 +8144,7 @@
     </p:spTree>
     <p:extLst>
       <p:ext uri="{BB962C8B-B14F-4D97-AF65-F5344CB8AC3E}">
-        <p14:creationId xmlns:p14="http://schemas.microsoft.com/office/powerpoint/2010/main" val="1366745650"/>
+        <p14:creationId xmlns:p14="http://schemas.microsoft.com/office/powerpoint/2010/main" val="1668715585"/>
       </p:ext>
     </p:extLst>
   </p:cSld>
@@ -5639,7 +8176,7 @@
           <p:cNvPr id="2" name="Title 1">
             <a:extLst>
               <a:ext uri="{FF2B5EF4-FFF2-40B4-BE49-F238E27FC236}">
-                <a16:creationId xmlns:a16="http://schemas.microsoft.com/office/drawing/2014/main" id="{09DE836D-D42A-4032-A27B-DD5C855920DB}"/>
+                <a16:creationId xmlns:a16="http://schemas.microsoft.com/office/drawing/2014/main" id="{4847D709-AEFF-4FF8-A693-3FBCD2E1BC57}"/>
               </a:ext>
             </a:extLst>
           </p:cNvPr>
@@ -5657,25 +8194,25 @@
           <a:p>
             <a:r>
               <a:rPr lang="en-US" dirty="0"/>
-              <a:t>The Control Classifier</a:t>
-            </a:r>
-          </a:p>
-        </p:txBody>
-      </p:sp>
-      <p:sp>
-        <p:nvSpPr>
-          <p:cNvPr id="6" name="Text Placeholder 5">
-            <a:extLst>
-              <a:ext uri="{FF2B5EF4-FFF2-40B4-BE49-F238E27FC236}">
-                <a16:creationId xmlns:a16="http://schemas.microsoft.com/office/drawing/2014/main" id="{923E4841-90BA-4093-8C2F-717EC623B77E}"/>
-              </a:ext>
-            </a:extLst>
-          </p:cNvPr>
-          <p:cNvSpPr>
-            <a:spLocks noGrp="1"/>
-          </p:cNvSpPr>
-          <p:nvPr>
-            <p:ph type="body" idx="1"/>
+              <a:t>MNIST DATA</a:t>
+            </a:r>
+          </a:p>
+        </p:txBody>
+      </p:sp>
+      <p:sp>
+        <p:nvSpPr>
+          <p:cNvPr id="3" name="Content Placeholder 2">
+            <a:extLst>
+              <a:ext uri="{FF2B5EF4-FFF2-40B4-BE49-F238E27FC236}">
+                <a16:creationId xmlns:a16="http://schemas.microsoft.com/office/drawing/2014/main" id="{F118950D-8118-4CD2-BF05-243B93A4C439}"/>
+              </a:ext>
+            </a:extLst>
+          </p:cNvPr>
+          <p:cNvSpPr>
+            <a:spLocks noGrp="1"/>
+          </p:cNvSpPr>
+          <p:nvPr>
+            <p:ph sz="half" idx="1"/>
           </p:nvPr>
         </p:nvSpPr>
         <p:spPr/>
@@ -5685,60 +8222,43 @@
           <a:p>
             <a:r>
               <a:rPr lang="en-US" dirty="0"/>
-              <a:t>Training samples</a:t>
-            </a:r>
-          </a:p>
-        </p:txBody>
-      </p:sp>
-      <p:pic>
-        <p:nvPicPr>
-          <p:cNvPr id="4" name="Content Placeholder 3" descr="A screenshot of a cell phone&#10;&#10;Description automatically generated">
-            <a:extLst>
-              <a:ext uri="{FF2B5EF4-FFF2-40B4-BE49-F238E27FC236}">
-                <a16:creationId xmlns:a16="http://schemas.microsoft.com/office/drawing/2014/main" id="{8BDF7D61-D7D9-4CFC-A2D5-C278BA20D269}"/>
-              </a:ext>
-            </a:extLst>
-          </p:cNvPr>
-          <p:cNvPicPr>
-            <a:picLocks noGrp="1" noChangeAspect="1"/>
-          </p:cNvPicPr>
+              <a:t>Collection of 70,000 images of hand-written figures</a:t>
+            </a:r>
+          </a:p>
+          <a:p>
+            <a:endParaRPr lang="en-US" dirty="0"/>
+          </a:p>
+          <a:p>
+            <a:r>
+              <a:rPr lang="en-US" dirty="0"/>
+              <a:t>Arranged into (28 x 28) pixel arrays</a:t>
+            </a:r>
+          </a:p>
+          <a:p>
+            <a:endParaRPr lang="en-US" dirty="0"/>
+          </a:p>
+          <a:p>
+            <a:r>
+              <a:rPr lang="en-US" dirty="0"/>
+              <a:t>For this test, I use the first 10,000 images</a:t>
+            </a:r>
+          </a:p>
+        </p:txBody>
+      </p:sp>
+      <p:sp>
+        <p:nvSpPr>
+          <p:cNvPr id="4" name="Content Placeholder 3">
+            <a:extLst>
+              <a:ext uri="{FF2B5EF4-FFF2-40B4-BE49-F238E27FC236}">
+                <a16:creationId xmlns:a16="http://schemas.microsoft.com/office/drawing/2014/main" id="{0FEBC844-CFB3-4EFC-ABC6-683BA66B2342}"/>
+              </a:ext>
+            </a:extLst>
+          </p:cNvPr>
+          <p:cNvSpPr>
+            <a:spLocks noGrp="1"/>
+          </p:cNvSpPr>
           <p:nvPr>
             <p:ph sz="half" idx="2"/>
-          </p:nvPr>
-        </p:nvPicPr>
-        <p:blipFill>
-          <a:blip r:embed="rId2">
-            <a:extLst>
-              <a:ext uri="{28A0092B-C50C-407E-A947-70E740481C1C}">
-                <a14:useLocalDpi xmlns:a14="http://schemas.microsoft.com/office/drawing/2010/main" val="0"/>
-              </a:ext>
-            </a:extLst>
-          </a:blip>
-          <a:stretch>
-            <a:fillRect/>
-          </a:stretch>
-        </p:blipFill>
-        <p:spPr>
-          <a:xfrm>
-            <a:off x="392186" y="3108239"/>
-            <a:ext cx="2683201" cy="2012402"/>
-          </a:xfrm>
-        </p:spPr>
-      </p:pic>
-      <p:sp>
-        <p:nvSpPr>
-          <p:cNvPr id="8" name="Text Placeholder 7">
-            <a:extLst>
-              <a:ext uri="{FF2B5EF4-FFF2-40B4-BE49-F238E27FC236}">
-                <a16:creationId xmlns:a16="http://schemas.microsoft.com/office/drawing/2014/main" id="{FBC349E6-C94D-41B0-94E3-4315D39FED9C}"/>
-              </a:ext>
-            </a:extLst>
-          </p:cNvPr>
-          <p:cNvSpPr>
-            <a:spLocks noGrp="1"/>
-          </p:cNvSpPr>
-          <p:nvPr>
-            <p:ph type="body" sz="quarter" idx="3"/>
           </p:nvPr>
         </p:nvSpPr>
         <p:spPr/>
@@ -5748,122 +8268,41 @@
           <a:p>
             <a:r>
               <a:rPr lang="en-US" dirty="0"/>
-              <a:t>Testing Samples</a:t>
-            </a:r>
-          </a:p>
-        </p:txBody>
-      </p:sp>
-      <p:pic>
-        <p:nvPicPr>
-          <p:cNvPr id="10" name="Content Placeholder 9" descr="A close up of a logo&#10;&#10;Description automatically generated">
-            <a:extLst>
-              <a:ext uri="{FF2B5EF4-FFF2-40B4-BE49-F238E27FC236}">
-                <a16:creationId xmlns:a16="http://schemas.microsoft.com/office/drawing/2014/main" id="{AD0C57D2-FAC1-4B70-8127-5004D9FA07E2}"/>
-              </a:ext>
-            </a:extLst>
-          </p:cNvPr>
-          <p:cNvPicPr>
-            <a:picLocks noGrp="1" noChangeAspect="1"/>
-          </p:cNvPicPr>
-          <p:nvPr>
-            <p:ph sz="quarter" idx="4"/>
-          </p:nvPr>
-        </p:nvPicPr>
-        <p:blipFill>
-          <a:blip r:embed="rId3">
-            <a:extLst>
-              <a:ext uri="{28A0092B-C50C-407E-A947-70E740481C1C}">
-                <a14:useLocalDpi xmlns:a14="http://schemas.microsoft.com/office/drawing/2010/main" val="0"/>
-              </a:ext>
-            </a:extLst>
-          </a:blip>
-          <a:stretch>
-            <a:fillRect/>
-          </a:stretch>
-        </p:blipFill>
-        <p:spPr>
-          <a:xfrm>
-            <a:off x="2895589" y="3108239"/>
-            <a:ext cx="2683202" cy="2012402"/>
-          </a:xfrm>
-        </p:spPr>
-      </p:pic>
-      <p:pic>
-        <p:nvPicPr>
-          <p:cNvPr id="12" name="Picture 11" descr="A screenshot of a cell phone&#10;&#10;Description automatically generated">
-            <a:extLst>
-              <a:ext uri="{FF2B5EF4-FFF2-40B4-BE49-F238E27FC236}">
-                <a16:creationId xmlns:a16="http://schemas.microsoft.com/office/drawing/2014/main" id="{AADA4724-BE14-410D-A8CD-1730D9324806}"/>
-              </a:ext>
-            </a:extLst>
-          </p:cNvPr>
-          <p:cNvPicPr>
-            <a:picLocks noChangeAspect="1"/>
-          </p:cNvPicPr>
-          <p:nvPr/>
-        </p:nvPicPr>
-        <p:blipFill>
-          <a:blip r:embed="rId4">
-            <a:extLst>
-              <a:ext uri="{28A0092B-C50C-407E-A947-70E740481C1C}">
-                <a14:useLocalDpi xmlns:a14="http://schemas.microsoft.com/office/drawing/2010/main" val="0"/>
-              </a:ext>
-            </a:extLst>
-          </a:blip>
-          <a:stretch>
-            <a:fillRect/>
-          </a:stretch>
-        </p:blipFill>
-        <p:spPr>
-          <a:xfrm>
-            <a:off x="5737016" y="3108239"/>
-            <a:ext cx="2740284" cy="2055214"/>
-          </a:xfrm>
-          <a:prstGeom prst="rect">
-            <a:avLst/>
-          </a:prstGeom>
-        </p:spPr>
-      </p:pic>
-      <p:pic>
-        <p:nvPicPr>
-          <p:cNvPr id="14" name="Picture 13" descr="A screenshot of a cell phone&#10;&#10;Description automatically generated">
-            <a:extLst>
-              <a:ext uri="{FF2B5EF4-FFF2-40B4-BE49-F238E27FC236}">
-                <a16:creationId xmlns:a16="http://schemas.microsoft.com/office/drawing/2014/main" id="{3724E65D-4E96-4328-9C09-5FFE07DE702B}"/>
-              </a:ext>
-            </a:extLst>
-          </p:cNvPr>
-          <p:cNvPicPr>
-            <a:picLocks noChangeAspect="1"/>
-          </p:cNvPicPr>
-          <p:nvPr/>
-        </p:nvPicPr>
-        <p:blipFill>
-          <a:blip r:embed="rId5">
-            <a:extLst>
-              <a:ext uri="{28A0092B-C50C-407E-A947-70E740481C1C}">
-                <a14:useLocalDpi xmlns:a14="http://schemas.microsoft.com/office/drawing/2010/main" val="0"/>
-              </a:ext>
-            </a:extLst>
-          </a:blip>
-          <a:stretch>
-            <a:fillRect/>
-          </a:stretch>
-        </p:blipFill>
-        <p:spPr>
-          <a:xfrm>
-            <a:off x="8358339" y="3093124"/>
-            <a:ext cx="2780590" cy="2085443"/>
-          </a:xfrm>
-          <a:prstGeom prst="rect">
-            <a:avLst/>
-          </a:prstGeom>
-        </p:spPr>
-      </p:pic>
+              <a:t>Split into 8,000 training figures, 2,000 testing figures</a:t>
+            </a:r>
+          </a:p>
+          <a:p>
+            <a:endParaRPr lang="en-US" dirty="0"/>
+          </a:p>
+          <a:p>
+            <a:r>
+              <a:rPr lang="en-US" dirty="0"/>
+              <a:t>Permutated w/ </a:t>
+            </a:r>
+            <a:r>
+              <a:rPr lang="en-US" dirty="0" err="1"/>
+              <a:t>numpy</a:t>
+            </a:r>
+            <a:r>
+              <a:rPr lang="en-US" dirty="0"/>
+              <a:t> library to ensure ‘randomness’</a:t>
+            </a:r>
+          </a:p>
+          <a:p>
+            <a:endParaRPr lang="en-US" dirty="0"/>
+          </a:p>
+          <a:p>
+            <a:pPr marL="0" indent="0">
+              <a:buNone/>
+            </a:pPr>
+            <a:endParaRPr lang="en-US" dirty="0"/>
+          </a:p>
+        </p:txBody>
+      </p:sp>
     </p:spTree>
     <p:extLst>
       <p:ext uri="{BB962C8B-B14F-4D97-AF65-F5344CB8AC3E}">
-        <p14:creationId xmlns:p14="http://schemas.microsoft.com/office/powerpoint/2010/main" val="877663952"/>
+        <p14:creationId xmlns:p14="http://schemas.microsoft.com/office/powerpoint/2010/main" val="1366745650"/>
       </p:ext>
     </p:extLst>
   </p:cSld>

--- a/Presentations/14_02_2020/Evaluating Benchmarks for SGD Classifier.pptx
+++ b/Presentations/14_02_2020/Evaluating Benchmarks for SGD Classifier.pptx
@@ -16,10 +16,15 @@
     <p:sldId id="265" r:id="rId10"/>
     <p:sldId id="271" r:id="rId11"/>
     <p:sldId id="266" r:id="rId12"/>
-    <p:sldId id="267" r:id="rId13"/>
-    <p:sldId id="268" r:id="rId14"/>
-    <p:sldId id="269" r:id="rId15"/>
-    <p:sldId id="272" r:id="rId16"/>
+    <p:sldId id="275" r:id="rId13"/>
+    <p:sldId id="267" r:id="rId14"/>
+    <p:sldId id="276" r:id="rId15"/>
+    <p:sldId id="268" r:id="rId16"/>
+    <p:sldId id="277" r:id="rId17"/>
+    <p:sldId id="269" r:id="rId18"/>
+    <p:sldId id="278" r:id="rId19"/>
+    <p:sldId id="279" r:id="rId20"/>
+    <p:sldId id="272" r:id="rId21"/>
   </p:sldIdLst>
   <p:sldSz cx="12192000" cy="6858000"/>
   <p:notesSz cx="6858000" cy="9144000"/>
@@ -126,6 +131,2529 @@
 </p:presentation>
 </file>
 
+<file path=ppt/diagrams/colors1.xml><?xml version="1.0" encoding="utf-8"?>
+<dgm:colorsDef xmlns:dgm="http://schemas.openxmlformats.org/drawingml/2006/diagram" xmlns:a="http://schemas.openxmlformats.org/drawingml/2006/main" uniqueId="urn:microsoft.com/office/officeart/2005/8/colors/accent3_2">
+  <dgm:title val=""/>
+  <dgm:desc val=""/>
+  <dgm:catLst>
+    <dgm:cat type="accent3" pri="11200"/>
+  </dgm:catLst>
+  <dgm:styleLbl name="node0">
+    <dgm:fillClrLst meth="repeat">
+      <a:schemeClr val="accent3"/>
+    </dgm:fillClrLst>
+    <dgm:linClrLst meth="repeat">
+      <a:schemeClr val="lt1"/>
+    </dgm:linClrLst>
+    <dgm:effectClrLst/>
+    <dgm:txLinClrLst/>
+    <dgm:txFillClrLst/>
+    <dgm:txEffectClrLst/>
+  </dgm:styleLbl>
+  <dgm:styleLbl name="node1">
+    <dgm:fillClrLst meth="repeat">
+      <a:schemeClr val="accent3"/>
+    </dgm:fillClrLst>
+    <dgm:linClrLst meth="repeat">
+      <a:schemeClr val="lt1"/>
+    </dgm:linClrLst>
+    <dgm:effectClrLst/>
+    <dgm:txLinClrLst/>
+    <dgm:txFillClrLst/>
+    <dgm:txEffectClrLst/>
+  </dgm:styleLbl>
+  <dgm:styleLbl name="alignNode1">
+    <dgm:fillClrLst meth="repeat">
+      <a:schemeClr val="accent3"/>
+    </dgm:fillClrLst>
+    <dgm:linClrLst meth="repeat">
+      <a:schemeClr val="accent3"/>
+    </dgm:linClrLst>
+    <dgm:effectClrLst/>
+    <dgm:txLinClrLst/>
+    <dgm:txFillClrLst/>
+    <dgm:txEffectClrLst/>
+  </dgm:styleLbl>
+  <dgm:styleLbl name="lnNode1">
+    <dgm:fillClrLst meth="repeat">
+      <a:schemeClr val="accent3"/>
+    </dgm:fillClrLst>
+    <dgm:linClrLst meth="repeat">
+      <a:schemeClr val="lt1"/>
+    </dgm:linClrLst>
+    <dgm:effectClrLst/>
+    <dgm:txLinClrLst/>
+    <dgm:txFillClrLst/>
+    <dgm:txEffectClrLst/>
+  </dgm:styleLbl>
+  <dgm:styleLbl name="vennNode1">
+    <dgm:fillClrLst meth="repeat">
+      <a:schemeClr val="accent3">
+        <a:alpha val="50000"/>
+      </a:schemeClr>
+    </dgm:fillClrLst>
+    <dgm:linClrLst meth="repeat">
+      <a:schemeClr val="lt1"/>
+    </dgm:linClrLst>
+    <dgm:effectClrLst/>
+    <dgm:txLinClrLst/>
+    <dgm:txFillClrLst/>
+    <dgm:txEffectClrLst/>
+  </dgm:styleLbl>
+  <dgm:styleLbl name="node2">
+    <dgm:fillClrLst meth="repeat">
+      <a:schemeClr val="accent3"/>
+    </dgm:fillClrLst>
+    <dgm:linClrLst meth="repeat">
+      <a:schemeClr val="lt1"/>
+    </dgm:linClrLst>
+    <dgm:effectClrLst/>
+    <dgm:txLinClrLst/>
+    <dgm:txFillClrLst/>
+    <dgm:txEffectClrLst/>
+  </dgm:styleLbl>
+  <dgm:styleLbl name="node3">
+    <dgm:fillClrLst meth="repeat">
+      <a:schemeClr val="accent3"/>
+    </dgm:fillClrLst>
+    <dgm:linClrLst meth="repeat">
+      <a:schemeClr val="lt1"/>
+    </dgm:linClrLst>
+    <dgm:effectClrLst/>
+    <dgm:txLinClrLst/>
+    <dgm:txFillClrLst/>
+    <dgm:txEffectClrLst/>
+  </dgm:styleLbl>
+  <dgm:styleLbl name="node4">
+    <dgm:fillClrLst meth="repeat">
+      <a:schemeClr val="accent3"/>
+    </dgm:fillClrLst>
+    <dgm:linClrLst meth="repeat">
+      <a:schemeClr val="lt1"/>
+    </dgm:linClrLst>
+    <dgm:effectClrLst/>
+    <dgm:txLinClrLst/>
+    <dgm:txFillClrLst/>
+    <dgm:txEffectClrLst/>
+  </dgm:styleLbl>
+  <dgm:styleLbl name="fgImgPlace1">
+    <dgm:fillClrLst meth="repeat">
+      <a:schemeClr val="accent3">
+        <a:tint val="50000"/>
+      </a:schemeClr>
+    </dgm:fillClrLst>
+    <dgm:linClrLst meth="repeat">
+      <a:schemeClr val="lt1"/>
+    </dgm:linClrLst>
+    <dgm:effectClrLst/>
+    <dgm:txLinClrLst/>
+    <dgm:txFillClrLst meth="repeat">
+      <a:schemeClr val="lt1"/>
+    </dgm:txFillClrLst>
+    <dgm:txEffectClrLst/>
+  </dgm:styleLbl>
+  <dgm:styleLbl name="alignImgPlace1">
+    <dgm:fillClrLst meth="repeat">
+      <a:schemeClr val="accent3">
+        <a:tint val="50000"/>
+      </a:schemeClr>
+    </dgm:fillClrLst>
+    <dgm:linClrLst meth="repeat">
+      <a:schemeClr val="lt1"/>
+    </dgm:linClrLst>
+    <dgm:effectClrLst/>
+    <dgm:txLinClrLst/>
+    <dgm:txFillClrLst meth="repeat">
+      <a:schemeClr val="lt1"/>
+    </dgm:txFillClrLst>
+    <dgm:txEffectClrLst/>
+  </dgm:styleLbl>
+  <dgm:styleLbl name="bgImgPlace1">
+    <dgm:fillClrLst meth="repeat">
+      <a:schemeClr val="accent3">
+        <a:tint val="50000"/>
+      </a:schemeClr>
+    </dgm:fillClrLst>
+    <dgm:linClrLst meth="repeat">
+      <a:schemeClr val="lt1"/>
+    </dgm:linClrLst>
+    <dgm:effectClrLst/>
+    <dgm:txLinClrLst/>
+    <dgm:txFillClrLst meth="repeat">
+      <a:schemeClr val="lt1"/>
+    </dgm:txFillClrLst>
+    <dgm:txEffectClrLst/>
+  </dgm:styleLbl>
+  <dgm:styleLbl name="sibTrans2D1">
+    <dgm:fillClrLst meth="repeat">
+      <a:schemeClr val="accent3">
+        <a:tint val="60000"/>
+      </a:schemeClr>
+    </dgm:fillClrLst>
+    <dgm:linClrLst meth="repeat">
+      <a:schemeClr val="accent3">
+        <a:tint val="60000"/>
+      </a:schemeClr>
+    </dgm:linClrLst>
+    <dgm:effectClrLst/>
+    <dgm:txLinClrLst/>
+    <dgm:txFillClrLst/>
+    <dgm:txEffectClrLst/>
+  </dgm:styleLbl>
+  <dgm:styleLbl name="fgSibTrans2D1">
+    <dgm:fillClrLst meth="repeat">
+      <a:schemeClr val="accent3">
+        <a:tint val="60000"/>
+      </a:schemeClr>
+    </dgm:fillClrLst>
+    <dgm:linClrLst meth="repeat">
+      <a:schemeClr val="accent3">
+        <a:tint val="60000"/>
+      </a:schemeClr>
+    </dgm:linClrLst>
+    <dgm:effectClrLst/>
+    <dgm:txLinClrLst/>
+    <dgm:txFillClrLst/>
+    <dgm:txEffectClrLst/>
+  </dgm:styleLbl>
+  <dgm:styleLbl name="bgSibTrans2D1">
+    <dgm:fillClrLst meth="repeat">
+      <a:schemeClr val="accent3">
+        <a:tint val="60000"/>
+      </a:schemeClr>
+    </dgm:fillClrLst>
+    <dgm:linClrLst meth="repeat">
+      <a:schemeClr val="accent3">
+        <a:tint val="60000"/>
+      </a:schemeClr>
+    </dgm:linClrLst>
+    <dgm:effectClrLst/>
+    <dgm:txLinClrLst/>
+    <dgm:txFillClrLst/>
+    <dgm:txEffectClrLst/>
+  </dgm:styleLbl>
+  <dgm:styleLbl name="sibTrans1D1">
+    <dgm:fillClrLst meth="repeat">
+      <a:schemeClr val="accent3"/>
+    </dgm:fillClrLst>
+    <dgm:linClrLst meth="repeat">
+      <a:schemeClr val="accent3"/>
+    </dgm:linClrLst>
+    <dgm:effectClrLst/>
+    <dgm:txLinClrLst/>
+    <dgm:txFillClrLst meth="repeat">
+      <a:schemeClr val="tx1"/>
+    </dgm:txFillClrLst>
+    <dgm:txEffectClrLst/>
+  </dgm:styleLbl>
+  <dgm:styleLbl name="callout">
+    <dgm:fillClrLst meth="repeat">
+      <a:schemeClr val="accent3"/>
+    </dgm:fillClrLst>
+    <dgm:linClrLst meth="repeat">
+      <a:schemeClr val="accent3">
+        <a:tint val="50000"/>
+      </a:schemeClr>
+    </dgm:linClrLst>
+    <dgm:effectClrLst/>
+    <dgm:txLinClrLst/>
+    <dgm:txFillClrLst meth="repeat">
+      <a:schemeClr val="tx1"/>
+    </dgm:txFillClrLst>
+    <dgm:txEffectClrLst/>
+  </dgm:styleLbl>
+  <dgm:styleLbl name="asst0">
+    <dgm:fillClrLst meth="repeat">
+      <a:schemeClr val="accent3"/>
+    </dgm:fillClrLst>
+    <dgm:linClrLst meth="repeat">
+      <a:schemeClr val="lt1"/>
+    </dgm:linClrLst>
+    <dgm:effectClrLst/>
+    <dgm:txLinClrLst/>
+    <dgm:txFillClrLst/>
+    <dgm:txEffectClrLst/>
+  </dgm:styleLbl>
+  <dgm:styleLbl name="asst1">
+    <dgm:fillClrLst meth="repeat">
+      <a:schemeClr val="accent3"/>
+    </dgm:fillClrLst>
+    <dgm:linClrLst meth="repeat">
+      <a:schemeClr val="lt1"/>
+    </dgm:linClrLst>
+    <dgm:effectClrLst/>
+    <dgm:txLinClrLst/>
+    <dgm:txFillClrLst/>
+    <dgm:txEffectClrLst/>
+  </dgm:styleLbl>
+  <dgm:styleLbl name="asst2">
+    <dgm:fillClrLst meth="repeat">
+      <a:schemeClr val="accent3"/>
+    </dgm:fillClrLst>
+    <dgm:linClrLst meth="repeat">
+      <a:schemeClr val="lt1"/>
+    </dgm:linClrLst>
+    <dgm:effectClrLst/>
+    <dgm:txLinClrLst/>
+    <dgm:txFillClrLst/>
+    <dgm:txEffectClrLst/>
+  </dgm:styleLbl>
+  <dgm:styleLbl name="asst3">
+    <dgm:fillClrLst meth="repeat">
+      <a:schemeClr val="accent3"/>
+    </dgm:fillClrLst>
+    <dgm:linClrLst meth="repeat">
+      <a:schemeClr val="lt1"/>
+    </dgm:linClrLst>
+    <dgm:effectClrLst/>
+    <dgm:txLinClrLst/>
+    <dgm:txFillClrLst/>
+    <dgm:txEffectClrLst/>
+  </dgm:styleLbl>
+  <dgm:styleLbl name="asst4">
+    <dgm:fillClrLst meth="repeat">
+      <a:schemeClr val="accent3"/>
+    </dgm:fillClrLst>
+    <dgm:linClrLst meth="repeat">
+      <a:schemeClr val="lt1"/>
+    </dgm:linClrLst>
+    <dgm:effectClrLst/>
+    <dgm:txLinClrLst/>
+    <dgm:txFillClrLst/>
+    <dgm:txEffectClrLst/>
+  </dgm:styleLbl>
+  <dgm:styleLbl name="parChTrans2D1">
+    <dgm:fillClrLst meth="repeat">
+      <a:schemeClr val="accent3">
+        <a:tint val="60000"/>
+      </a:schemeClr>
+    </dgm:fillClrLst>
+    <dgm:linClrLst meth="repeat">
+      <a:schemeClr val="accent3">
+        <a:tint val="60000"/>
+      </a:schemeClr>
+    </dgm:linClrLst>
+    <dgm:effectClrLst/>
+    <dgm:txLinClrLst/>
+    <dgm:txFillClrLst meth="repeat">
+      <a:schemeClr val="lt1"/>
+    </dgm:txFillClrLst>
+    <dgm:txEffectClrLst/>
+  </dgm:styleLbl>
+  <dgm:styleLbl name="parChTrans2D2">
+    <dgm:fillClrLst meth="repeat">
+      <a:schemeClr val="accent3"/>
+    </dgm:fillClrLst>
+    <dgm:linClrLst meth="repeat">
+      <a:schemeClr val="accent3"/>
+    </dgm:linClrLst>
+    <dgm:effectClrLst/>
+    <dgm:txLinClrLst/>
+    <dgm:txFillClrLst meth="repeat">
+      <a:schemeClr val="lt1"/>
+    </dgm:txFillClrLst>
+    <dgm:txEffectClrLst/>
+  </dgm:styleLbl>
+  <dgm:styleLbl name="parChTrans2D3">
+    <dgm:fillClrLst meth="repeat">
+      <a:schemeClr val="accent3"/>
+    </dgm:fillClrLst>
+    <dgm:linClrLst meth="repeat">
+      <a:schemeClr val="accent3"/>
+    </dgm:linClrLst>
+    <dgm:effectClrLst/>
+    <dgm:txLinClrLst/>
+    <dgm:txFillClrLst meth="repeat">
+      <a:schemeClr val="lt1"/>
+    </dgm:txFillClrLst>
+    <dgm:txEffectClrLst/>
+  </dgm:styleLbl>
+  <dgm:styleLbl name="parChTrans2D4">
+    <dgm:fillClrLst meth="repeat">
+      <a:schemeClr val="accent3"/>
+    </dgm:fillClrLst>
+    <dgm:linClrLst meth="repeat">
+      <a:schemeClr val="accent3"/>
+    </dgm:linClrLst>
+    <dgm:effectClrLst/>
+    <dgm:txLinClrLst/>
+    <dgm:txFillClrLst meth="repeat">
+      <a:schemeClr val="lt1"/>
+    </dgm:txFillClrLst>
+    <dgm:txEffectClrLst/>
+  </dgm:styleLbl>
+  <dgm:styleLbl name="parChTrans1D1">
+    <dgm:fillClrLst meth="repeat">
+      <a:schemeClr val="accent3"/>
+    </dgm:fillClrLst>
+    <dgm:linClrLst meth="repeat">
+      <a:schemeClr val="accent3">
+        <a:shade val="60000"/>
+      </a:schemeClr>
+    </dgm:linClrLst>
+    <dgm:effectClrLst/>
+    <dgm:txLinClrLst/>
+    <dgm:txFillClrLst meth="repeat">
+      <a:schemeClr val="tx1"/>
+    </dgm:txFillClrLst>
+    <dgm:txEffectClrLst/>
+  </dgm:styleLbl>
+  <dgm:styleLbl name="parChTrans1D2">
+    <dgm:fillClrLst meth="repeat">
+      <a:schemeClr val="accent3"/>
+    </dgm:fillClrLst>
+    <dgm:linClrLst meth="repeat">
+      <a:schemeClr val="accent3">
+        <a:shade val="60000"/>
+      </a:schemeClr>
+    </dgm:linClrLst>
+    <dgm:effectClrLst/>
+    <dgm:txLinClrLst/>
+    <dgm:txFillClrLst meth="repeat">
+      <a:schemeClr val="tx1"/>
+    </dgm:txFillClrLst>
+    <dgm:txEffectClrLst/>
+  </dgm:styleLbl>
+  <dgm:styleLbl name="parChTrans1D3">
+    <dgm:fillClrLst meth="repeat">
+      <a:schemeClr val="accent3"/>
+    </dgm:fillClrLst>
+    <dgm:linClrLst meth="repeat">
+      <a:schemeClr val="accent3">
+        <a:shade val="80000"/>
+      </a:schemeClr>
+    </dgm:linClrLst>
+    <dgm:effectClrLst/>
+    <dgm:txLinClrLst/>
+    <dgm:txFillClrLst meth="repeat">
+      <a:schemeClr val="tx1"/>
+    </dgm:txFillClrLst>
+    <dgm:txEffectClrLst/>
+  </dgm:styleLbl>
+  <dgm:styleLbl name="parChTrans1D4">
+    <dgm:fillClrLst meth="repeat">
+      <a:schemeClr val="accent3"/>
+    </dgm:fillClrLst>
+    <dgm:linClrLst meth="repeat">
+      <a:schemeClr val="accent3">
+        <a:shade val="80000"/>
+      </a:schemeClr>
+    </dgm:linClrLst>
+    <dgm:effectClrLst/>
+    <dgm:txLinClrLst/>
+    <dgm:txFillClrLst meth="repeat">
+      <a:schemeClr val="tx1"/>
+    </dgm:txFillClrLst>
+    <dgm:txEffectClrLst/>
+  </dgm:styleLbl>
+  <dgm:styleLbl name="fgAcc1">
+    <dgm:fillClrLst meth="repeat">
+      <a:schemeClr val="lt1">
+        <a:alpha val="90000"/>
+      </a:schemeClr>
+    </dgm:fillClrLst>
+    <dgm:linClrLst meth="repeat">
+      <a:schemeClr val="accent3"/>
+    </dgm:linClrLst>
+    <dgm:effectClrLst/>
+    <dgm:txLinClrLst/>
+    <dgm:txFillClrLst meth="repeat">
+      <a:schemeClr val="dk1"/>
+    </dgm:txFillClrLst>
+    <dgm:txEffectClrLst/>
+  </dgm:styleLbl>
+  <dgm:styleLbl name="conFgAcc1">
+    <dgm:fillClrLst meth="repeat">
+      <a:schemeClr val="lt1">
+        <a:alpha val="90000"/>
+      </a:schemeClr>
+    </dgm:fillClrLst>
+    <dgm:linClrLst meth="repeat">
+      <a:schemeClr val="accent3"/>
+    </dgm:linClrLst>
+    <dgm:effectClrLst/>
+    <dgm:txLinClrLst/>
+    <dgm:txFillClrLst meth="repeat">
+      <a:schemeClr val="dk1"/>
+    </dgm:txFillClrLst>
+    <dgm:txEffectClrLst/>
+  </dgm:styleLbl>
+  <dgm:styleLbl name="alignAcc1">
+    <dgm:fillClrLst meth="repeat">
+      <a:schemeClr val="lt1">
+        <a:alpha val="90000"/>
+      </a:schemeClr>
+    </dgm:fillClrLst>
+    <dgm:linClrLst meth="repeat">
+      <a:schemeClr val="accent3"/>
+    </dgm:linClrLst>
+    <dgm:effectClrLst/>
+    <dgm:txLinClrLst/>
+    <dgm:txFillClrLst meth="repeat">
+      <a:schemeClr val="dk1"/>
+    </dgm:txFillClrLst>
+    <dgm:txEffectClrLst/>
+  </dgm:styleLbl>
+  <dgm:styleLbl name="trAlignAcc1">
+    <dgm:fillClrLst meth="repeat">
+      <a:schemeClr val="lt1">
+        <a:alpha val="40000"/>
+      </a:schemeClr>
+    </dgm:fillClrLst>
+    <dgm:linClrLst meth="repeat">
+      <a:schemeClr val="accent3"/>
+    </dgm:linClrLst>
+    <dgm:effectClrLst/>
+    <dgm:txLinClrLst/>
+    <dgm:txFillClrLst meth="repeat">
+      <a:schemeClr val="dk1"/>
+    </dgm:txFillClrLst>
+    <dgm:txEffectClrLst/>
+  </dgm:styleLbl>
+  <dgm:styleLbl name="bgAcc1">
+    <dgm:fillClrLst meth="repeat">
+      <a:schemeClr val="lt1">
+        <a:alpha val="90000"/>
+      </a:schemeClr>
+    </dgm:fillClrLst>
+    <dgm:linClrLst meth="repeat">
+      <a:schemeClr val="accent3"/>
+    </dgm:linClrLst>
+    <dgm:effectClrLst/>
+    <dgm:txLinClrLst/>
+    <dgm:txFillClrLst meth="repeat">
+      <a:schemeClr val="dk1"/>
+    </dgm:txFillClrLst>
+    <dgm:txEffectClrLst/>
+  </dgm:styleLbl>
+  <dgm:styleLbl name="solidFgAcc1">
+    <dgm:fillClrLst meth="repeat">
+      <a:schemeClr val="lt1"/>
+    </dgm:fillClrLst>
+    <dgm:linClrLst meth="repeat">
+      <a:schemeClr val="accent3"/>
+    </dgm:linClrLst>
+    <dgm:effectClrLst/>
+    <dgm:txLinClrLst/>
+    <dgm:txFillClrLst meth="repeat">
+      <a:schemeClr val="dk1"/>
+    </dgm:txFillClrLst>
+    <dgm:txEffectClrLst/>
+  </dgm:styleLbl>
+  <dgm:styleLbl name="solidAlignAcc1">
+    <dgm:fillClrLst meth="repeat">
+      <a:schemeClr val="lt1"/>
+    </dgm:fillClrLst>
+    <dgm:linClrLst meth="repeat">
+      <a:schemeClr val="accent3"/>
+    </dgm:linClrLst>
+    <dgm:effectClrLst/>
+    <dgm:txLinClrLst/>
+    <dgm:txFillClrLst meth="repeat">
+      <a:schemeClr val="dk1"/>
+    </dgm:txFillClrLst>
+    <dgm:txEffectClrLst/>
+  </dgm:styleLbl>
+  <dgm:styleLbl name="solidBgAcc1">
+    <dgm:fillClrLst meth="repeat">
+      <a:schemeClr val="lt1"/>
+    </dgm:fillClrLst>
+    <dgm:linClrLst meth="repeat">
+      <a:schemeClr val="accent3"/>
+    </dgm:linClrLst>
+    <dgm:effectClrLst/>
+    <dgm:txLinClrLst/>
+    <dgm:txFillClrLst meth="repeat">
+      <a:schemeClr val="dk1"/>
+    </dgm:txFillClrLst>
+    <dgm:txEffectClrLst/>
+  </dgm:styleLbl>
+  <dgm:styleLbl name="fgAccFollowNode1">
+    <dgm:fillClrLst meth="repeat">
+      <a:schemeClr val="accent3">
+        <a:alpha val="90000"/>
+        <a:tint val="40000"/>
+      </a:schemeClr>
+    </dgm:fillClrLst>
+    <dgm:linClrLst meth="repeat">
+      <a:schemeClr val="accent3">
+        <a:alpha val="90000"/>
+        <a:tint val="40000"/>
+      </a:schemeClr>
+    </dgm:linClrLst>
+    <dgm:effectClrLst/>
+    <dgm:txLinClrLst/>
+    <dgm:txFillClrLst meth="repeat">
+      <a:schemeClr val="dk1"/>
+    </dgm:txFillClrLst>
+    <dgm:txEffectClrLst/>
+  </dgm:styleLbl>
+  <dgm:styleLbl name="alignAccFollowNode1">
+    <dgm:fillClrLst meth="repeat">
+      <a:schemeClr val="accent3">
+        <a:alpha val="90000"/>
+        <a:tint val="40000"/>
+      </a:schemeClr>
+    </dgm:fillClrLst>
+    <dgm:linClrLst meth="repeat">
+      <a:schemeClr val="accent3">
+        <a:alpha val="90000"/>
+        <a:tint val="40000"/>
+      </a:schemeClr>
+    </dgm:linClrLst>
+    <dgm:effectClrLst/>
+    <dgm:txLinClrLst/>
+    <dgm:txFillClrLst meth="repeat">
+      <a:schemeClr val="dk1"/>
+    </dgm:txFillClrLst>
+    <dgm:txEffectClrLst/>
+  </dgm:styleLbl>
+  <dgm:styleLbl name="bgAccFollowNode1">
+    <dgm:fillClrLst meth="repeat">
+      <a:schemeClr val="accent3">
+        <a:alpha val="90000"/>
+        <a:tint val="40000"/>
+      </a:schemeClr>
+    </dgm:fillClrLst>
+    <dgm:linClrLst meth="repeat">
+      <a:schemeClr val="accent3">
+        <a:alpha val="90000"/>
+        <a:tint val="40000"/>
+      </a:schemeClr>
+    </dgm:linClrLst>
+    <dgm:effectClrLst/>
+    <dgm:txLinClrLst/>
+    <dgm:txFillClrLst meth="repeat">
+      <a:schemeClr val="dk1"/>
+    </dgm:txFillClrLst>
+    <dgm:txEffectClrLst/>
+  </dgm:styleLbl>
+  <dgm:styleLbl name="fgAcc0">
+    <dgm:fillClrLst meth="repeat">
+      <a:schemeClr val="lt1">
+        <a:alpha val="90000"/>
+      </a:schemeClr>
+    </dgm:fillClrLst>
+    <dgm:linClrLst meth="repeat">
+      <a:schemeClr val="accent3"/>
+    </dgm:linClrLst>
+    <dgm:effectClrLst/>
+    <dgm:txLinClrLst/>
+    <dgm:txFillClrLst meth="repeat">
+      <a:schemeClr val="dk1"/>
+    </dgm:txFillClrLst>
+    <dgm:txEffectClrLst/>
+  </dgm:styleLbl>
+  <dgm:styleLbl name="fgAcc2">
+    <dgm:fillClrLst meth="repeat">
+      <a:schemeClr val="lt1">
+        <a:alpha val="90000"/>
+      </a:schemeClr>
+    </dgm:fillClrLst>
+    <dgm:linClrLst meth="repeat">
+      <a:schemeClr val="accent3"/>
+    </dgm:linClrLst>
+    <dgm:effectClrLst/>
+    <dgm:txLinClrLst/>
+    <dgm:txFillClrLst meth="repeat">
+      <a:schemeClr val="dk1"/>
+    </dgm:txFillClrLst>
+    <dgm:txEffectClrLst/>
+  </dgm:styleLbl>
+  <dgm:styleLbl name="fgAcc3">
+    <dgm:fillClrLst meth="repeat">
+      <a:schemeClr val="lt1">
+        <a:alpha val="90000"/>
+      </a:schemeClr>
+    </dgm:fillClrLst>
+    <dgm:linClrLst meth="repeat">
+      <a:schemeClr val="accent3"/>
+    </dgm:linClrLst>
+    <dgm:effectClrLst/>
+    <dgm:txLinClrLst/>
+    <dgm:txFillClrLst meth="repeat">
+      <a:schemeClr val="dk1"/>
+    </dgm:txFillClrLst>
+    <dgm:txEffectClrLst/>
+  </dgm:styleLbl>
+  <dgm:styleLbl name="fgAcc4">
+    <dgm:fillClrLst meth="repeat">
+      <a:schemeClr val="lt1">
+        <a:alpha val="90000"/>
+      </a:schemeClr>
+    </dgm:fillClrLst>
+    <dgm:linClrLst meth="repeat">
+      <a:schemeClr val="accent3"/>
+    </dgm:linClrLst>
+    <dgm:effectClrLst/>
+    <dgm:txLinClrLst/>
+    <dgm:txFillClrLst meth="repeat">
+      <a:schemeClr val="dk1"/>
+    </dgm:txFillClrLst>
+    <dgm:txEffectClrLst/>
+  </dgm:styleLbl>
+  <dgm:styleLbl name="bgShp">
+    <dgm:fillClrLst meth="repeat">
+      <a:schemeClr val="accent3">
+        <a:tint val="40000"/>
+      </a:schemeClr>
+    </dgm:fillClrLst>
+    <dgm:linClrLst meth="repeat">
+      <a:schemeClr val="accent3"/>
+    </dgm:linClrLst>
+    <dgm:effectClrLst/>
+    <dgm:txLinClrLst/>
+    <dgm:txFillClrLst meth="repeat">
+      <a:schemeClr val="dk1"/>
+    </dgm:txFillClrLst>
+    <dgm:txEffectClrLst/>
+  </dgm:styleLbl>
+  <dgm:styleLbl name="dkBgShp">
+    <dgm:fillClrLst meth="repeat">
+      <a:schemeClr val="accent3">
+        <a:shade val="80000"/>
+      </a:schemeClr>
+    </dgm:fillClrLst>
+    <dgm:linClrLst meth="repeat">
+      <a:schemeClr val="accent3"/>
+    </dgm:linClrLst>
+    <dgm:effectClrLst/>
+    <dgm:txLinClrLst/>
+    <dgm:txFillClrLst meth="repeat">
+      <a:schemeClr val="lt1"/>
+    </dgm:txFillClrLst>
+    <dgm:txEffectClrLst/>
+  </dgm:styleLbl>
+  <dgm:styleLbl name="trBgShp">
+    <dgm:fillClrLst meth="repeat">
+      <a:schemeClr val="accent3">
+        <a:tint val="50000"/>
+        <a:alpha val="40000"/>
+      </a:schemeClr>
+    </dgm:fillClrLst>
+    <dgm:linClrLst meth="repeat">
+      <a:schemeClr val="accent3"/>
+    </dgm:linClrLst>
+    <dgm:effectClrLst/>
+    <dgm:txLinClrLst/>
+    <dgm:txFillClrLst meth="repeat">
+      <a:schemeClr val="lt1"/>
+    </dgm:txFillClrLst>
+    <dgm:txEffectClrLst/>
+  </dgm:styleLbl>
+  <dgm:styleLbl name="fgShp">
+    <dgm:fillClrLst meth="repeat">
+      <a:schemeClr val="accent3">
+        <a:tint val="60000"/>
+      </a:schemeClr>
+    </dgm:fillClrLst>
+    <dgm:linClrLst meth="repeat">
+      <a:schemeClr val="lt1"/>
+    </dgm:linClrLst>
+    <dgm:effectClrLst/>
+    <dgm:txLinClrLst/>
+    <dgm:txFillClrLst meth="repeat">
+      <a:schemeClr val="dk1"/>
+    </dgm:txFillClrLst>
+    <dgm:txEffectClrLst/>
+  </dgm:styleLbl>
+  <dgm:styleLbl name="revTx">
+    <dgm:fillClrLst meth="repeat">
+      <a:schemeClr val="lt1">
+        <a:alpha val="0"/>
+      </a:schemeClr>
+    </dgm:fillClrLst>
+    <dgm:linClrLst meth="repeat">
+      <a:schemeClr val="dk1">
+        <a:alpha val="0"/>
+      </a:schemeClr>
+    </dgm:linClrLst>
+    <dgm:effectClrLst/>
+    <dgm:txLinClrLst/>
+    <dgm:txFillClrLst meth="repeat">
+      <a:schemeClr val="tx1"/>
+    </dgm:txFillClrLst>
+    <dgm:txEffectClrLst/>
+  </dgm:styleLbl>
+</dgm:colorsDef>
+</file>
+
+<file path=ppt/diagrams/data1.xml><?xml version="1.0" encoding="utf-8"?>
+<dgm:dataModel xmlns:dgm="http://schemas.openxmlformats.org/drawingml/2006/diagram" xmlns:a="http://schemas.openxmlformats.org/drawingml/2006/main">
+  <dgm:ptLst>
+    <dgm:pt modelId="{F3B3D3C6-AA55-4421-89EB-8C5AA2F9EF17}" type="doc">
+      <dgm:prSet loTypeId="urn:microsoft.com/office/officeart/2005/8/layout/vList2" loCatId="list" qsTypeId="urn:microsoft.com/office/officeart/2005/8/quickstyle/simple4" qsCatId="simple" csTypeId="urn:microsoft.com/office/officeart/2005/8/colors/accent3_2" csCatId="accent3" phldr="1"/>
+      <dgm:spPr/>
+      <dgm:t>
+        <a:bodyPr/>
+        <a:lstStyle/>
+        <a:p>
+          <a:endParaRPr lang="en-US"/>
+        </a:p>
+      </dgm:t>
+    </dgm:pt>
+    <dgm:pt modelId="{7E8BFE15-1B38-435B-9736-408AF8952BC2}">
+      <dgm:prSet/>
+      <dgm:spPr/>
+      <dgm:t>
+        <a:bodyPr/>
+        <a:lstStyle/>
+        <a:p>
+          <a:r>
+            <a:rPr lang="en-US" dirty="0"/>
+            <a:t>Basic Linear Model Classifier – </a:t>
+          </a:r>
+        </a:p>
+        <a:p>
+          <a:r>
+            <a:rPr lang="en-US" dirty="0"/>
+            <a:t>very power &amp; very slow</a:t>
+          </a:r>
+        </a:p>
+      </dgm:t>
+    </dgm:pt>
+    <dgm:pt modelId="{61C01638-A0D1-4E89-903A-CC85E2CFB343}" type="parTrans" cxnId="{382C9F24-9FB1-4B29-846E-9F7132367FA4}">
+      <dgm:prSet/>
+      <dgm:spPr/>
+      <dgm:t>
+        <a:bodyPr/>
+        <a:lstStyle/>
+        <a:p>
+          <a:endParaRPr lang="en-US"/>
+        </a:p>
+      </dgm:t>
+    </dgm:pt>
+    <dgm:pt modelId="{295AD33E-C693-4CBA-93E4-394687F11CB1}" type="sibTrans" cxnId="{382C9F24-9FB1-4B29-846E-9F7132367FA4}">
+      <dgm:prSet/>
+      <dgm:spPr/>
+      <dgm:t>
+        <a:bodyPr/>
+        <a:lstStyle/>
+        <a:p>
+          <a:endParaRPr lang="en-US"/>
+        </a:p>
+      </dgm:t>
+    </dgm:pt>
+    <dgm:pt modelId="{D6C28535-318A-49C4-ADEA-D80901F86B18}">
+      <dgm:prSet/>
+      <dgm:spPr/>
+      <dgm:t>
+        <a:bodyPr/>
+        <a:lstStyle/>
+        <a:p>
+          <a:r>
+            <a:rPr lang="en-US"/>
+            <a:t>Many algorithms use some variation of this (Goodfellow)</a:t>
+          </a:r>
+        </a:p>
+      </dgm:t>
+    </dgm:pt>
+    <dgm:pt modelId="{EEEC2EDE-DE0A-4A70-82B6-BF6D73FC5803}" type="parTrans" cxnId="{01BFBE5D-9831-46E7-906D-6D9D35FA50EF}">
+      <dgm:prSet/>
+      <dgm:spPr/>
+      <dgm:t>
+        <a:bodyPr/>
+        <a:lstStyle/>
+        <a:p>
+          <a:endParaRPr lang="en-US"/>
+        </a:p>
+      </dgm:t>
+    </dgm:pt>
+    <dgm:pt modelId="{8266DEA3-DADF-44F0-AA66-2A69FAA0FD61}" type="sibTrans" cxnId="{01BFBE5D-9831-46E7-906D-6D9D35FA50EF}">
+      <dgm:prSet/>
+      <dgm:spPr/>
+      <dgm:t>
+        <a:bodyPr/>
+        <a:lstStyle/>
+        <a:p>
+          <a:endParaRPr lang="en-US"/>
+        </a:p>
+      </dgm:t>
+    </dgm:pt>
+    <dgm:pt modelId="{760C065F-B722-4B0D-B84D-59C8D8FAF267}">
+      <dgm:prSet/>
+      <dgm:spPr/>
+      <dgm:t>
+        <a:bodyPr/>
+        <a:lstStyle/>
+        <a:p>
+          <a:r>
+            <a:rPr lang="en-US"/>
+            <a:t>Uses the gradient of a decision function to create an optimal set of parameters for classifier (Sanderson)</a:t>
+          </a:r>
+        </a:p>
+      </dgm:t>
+    </dgm:pt>
+    <dgm:pt modelId="{D03B3E79-5137-4FCB-885D-77CF76B923BB}" type="parTrans" cxnId="{8739DB5C-F26F-458F-830C-FE7492882A77}">
+      <dgm:prSet/>
+      <dgm:spPr/>
+      <dgm:t>
+        <a:bodyPr/>
+        <a:lstStyle/>
+        <a:p>
+          <a:endParaRPr lang="en-US"/>
+        </a:p>
+      </dgm:t>
+    </dgm:pt>
+    <dgm:pt modelId="{877869F6-A6C0-47A7-8D4C-D68C9722D573}" type="sibTrans" cxnId="{8739DB5C-F26F-458F-830C-FE7492882A77}">
+      <dgm:prSet/>
+      <dgm:spPr/>
+      <dgm:t>
+        <a:bodyPr/>
+        <a:lstStyle/>
+        <a:p>
+          <a:endParaRPr lang="en-US"/>
+        </a:p>
+      </dgm:t>
+    </dgm:pt>
+    <dgm:pt modelId="{329622AB-E248-4348-A0A9-8D4C6DA605B7}" type="pres">
+      <dgm:prSet presAssocID="{F3B3D3C6-AA55-4421-89EB-8C5AA2F9EF17}" presName="linear" presStyleCnt="0">
+        <dgm:presLayoutVars>
+          <dgm:animLvl val="lvl"/>
+          <dgm:resizeHandles val="exact"/>
+        </dgm:presLayoutVars>
+      </dgm:prSet>
+      <dgm:spPr/>
+    </dgm:pt>
+    <dgm:pt modelId="{C56FD5A7-94B2-44CA-B825-29697B04D3D5}" type="pres">
+      <dgm:prSet presAssocID="{7E8BFE15-1B38-435B-9736-408AF8952BC2}" presName="parentText" presStyleLbl="node1" presStyleIdx="0" presStyleCnt="3">
+        <dgm:presLayoutVars>
+          <dgm:chMax val="0"/>
+          <dgm:bulletEnabled val="1"/>
+        </dgm:presLayoutVars>
+      </dgm:prSet>
+      <dgm:spPr/>
+    </dgm:pt>
+    <dgm:pt modelId="{1924C3BA-E67B-4377-94BB-C2BDE8DED39A}" type="pres">
+      <dgm:prSet presAssocID="{295AD33E-C693-4CBA-93E4-394687F11CB1}" presName="spacer" presStyleCnt="0"/>
+      <dgm:spPr/>
+    </dgm:pt>
+    <dgm:pt modelId="{84276520-6D94-4C1D-B029-97DE8A8D3DAF}" type="pres">
+      <dgm:prSet presAssocID="{D6C28535-318A-49C4-ADEA-D80901F86B18}" presName="parentText" presStyleLbl="node1" presStyleIdx="1" presStyleCnt="3">
+        <dgm:presLayoutVars>
+          <dgm:chMax val="0"/>
+          <dgm:bulletEnabled val="1"/>
+        </dgm:presLayoutVars>
+      </dgm:prSet>
+      <dgm:spPr/>
+    </dgm:pt>
+    <dgm:pt modelId="{B62BBEE4-59AB-4E28-8383-2947521898F5}" type="pres">
+      <dgm:prSet presAssocID="{8266DEA3-DADF-44F0-AA66-2A69FAA0FD61}" presName="spacer" presStyleCnt="0"/>
+      <dgm:spPr/>
+    </dgm:pt>
+    <dgm:pt modelId="{F7C76537-66A9-4006-829A-C180DE7D8B4E}" type="pres">
+      <dgm:prSet presAssocID="{760C065F-B722-4B0D-B84D-59C8D8FAF267}" presName="parentText" presStyleLbl="node1" presStyleIdx="2" presStyleCnt="3">
+        <dgm:presLayoutVars>
+          <dgm:chMax val="0"/>
+          <dgm:bulletEnabled val="1"/>
+        </dgm:presLayoutVars>
+      </dgm:prSet>
+      <dgm:spPr/>
+    </dgm:pt>
+  </dgm:ptLst>
+  <dgm:cxnLst>
+    <dgm:cxn modelId="{363DFD08-77F9-470E-992A-A2DA4A45741E}" type="presOf" srcId="{D6C28535-318A-49C4-ADEA-D80901F86B18}" destId="{84276520-6D94-4C1D-B029-97DE8A8D3DAF}" srcOrd="0" destOrd="0" presId="urn:microsoft.com/office/officeart/2005/8/layout/vList2"/>
+    <dgm:cxn modelId="{FA35C01D-EAD8-400D-920C-91A51161C0F8}" type="presOf" srcId="{7E8BFE15-1B38-435B-9736-408AF8952BC2}" destId="{C56FD5A7-94B2-44CA-B825-29697B04D3D5}" srcOrd="0" destOrd="0" presId="urn:microsoft.com/office/officeart/2005/8/layout/vList2"/>
+    <dgm:cxn modelId="{382C9F24-9FB1-4B29-846E-9F7132367FA4}" srcId="{F3B3D3C6-AA55-4421-89EB-8C5AA2F9EF17}" destId="{7E8BFE15-1B38-435B-9736-408AF8952BC2}" srcOrd="0" destOrd="0" parTransId="{61C01638-A0D1-4E89-903A-CC85E2CFB343}" sibTransId="{295AD33E-C693-4CBA-93E4-394687F11CB1}"/>
+    <dgm:cxn modelId="{8739DB5C-F26F-458F-830C-FE7492882A77}" srcId="{F3B3D3C6-AA55-4421-89EB-8C5AA2F9EF17}" destId="{760C065F-B722-4B0D-B84D-59C8D8FAF267}" srcOrd="2" destOrd="0" parTransId="{D03B3E79-5137-4FCB-885D-77CF76B923BB}" sibTransId="{877869F6-A6C0-47A7-8D4C-D68C9722D573}"/>
+    <dgm:cxn modelId="{01BFBE5D-9831-46E7-906D-6D9D35FA50EF}" srcId="{F3B3D3C6-AA55-4421-89EB-8C5AA2F9EF17}" destId="{D6C28535-318A-49C4-ADEA-D80901F86B18}" srcOrd="1" destOrd="0" parTransId="{EEEC2EDE-DE0A-4A70-82B6-BF6D73FC5803}" sibTransId="{8266DEA3-DADF-44F0-AA66-2A69FAA0FD61}"/>
+    <dgm:cxn modelId="{D8CED482-2AE8-4B0F-8317-79AA4C336350}" type="presOf" srcId="{F3B3D3C6-AA55-4421-89EB-8C5AA2F9EF17}" destId="{329622AB-E248-4348-A0A9-8D4C6DA605B7}" srcOrd="0" destOrd="0" presId="urn:microsoft.com/office/officeart/2005/8/layout/vList2"/>
+    <dgm:cxn modelId="{C394C387-3D86-4FBC-B570-D1E9ADA45549}" type="presOf" srcId="{760C065F-B722-4B0D-B84D-59C8D8FAF267}" destId="{F7C76537-66A9-4006-829A-C180DE7D8B4E}" srcOrd="0" destOrd="0" presId="urn:microsoft.com/office/officeart/2005/8/layout/vList2"/>
+    <dgm:cxn modelId="{9205CC86-15AF-42BE-BA78-92C8F19CABAC}" type="presParOf" srcId="{329622AB-E248-4348-A0A9-8D4C6DA605B7}" destId="{C56FD5A7-94B2-44CA-B825-29697B04D3D5}" srcOrd="0" destOrd="0" presId="urn:microsoft.com/office/officeart/2005/8/layout/vList2"/>
+    <dgm:cxn modelId="{627C6824-6BCB-4B23-A426-B5BD602A4051}" type="presParOf" srcId="{329622AB-E248-4348-A0A9-8D4C6DA605B7}" destId="{1924C3BA-E67B-4377-94BB-C2BDE8DED39A}" srcOrd="1" destOrd="0" presId="urn:microsoft.com/office/officeart/2005/8/layout/vList2"/>
+    <dgm:cxn modelId="{BE919081-90F0-4D44-8819-4EF8A71FF985}" type="presParOf" srcId="{329622AB-E248-4348-A0A9-8D4C6DA605B7}" destId="{84276520-6D94-4C1D-B029-97DE8A8D3DAF}" srcOrd="2" destOrd="0" presId="urn:microsoft.com/office/officeart/2005/8/layout/vList2"/>
+    <dgm:cxn modelId="{806CC170-155F-479D-BA74-6527D046B94F}" type="presParOf" srcId="{329622AB-E248-4348-A0A9-8D4C6DA605B7}" destId="{B62BBEE4-59AB-4E28-8383-2947521898F5}" srcOrd="3" destOrd="0" presId="urn:microsoft.com/office/officeart/2005/8/layout/vList2"/>
+    <dgm:cxn modelId="{C0A380A3-16C3-4D3D-BCC4-07F2F7530680}" type="presParOf" srcId="{329622AB-E248-4348-A0A9-8D4C6DA605B7}" destId="{F7C76537-66A9-4006-829A-C180DE7D8B4E}" srcOrd="4" destOrd="0" presId="urn:microsoft.com/office/officeart/2005/8/layout/vList2"/>
+  </dgm:cxnLst>
+  <dgm:bg/>
+  <dgm:whole/>
+  <dgm:extLst>
+    <a:ext uri="http://schemas.microsoft.com/office/drawing/2008/diagram">
+      <dsp:dataModelExt xmlns:dsp="http://schemas.microsoft.com/office/drawing/2008/diagram" relId="rId6" minVer="http://schemas.openxmlformats.org/drawingml/2006/diagram"/>
+    </a:ext>
+  </dgm:extLst>
+</dgm:dataModel>
+</file>
+
+<file path=ppt/diagrams/drawing1.xml><?xml version="1.0" encoding="utf-8"?>
+<dsp:drawing xmlns:dgm="http://schemas.openxmlformats.org/drawingml/2006/diagram" xmlns:dsp="http://schemas.microsoft.com/office/drawing/2008/diagram" xmlns:a="http://schemas.openxmlformats.org/drawingml/2006/main">
+  <dsp:spTree>
+    <dsp:nvGrpSpPr>
+      <dsp:cNvPr id="0" name=""/>
+      <dsp:cNvGrpSpPr/>
+    </dsp:nvGrpSpPr>
+    <dsp:grpSpPr/>
+    <dsp:sp modelId="{C56FD5A7-94B2-44CA-B825-29697B04D3D5}">
+      <dsp:nvSpPr>
+        <dsp:cNvPr id="0" name=""/>
+        <dsp:cNvSpPr/>
+      </dsp:nvSpPr>
+      <dsp:spPr>
+        <a:xfrm>
+          <a:off x="0" y="432851"/>
+          <a:ext cx="5928344" cy="1424511"/>
+        </a:xfrm>
+        <a:prstGeom prst="roundRect">
+          <a:avLst/>
+        </a:prstGeom>
+        <a:gradFill rotWithShape="0">
+          <a:gsLst>
+            <a:gs pos="0">
+              <a:schemeClr val="accent3">
+                <a:hueOff val="0"/>
+                <a:satOff val="0"/>
+                <a:lumOff val="0"/>
+                <a:alphaOff val="0"/>
+                <a:shade val="85000"/>
+                <a:satMod val="130000"/>
+              </a:schemeClr>
+            </a:gs>
+            <a:gs pos="34000">
+              <a:schemeClr val="accent3">
+                <a:hueOff val="0"/>
+                <a:satOff val="0"/>
+                <a:lumOff val="0"/>
+                <a:alphaOff val="0"/>
+                <a:shade val="87000"/>
+                <a:satMod val="125000"/>
+              </a:schemeClr>
+            </a:gs>
+            <a:gs pos="70000">
+              <a:schemeClr val="accent3">
+                <a:hueOff val="0"/>
+                <a:satOff val="0"/>
+                <a:lumOff val="0"/>
+                <a:alphaOff val="0"/>
+                <a:tint val="100000"/>
+                <a:shade val="90000"/>
+                <a:satMod val="130000"/>
+              </a:schemeClr>
+            </a:gs>
+            <a:gs pos="100000">
+              <a:schemeClr val="accent3">
+                <a:hueOff val="0"/>
+                <a:satOff val="0"/>
+                <a:lumOff val="0"/>
+                <a:alphaOff val="0"/>
+                <a:tint val="100000"/>
+                <a:shade val="100000"/>
+                <a:satMod val="110000"/>
+              </a:schemeClr>
+            </a:gs>
+          </a:gsLst>
+          <a:path path="circle">
+            <a:fillToRect l="100000" t="100000" r="100000" b="100000"/>
+          </a:path>
+        </a:gradFill>
+        <a:ln>
+          <a:noFill/>
+        </a:ln>
+        <a:effectLst>
+          <a:outerShdw blurRad="38100" dist="25400" dir="2700000" algn="br" rotWithShape="0">
+            <a:srgbClr val="000000">
+              <a:alpha val="60000"/>
+            </a:srgbClr>
+          </a:outerShdw>
+        </a:effectLst>
+      </dsp:spPr>
+      <dsp:style>
+        <a:lnRef idx="0">
+          <a:scrgbClr r="0" g="0" b="0"/>
+        </a:lnRef>
+        <a:fillRef idx="3">
+          <a:scrgbClr r="0" g="0" b="0"/>
+        </a:fillRef>
+        <a:effectRef idx="2">
+          <a:scrgbClr r="0" g="0" b="0"/>
+        </a:effectRef>
+        <a:fontRef idx="minor">
+          <a:schemeClr val="lt1"/>
+        </a:fontRef>
+      </dsp:style>
+      <dsp:txBody>
+        <a:bodyPr spcFirstLastPara="0" vert="horz" wrap="square" lIns="102870" tIns="102870" rIns="102870" bIns="102870" numCol="1" spcCol="1270" anchor="ctr" anchorCtr="0">
+          <a:noAutofit/>
+        </a:bodyPr>
+        <a:lstStyle/>
+        <a:p>
+          <a:pPr marL="0" lvl="0" indent="0" algn="l" defTabSz="1200150">
+            <a:lnSpc>
+              <a:spcPct val="90000"/>
+            </a:lnSpc>
+            <a:spcBef>
+              <a:spcPct val="0"/>
+            </a:spcBef>
+            <a:spcAft>
+              <a:spcPct val="35000"/>
+            </a:spcAft>
+            <a:buNone/>
+          </a:pPr>
+          <a:r>
+            <a:rPr lang="en-US" sz="2700" kern="1200" dirty="0"/>
+            <a:t>Basic Linear Model Classifier – </a:t>
+          </a:r>
+        </a:p>
+        <a:p>
+          <a:pPr marL="0" lvl="0" indent="0" algn="l" defTabSz="1200150">
+            <a:lnSpc>
+              <a:spcPct val="90000"/>
+            </a:lnSpc>
+            <a:spcBef>
+              <a:spcPct val="0"/>
+            </a:spcBef>
+            <a:spcAft>
+              <a:spcPct val="35000"/>
+            </a:spcAft>
+            <a:buNone/>
+          </a:pPr>
+          <a:r>
+            <a:rPr lang="en-US" sz="2700" kern="1200" dirty="0"/>
+            <a:t>very power &amp; very slow</a:t>
+          </a:r>
+        </a:p>
+      </dsp:txBody>
+      <dsp:txXfrm>
+        <a:off x="69539" y="502390"/>
+        <a:ext cx="5789266" cy="1285433"/>
+      </dsp:txXfrm>
+    </dsp:sp>
+    <dsp:sp modelId="{84276520-6D94-4C1D-B029-97DE8A8D3DAF}">
+      <dsp:nvSpPr>
+        <dsp:cNvPr id="0" name=""/>
+        <dsp:cNvSpPr/>
+      </dsp:nvSpPr>
+      <dsp:spPr>
+        <a:xfrm>
+          <a:off x="0" y="1935122"/>
+          <a:ext cx="5928344" cy="1424511"/>
+        </a:xfrm>
+        <a:prstGeom prst="roundRect">
+          <a:avLst/>
+        </a:prstGeom>
+        <a:gradFill rotWithShape="0">
+          <a:gsLst>
+            <a:gs pos="0">
+              <a:schemeClr val="accent3">
+                <a:hueOff val="0"/>
+                <a:satOff val="0"/>
+                <a:lumOff val="0"/>
+                <a:alphaOff val="0"/>
+                <a:shade val="85000"/>
+                <a:satMod val="130000"/>
+              </a:schemeClr>
+            </a:gs>
+            <a:gs pos="34000">
+              <a:schemeClr val="accent3">
+                <a:hueOff val="0"/>
+                <a:satOff val="0"/>
+                <a:lumOff val="0"/>
+                <a:alphaOff val="0"/>
+                <a:shade val="87000"/>
+                <a:satMod val="125000"/>
+              </a:schemeClr>
+            </a:gs>
+            <a:gs pos="70000">
+              <a:schemeClr val="accent3">
+                <a:hueOff val="0"/>
+                <a:satOff val="0"/>
+                <a:lumOff val="0"/>
+                <a:alphaOff val="0"/>
+                <a:tint val="100000"/>
+                <a:shade val="90000"/>
+                <a:satMod val="130000"/>
+              </a:schemeClr>
+            </a:gs>
+            <a:gs pos="100000">
+              <a:schemeClr val="accent3">
+                <a:hueOff val="0"/>
+                <a:satOff val="0"/>
+                <a:lumOff val="0"/>
+                <a:alphaOff val="0"/>
+                <a:tint val="100000"/>
+                <a:shade val="100000"/>
+                <a:satMod val="110000"/>
+              </a:schemeClr>
+            </a:gs>
+          </a:gsLst>
+          <a:path path="circle">
+            <a:fillToRect l="100000" t="100000" r="100000" b="100000"/>
+          </a:path>
+        </a:gradFill>
+        <a:ln>
+          <a:noFill/>
+        </a:ln>
+        <a:effectLst>
+          <a:outerShdw blurRad="38100" dist="25400" dir="2700000" algn="br" rotWithShape="0">
+            <a:srgbClr val="000000">
+              <a:alpha val="60000"/>
+            </a:srgbClr>
+          </a:outerShdw>
+        </a:effectLst>
+      </dsp:spPr>
+      <dsp:style>
+        <a:lnRef idx="0">
+          <a:scrgbClr r="0" g="0" b="0"/>
+        </a:lnRef>
+        <a:fillRef idx="3">
+          <a:scrgbClr r="0" g="0" b="0"/>
+        </a:fillRef>
+        <a:effectRef idx="2">
+          <a:scrgbClr r="0" g="0" b="0"/>
+        </a:effectRef>
+        <a:fontRef idx="minor">
+          <a:schemeClr val="lt1"/>
+        </a:fontRef>
+      </dsp:style>
+      <dsp:txBody>
+        <a:bodyPr spcFirstLastPara="0" vert="horz" wrap="square" lIns="102870" tIns="102870" rIns="102870" bIns="102870" numCol="1" spcCol="1270" anchor="ctr" anchorCtr="0">
+          <a:noAutofit/>
+        </a:bodyPr>
+        <a:lstStyle/>
+        <a:p>
+          <a:pPr marL="0" lvl="0" indent="0" algn="l" defTabSz="1200150">
+            <a:lnSpc>
+              <a:spcPct val="90000"/>
+            </a:lnSpc>
+            <a:spcBef>
+              <a:spcPct val="0"/>
+            </a:spcBef>
+            <a:spcAft>
+              <a:spcPct val="35000"/>
+            </a:spcAft>
+            <a:buNone/>
+          </a:pPr>
+          <a:r>
+            <a:rPr lang="en-US" sz="2700" kern="1200"/>
+            <a:t>Many algorithms use some variation of this (Goodfellow)</a:t>
+          </a:r>
+        </a:p>
+      </dsp:txBody>
+      <dsp:txXfrm>
+        <a:off x="69539" y="2004661"/>
+        <a:ext cx="5789266" cy="1285433"/>
+      </dsp:txXfrm>
+    </dsp:sp>
+    <dsp:sp modelId="{F7C76537-66A9-4006-829A-C180DE7D8B4E}">
+      <dsp:nvSpPr>
+        <dsp:cNvPr id="0" name=""/>
+        <dsp:cNvSpPr/>
+      </dsp:nvSpPr>
+      <dsp:spPr>
+        <a:xfrm>
+          <a:off x="0" y="3437394"/>
+          <a:ext cx="5928344" cy="1424511"/>
+        </a:xfrm>
+        <a:prstGeom prst="roundRect">
+          <a:avLst/>
+        </a:prstGeom>
+        <a:gradFill rotWithShape="0">
+          <a:gsLst>
+            <a:gs pos="0">
+              <a:schemeClr val="accent3">
+                <a:hueOff val="0"/>
+                <a:satOff val="0"/>
+                <a:lumOff val="0"/>
+                <a:alphaOff val="0"/>
+                <a:shade val="85000"/>
+                <a:satMod val="130000"/>
+              </a:schemeClr>
+            </a:gs>
+            <a:gs pos="34000">
+              <a:schemeClr val="accent3">
+                <a:hueOff val="0"/>
+                <a:satOff val="0"/>
+                <a:lumOff val="0"/>
+                <a:alphaOff val="0"/>
+                <a:shade val="87000"/>
+                <a:satMod val="125000"/>
+              </a:schemeClr>
+            </a:gs>
+            <a:gs pos="70000">
+              <a:schemeClr val="accent3">
+                <a:hueOff val="0"/>
+                <a:satOff val="0"/>
+                <a:lumOff val="0"/>
+                <a:alphaOff val="0"/>
+                <a:tint val="100000"/>
+                <a:shade val="90000"/>
+                <a:satMod val="130000"/>
+              </a:schemeClr>
+            </a:gs>
+            <a:gs pos="100000">
+              <a:schemeClr val="accent3">
+                <a:hueOff val="0"/>
+                <a:satOff val="0"/>
+                <a:lumOff val="0"/>
+                <a:alphaOff val="0"/>
+                <a:tint val="100000"/>
+                <a:shade val="100000"/>
+                <a:satMod val="110000"/>
+              </a:schemeClr>
+            </a:gs>
+          </a:gsLst>
+          <a:path path="circle">
+            <a:fillToRect l="100000" t="100000" r="100000" b="100000"/>
+          </a:path>
+        </a:gradFill>
+        <a:ln>
+          <a:noFill/>
+        </a:ln>
+        <a:effectLst>
+          <a:outerShdw blurRad="38100" dist="25400" dir="2700000" algn="br" rotWithShape="0">
+            <a:srgbClr val="000000">
+              <a:alpha val="60000"/>
+            </a:srgbClr>
+          </a:outerShdw>
+        </a:effectLst>
+      </dsp:spPr>
+      <dsp:style>
+        <a:lnRef idx="0">
+          <a:scrgbClr r="0" g="0" b="0"/>
+        </a:lnRef>
+        <a:fillRef idx="3">
+          <a:scrgbClr r="0" g="0" b="0"/>
+        </a:fillRef>
+        <a:effectRef idx="2">
+          <a:scrgbClr r="0" g="0" b="0"/>
+        </a:effectRef>
+        <a:fontRef idx="minor">
+          <a:schemeClr val="lt1"/>
+        </a:fontRef>
+      </dsp:style>
+      <dsp:txBody>
+        <a:bodyPr spcFirstLastPara="0" vert="horz" wrap="square" lIns="102870" tIns="102870" rIns="102870" bIns="102870" numCol="1" spcCol="1270" anchor="ctr" anchorCtr="0">
+          <a:noAutofit/>
+        </a:bodyPr>
+        <a:lstStyle/>
+        <a:p>
+          <a:pPr marL="0" lvl="0" indent="0" algn="l" defTabSz="1200150">
+            <a:lnSpc>
+              <a:spcPct val="90000"/>
+            </a:lnSpc>
+            <a:spcBef>
+              <a:spcPct val="0"/>
+            </a:spcBef>
+            <a:spcAft>
+              <a:spcPct val="35000"/>
+            </a:spcAft>
+            <a:buNone/>
+          </a:pPr>
+          <a:r>
+            <a:rPr lang="en-US" sz="2700" kern="1200"/>
+            <a:t>Uses the gradient of a decision function to create an optimal set of parameters for classifier (Sanderson)</a:t>
+          </a:r>
+        </a:p>
+      </dsp:txBody>
+      <dsp:txXfrm>
+        <a:off x="69539" y="3506933"/>
+        <a:ext cx="5789266" cy="1285433"/>
+      </dsp:txXfrm>
+    </dsp:sp>
+  </dsp:spTree>
+</dsp:drawing>
+</file>
+
+<file path=ppt/diagrams/layout1.xml><?xml version="1.0" encoding="utf-8"?>
+<dgm:layoutDef xmlns:dgm="http://schemas.openxmlformats.org/drawingml/2006/diagram" xmlns:a="http://schemas.openxmlformats.org/drawingml/2006/main" uniqueId="urn:microsoft.com/office/officeart/2005/8/layout/vList2">
+  <dgm:title val=""/>
+  <dgm:desc val=""/>
+  <dgm:catLst>
+    <dgm:cat type="list" pri="3000"/>
+    <dgm:cat type="convert" pri="1000"/>
+  </dgm:catLst>
+  <dgm:sampData>
+    <dgm:dataModel>
+      <dgm:ptLst>
+        <dgm:pt modelId="0" type="doc"/>
+        <dgm:pt modelId="1">
+          <dgm:prSet phldr="1"/>
+        </dgm:pt>
+        <dgm:pt modelId="11">
+          <dgm:prSet phldr="1"/>
+        </dgm:pt>
+        <dgm:pt modelId="2">
+          <dgm:prSet phldr="1"/>
+        </dgm:pt>
+        <dgm:pt modelId="21">
+          <dgm:prSet phldr="1"/>
+        </dgm:pt>
+      </dgm:ptLst>
+      <dgm:cxnLst>
+        <dgm:cxn modelId="4" srcId="0" destId="1" srcOrd="0" destOrd="0"/>
+        <dgm:cxn modelId="5" srcId="0" destId="2" srcOrd="1" destOrd="0"/>
+        <dgm:cxn modelId="12" srcId="1" destId="11" srcOrd="0" destOrd="0"/>
+        <dgm:cxn modelId="23" srcId="2" destId="21" srcOrd="0" destOrd="0"/>
+      </dgm:cxnLst>
+      <dgm:bg/>
+      <dgm:whole/>
+    </dgm:dataModel>
+  </dgm:sampData>
+  <dgm:styleData>
+    <dgm:dataModel>
+      <dgm:ptLst>
+        <dgm:pt modelId="0" type="doc"/>
+        <dgm:pt modelId="1"/>
+        <dgm:pt modelId="2"/>
+      </dgm:ptLst>
+      <dgm:cxnLst>
+        <dgm:cxn modelId="3" srcId="0" destId="1" srcOrd="0" destOrd="0"/>
+        <dgm:cxn modelId="4" srcId="0" destId="2" srcOrd="1" destOrd="0"/>
+      </dgm:cxnLst>
+      <dgm:bg/>
+      <dgm:whole/>
+    </dgm:dataModel>
+  </dgm:styleData>
+  <dgm:clrData>
+    <dgm:dataModel>
+      <dgm:ptLst>
+        <dgm:pt modelId="0" type="doc"/>
+        <dgm:pt modelId="1"/>
+        <dgm:pt modelId="2"/>
+        <dgm:pt modelId="3"/>
+        <dgm:pt modelId="4"/>
+      </dgm:ptLst>
+      <dgm:cxnLst>
+        <dgm:cxn modelId="5" srcId="0" destId="1" srcOrd="0" destOrd="0"/>
+        <dgm:cxn modelId="6" srcId="0" destId="2" srcOrd="1" destOrd="0"/>
+        <dgm:cxn modelId="7" srcId="0" destId="3" srcOrd="2" destOrd="0"/>
+        <dgm:cxn modelId="8" srcId="0" destId="4" srcOrd="3" destOrd="0"/>
+      </dgm:cxnLst>
+      <dgm:bg/>
+      <dgm:whole/>
+    </dgm:dataModel>
+  </dgm:clrData>
+  <dgm:layoutNode name="linear">
+    <dgm:varLst>
+      <dgm:animLvl val="lvl"/>
+      <dgm:resizeHandles val="exact"/>
+    </dgm:varLst>
+    <dgm:alg type="lin">
+      <dgm:param type="linDir" val="fromT"/>
+      <dgm:param type="vertAlign" val="mid"/>
+    </dgm:alg>
+    <dgm:shape xmlns:r="http://schemas.openxmlformats.org/officeDocument/2006/relationships" r:blip="">
+      <dgm:adjLst/>
+    </dgm:shape>
+    <dgm:presOf/>
+    <dgm:constrLst>
+      <dgm:constr type="w" for="ch" forName="parentText" refType="w"/>
+      <dgm:constr type="h" for="ch" forName="parentText" refType="primFontSz" refFor="ch" refForName="parentText" fact="0.52"/>
+      <dgm:constr type="w" for="ch" forName="childText" refType="w"/>
+      <dgm:constr type="h" for="ch" forName="childText" refType="primFontSz" refFor="ch" refForName="parentText" fact="0.46"/>
+      <dgm:constr type="h" for="ch" forName="parentText" op="equ"/>
+      <dgm:constr type="primFontSz" for="ch" forName="parentText" op="equ" val="65"/>
+      <dgm:constr type="primFontSz" for="ch" forName="childText" refType="primFontSz" refFor="ch" refForName="parentText" op="equ"/>
+      <dgm:constr type="h" for="ch" forName="spacer" refType="primFontSz" refFor="ch" refForName="parentText" fact="0.08"/>
+    </dgm:constrLst>
+    <dgm:ruleLst>
+      <dgm:rule type="primFontSz" for="ch" forName="parentText" val="5" fact="NaN" max="NaN"/>
+    </dgm:ruleLst>
+    <dgm:forEach name="Name0" axis="ch" ptType="node">
+      <dgm:layoutNode name="parentText" styleLbl="node1">
+        <dgm:varLst>
+          <dgm:chMax val="0"/>
+          <dgm:bulletEnabled val="1"/>
+        </dgm:varLst>
+        <dgm:alg type="tx">
+          <dgm:param type="parTxLTRAlign" val="l"/>
+          <dgm:param type="parTxRTLAlign" val="r"/>
+        </dgm:alg>
+        <dgm:shape xmlns:r="http://schemas.openxmlformats.org/officeDocument/2006/relationships" type="roundRect" r:blip="">
+          <dgm:adjLst/>
+        </dgm:shape>
+        <dgm:presOf axis="self"/>
+        <dgm:constrLst>
+          <dgm:constr type="tMarg" refType="primFontSz" fact="0.3"/>
+          <dgm:constr type="bMarg" refType="primFontSz" fact="0.3"/>
+          <dgm:constr type="lMarg" refType="primFontSz" fact="0.3"/>
+          <dgm:constr type="rMarg" refType="primFontSz" fact="0.3"/>
+        </dgm:constrLst>
+        <dgm:ruleLst>
+          <dgm:rule type="h" val="INF" fact="NaN" max="NaN"/>
+        </dgm:ruleLst>
+      </dgm:layoutNode>
+      <dgm:choose name="Name1">
+        <dgm:if name="Name2" axis="ch" ptType="node" func="cnt" op="gte" val="1">
+          <dgm:layoutNode name="childText" styleLbl="revTx">
+            <dgm:varLst>
+              <dgm:bulletEnabled val="1"/>
+            </dgm:varLst>
+            <dgm:alg type="tx">
+              <dgm:param type="stBulletLvl" val="1"/>
+              <dgm:param type="lnSpAfChP" val="20"/>
+            </dgm:alg>
+            <dgm:shape xmlns:r="http://schemas.openxmlformats.org/officeDocument/2006/relationships" type="rect" r:blip="">
+              <dgm:adjLst/>
+            </dgm:shape>
+            <dgm:presOf axis="des" ptType="node"/>
+            <dgm:constrLst>
+              <dgm:constr type="tMarg" refType="primFontSz" fact="0.1"/>
+              <dgm:constr type="bMarg" refType="primFontSz" fact="0.1"/>
+              <dgm:constr type="lMarg" refType="w" fact="0.09"/>
+            </dgm:constrLst>
+            <dgm:ruleLst>
+              <dgm:rule type="h" val="INF" fact="NaN" max="NaN"/>
+            </dgm:ruleLst>
+          </dgm:layoutNode>
+        </dgm:if>
+        <dgm:else name="Name3">
+          <dgm:choose name="Name4">
+            <dgm:if name="Name5" axis="par ch" ptType="doc node" func="cnt" op="gte" val="2">
+              <dgm:forEach name="Name6" axis="followSib" ptType="sibTrans" cnt="1">
+                <dgm:layoutNode name="spacer">
+                  <dgm:alg type="sp"/>
+                  <dgm:shape xmlns:r="http://schemas.openxmlformats.org/officeDocument/2006/relationships" r:blip="">
+                    <dgm:adjLst/>
+                  </dgm:shape>
+                  <dgm:presOf/>
+                  <dgm:constrLst/>
+                  <dgm:ruleLst/>
+                </dgm:layoutNode>
+              </dgm:forEach>
+            </dgm:if>
+            <dgm:else name="Name7"/>
+          </dgm:choose>
+        </dgm:else>
+      </dgm:choose>
+    </dgm:forEach>
+  </dgm:layoutNode>
+</dgm:layoutDef>
+</file>
+
+<file path=ppt/diagrams/quickStyle1.xml><?xml version="1.0" encoding="utf-8"?>
+<dgm:styleDef xmlns:dgm="http://schemas.openxmlformats.org/drawingml/2006/diagram" xmlns:a="http://schemas.openxmlformats.org/drawingml/2006/main" uniqueId="urn:microsoft.com/office/officeart/2005/8/quickstyle/simple4">
+  <dgm:title val=""/>
+  <dgm:desc val=""/>
+  <dgm:catLst>
+    <dgm:cat type="simple" pri="10400"/>
+  </dgm:catLst>
+  <dgm:scene3d>
+    <a:camera prst="orthographicFront"/>
+    <a:lightRig rig="threePt" dir="t"/>
+  </dgm:scene3d>
+  <dgm:styleLbl name="node0">
+    <dgm:scene3d>
+      <a:camera prst="orthographicFront"/>
+      <a:lightRig rig="threePt" dir="t"/>
+    </dgm:scene3d>
+    <dgm:sp3d/>
+    <dgm:txPr/>
+    <dgm:style>
+      <a:lnRef idx="0">
+        <a:scrgbClr r="0" g="0" b="0"/>
+      </a:lnRef>
+      <a:fillRef idx="3">
+        <a:scrgbClr r="0" g="0" b="0"/>
+      </a:fillRef>
+      <a:effectRef idx="2">
+        <a:scrgbClr r="0" g="0" b="0"/>
+      </a:effectRef>
+      <a:fontRef idx="minor">
+        <a:schemeClr val="lt1"/>
+      </a:fontRef>
+    </dgm:style>
+  </dgm:styleLbl>
+  <dgm:styleLbl name="lnNode1">
+    <dgm:scene3d>
+      <a:camera prst="orthographicFront"/>
+      <a:lightRig rig="threePt" dir="t"/>
+    </dgm:scene3d>
+    <dgm:sp3d/>
+    <dgm:txPr/>
+    <dgm:style>
+      <a:lnRef idx="1">
+        <a:scrgbClr r="0" g="0" b="0"/>
+      </a:lnRef>
+      <a:fillRef idx="3">
+        <a:scrgbClr r="0" g="0" b="0"/>
+      </a:fillRef>
+      <a:effectRef idx="2">
+        <a:scrgbClr r="0" g="0" b="0"/>
+      </a:effectRef>
+      <a:fontRef idx="minor">
+        <a:schemeClr val="lt1"/>
+      </a:fontRef>
+    </dgm:style>
+  </dgm:styleLbl>
+  <dgm:styleLbl name="vennNode1">
+    <dgm:scene3d>
+      <a:camera prst="orthographicFront"/>
+      <a:lightRig rig="threePt" dir="t"/>
+    </dgm:scene3d>
+    <dgm:sp3d/>
+    <dgm:txPr/>
+    <dgm:style>
+      <a:lnRef idx="0">
+        <a:scrgbClr r="0" g="0" b="0"/>
+      </a:lnRef>
+      <a:fillRef idx="3">
+        <a:scrgbClr r="0" g="0" b="0"/>
+      </a:fillRef>
+      <a:effectRef idx="0">
+        <a:scrgbClr r="0" g="0" b="0"/>
+      </a:effectRef>
+      <a:fontRef idx="minor">
+        <a:schemeClr val="tx1"/>
+      </a:fontRef>
+    </dgm:style>
+  </dgm:styleLbl>
+  <dgm:styleLbl name="alignNode1">
+    <dgm:scene3d>
+      <a:camera prst="orthographicFront"/>
+      <a:lightRig rig="threePt" dir="t"/>
+    </dgm:scene3d>
+    <dgm:sp3d/>
+    <dgm:txPr/>
+    <dgm:style>
+      <a:lnRef idx="1">
+        <a:scrgbClr r="0" g="0" b="0"/>
+      </a:lnRef>
+      <a:fillRef idx="3">
+        <a:scrgbClr r="0" g="0" b="0"/>
+      </a:fillRef>
+      <a:effectRef idx="2">
+        <a:scrgbClr r="0" g="0" b="0"/>
+      </a:effectRef>
+      <a:fontRef idx="minor">
+        <a:schemeClr val="lt1"/>
+      </a:fontRef>
+    </dgm:style>
+  </dgm:styleLbl>
+  <dgm:styleLbl name="node1">
+    <dgm:scene3d>
+      <a:camera prst="orthographicFront"/>
+      <a:lightRig rig="threePt" dir="t"/>
+    </dgm:scene3d>
+    <dgm:sp3d/>
+    <dgm:txPr/>
+    <dgm:style>
+      <a:lnRef idx="0">
+        <a:scrgbClr r="0" g="0" b="0"/>
+      </a:lnRef>
+      <a:fillRef idx="3">
+        <a:scrgbClr r="0" g="0" b="0"/>
+      </a:fillRef>
+      <a:effectRef idx="2">
+        <a:scrgbClr r="0" g="0" b="0"/>
+      </a:effectRef>
+      <a:fontRef idx="minor">
+        <a:schemeClr val="lt1"/>
+      </a:fontRef>
+    </dgm:style>
+  </dgm:styleLbl>
+  <dgm:styleLbl name="node2">
+    <dgm:scene3d>
+      <a:camera prst="orthographicFront"/>
+      <a:lightRig rig="threePt" dir="t"/>
+    </dgm:scene3d>
+    <dgm:sp3d/>
+    <dgm:txPr/>
+    <dgm:style>
+      <a:lnRef idx="0">
+        <a:scrgbClr r="0" g="0" b="0"/>
+      </a:lnRef>
+      <a:fillRef idx="3">
+        <a:scrgbClr r="0" g="0" b="0"/>
+      </a:fillRef>
+      <a:effectRef idx="2">
+        <a:scrgbClr r="0" g="0" b="0"/>
+      </a:effectRef>
+      <a:fontRef idx="minor">
+        <a:schemeClr val="lt1"/>
+      </a:fontRef>
+    </dgm:style>
+  </dgm:styleLbl>
+  <dgm:styleLbl name="node3">
+    <dgm:scene3d>
+      <a:camera prst="orthographicFront"/>
+      <a:lightRig rig="threePt" dir="t"/>
+    </dgm:scene3d>
+    <dgm:sp3d/>
+    <dgm:txPr/>
+    <dgm:style>
+      <a:lnRef idx="0">
+        <a:scrgbClr r="0" g="0" b="0"/>
+      </a:lnRef>
+      <a:fillRef idx="3">
+        <a:scrgbClr r="0" g="0" b="0"/>
+      </a:fillRef>
+      <a:effectRef idx="2">
+        <a:scrgbClr r="0" g="0" b="0"/>
+      </a:effectRef>
+      <a:fontRef idx="minor">
+        <a:schemeClr val="lt1"/>
+      </a:fontRef>
+    </dgm:style>
+  </dgm:styleLbl>
+  <dgm:styleLbl name="node4">
+    <dgm:scene3d>
+      <a:camera prst="orthographicFront"/>
+      <a:lightRig rig="threePt" dir="t"/>
+    </dgm:scene3d>
+    <dgm:sp3d/>
+    <dgm:txPr/>
+    <dgm:style>
+      <a:lnRef idx="0">
+        <a:scrgbClr r="0" g="0" b="0"/>
+      </a:lnRef>
+      <a:fillRef idx="3">
+        <a:scrgbClr r="0" g="0" b="0"/>
+      </a:fillRef>
+      <a:effectRef idx="2">
+        <a:scrgbClr r="0" g="0" b="0"/>
+      </a:effectRef>
+      <a:fontRef idx="minor">
+        <a:schemeClr val="lt1"/>
+      </a:fontRef>
+    </dgm:style>
+  </dgm:styleLbl>
+  <dgm:styleLbl name="fgImgPlace1">
+    <dgm:scene3d>
+      <a:camera prst="orthographicFront"/>
+      <a:lightRig rig="threePt" dir="t"/>
+    </dgm:scene3d>
+    <dgm:sp3d/>
+    <dgm:txPr/>
+    <dgm:style>
+      <a:lnRef idx="0">
+        <a:scrgbClr r="0" g="0" b="0"/>
+      </a:lnRef>
+      <a:fillRef idx="1">
+        <a:scrgbClr r="0" g="0" b="0"/>
+      </a:fillRef>
+      <a:effectRef idx="2">
+        <a:scrgbClr r="0" g="0" b="0"/>
+      </a:effectRef>
+      <a:fontRef idx="minor"/>
+    </dgm:style>
+  </dgm:styleLbl>
+  <dgm:styleLbl name="alignImgPlace1">
+    <dgm:scene3d>
+      <a:camera prst="orthographicFront"/>
+      <a:lightRig rig="threePt" dir="t"/>
+    </dgm:scene3d>
+    <dgm:sp3d/>
+    <dgm:txPr/>
+    <dgm:style>
+      <a:lnRef idx="0">
+        <a:scrgbClr r="0" g="0" b="0"/>
+      </a:lnRef>
+      <a:fillRef idx="1">
+        <a:scrgbClr r="0" g="0" b="0"/>
+      </a:fillRef>
+      <a:effectRef idx="2">
+        <a:scrgbClr r="0" g="0" b="0"/>
+      </a:effectRef>
+      <a:fontRef idx="minor"/>
+    </dgm:style>
+  </dgm:styleLbl>
+  <dgm:styleLbl name="bgImgPlace1">
+    <dgm:scene3d>
+      <a:camera prst="orthographicFront"/>
+      <a:lightRig rig="threePt" dir="t"/>
+    </dgm:scene3d>
+    <dgm:sp3d/>
+    <dgm:txPr/>
+    <dgm:style>
+      <a:lnRef idx="0">
+        <a:scrgbClr r="0" g="0" b="0"/>
+      </a:lnRef>
+      <a:fillRef idx="1">
+        <a:scrgbClr r="0" g="0" b="0"/>
+      </a:fillRef>
+      <a:effectRef idx="2">
+        <a:scrgbClr r="0" g="0" b="0"/>
+      </a:effectRef>
+      <a:fontRef idx="minor"/>
+    </dgm:style>
+  </dgm:styleLbl>
+  <dgm:styleLbl name="sibTrans2D1">
+    <dgm:scene3d>
+      <a:camera prst="orthographicFront"/>
+      <a:lightRig rig="threePt" dir="t"/>
+    </dgm:scene3d>
+    <dgm:sp3d/>
+    <dgm:txPr/>
+    <dgm:style>
+      <a:lnRef idx="0">
+        <a:scrgbClr r="0" g="0" b="0"/>
+      </a:lnRef>
+      <a:fillRef idx="3">
+        <a:scrgbClr r="0" g="0" b="0"/>
+      </a:fillRef>
+      <a:effectRef idx="2">
+        <a:scrgbClr r="0" g="0" b="0"/>
+      </a:effectRef>
+      <a:fontRef idx="minor">
+        <a:schemeClr val="lt1"/>
+      </a:fontRef>
+    </dgm:style>
+  </dgm:styleLbl>
+  <dgm:styleLbl name="fgSibTrans2D1">
+    <dgm:scene3d>
+      <a:camera prst="orthographicFront"/>
+      <a:lightRig rig="threePt" dir="t"/>
+    </dgm:scene3d>
+    <dgm:sp3d/>
+    <dgm:txPr/>
+    <dgm:style>
+      <a:lnRef idx="0">
+        <a:scrgbClr r="0" g="0" b="0"/>
+      </a:lnRef>
+      <a:fillRef idx="3">
+        <a:scrgbClr r="0" g="0" b="0"/>
+      </a:fillRef>
+      <a:effectRef idx="2">
+        <a:scrgbClr r="0" g="0" b="0"/>
+      </a:effectRef>
+      <a:fontRef idx="minor">
+        <a:schemeClr val="lt1"/>
+      </a:fontRef>
+    </dgm:style>
+  </dgm:styleLbl>
+  <dgm:styleLbl name="bgSibTrans2D1">
+    <dgm:scene3d>
+      <a:camera prst="orthographicFront"/>
+      <a:lightRig rig="threePt" dir="t"/>
+    </dgm:scene3d>
+    <dgm:sp3d/>
+    <dgm:txPr/>
+    <dgm:style>
+      <a:lnRef idx="0">
+        <a:scrgbClr r="0" g="0" b="0"/>
+      </a:lnRef>
+      <a:fillRef idx="3">
+        <a:scrgbClr r="0" g="0" b="0"/>
+      </a:fillRef>
+      <a:effectRef idx="2">
+        <a:scrgbClr r="0" g="0" b="0"/>
+      </a:effectRef>
+      <a:fontRef idx="minor">
+        <a:schemeClr val="lt1"/>
+      </a:fontRef>
+    </dgm:style>
+  </dgm:styleLbl>
+  <dgm:styleLbl name="sibTrans1D1">
+    <dgm:scene3d>
+      <a:camera prst="orthographicFront"/>
+      <a:lightRig rig="threePt" dir="t"/>
+    </dgm:scene3d>
+    <dgm:sp3d/>
+    <dgm:txPr/>
+    <dgm:style>
+      <a:lnRef idx="1">
+        <a:scrgbClr r="0" g="0" b="0"/>
+      </a:lnRef>
+      <a:fillRef idx="0">
+        <a:scrgbClr r="0" g="0" b="0"/>
+      </a:fillRef>
+      <a:effectRef idx="0">
+        <a:scrgbClr r="0" g="0" b="0"/>
+      </a:effectRef>
+      <a:fontRef idx="minor"/>
+    </dgm:style>
+  </dgm:styleLbl>
+  <dgm:styleLbl name="callout">
+    <dgm:scene3d>
+      <a:camera prst="orthographicFront"/>
+      <a:lightRig rig="threePt" dir="t"/>
+    </dgm:scene3d>
+    <dgm:sp3d/>
+    <dgm:txPr/>
+    <dgm:style>
+      <a:lnRef idx="2">
+        <a:scrgbClr r="0" g="0" b="0"/>
+      </a:lnRef>
+      <a:fillRef idx="1">
+        <a:scrgbClr r="0" g="0" b="0"/>
+      </a:fillRef>
+      <a:effectRef idx="1">
+        <a:scrgbClr r="0" g="0" b="0"/>
+      </a:effectRef>
+      <a:fontRef idx="minor"/>
+    </dgm:style>
+  </dgm:styleLbl>
+  <dgm:styleLbl name="asst0">
+    <dgm:scene3d>
+      <a:camera prst="orthographicFront"/>
+      <a:lightRig rig="threePt" dir="t"/>
+    </dgm:scene3d>
+    <dgm:sp3d/>
+    <dgm:txPr/>
+    <dgm:style>
+      <a:lnRef idx="0">
+        <a:scrgbClr r="0" g="0" b="0"/>
+      </a:lnRef>
+      <a:fillRef idx="3">
+        <a:scrgbClr r="0" g="0" b="0"/>
+      </a:fillRef>
+      <a:effectRef idx="2">
+        <a:scrgbClr r="0" g="0" b="0"/>
+      </a:effectRef>
+      <a:fontRef idx="minor">
+        <a:schemeClr val="lt1"/>
+      </a:fontRef>
+    </dgm:style>
+  </dgm:styleLbl>
+  <dgm:styleLbl name="asst1">
+    <dgm:scene3d>
+      <a:camera prst="orthographicFront"/>
+      <a:lightRig rig="threePt" dir="t"/>
+    </dgm:scene3d>
+    <dgm:sp3d/>
+    <dgm:txPr/>
+    <dgm:style>
+      <a:lnRef idx="0">
+        <a:scrgbClr r="0" g="0" b="0"/>
+      </a:lnRef>
+      <a:fillRef idx="3">
+        <a:scrgbClr r="0" g="0" b="0"/>
+      </a:fillRef>
+      <a:effectRef idx="2">
+        <a:scrgbClr r="0" g="0" b="0"/>
+      </a:effectRef>
+      <a:fontRef idx="minor">
+        <a:schemeClr val="lt1"/>
+      </a:fontRef>
+    </dgm:style>
+  </dgm:styleLbl>
+  <dgm:styleLbl name="asst2">
+    <dgm:scene3d>
+      <a:camera prst="orthographicFront"/>
+      <a:lightRig rig="threePt" dir="t"/>
+    </dgm:scene3d>
+    <dgm:sp3d/>
+    <dgm:txPr/>
+    <dgm:style>
+      <a:lnRef idx="0">
+        <a:scrgbClr r="0" g="0" b="0"/>
+      </a:lnRef>
+      <a:fillRef idx="3">
+        <a:scrgbClr r="0" g="0" b="0"/>
+      </a:fillRef>
+      <a:effectRef idx="2">
+        <a:scrgbClr r="0" g="0" b="0"/>
+      </a:effectRef>
+      <a:fontRef idx="minor">
+        <a:schemeClr val="lt1"/>
+      </a:fontRef>
+    </dgm:style>
+  </dgm:styleLbl>
+  <dgm:styleLbl name="asst3">
+    <dgm:scene3d>
+      <a:camera prst="orthographicFront"/>
+      <a:lightRig rig="threePt" dir="t"/>
+    </dgm:scene3d>
+    <dgm:sp3d/>
+    <dgm:txPr/>
+    <dgm:style>
+      <a:lnRef idx="0">
+        <a:scrgbClr r="0" g="0" b="0"/>
+      </a:lnRef>
+      <a:fillRef idx="3">
+        <a:scrgbClr r="0" g="0" b="0"/>
+      </a:fillRef>
+      <a:effectRef idx="2">
+        <a:scrgbClr r="0" g="0" b="0"/>
+      </a:effectRef>
+      <a:fontRef idx="minor">
+        <a:schemeClr val="lt1"/>
+      </a:fontRef>
+    </dgm:style>
+  </dgm:styleLbl>
+  <dgm:styleLbl name="asst4">
+    <dgm:scene3d>
+      <a:camera prst="orthographicFront"/>
+      <a:lightRig rig="threePt" dir="t"/>
+    </dgm:scene3d>
+    <dgm:sp3d/>
+    <dgm:txPr/>
+    <dgm:style>
+      <a:lnRef idx="0">
+        <a:scrgbClr r="0" g="0" b="0"/>
+      </a:lnRef>
+      <a:fillRef idx="3">
+        <a:scrgbClr r="0" g="0" b="0"/>
+      </a:fillRef>
+      <a:effectRef idx="2">
+        <a:scrgbClr r="0" g="0" b="0"/>
+      </a:effectRef>
+      <a:fontRef idx="minor">
+        <a:schemeClr val="lt1"/>
+      </a:fontRef>
+    </dgm:style>
+  </dgm:styleLbl>
+  <dgm:styleLbl name="parChTrans2D1">
+    <dgm:scene3d>
+      <a:camera prst="orthographicFront"/>
+      <a:lightRig rig="threePt" dir="t"/>
+    </dgm:scene3d>
+    <dgm:sp3d/>
+    <dgm:txPr/>
+    <dgm:style>
+      <a:lnRef idx="0">
+        <a:scrgbClr r="0" g="0" b="0"/>
+      </a:lnRef>
+      <a:fillRef idx="3">
+        <a:scrgbClr r="0" g="0" b="0"/>
+      </a:fillRef>
+      <a:effectRef idx="2">
+        <a:scrgbClr r="0" g="0" b="0"/>
+      </a:effectRef>
+      <a:fontRef idx="minor">
+        <a:schemeClr val="lt1"/>
+      </a:fontRef>
+    </dgm:style>
+  </dgm:styleLbl>
+  <dgm:styleLbl name="parChTrans2D2">
+    <dgm:scene3d>
+      <a:camera prst="orthographicFront"/>
+      <a:lightRig rig="threePt" dir="t"/>
+    </dgm:scene3d>
+    <dgm:sp3d/>
+    <dgm:txPr/>
+    <dgm:style>
+      <a:lnRef idx="0">
+        <a:scrgbClr r="0" g="0" b="0"/>
+      </a:lnRef>
+      <a:fillRef idx="3">
+        <a:scrgbClr r="0" g="0" b="0"/>
+      </a:fillRef>
+      <a:effectRef idx="2">
+        <a:scrgbClr r="0" g="0" b="0"/>
+      </a:effectRef>
+      <a:fontRef idx="minor">
+        <a:schemeClr val="lt1"/>
+      </a:fontRef>
+    </dgm:style>
+  </dgm:styleLbl>
+  <dgm:styleLbl name="parChTrans2D3">
+    <dgm:scene3d>
+      <a:camera prst="orthographicFront"/>
+      <a:lightRig rig="threePt" dir="t"/>
+    </dgm:scene3d>
+    <dgm:sp3d/>
+    <dgm:txPr/>
+    <dgm:style>
+      <a:lnRef idx="1">
+        <a:scrgbClr r="0" g="0" b="0"/>
+      </a:lnRef>
+      <a:fillRef idx="3">
+        <a:scrgbClr r="0" g="0" b="0"/>
+      </a:fillRef>
+      <a:effectRef idx="2">
+        <a:scrgbClr r="0" g="0" b="0"/>
+      </a:effectRef>
+      <a:fontRef idx="minor">
+        <a:schemeClr val="lt1"/>
+      </a:fontRef>
+    </dgm:style>
+  </dgm:styleLbl>
+  <dgm:styleLbl name="parChTrans2D4">
+    <dgm:scene3d>
+      <a:camera prst="orthographicFront"/>
+      <a:lightRig rig="threePt" dir="t"/>
+    </dgm:scene3d>
+    <dgm:sp3d/>
+    <dgm:txPr/>
+    <dgm:style>
+      <a:lnRef idx="1">
+        <a:scrgbClr r="0" g="0" b="0"/>
+      </a:lnRef>
+      <a:fillRef idx="3">
+        <a:scrgbClr r="0" g="0" b="0"/>
+      </a:fillRef>
+      <a:effectRef idx="2">
+        <a:scrgbClr r="0" g="0" b="0"/>
+      </a:effectRef>
+      <a:fontRef idx="minor">
+        <a:schemeClr val="lt1"/>
+      </a:fontRef>
+    </dgm:style>
+  </dgm:styleLbl>
+  <dgm:styleLbl name="parChTrans1D1">
+    <dgm:scene3d>
+      <a:camera prst="orthographicFront"/>
+      <a:lightRig rig="threePt" dir="t"/>
+    </dgm:scene3d>
+    <dgm:sp3d/>
+    <dgm:txPr/>
+    <dgm:style>
+      <a:lnRef idx="1">
+        <a:scrgbClr r="0" g="0" b="0"/>
+      </a:lnRef>
+      <a:fillRef idx="0">
+        <a:scrgbClr r="0" g="0" b="0"/>
+      </a:fillRef>
+      <a:effectRef idx="0">
+        <a:scrgbClr r="0" g="0" b="0"/>
+      </a:effectRef>
+      <a:fontRef idx="minor"/>
+    </dgm:style>
+  </dgm:styleLbl>
+  <dgm:styleLbl name="parChTrans1D2">
+    <dgm:scene3d>
+      <a:camera prst="orthographicFront"/>
+      <a:lightRig rig="threePt" dir="t"/>
+    </dgm:scene3d>
+    <dgm:sp3d/>
+    <dgm:txPr/>
+    <dgm:style>
+      <a:lnRef idx="1">
+        <a:scrgbClr r="0" g="0" b="0"/>
+      </a:lnRef>
+      <a:fillRef idx="0">
+        <a:scrgbClr r="0" g="0" b="0"/>
+      </a:fillRef>
+      <a:effectRef idx="0">
+        <a:scrgbClr r="0" g="0" b="0"/>
+      </a:effectRef>
+      <a:fontRef idx="minor"/>
+    </dgm:style>
+  </dgm:styleLbl>
+  <dgm:styleLbl name="parChTrans1D3">
+    <dgm:scene3d>
+      <a:camera prst="orthographicFront"/>
+      <a:lightRig rig="threePt" dir="t"/>
+    </dgm:scene3d>
+    <dgm:sp3d/>
+    <dgm:txPr/>
+    <dgm:style>
+      <a:lnRef idx="1">
+        <a:scrgbClr r="0" g="0" b="0"/>
+      </a:lnRef>
+      <a:fillRef idx="0">
+        <a:scrgbClr r="0" g="0" b="0"/>
+      </a:fillRef>
+      <a:effectRef idx="0">
+        <a:scrgbClr r="0" g="0" b="0"/>
+      </a:effectRef>
+      <a:fontRef idx="minor"/>
+    </dgm:style>
+  </dgm:styleLbl>
+  <dgm:styleLbl name="parChTrans1D4">
+    <dgm:scene3d>
+      <a:camera prst="orthographicFront"/>
+      <a:lightRig rig="threePt" dir="t"/>
+    </dgm:scene3d>
+    <dgm:sp3d/>
+    <dgm:txPr/>
+    <dgm:style>
+      <a:lnRef idx="1">
+        <a:scrgbClr r="0" g="0" b="0"/>
+      </a:lnRef>
+      <a:fillRef idx="0">
+        <a:scrgbClr r="0" g="0" b="0"/>
+      </a:fillRef>
+      <a:effectRef idx="0">
+        <a:scrgbClr r="0" g="0" b="0"/>
+      </a:effectRef>
+      <a:fontRef idx="minor"/>
+    </dgm:style>
+  </dgm:styleLbl>
+  <dgm:styleLbl name="fgAcc1">
+    <dgm:scene3d>
+      <a:camera prst="orthographicFront"/>
+      <a:lightRig rig="threePt" dir="t"/>
+    </dgm:scene3d>
+    <dgm:sp3d/>
+    <dgm:txPr/>
+    <dgm:style>
+      <a:lnRef idx="1">
+        <a:scrgbClr r="0" g="0" b="0"/>
+      </a:lnRef>
+      <a:fillRef idx="1">
+        <a:scrgbClr r="0" g="0" b="0"/>
+      </a:fillRef>
+      <a:effectRef idx="0">
+        <a:scrgbClr r="0" g="0" b="0"/>
+      </a:effectRef>
+      <a:fontRef idx="minor"/>
+    </dgm:style>
+  </dgm:styleLbl>
+  <dgm:styleLbl name="conFgAcc1">
+    <dgm:scene3d>
+      <a:camera prst="orthographicFront"/>
+      <a:lightRig rig="threePt" dir="t"/>
+    </dgm:scene3d>
+    <dgm:sp3d/>
+    <dgm:txPr/>
+    <dgm:style>
+      <a:lnRef idx="1">
+        <a:scrgbClr r="0" g="0" b="0"/>
+      </a:lnRef>
+      <a:fillRef idx="1">
+        <a:scrgbClr r="0" g="0" b="0"/>
+      </a:fillRef>
+      <a:effectRef idx="0">
+        <a:scrgbClr r="0" g="0" b="0"/>
+      </a:effectRef>
+      <a:fontRef idx="minor"/>
+    </dgm:style>
+  </dgm:styleLbl>
+  <dgm:styleLbl name="alignAcc1">
+    <dgm:scene3d>
+      <a:camera prst="orthographicFront"/>
+      <a:lightRig rig="threePt" dir="t"/>
+    </dgm:scene3d>
+    <dgm:sp3d/>
+    <dgm:txPr/>
+    <dgm:style>
+      <a:lnRef idx="1">
+        <a:scrgbClr r="0" g="0" b="0"/>
+      </a:lnRef>
+      <a:fillRef idx="1">
+        <a:scrgbClr r="0" g="0" b="0"/>
+      </a:fillRef>
+      <a:effectRef idx="0">
+        <a:scrgbClr r="0" g="0" b="0"/>
+      </a:effectRef>
+      <a:fontRef idx="minor"/>
+    </dgm:style>
+  </dgm:styleLbl>
+  <dgm:styleLbl name="trAlignAcc1">
+    <dgm:scene3d>
+      <a:camera prst="orthographicFront"/>
+      <a:lightRig rig="threePt" dir="t"/>
+    </dgm:scene3d>
+    <dgm:sp3d/>
+    <dgm:txPr/>
+    <dgm:style>
+      <a:lnRef idx="1">
+        <a:scrgbClr r="0" g="0" b="0"/>
+      </a:lnRef>
+      <a:fillRef idx="1">
+        <a:scrgbClr r="0" g="0" b="0"/>
+      </a:fillRef>
+      <a:effectRef idx="0">
+        <a:scrgbClr r="0" g="0" b="0"/>
+      </a:effectRef>
+      <a:fontRef idx="minor"/>
+    </dgm:style>
+  </dgm:styleLbl>
+  <dgm:styleLbl name="bgAcc1">
+    <dgm:scene3d>
+      <a:camera prst="orthographicFront"/>
+      <a:lightRig rig="threePt" dir="t"/>
+    </dgm:scene3d>
+    <dgm:sp3d/>
+    <dgm:txPr/>
+    <dgm:style>
+      <a:lnRef idx="1">
+        <a:scrgbClr r="0" g="0" b="0"/>
+      </a:lnRef>
+      <a:fillRef idx="1">
+        <a:scrgbClr r="0" g="0" b="0"/>
+      </a:fillRef>
+      <a:effectRef idx="0">
+        <a:scrgbClr r="0" g="0" b="0"/>
+      </a:effectRef>
+      <a:fontRef idx="minor"/>
+    </dgm:style>
+  </dgm:styleLbl>
+  <dgm:styleLbl name="solidFgAcc1">
+    <dgm:scene3d>
+      <a:camera prst="orthographicFront"/>
+      <a:lightRig rig="threePt" dir="t"/>
+    </dgm:scene3d>
+    <dgm:sp3d/>
+    <dgm:txPr/>
+    <dgm:style>
+      <a:lnRef idx="1">
+        <a:scrgbClr r="0" g="0" b="0"/>
+      </a:lnRef>
+      <a:fillRef idx="1">
+        <a:scrgbClr r="0" g="0" b="0"/>
+      </a:fillRef>
+      <a:effectRef idx="0">
+        <a:scrgbClr r="0" g="0" b="0"/>
+      </a:effectRef>
+      <a:fontRef idx="minor"/>
+    </dgm:style>
+  </dgm:styleLbl>
+  <dgm:styleLbl name="solidAlignAcc1">
+    <dgm:scene3d>
+      <a:camera prst="orthographicFront"/>
+      <a:lightRig rig="threePt" dir="t"/>
+    </dgm:scene3d>
+    <dgm:sp3d/>
+    <dgm:txPr/>
+    <dgm:style>
+      <a:lnRef idx="1">
+        <a:scrgbClr r="0" g="0" b="0"/>
+      </a:lnRef>
+      <a:fillRef idx="1">
+        <a:scrgbClr r="0" g="0" b="0"/>
+      </a:fillRef>
+      <a:effectRef idx="0">
+        <a:scrgbClr r="0" g="0" b="0"/>
+      </a:effectRef>
+      <a:fontRef idx="minor"/>
+    </dgm:style>
+  </dgm:styleLbl>
+  <dgm:styleLbl name="solidBgAcc1">
+    <dgm:scene3d>
+      <a:camera prst="orthographicFront"/>
+      <a:lightRig rig="threePt" dir="t"/>
+    </dgm:scene3d>
+    <dgm:sp3d/>
+    <dgm:txPr/>
+    <dgm:style>
+      <a:lnRef idx="1">
+        <a:scrgbClr r="0" g="0" b="0"/>
+      </a:lnRef>
+      <a:fillRef idx="1">
+        <a:scrgbClr r="0" g="0" b="0"/>
+      </a:fillRef>
+      <a:effectRef idx="0">
+        <a:scrgbClr r="0" g="0" b="0"/>
+      </a:effectRef>
+      <a:fontRef idx="minor"/>
+    </dgm:style>
+  </dgm:styleLbl>
+  <dgm:styleLbl name="fgAccFollowNode1">
+    <dgm:scene3d>
+      <a:camera prst="orthographicFront"/>
+      <a:lightRig rig="threePt" dir="t"/>
+    </dgm:scene3d>
+    <dgm:sp3d/>
+    <dgm:txPr/>
+    <dgm:style>
+      <a:lnRef idx="1">
+        <a:scrgbClr r="0" g="0" b="0"/>
+      </a:lnRef>
+      <a:fillRef idx="1">
+        <a:scrgbClr r="0" g="0" b="0"/>
+      </a:fillRef>
+      <a:effectRef idx="0">
+        <a:scrgbClr r="0" g="0" b="0"/>
+      </a:effectRef>
+      <a:fontRef idx="minor"/>
+    </dgm:style>
+  </dgm:styleLbl>
+  <dgm:styleLbl name="alignAccFollowNode1">
+    <dgm:scene3d>
+      <a:camera prst="orthographicFront"/>
+      <a:lightRig rig="threePt" dir="t"/>
+    </dgm:scene3d>
+    <dgm:sp3d/>
+    <dgm:txPr/>
+    <dgm:style>
+      <a:lnRef idx="1">
+        <a:scrgbClr r="0" g="0" b="0"/>
+      </a:lnRef>
+      <a:fillRef idx="1">
+        <a:scrgbClr r="0" g="0" b="0"/>
+      </a:fillRef>
+      <a:effectRef idx="0">
+        <a:scrgbClr r="0" g="0" b="0"/>
+      </a:effectRef>
+      <a:fontRef idx="minor"/>
+    </dgm:style>
+  </dgm:styleLbl>
+  <dgm:styleLbl name="bgAccFollowNode1">
+    <dgm:scene3d>
+      <a:camera prst="orthographicFront"/>
+      <a:lightRig rig="threePt" dir="t"/>
+    </dgm:scene3d>
+    <dgm:sp3d/>
+    <dgm:txPr/>
+    <dgm:style>
+      <a:lnRef idx="1">
+        <a:scrgbClr r="0" g="0" b="0"/>
+      </a:lnRef>
+      <a:fillRef idx="1">
+        <a:scrgbClr r="0" g="0" b="0"/>
+      </a:fillRef>
+      <a:effectRef idx="0">
+        <a:scrgbClr r="0" g="0" b="0"/>
+      </a:effectRef>
+      <a:fontRef idx="minor"/>
+    </dgm:style>
+  </dgm:styleLbl>
+  <dgm:styleLbl name="fgAcc0">
+    <dgm:scene3d>
+      <a:camera prst="orthographicFront"/>
+      <a:lightRig rig="threePt" dir="t"/>
+    </dgm:scene3d>
+    <dgm:sp3d/>
+    <dgm:txPr/>
+    <dgm:style>
+      <a:lnRef idx="1">
+        <a:scrgbClr r="0" g="0" b="0"/>
+      </a:lnRef>
+      <a:fillRef idx="1">
+        <a:scrgbClr r="0" g="0" b="0"/>
+      </a:fillRef>
+      <a:effectRef idx="0">
+        <a:scrgbClr r="0" g="0" b="0"/>
+      </a:effectRef>
+      <a:fontRef idx="minor"/>
+    </dgm:style>
+  </dgm:styleLbl>
+  <dgm:styleLbl name="fgAcc2">
+    <dgm:scene3d>
+      <a:camera prst="orthographicFront"/>
+      <a:lightRig rig="threePt" dir="t"/>
+    </dgm:scene3d>
+    <dgm:sp3d/>
+    <dgm:txPr/>
+    <dgm:style>
+      <a:lnRef idx="1">
+        <a:scrgbClr r="0" g="0" b="0"/>
+      </a:lnRef>
+      <a:fillRef idx="1">
+        <a:scrgbClr r="0" g="0" b="0"/>
+      </a:fillRef>
+      <a:effectRef idx="0">
+        <a:scrgbClr r="0" g="0" b="0"/>
+      </a:effectRef>
+      <a:fontRef idx="minor"/>
+    </dgm:style>
+  </dgm:styleLbl>
+  <dgm:styleLbl name="fgAcc3">
+    <dgm:scene3d>
+      <a:camera prst="orthographicFront"/>
+      <a:lightRig rig="threePt" dir="t"/>
+    </dgm:scene3d>
+    <dgm:sp3d/>
+    <dgm:txPr/>
+    <dgm:style>
+      <a:lnRef idx="1">
+        <a:scrgbClr r="0" g="0" b="0"/>
+      </a:lnRef>
+      <a:fillRef idx="1">
+        <a:scrgbClr r="0" g="0" b="0"/>
+      </a:fillRef>
+      <a:effectRef idx="0">
+        <a:scrgbClr r="0" g="0" b="0"/>
+      </a:effectRef>
+      <a:fontRef idx="minor"/>
+    </dgm:style>
+  </dgm:styleLbl>
+  <dgm:styleLbl name="fgAcc4">
+    <dgm:scene3d>
+      <a:camera prst="orthographicFront"/>
+      <a:lightRig rig="threePt" dir="t"/>
+    </dgm:scene3d>
+    <dgm:sp3d/>
+    <dgm:txPr/>
+    <dgm:style>
+      <a:lnRef idx="1">
+        <a:scrgbClr r="0" g="0" b="0"/>
+      </a:lnRef>
+      <a:fillRef idx="1">
+        <a:scrgbClr r="0" g="0" b="0"/>
+      </a:fillRef>
+      <a:effectRef idx="0">
+        <a:scrgbClr r="0" g="0" b="0"/>
+      </a:effectRef>
+      <a:fontRef idx="minor"/>
+    </dgm:style>
+  </dgm:styleLbl>
+  <dgm:styleLbl name="bgShp">
+    <dgm:scene3d>
+      <a:camera prst="orthographicFront"/>
+      <a:lightRig rig="threePt" dir="t"/>
+    </dgm:scene3d>
+    <dgm:sp3d/>
+    <dgm:txPr/>
+    <dgm:style>
+      <a:lnRef idx="0">
+        <a:scrgbClr r="0" g="0" b="0"/>
+      </a:lnRef>
+      <a:fillRef idx="1">
+        <a:scrgbClr r="0" g="0" b="0"/>
+      </a:fillRef>
+      <a:effectRef idx="2">
+        <a:scrgbClr r="0" g="0" b="0"/>
+      </a:effectRef>
+      <a:fontRef idx="minor"/>
+    </dgm:style>
+  </dgm:styleLbl>
+  <dgm:styleLbl name="dkBgShp">
+    <dgm:scene3d>
+      <a:camera prst="orthographicFront"/>
+      <a:lightRig rig="threePt" dir="t"/>
+    </dgm:scene3d>
+    <dgm:sp3d/>
+    <dgm:txPr/>
+    <dgm:style>
+      <a:lnRef idx="0">
+        <a:scrgbClr r="0" g="0" b="0"/>
+      </a:lnRef>
+      <a:fillRef idx="1">
+        <a:scrgbClr r="0" g="0" b="0"/>
+      </a:fillRef>
+      <a:effectRef idx="2">
+        <a:scrgbClr r="0" g="0" b="0"/>
+      </a:effectRef>
+      <a:fontRef idx="minor"/>
+    </dgm:style>
+  </dgm:styleLbl>
+  <dgm:styleLbl name="trBgShp">
+    <dgm:scene3d>
+      <a:camera prst="orthographicFront"/>
+      <a:lightRig rig="threePt" dir="t"/>
+    </dgm:scene3d>
+    <dgm:sp3d/>
+    <dgm:txPr/>
+    <dgm:style>
+      <a:lnRef idx="0">
+        <a:scrgbClr r="0" g="0" b="0"/>
+      </a:lnRef>
+      <a:fillRef idx="1">
+        <a:scrgbClr r="0" g="0" b="0"/>
+      </a:fillRef>
+      <a:effectRef idx="0">
+        <a:scrgbClr r="0" g="0" b="0"/>
+      </a:effectRef>
+      <a:fontRef idx="minor"/>
+    </dgm:style>
+  </dgm:styleLbl>
+  <dgm:styleLbl name="fgShp">
+    <dgm:scene3d>
+      <a:camera prst="orthographicFront"/>
+      <a:lightRig rig="threePt" dir="t"/>
+    </dgm:scene3d>
+    <dgm:sp3d/>
+    <dgm:txPr/>
+    <dgm:style>
+      <a:lnRef idx="0">
+        <a:scrgbClr r="0" g="0" b="0"/>
+      </a:lnRef>
+      <a:fillRef idx="3">
+        <a:scrgbClr r="0" g="0" b="0"/>
+      </a:fillRef>
+      <a:effectRef idx="2">
+        <a:scrgbClr r="0" g="0" b="0"/>
+      </a:effectRef>
+      <a:fontRef idx="minor"/>
+    </dgm:style>
+  </dgm:styleLbl>
+  <dgm:styleLbl name="revTx">
+    <dgm:scene3d>
+      <a:camera prst="orthographicFront"/>
+      <a:lightRig rig="threePt" dir="t"/>
+    </dgm:scene3d>
+    <dgm:sp3d/>
+    <dgm:txPr/>
+    <dgm:style>
+      <a:lnRef idx="0">
+        <a:scrgbClr r="0" g="0" b="0"/>
+      </a:lnRef>
+      <a:fillRef idx="0">
+        <a:scrgbClr r="0" g="0" b="0"/>
+      </a:fillRef>
+      <a:effectRef idx="0">
+        <a:scrgbClr r="0" g="0" b="0"/>
+      </a:effectRef>
+      <a:fontRef idx="minor"/>
+    </dgm:style>
+  </dgm:styleLbl>
+</dgm:styleDef>
+</file>
+
 <file path=ppt/slideLayouts/slideLayout1.xml><?xml version="1.0" encoding="utf-8"?>
 <p:sldLayout xmlns:a="http://schemas.openxmlformats.org/drawingml/2006/main" xmlns:r="http://schemas.openxmlformats.org/officeDocument/2006/relationships" xmlns:p="http://schemas.openxmlformats.org/presentationml/2006/main" showMasterSp="0" type="title" preserve="1">
   <p:cSld name="Title Slide">
@@ -370,7 +2898,7 @@
           <a:p>
             <a:fld id="{9184DA70-C731-4C70-880D-CCD4705E623C}" type="datetime1">
               <a:rPr lang="en-US" smtClean="0"/>
-              <a:t>2/13/2020</a:t>
+              <a:t>2/14/2020</a:t>
             </a:fld>
             <a:endParaRPr lang="en-US" dirty="0"/>
           </a:p>
@@ -558,7 +3086,7 @@
           <a:p>
             <a:fld id="{B612A279-0833-481D-8C56-F67FD0AC6C50}" type="datetime1">
               <a:rPr lang="en-US" smtClean="0"/>
-              <a:t>2/13/2020</a:t>
+              <a:t>2/14/2020</a:t>
             </a:fld>
             <a:endParaRPr lang="en-US" dirty="0"/>
           </a:p>
@@ -800,7 +3328,7 @@
           <a:p>
             <a:fld id="{6587DA83-5663-4C9C-B9AA-0B40A3DAFF81}" type="datetime1">
               <a:rPr lang="en-US" smtClean="0"/>
-              <a:t>2/13/2020</a:t>
+              <a:t>2/14/2020</a:t>
             </a:fld>
             <a:endParaRPr lang="en-US" dirty="0"/>
           </a:p>
@@ -988,7 +3516,7 @@
           <a:p>
             <a:fld id="{4BE1D723-8F53-4F53-90B0-1982A396982E}" type="datetime1">
               <a:rPr lang="en-US" smtClean="0"/>
-              <a:t>2/13/2020</a:t>
+              <a:t>2/14/2020</a:t>
             </a:fld>
             <a:endParaRPr lang="en-US" dirty="0"/>
           </a:p>
@@ -1361,7 +3889,7 @@
           <a:p>
             <a:fld id="{97669AF7-7BEB-44E4-9852-375E34362B5B}" type="datetime1">
               <a:rPr lang="en-US" smtClean="0"/>
-              <a:t>2/13/2020</a:t>
+              <a:t>2/14/2020</a:t>
             </a:fld>
             <a:endParaRPr lang="en-US" dirty="0"/>
           </a:p>
@@ -1616,7 +4144,7 @@
           <a:p>
             <a:fld id="{BAAAC38D-0552-4C82-B593-E6124DFADBE2}" type="datetime1">
               <a:rPr lang="en-US" smtClean="0"/>
-              <a:t>2/13/2020</a:t>
+              <a:t>2/14/2020</a:t>
             </a:fld>
             <a:endParaRPr lang="en-US" dirty="0"/>
           </a:p>
@@ -2013,7 +4541,7 @@
           <a:p>
             <a:fld id="{D9DF0F1C-5577-4ACB-BB62-DF8F3C494C7E}" type="datetime1">
               <a:rPr lang="en-US" smtClean="0"/>
-              <a:t>2/13/2020</a:t>
+              <a:t>2/14/2020</a:t>
             </a:fld>
             <a:endParaRPr lang="en-US" dirty="0"/>
           </a:p>
@@ -2149,7 +4677,7 @@
           <a:p>
             <a:fld id="{1775B394-D9F9-4F0C-B15D-605F45CB9E9F}" type="datetime1">
               <a:rPr lang="en-US" smtClean="0"/>
-              <a:t>2/13/2020</a:t>
+              <a:t>2/14/2020</a:t>
             </a:fld>
             <a:endParaRPr lang="en-US" dirty="0"/>
           </a:p>
@@ -2306,7 +4834,7 @@
           <a:p>
             <a:fld id="{39667345-2558-425A-8533-9BFDBCE15005}" type="datetime1">
               <a:rPr lang="en-US" smtClean="0"/>
-              <a:t>2/13/2020</a:t>
+              <a:t>2/14/2020</a:t>
             </a:fld>
             <a:endParaRPr lang="en-US" dirty="0"/>
           </a:p>
@@ -2635,7 +5163,7 @@
           <a:p>
             <a:fld id="{92BEA474-078D-4E9B-9B14-09A87B19DC46}" type="datetime1">
               <a:rPr lang="en-US" smtClean="0"/>
-              <a:t>2/13/2020</a:t>
+              <a:t>2/14/2020</a:t>
             </a:fld>
             <a:endParaRPr lang="en-US" dirty="0"/>
           </a:p>
@@ -2985,7 +5513,7 @@
           <a:p>
             <a:fld id="{4907D986-8816-4272-A432-0437A28A9828}" type="datetime1">
               <a:rPr lang="en-US" smtClean="0"/>
-              <a:t>2/13/2020</a:t>
+              <a:t>2/14/2020</a:t>
             </a:fld>
             <a:endParaRPr lang="en-US" dirty="0"/>
           </a:p>
@@ -3246,7 +5774,7 @@
           <a:p>
             <a:fld id="{62D6E202-B606-4609-B914-27C9371A1F6D}" type="datetime1">
               <a:rPr lang="en-US" smtClean="0"/>
-              <a:t>2/13/2020</a:t>
+              <a:t>2/14/2020</a:t>
             </a:fld>
             <a:endParaRPr lang="en-US" dirty="0"/>
           </a:p>
@@ -4083,8 +6611,8 @@
           </a:p>
         </p:txBody>
       </p:sp>
-      <mc:AlternateContent xmlns:mc="http://schemas.openxmlformats.org/markup-compatibility/2006">
-        <mc:Choice xmlns:a14="http://schemas.microsoft.com/office/drawing/2010/main" Requires="a14">
+      <mc:AlternateContent xmlns:mc="http://schemas.openxmlformats.org/markup-compatibility/2006" xmlns:a14="http://schemas.microsoft.com/office/drawing/2010/main">
+        <mc:Choice Requires="a14">
           <p:sp>
             <p:nvSpPr>
               <p:cNvPr id="3" name="Content Placeholder 2">
@@ -4390,7 +6918,7 @@
             </p:txBody>
           </p:sp>
         </mc:Choice>
-        <mc:Fallback>
+        <mc:Fallback xmlns="">
           <p:sp>
             <p:nvSpPr>
               <p:cNvPr id="3" name="Content Placeholder 2">
@@ -4702,6 +7230,173 @@
 <file path=ppt/slides/slide12.xml><?xml version="1.0" encoding="utf-8"?>
 <p:sld xmlns:a="http://schemas.openxmlformats.org/drawingml/2006/main" xmlns:r="http://schemas.openxmlformats.org/officeDocument/2006/relationships" xmlns:p="http://schemas.openxmlformats.org/presentationml/2006/main">
   <p:cSld>
+    <p:bg>
+      <p:bgPr>
+        <a:solidFill>
+          <a:schemeClr val="bg1"/>
+        </a:solidFill>
+        <a:effectLst/>
+      </p:bgPr>
+    </p:bg>
+    <p:spTree>
+      <p:nvGrpSpPr>
+        <p:cNvPr id="1" name=""/>
+        <p:cNvGrpSpPr/>
+        <p:nvPr/>
+      </p:nvGrpSpPr>
+      <p:grpSpPr>
+        <a:xfrm>
+          <a:off x="0" y="0"/>
+          <a:ext cx="0" cy="0"/>
+          <a:chOff x="0" y="0"/>
+          <a:chExt cx="0" cy="0"/>
+        </a:xfrm>
+      </p:grpSpPr>
+      <p:sp>
+        <p:nvSpPr>
+          <p:cNvPr id="2" name="Title 1">
+            <a:extLst>
+              <a:ext uri="{FF2B5EF4-FFF2-40B4-BE49-F238E27FC236}">
+                <a16:creationId xmlns:a16="http://schemas.microsoft.com/office/drawing/2014/main" id="{65B248D0-6E50-4ADF-972D-E4D1FAB1A919}"/>
+              </a:ext>
+            </a:extLst>
+          </p:cNvPr>
+          <p:cNvSpPr>
+            <a:spLocks noGrp="1"/>
+          </p:cNvSpPr>
+          <p:nvPr>
+            <p:ph type="title"/>
+          </p:nvPr>
+        </p:nvSpPr>
+        <p:spPr>
+          <a:xfrm>
+            <a:off x="643466" y="786383"/>
+            <a:ext cx="3517567" cy="2093975"/>
+          </a:xfrm>
+          <a:prstGeom prst="rect">
+            <a:avLst/>
+          </a:prstGeom>
+        </p:spPr>
+        <p:txBody>
+          <a:bodyPr anchor="b">
+            <a:normAutofit/>
+          </a:bodyPr>
+          <a:lstStyle/>
+          <a:p>
+            <a:r>
+              <a:rPr lang="en-US" dirty="0"/>
+              <a:t>Results - Control</a:t>
+            </a:r>
+          </a:p>
+        </p:txBody>
+      </p:sp>
+      <p:sp>
+        <p:nvSpPr>
+          <p:cNvPr id="3" name="Content Placeholder 2">
+            <a:extLst>
+              <a:ext uri="{FF2B5EF4-FFF2-40B4-BE49-F238E27FC236}">
+                <a16:creationId xmlns:a16="http://schemas.microsoft.com/office/drawing/2014/main" id="{34E63755-331F-436E-ADC9-BC66709E063A}"/>
+              </a:ext>
+            </a:extLst>
+          </p:cNvPr>
+          <p:cNvSpPr>
+            <a:spLocks noGrp="1"/>
+          </p:cNvSpPr>
+          <p:nvPr>
+            <p:ph type="body" sz="half" idx="2"/>
+          </p:nvPr>
+        </p:nvSpPr>
+        <p:spPr>
+          <a:xfrm>
+            <a:off x="643465" y="3043050"/>
+            <a:ext cx="3517567" cy="3064505"/>
+          </a:xfrm>
+          <a:prstGeom prst="rect">
+            <a:avLst/>
+          </a:prstGeom>
+        </p:spPr>
+        <p:txBody>
+          <a:bodyPr>
+            <a:normAutofit/>
+          </a:bodyPr>
+          <a:lstStyle/>
+          <a:p>
+            <a:r>
+              <a:rPr lang="en-US"/>
+              <a:t>Average Precision: 0.8716</a:t>
+            </a:r>
+          </a:p>
+          <a:p>
+            <a:endParaRPr lang="en-US"/>
+          </a:p>
+          <a:p>
+            <a:r>
+              <a:rPr lang="en-US"/>
+              <a:t>Average Recall: 0.8669</a:t>
+            </a:r>
+          </a:p>
+          <a:p>
+            <a:endParaRPr lang="en-US"/>
+          </a:p>
+          <a:p>
+            <a:r>
+              <a:rPr lang="en-US"/>
+              <a:t>Average F1: 0.8663</a:t>
+            </a:r>
+          </a:p>
+        </p:txBody>
+      </p:sp>
+      <p:pic>
+        <p:nvPicPr>
+          <p:cNvPr id="13" name="Content Placeholder 12" descr="A screenshot of a cell phone&#10;&#10;Description automatically generated">
+            <a:extLst>
+              <a:ext uri="{FF2B5EF4-FFF2-40B4-BE49-F238E27FC236}">
+                <a16:creationId xmlns:a16="http://schemas.microsoft.com/office/drawing/2014/main" id="{E6489120-803A-412D-BDB1-7591613B6BF7}"/>
+              </a:ext>
+            </a:extLst>
+          </p:cNvPr>
+          <p:cNvPicPr>
+            <a:picLocks noGrp="1" noChangeAspect="1"/>
+          </p:cNvPicPr>
+          <p:nvPr>
+            <p:ph idx="1"/>
+          </p:nvPr>
+        </p:nvPicPr>
+        <p:blipFill>
+          <a:blip r:embed="rId2">
+            <a:extLst>
+              <a:ext uri="{28A0092B-C50C-407E-A947-70E740481C1C}">
+                <a14:useLocalDpi xmlns:a14="http://schemas.microsoft.com/office/drawing/2010/main" val="0"/>
+              </a:ext>
+            </a:extLst>
+          </a:blip>
+          <a:stretch>
+            <a:fillRect/>
+          </a:stretch>
+        </p:blipFill>
+        <p:spPr>
+          <a:xfrm>
+            <a:off x="5679450" y="1630740"/>
+            <a:ext cx="5487650" cy="3658433"/>
+          </a:xfrm>
+        </p:spPr>
+      </p:pic>
+    </p:spTree>
+    <p:extLst>
+      <p:ext uri="{BB962C8B-B14F-4D97-AF65-F5344CB8AC3E}">
+        <p14:creationId xmlns:p14="http://schemas.microsoft.com/office/powerpoint/2010/main" val="1845398398"/>
+      </p:ext>
+    </p:extLst>
+  </p:cSld>
+  <p:clrMapOvr>
+    <a:masterClrMapping/>
+  </p:clrMapOvr>
+</p:sld>
+</file>
+
+<file path=ppt/slides/slide13.xml><?xml version="1.0" encoding="utf-8"?>
+<p:sld xmlns:a="http://schemas.openxmlformats.org/drawingml/2006/main" xmlns:r="http://schemas.openxmlformats.org/officeDocument/2006/relationships" xmlns:p="http://schemas.openxmlformats.org/presentationml/2006/main">
+  <p:cSld>
     <p:spTree>
       <p:nvGrpSpPr>
         <p:cNvPr id="1" name=""/>
@@ -4942,6 +7637,234 @@
           </a:prstGeom>
         </p:spPr>
       </p:pic>
+      <p:sp>
+        <p:nvSpPr>
+          <p:cNvPr id="3" name="Rectangle 1">
+            <a:extLst>
+              <a:ext uri="{FF2B5EF4-FFF2-40B4-BE49-F238E27FC236}">
+                <a16:creationId xmlns:a16="http://schemas.microsoft.com/office/drawing/2014/main" id="{ADF3063D-C3F8-4C2F-81D9-53D2C92A60D0}"/>
+              </a:ext>
+            </a:extLst>
+          </p:cNvPr>
+          <p:cNvSpPr>
+            <a:spLocks noChangeArrowheads="1"/>
+          </p:cNvSpPr>
+          <p:nvPr/>
+        </p:nvSpPr>
+        <p:spPr bwMode="auto">
+          <a:xfrm>
+            <a:off x="0" y="0"/>
+            <a:ext cx="12192000" cy="457200"/>
+          </a:xfrm>
+          <a:prstGeom prst="rect">
+            <a:avLst/>
+          </a:prstGeom>
+          <a:solidFill>
+            <a:srgbClr val="FFFFFF"/>
+          </a:solidFill>
+          <a:ln>
+            <a:noFill/>
+          </a:ln>
+          <a:effectLst/>
+          <a:extLst>
+            <a:ext uri="{91240B29-F687-4F45-9708-019B960494DF}">
+              <a14:hiddenLine xmlns:a14="http://schemas.microsoft.com/office/drawing/2010/main" w="9525">
+                <a:solidFill>
+                  <a:schemeClr val="tx1"/>
+                </a:solidFill>
+                <a:miter lim="800000"/>
+                <a:headEnd/>
+                <a:tailEnd/>
+              </a14:hiddenLine>
+            </a:ext>
+            <a:ext uri="{AF507438-7753-43E0-B8FC-AC1667EBCBE1}">
+              <a14:hiddenEffects xmlns:a14="http://schemas.microsoft.com/office/drawing/2010/main">
+                <a:effectLst>
+                  <a:outerShdw dist="35921" dir="2700000" algn="ctr" rotWithShape="0">
+                    <a:schemeClr val="bg2"/>
+                  </a:outerShdw>
+                </a:effectLst>
+              </a14:hiddenEffects>
+            </a:ext>
+          </a:extLst>
+        </p:spPr>
+        <p:txBody>
+          <a:bodyPr vert="horz" wrap="none" lIns="0" tIns="0" rIns="0" bIns="0" numCol="1" anchor="ctr" anchorCtr="0" compatLnSpc="1">
+            <a:prstTxWarp prst="textNoShape">
+              <a:avLst/>
+            </a:prstTxWarp>
+            <a:spAutoFit/>
+          </a:bodyPr>
+          <a:lstStyle/>
+          <a:p>
+            <a:pPr marL="0" marR="0" lvl="0" indent="0" algn="l" defTabSz="914400" rtl="0" eaLnBrk="0" fontAlgn="base" latinLnBrk="0" hangingPunct="0">
+              <a:lnSpc>
+                <a:spcPct val="100000"/>
+              </a:lnSpc>
+              <a:spcBef>
+                <a:spcPct val="0"/>
+              </a:spcBef>
+              <a:spcAft>
+                <a:spcPct val="0"/>
+              </a:spcAft>
+              <a:buClrTx/>
+              <a:buSzTx/>
+              <a:buFontTx/>
+              <a:buNone/>
+              <a:tabLst/>
+            </a:pPr>
+            <a:r>
+              <a:rPr kumimoji="0" lang="en-US" altLang="en-US" sz="1000" b="0" i="0" u="none" strike="noStrike" cap="none" normalizeH="0" baseline="0">
+                <a:ln>
+                  <a:noFill/>
+                </a:ln>
+                <a:solidFill>
+                  <a:srgbClr val="000000"/>
+                </a:solidFill>
+                <a:effectLst/>
+                <a:latin typeface="Courier New" panose="02070309020205020404" pitchFamily="49" charset="0"/>
+              </a:rPr>
+              <a:t>0.8663</a:t>
+            </a:r>
+            <a:r>
+              <a:rPr kumimoji="0" lang="en-US" altLang="en-US" sz="500" b="0" i="0" u="none" strike="noStrike" cap="none" normalizeH="0" baseline="0">
+                <a:ln>
+                  <a:noFill/>
+                </a:ln>
+                <a:solidFill>
+                  <a:schemeClr val="tx1"/>
+                </a:solidFill>
+                <a:effectLst/>
+              </a:rPr>
+              <a:t> </a:t>
+            </a:r>
+            <a:endParaRPr kumimoji="0" lang="en-US" altLang="en-US" sz="1800" b="0" i="0" u="none" strike="noStrike" cap="none" normalizeH="0" baseline="0">
+              <a:ln>
+                <a:noFill/>
+              </a:ln>
+              <a:solidFill>
+                <a:schemeClr val="tx1"/>
+              </a:solidFill>
+              <a:effectLst/>
+              <a:latin typeface="Arial" panose="020B0604020202020204" pitchFamily="34" charset="0"/>
+            </a:endParaRPr>
+          </a:p>
+        </p:txBody>
+      </p:sp>
+      <p:sp>
+        <p:nvSpPr>
+          <p:cNvPr id="6" name="Rectangle 2">
+            <a:extLst>
+              <a:ext uri="{FF2B5EF4-FFF2-40B4-BE49-F238E27FC236}">
+                <a16:creationId xmlns:a16="http://schemas.microsoft.com/office/drawing/2014/main" id="{80D13B8A-DB2E-45E2-B92D-0C91B5511624}"/>
+              </a:ext>
+            </a:extLst>
+          </p:cNvPr>
+          <p:cNvSpPr>
+            <a:spLocks noChangeArrowheads="1"/>
+          </p:cNvSpPr>
+          <p:nvPr/>
+        </p:nvSpPr>
+        <p:spPr bwMode="auto">
+          <a:xfrm>
+            <a:off x="152400" y="152400"/>
+            <a:ext cx="12192000" cy="457200"/>
+          </a:xfrm>
+          <a:prstGeom prst="rect">
+            <a:avLst/>
+          </a:prstGeom>
+          <a:solidFill>
+            <a:srgbClr val="FFFFFF"/>
+          </a:solidFill>
+          <a:ln>
+            <a:noFill/>
+          </a:ln>
+          <a:effectLst/>
+          <a:extLst>
+            <a:ext uri="{91240B29-F687-4F45-9708-019B960494DF}">
+              <a14:hiddenLine xmlns:a14="http://schemas.microsoft.com/office/drawing/2010/main" w="9525">
+                <a:solidFill>
+                  <a:schemeClr val="tx1"/>
+                </a:solidFill>
+                <a:miter lim="800000"/>
+                <a:headEnd/>
+                <a:tailEnd/>
+              </a14:hiddenLine>
+            </a:ext>
+            <a:ext uri="{AF507438-7753-43E0-B8FC-AC1667EBCBE1}">
+              <a14:hiddenEffects xmlns:a14="http://schemas.microsoft.com/office/drawing/2010/main">
+                <a:effectLst>
+                  <a:outerShdw dist="35921" dir="2700000" algn="ctr" rotWithShape="0">
+                    <a:schemeClr val="bg2"/>
+                  </a:outerShdw>
+                </a:effectLst>
+              </a14:hiddenEffects>
+            </a:ext>
+          </a:extLst>
+        </p:spPr>
+        <p:txBody>
+          <a:bodyPr vert="horz" wrap="none" lIns="0" tIns="0" rIns="0" bIns="0" numCol="1" anchor="ctr" anchorCtr="0" compatLnSpc="1">
+            <a:prstTxWarp prst="textNoShape">
+              <a:avLst/>
+            </a:prstTxWarp>
+            <a:spAutoFit/>
+          </a:bodyPr>
+          <a:lstStyle/>
+          <a:p>
+            <a:pPr marL="0" marR="0" lvl="0" indent="0" algn="l" defTabSz="914400" rtl="0" eaLnBrk="0" fontAlgn="base" latinLnBrk="0" hangingPunct="0">
+              <a:lnSpc>
+                <a:spcPct val="100000"/>
+              </a:lnSpc>
+              <a:spcBef>
+                <a:spcPct val="0"/>
+              </a:spcBef>
+              <a:spcAft>
+                <a:spcPct val="0"/>
+              </a:spcAft>
+              <a:buClrTx/>
+              <a:buSzTx/>
+              <a:buFontTx/>
+              <a:buNone/>
+              <a:tabLst/>
+            </a:pPr>
+            <a:r>
+              <a:rPr kumimoji="0" lang="en-US" altLang="en-US" sz="1000" b="0" i="0" u="none" strike="noStrike" cap="none" normalizeH="0" baseline="0">
+                <a:ln>
+                  <a:noFill/>
+                </a:ln>
+                <a:solidFill>
+                  <a:srgbClr val="000000"/>
+                </a:solidFill>
+                <a:effectLst/>
+                <a:latin typeface="Courier New" panose="02070309020205020404" pitchFamily="49" charset="0"/>
+              </a:rPr>
+              <a:t>0.8663</a:t>
+            </a:r>
+            <a:r>
+              <a:rPr kumimoji="0" lang="en-US" altLang="en-US" sz="500" b="0" i="0" u="none" strike="noStrike" cap="none" normalizeH="0" baseline="0">
+                <a:ln>
+                  <a:noFill/>
+                </a:ln>
+                <a:solidFill>
+                  <a:schemeClr val="tx1"/>
+                </a:solidFill>
+                <a:effectLst/>
+              </a:rPr>
+              <a:t> </a:t>
+            </a:r>
+            <a:endParaRPr kumimoji="0" lang="en-US" altLang="en-US" sz="1800" b="0" i="0" u="none" strike="noStrike" cap="none" normalizeH="0" baseline="0">
+              <a:ln>
+                <a:noFill/>
+              </a:ln>
+              <a:solidFill>
+                <a:schemeClr val="tx1"/>
+              </a:solidFill>
+              <a:effectLst/>
+              <a:latin typeface="Arial" panose="020B0604020202020204" pitchFamily="34" charset="0"/>
+            </a:endParaRPr>
+          </a:p>
+        </p:txBody>
+      </p:sp>
     </p:spTree>
     <p:extLst>
       <p:ext uri="{BB962C8B-B14F-4D97-AF65-F5344CB8AC3E}">
@@ -4955,7 +7878,174 @@
 </p:sld>
 </file>
 
-<file path=ppt/slides/slide13.xml><?xml version="1.0" encoding="utf-8"?>
+<file path=ppt/slides/slide14.xml><?xml version="1.0" encoding="utf-8"?>
+<p:sld xmlns:a="http://schemas.openxmlformats.org/drawingml/2006/main" xmlns:r="http://schemas.openxmlformats.org/officeDocument/2006/relationships" xmlns:p="http://schemas.openxmlformats.org/presentationml/2006/main">
+  <p:cSld>
+    <p:bg>
+      <p:bgPr>
+        <a:solidFill>
+          <a:schemeClr val="bg1"/>
+        </a:solidFill>
+        <a:effectLst/>
+      </p:bgPr>
+    </p:bg>
+    <p:spTree>
+      <p:nvGrpSpPr>
+        <p:cNvPr id="1" name=""/>
+        <p:cNvGrpSpPr/>
+        <p:nvPr/>
+      </p:nvGrpSpPr>
+      <p:grpSpPr>
+        <a:xfrm>
+          <a:off x="0" y="0"/>
+          <a:ext cx="0" cy="0"/>
+          <a:chOff x="0" y="0"/>
+          <a:chExt cx="0" cy="0"/>
+        </a:xfrm>
+      </p:grpSpPr>
+      <p:sp>
+        <p:nvSpPr>
+          <p:cNvPr id="2" name="Title 1">
+            <a:extLst>
+              <a:ext uri="{FF2B5EF4-FFF2-40B4-BE49-F238E27FC236}">
+                <a16:creationId xmlns:a16="http://schemas.microsoft.com/office/drawing/2014/main" id="{65B248D0-6E50-4ADF-972D-E4D1FAB1A919}"/>
+              </a:ext>
+            </a:extLst>
+          </p:cNvPr>
+          <p:cNvSpPr>
+            <a:spLocks noGrp="1"/>
+          </p:cNvSpPr>
+          <p:nvPr>
+            <p:ph type="title"/>
+          </p:nvPr>
+        </p:nvSpPr>
+        <p:spPr>
+          <a:xfrm>
+            <a:off x="643466" y="786383"/>
+            <a:ext cx="3517567" cy="2093975"/>
+          </a:xfrm>
+          <a:prstGeom prst="rect">
+            <a:avLst/>
+          </a:prstGeom>
+        </p:spPr>
+        <p:txBody>
+          <a:bodyPr anchor="b">
+            <a:normAutofit/>
+          </a:bodyPr>
+          <a:lstStyle/>
+          <a:p>
+            <a:r>
+              <a:rPr lang="en-US" dirty="0"/>
+              <a:t>Results – Noisy - Clean</a:t>
+            </a:r>
+          </a:p>
+        </p:txBody>
+      </p:sp>
+      <p:sp>
+        <p:nvSpPr>
+          <p:cNvPr id="3" name="Content Placeholder 2">
+            <a:extLst>
+              <a:ext uri="{FF2B5EF4-FFF2-40B4-BE49-F238E27FC236}">
+                <a16:creationId xmlns:a16="http://schemas.microsoft.com/office/drawing/2014/main" id="{34E63755-331F-436E-ADC9-BC66709E063A}"/>
+              </a:ext>
+            </a:extLst>
+          </p:cNvPr>
+          <p:cNvSpPr>
+            <a:spLocks noGrp="1"/>
+          </p:cNvSpPr>
+          <p:nvPr>
+            <p:ph type="body" sz="half" idx="2"/>
+          </p:nvPr>
+        </p:nvSpPr>
+        <p:spPr>
+          <a:xfrm>
+            <a:off x="643465" y="3043050"/>
+            <a:ext cx="3517567" cy="3064505"/>
+          </a:xfrm>
+          <a:prstGeom prst="rect">
+            <a:avLst/>
+          </a:prstGeom>
+        </p:spPr>
+        <p:txBody>
+          <a:bodyPr>
+            <a:normAutofit/>
+          </a:bodyPr>
+          <a:lstStyle/>
+          <a:p>
+            <a:r>
+              <a:rPr lang="en-US"/>
+              <a:t>Average Precision: 0.8889</a:t>
+            </a:r>
+          </a:p>
+          <a:p>
+            <a:endParaRPr lang="en-US"/>
+          </a:p>
+          <a:p>
+            <a:r>
+              <a:rPr lang="en-US"/>
+              <a:t>Average Recall: 0.8823</a:t>
+            </a:r>
+          </a:p>
+          <a:p>
+            <a:endParaRPr lang="en-US"/>
+          </a:p>
+          <a:p>
+            <a:r>
+              <a:rPr lang="en-US"/>
+              <a:t>Average F1: 0.8829</a:t>
+            </a:r>
+          </a:p>
+        </p:txBody>
+      </p:sp>
+      <p:pic>
+        <p:nvPicPr>
+          <p:cNvPr id="10" name="Content Placeholder 9" descr="A screenshot of a cell phone&#10;&#10;Description automatically generated">
+            <a:extLst>
+              <a:ext uri="{FF2B5EF4-FFF2-40B4-BE49-F238E27FC236}">
+                <a16:creationId xmlns:a16="http://schemas.microsoft.com/office/drawing/2014/main" id="{DB4BA764-9F5B-4318-9EAC-ED862ACB8339}"/>
+              </a:ext>
+            </a:extLst>
+          </p:cNvPr>
+          <p:cNvPicPr>
+            <a:picLocks noGrp="1" noChangeAspect="1"/>
+          </p:cNvPicPr>
+          <p:nvPr>
+            <p:ph idx="1"/>
+          </p:nvPr>
+        </p:nvPicPr>
+        <p:blipFill>
+          <a:blip r:embed="rId2">
+            <a:extLst>
+              <a:ext uri="{28A0092B-C50C-407E-A947-70E740481C1C}">
+                <a14:useLocalDpi xmlns:a14="http://schemas.microsoft.com/office/drawing/2010/main" val="0"/>
+              </a:ext>
+            </a:extLst>
+          </a:blip>
+          <a:stretch>
+            <a:fillRect/>
+          </a:stretch>
+        </p:blipFill>
+        <p:spPr>
+          <a:xfrm>
+            <a:off x="5679450" y="1630740"/>
+            <a:ext cx="5487650" cy="3658433"/>
+          </a:xfrm>
+        </p:spPr>
+      </p:pic>
+    </p:spTree>
+    <p:extLst>
+      <p:ext uri="{BB962C8B-B14F-4D97-AF65-F5344CB8AC3E}">
+        <p14:creationId xmlns:p14="http://schemas.microsoft.com/office/powerpoint/2010/main" val="39434974"/>
+      </p:ext>
+    </p:extLst>
+  </p:cSld>
+  <p:clrMapOvr>
+    <a:masterClrMapping/>
+  </p:clrMapOvr>
+</p:sld>
+</file>
+
+<file path=ppt/slides/slide15.xml><?xml version="1.0" encoding="utf-8"?>
 <p:sld xmlns:a="http://schemas.openxmlformats.org/drawingml/2006/main" xmlns:r="http://schemas.openxmlformats.org/officeDocument/2006/relationships" xmlns:p="http://schemas.openxmlformats.org/presentationml/2006/main">
   <p:cSld>
     <p:spTree>
@@ -5211,7 +8301,178 @@
 </p:sld>
 </file>
 
-<file path=ppt/slides/slide14.xml><?xml version="1.0" encoding="utf-8"?>
+<file path=ppt/slides/slide16.xml><?xml version="1.0" encoding="utf-8"?>
+<p:sld xmlns:a="http://schemas.openxmlformats.org/drawingml/2006/main" xmlns:r="http://schemas.openxmlformats.org/officeDocument/2006/relationships" xmlns:p="http://schemas.openxmlformats.org/presentationml/2006/main">
+  <p:cSld>
+    <p:bg>
+      <p:bgPr>
+        <a:solidFill>
+          <a:schemeClr val="bg1"/>
+        </a:solidFill>
+        <a:effectLst/>
+      </p:bgPr>
+    </p:bg>
+    <p:spTree>
+      <p:nvGrpSpPr>
+        <p:cNvPr id="1" name=""/>
+        <p:cNvGrpSpPr/>
+        <p:nvPr/>
+      </p:nvGrpSpPr>
+      <p:grpSpPr>
+        <a:xfrm>
+          <a:off x="0" y="0"/>
+          <a:ext cx="0" cy="0"/>
+          <a:chOff x="0" y="0"/>
+          <a:chExt cx="0" cy="0"/>
+        </a:xfrm>
+      </p:grpSpPr>
+      <p:sp>
+        <p:nvSpPr>
+          <p:cNvPr id="2" name="Title 1">
+            <a:extLst>
+              <a:ext uri="{FF2B5EF4-FFF2-40B4-BE49-F238E27FC236}">
+                <a16:creationId xmlns:a16="http://schemas.microsoft.com/office/drawing/2014/main" id="{65B248D0-6E50-4ADF-972D-E4D1FAB1A919}"/>
+              </a:ext>
+            </a:extLst>
+          </p:cNvPr>
+          <p:cNvSpPr>
+            <a:spLocks noGrp="1"/>
+          </p:cNvSpPr>
+          <p:nvPr>
+            <p:ph type="title"/>
+          </p:nvPr>
+        </p:nvSpPr>
+        <p:spPr>
+          <a:xfrm>
+            <a:off x="643466" y="786383"/>
+            <a:ext cx="3517567" cy="2093975"/>
+          </a:xfrm>
+          <a:prstGeom prst="rect">
+            <a:avLst/>
+          </a:prstGeom>
+        </p:spPr>
+        <p:txBody>
+          <a:bodyPr anchor="b">
+            <a:normAutofit/>
+          </a:bodyPr>
+          <a:lstStyle/>
+          <a:p>
+            <a:r>
+              <a:rPr lang="en-US" dirty="0"/>
+              <a:t>Results – Clean - Noisy</a:t>
+            </a:r>
+          </a:p>
+        </p:txBody>
+      </p:sp>
+      <p:pic>
+        <p:nvPicPr>
+          <p:cNvPr id="5" name="Content Placeholder 4" descr="A screenshot of a cell phone&#10;&#10;Description automatically generated">
+            <a:extLst>
+              <a:ext uri="{FF2B5EF4-FFF2-40B4-BE49-F238E27FC236}">
+                <a16:creationId xmlns:a16="http://schemas.microsoft.com/office/drawing/2014/main" id="{BC13CABE-CC72-432E-88E0-BE2B0DE05195}"/>
+              </a:ext>
+            </a:extLst>
+          </p:cNvPr>
+          <p:cNvPicPr>
+            <a:picLocks noGrp="1" noChangeAspect="1"/>
+          </p:cNvPicPr>
+          <p:nvPr>
+            <p:ph idx="1"/>
+          </p:nvPr>
+        </p:nvPicPr>
+        <p:blipFill>
+          <a:blip r:embed="rId2">
+            <a:extLst>
+              <a:ext uri="{28A0092B-C50C-407E-A947-70E740481C1C}">
+                <a14:useLocalDpi xmlns:a14="http://schemas.microsoft.com/office/drawing/2010/main" val="0"/>
+              </a:ext>
+            </a:extLst>
+          </a:blip>
+          <a:stretch>
+            <a:fillRect/>
+          </a:stretch>
+        </p:blipFill>
+        <p:spPr>
+          <a:xfrm>
+            <a:off x="5458984" y="1484063"/>
+            <a:ext cx="5928344" cy="3952228"/>
+          </a:xfrm>
+          <a:prstGeom prst="rect">
+            <a:avLst/>
+          </a:prstGeom>
+          <a:noFill/>
+        </p:spPr>
+      </p:pic>
+      <p:sp>
+        <p:nvSpPr>
+          <p:cNvPr id="3" name="Content Placeholder 2">
+            <a:extLst>
+              <a:ext uri="{FF2B5EF4-FFF2-40B4-BE49-F238E27FC236}">
+                <a16:creationId xmlns:a16="http://schemas.microsoft.com/office/drawing/2014/main" id="{34E63755-331F-436E-ADC9-BC66709E063A}"/>
+              </a:ext>
+            </a:extLst>
+          </p:cNvPr>
+          <p:cNvSpPr>
+            <a:spLocks noGrp="1"/>
+          </p:cNvSpPr>
+          <p:nvPr>
+            <p:ph type="body" sz="half" idx="2"/>
+          </p:nvPr>
+        </p:nvSpPr>
+        <p:spPr>
+          <a:xfrm>
+            <a:off x="643465" y="3043050"/>
+            <a:ext cx="3517567" cy="3064505"/>
+          </a:xfrm>
+          <a:prstGeom prst="rect">
+            <a:avLst/>
+          </a:prstGeom>
+        </p:spPr>
+        <p:txBody>
+          <a:bodyPr>
+            <a:normAutofit/>
+          </a:bodyPr>
+          <a:lstStyle/>
+          <a:p>
+            <a:r>
+              <a:rPr lang="en-US"/>
+              <a:t>Average Precision: 0.6620</a:t>
+            </a:r>
+          </a:p>
+          <a:p>
+            <a:endParaRPr lang="en-US"/>
+          </a:p>
+          <a:p>
+            <a:r>
+              <a:rPr lang="en-US"/>
+              <a:t>Average Recall: 0.6428</a:t>
+            </a:r>
+          </a:p>
+          <a:p>
+            <a:endParaRPr lang="en-US"/>
+          </a:p>
+          <a:p>
+            <a:r>
+              <a:rPr lang="en-US"/>
+              <a:t>Average F1: 0.6641</a:t>
+            </a:r>
+          </a:p>
+        </p:txBody>
+      </p:sp>
+    </p:spTree>
+    <p:extLst>
+      <p:ext uri="{BB962C8B-B14F-4D97-AF65-F5344CB8AC3E}">
+        <p14:creationId xmlns:p14="http://schemas.microsoft.com/office/powerpoint/2010/main" val="2512104644"/>
+      </p:ext>
+    </p:extLst>
+  </p:cSld>
+  <p:clrMapOvr>
+    <a:masterClrMapping/>
+  </p:clrMapOvr>
+</p:sld>
+</file>
+
+<file path=ppt/slides/slide17.xml><?xml version="1.0" encoding="utf-8"?>
 <p:sld xmlns:a="http://schemas.openxmlformats.org/drawingml/2006/main" xmlns:r="http://schemas.openxmlformats.org/officeDocument/2006/relationships" xmlns:p="http://schemas.openxmlformats.org/presentationml/2006/main">
   <p:cSld>
     <p:spTree>
@@ -5467,7 +8728,178 @@
 </p:sld>
 </file>
 
-<file path=ppt/slides/slide15.xml><?xml version="1.0" encoding="utf-8"?>
+<file path=ppt/slides/slide18.xml><?xml version="1.0" encoding="utf-8"?>
+<p:sld xmlns:a="http://schemas.openxmlformats.org/drawingml/2006/main" xmlns:r="http://schemas.openxmlformats.org/officeDocument/2006/relationships" xmlns:p="http://schemas.openxmlformats.org/presentationml/2006/main">
+  <p:cSld>
+    <p:bg>
+      <p:bgPr>
+        <a:solidFill>
+          <a:schemeClr val="bg1"/>
+        </a:solidFill>
+        <a:effectLst/>
+      </p:bgPr>
+    </p:bg>
+    <p:spTree>
+      <p:nvGrpSpPr>
+        <p:cNvPr id="1" name=""/>
+        <p:cNvGrpSpPr/>
+        <p:nvPr/>
+      </p:nvGrpSpPr>
+      <p:grpSpPr>
+        <a:xfrm>
+          <a:off x="0" y="0"/>
+          <a:ext cx="0" cy="0"/>
+          <a:chOff x="0" y="0"/>
+          <a:chExt cx="0" cy="0"/>
+        </a:xfrm>
+      </p:grpSpPr>
+      <p:sp>
+        <p:nvSpPr>
+          <p:cNvPr id="2" name="Title 1">
+            <a:extLst>
+              <a:ext uri="{FF2B5EF4-FFF2-40B4-BE49-F238E27FC236}">
+                <a16:creationId xmlns:a16="http://schemas.microsoft.com/office/drawing/2014/main" id="{65B248D0-6E50-4ADF-972D-E4D1FAB1A919}"/>
+              </a:ext>
+            </a:extLst>
+          </p:cNvPr>
+          <p:cNvSpPr>
+            <a:spLocks noGrp="1"/>
+          </p:cNvSpPr>
+          <p:nvPr>
+            <p:ph type="title"/>
+          </p:nvPr>
+        </p:nvSpPr>
+        <p:spPr>
+          <a:xfrm>
+            <a:off x="643466" y="786383"/>
+            <a:ext cx="3517567" cy="2093975"/>
+          </a:xfrm>
+          <a:prstGeom prst="rect">
+            <a:avLst/>
+          </a:prstGeom>
+        </p:spPr>
+        <p:txBody>
+          <a:bodyPr anchor="b">
+            <a:normAutofit/>
+          </a:bodyPr>
+          <a:lstStyle/>
+          <a:p>
+            <a:r>
+              <a:rPr lang="en-US" dirty="0"/>
+              <a:t>Results – Noisy</a:t>
+            </a:r>
+          </a:p>
+        </p:txBody>
+      </p:sp>
+      <p:pic>
+        <p:nvPicPr>
+          <p:cNvPr id="5" name="Content Placeholder 4" descr="A screenshot of a cell phone&#10;&#10;Description automatically generated">
+            <a:extLst>
+              <a:ext uri="{FF2B5EF4-FFF2-40B4-BE49-F238E27FC236}">
+                <a16:creationId xmlns:a16="http://schemas.microsoft.com/office/drawing/2014/main" id="{F6BFCD76-802B-4832-9E7B-7F75C3FA8E21}"/>
+              </a:ext>
+            </a:extLst>
+          </p:cNvPr>
+          <p:cNvPicPr>
+            <a:picLocks noGrp="1" noChangeAspect="1"/>
+          </p:cNvPicPr>
+          <p:nvPr>
+            <p:ph idx="1"/>
+          </p:nvPr>
+        </p:nvPicPr>
+        <p:blipFill>
+          <a:blip r:embed="rId2">
+            <a:extLst>
+              <a:ext uri="{28A0092B-C50C-407E-A947-70E740481C1C}">
+                <a14:useLocalDpi xmlns:a14="http://schemas.microsoft.com/office/drawing/2010/main" val="0"/>
+              </a:ext>
+            </a:extLst>
+          </a:blip>
+          <a:stretch>
+            <a:fillRect/>
+          </a:stretch>
+        </p:blipFill>
+        <p:spPr>
+          <a:xfrm>
+            <a:off x="5458984" y="1484063"/>
+            <a:ext cx="5928344" cy="3952228"/>
+          </a:xfrm>
+          <a:prstGeom prst="rect">
+            <a:avLst/>
+          </a:prstGeom>
+          <a:noFill/>
+        </p:spPr>
+      </p:pic>
+      <p:sp>
+        <p:nvSpPr>
+          <p:cNvPr id="3" name="Content Placeholder 2">
+            <a:extLst>
+              <a:ext uri="{FF2B5EF4-FFF2-40B4-BE49-F238E27FC236}">
+                <a16:creationId xmlns:a16="http://schemas.microsoft.com/office/drawing/2014/main" id="{34E63755-331F-436E-ADC9-BC66709E063A}"/>
+              </a:ext>
+            </a:extLst>
+          </p:cNvPr>
+          <p:cNvSpPr>
+            <a:spLocks noGrp="1"/>
+          </p:cNvSpPr>
+          <p:nvPr>
+            <p:ph type="body" sz="half" idx="2"/>
+          </p:nvPr>
+        </p:nvSpPr>
+        <p:spPr>
+          <a:xfrm>
+            <a:off x="643465" y="3043050"/>
+            <a:ext cx="3517567" cy="3064505"/>
+          </a:xfrm>
+          <a:prstGeom prst="rect">
+            <a:avLst/>
+          </a:prstGeom>
+        </p:spPr>
+        <p:txBody>
+          <a:bodyPr>
+            <a:normAutofit/>
+          </a:bodyPr>
+          <a:lstStyle/>
+          <a:p>
+            <a:r>
+              <a:rPr lang="en-US"/>
+              <a:t>Average Precision: 0.7948</a:t>
+            </a:r>
+          </a:p>
+          <a:p>
+            <a:endParaRPr lang="en-US"/>
+          </a:p>
+          <a:p>
+            <a:r>
+              <a:rPr lang="en-US"/>
+              <a:t>Average Recall: 0.7895</a:t>
+            </a:r>
+          </a:p>
+          <a:p>
+            <a:endParaRPr lang="en-US"/>
+          </a:p>
+          <a:p>
+            <a:r>
+              <a:rPr lang="en-US"/>
+              <a:t>Average F1: 0.7898</a:t>
+            </a:r>
+          </a:p>
+        </p:txBody>
+      </p:sp>
+    </p:spTree>
+    <p:extLst>
+      <p:ext uri="{BB962C8B-B14F-4D97-AF65-F5344CB8AC3E}">
+        <p14:creationId xmlns:p14="http://schemas.microsoft.com/office/powerpoint/2010/main" val="4248648764"/>
+      </p:ext>
+    </p:extLst>
+  </p:cSld>
+  <p:clrMapOvr>
+    <a:masterClrMapping/>
+  </p:clrMapOvr>
+</p:sld>
+</file>
+
+<file path=ppt/slides/slide19.xml><?xml version="1.0" encoding="utf-8"?>
 <p:sld xmlns:a="http://schemas.openxmlformats.org/drawingml/2006/main" xmlns:r="http://schemas.openxmlformats.org/officeDocument/2006/relationships" xmlns:p="http://schemas.openxmlformats.org/presentationml/2006/main">
   <p:cSld>
     <p:spTree>
@@ -5489,7 +8921,7 @@
           <p:cNvPr id="2" name="Title 1">
             <a:extLst>
               <a:ext uri="{FF2B5EF4-FFF2-40B4-BE49-F238E27FC236}">
-                <a16:creationId xmlns:a16="http://schemas.microsoft.com/office/drawing/2014/main" id="{672E8C62-61E7-45B2-BA72-76C0DFA45ADC}"/>
+                <a16:creationId xmlns:a16="http://schemas.microsoft.com/office/drawing/2014/main" id="{59BC3893-E873-43E1-863E-6ACCC9864050}"/>
               </a:ext>
             </a:extLst>
           </p:cNvPr>
@@ -5507,7 +8939,7 @@
           <a:p>
             <a:r>
               <a:rPr lang="en-US" dirty="0"/>
-              <a:t>Citations</a:t>
+              <a:t>What Next?</a:t>
             </a:r>
           </a:p>
         </p:txBody>
@@ -5517,7 +8949,7 @@
           <p:cNvPr id="3" name="Content Placeholder 2">
             <a:extLst>
               <a:ext uri="{FF2B5EF4-FFF2-40B4-BE49-F238E27FC236}">
-                <a16:creationId xmlns:a16="http://schemas.microsoft.com/office/drawing/2014/main" id="{64627BC6-7D6A-484C-B1A4-3646D8448567}"/>
+                <a16:creationId xmlns:a16="http://schemas.microsoft.com/office/drawing/2014/main" id="{8C964634-6B74-4424-9C98-A2DCA440AD3C}"/>
               </a:ext>
             </a:extLst>
           </p:cNvPr>
@@ -5530,89 +8962,48 @@
         </p:nvSpPr>
         <p:spPr/>
         <p:txBody>
-          <a:bodyPr>
-            <a:normAutofit fontScale="92500" lnSpcReduction="10000"/>
-          </a:bodyPr>
+          <a:bodyPr/>
           <a:lstStyle/>
           <a:p>
             <a:r>
+              <a:rPr lang="en-US" dirty="0"/>
+              <a:t>Run program for more epochs</a:t>
+            </a:r>
+          </a:p>
+          <a:p>
+            <a:r>
+              <a:rPr lang="en-US" dirty="0"/>
+              <a:t>Vary size of data sets</a:t>
+            </a:r>
+          </a:p>
+          <a:p>
+            <a:r>
+              <a:rPr lang="en-US" dirty="0"/>
+              <a:t>Different types of noise added into features</a:t>
+            </a:r>
+          </a:p>
+          <a:p>
+            <a:r>
+              <a:rPr lang="en-US" dirty="0"/>
+              <a:t>New Metrics</a:t>
+            </a:r>
+          </a:p>
+          <a:p>
+            <a:r>
+              <a:rPr lang="en-US" dirty="0"/>
+              <a:t>New data set (CFAR, </a:t>
+            </a:r>
+            <a:r>
               <a:rPr lang="en-US" dirty="0" err="1"/>
-              <a:t>Geron</a:t>
+              <a:t>IRIS,etc</a:t>
             </a:r>
             <a:r>
               <a:rPr lang="en-US" dirty="0"/>
-              <a:t> </a:t>
-            </a:r>
-            <a:r>
-              <a:rPr lang="en-US" dirty="0" err="1"/>
-              <a:t>Aurelien</a:t>
-            </a:r>
-            <a:r>
-              <a:rPr lang="en-US" dirty="0"/>
-              <a:t>. Hands-on Machine Learning with </a:t>
-            </a:r>
-            <a:r>
-              <a:rPr lang="en-US" dirty="0" err="1"/>
-              <a:t>Scikit</a:t>
-            </a:r>
-            <a:r>
-              <a:rPr lang="en-US" dirty="0"/>
-              <a:t>-Learn and TensorFlow: Concepts, Tools, and Techniques to Build Intelligent Systems. O’Reilly, 2017.</a:t>
-            </a:r>
-          </a:p>
-          <a:p>
-            <a:r>
-              <a:rPr lang="en-US" dirty="0"/>
-              <a:t>Goodfellow, Ian, et </a:t>
-            </a:r>
-            <a:r>
-              <a:rPr lang="en-US" dirty="0" err="1"/>
-              <a:t>al.Deep</a:t>
-            </a:r>
-            <a:r>
-              <a:rPr lang="en-US" dirty="0"/>
-              <a:t> Learning. MIT Press, 2017.</a:t>
-            </a:r>
-          </a:p>
-          <a:p>
-            <a:r>
-              <a:rPr lang="en-US" dirty="0"/>
-              <a:t>James, Gareth, et al. An Introduction to Statistical Learning with Applications in R. Springer, 2017.</a:t>
-            </a:r>
-          </a:p>
-          <a:p>
-            <a:r>
-              <a:rPr lang="en-US" dirty="0"/>
-              <a:t>Olsen, R.S., et al. 2017. ’PMLB: A Large Benchmarking Suite for Machine Learning Evaluation and Comparison’. Biodata Mining</a:t>
-            </a:r>
-          </a:p>
-          <a:p>
-            <a:r>
-              <a:rPr lang="en-US" dirty="0"/>
-              <a:t>Petrik, Marek. “Introduction to Machine Learning.” Machine Learning. 05 Feb. 2020, Durham, New Hampshire</a:t>
-            </a:r>
-          </a:p>
-          <a:p>
-            <a:r>
-              <a:rPr lang="en-US" dirty="0"/>
-              <a:t>Sanderson, Grant. </a:t>
-            </a:r>
-            <a:r>
-              <a:rPr lang="en-US" i="1" dirty="0"/>
-              <a:t>But What Is A Neural Network?</a:t>
-            </a:r>
-            <a:r>
-              <a:rPr lang="en-US" dirty="0"/>
-              <a:t> </a:t>
-            </a:r>
-            <a:r>
-              <a:rPr lang="en-US" i="1" dirty="0"/>
-              <a:t>3Blue1Brown</a:t>
-            </a:r>
-            <a:r>
-              <a:rPr lang="en-US" dirty="0"/>
-              <a:t>, www.3blue1brown.com/neural-networks.</a:t>
-            </a:r>
+              <a:t>…)</a:t>
+            </a:r>
+          </a:p>
+          <a:p>
+            <a:endParaRPr lang="en-US" dirty="0"/>
           </a:p>
           <a:p>
             <a:endParaRPr lang="en-US" dirty="0"/>
@@ -5622,7 +9013,7 @@
     </p:spTree>
     <p:extLst>
       <p:ext uri="{BB962C8B-B14F-4D97-AF65-F5344CB8AC3E}">
-        <p14:creationId xmlns:p14="http://schemas.microsoft.com/office/powerpoint/2010/main" val="903319644"/>
+        <p14:creationId xmlns:p14="http://schemas.microsoft.com/office/powerpoint/2010/main" val="2121696944"/>
       </p:ext>
     </p:extLst>
   </p:cSld>
@@ -5718,6 +9109,171 @@
 </p:sld>
 </file>
 
+<file path=ppt/slides/slide20.xml><?xml version="1.0" encoding="utf-8"?>
+<p:sld xmlns:a="http://schemas.openxmlformats.org/drawingml/2006/main" xmlns:r="http://schemas.openxmlformats.org/officeDocument/2006/relationships" xmlns:p="http://schemas.openxmlformats.org/presentationml/2006/main">
+  <p:cSld>
+    <p:spTree>
+      <p:nvGrpSpPr>
+        <p:cNvPr id="1" name=""/>
+        <p:cNvGrpSpPr/>
+        <p:nvPr/>
+      </p:nvGrpSpPr>
+      <p:grpSpPr>
+        <a:xfrm>
+          <a:off x="0" y="0"/>
+          <a:ext cx="0" cy="0"/>
+          <a:chOff x="0" y="0"/>
+          <a:chExt cx="0" cy="0"/>
+        </a:xfrm>
+      </p:grpSpPr>
+      <p:sp>
+        <p:nvSpPr>
+          <p:cNvPr id="2" name="Title 1">
+            <a:extLst>
+              <a:ext uri="{FF2B5EF4-FFF2-40B4-BE49-F238E27FC236}">
+                <a16:creationId xmlns:a16="http://schemas.microsoft.com/office/drawing/2014/main" id="{672E8C62-61E7-45B2-BA72-76C0DFA45ADC}"/>
+              </a:ext>
+            </a:extLst>
+          </p:cNvPr>
+          <p:cNvSpPr>
+            <a:spLocks noGrp="1"/>
+          </p:cNvSpPr>
+          <p:nvPr>
+            <p:ph type="title"/>
+          </p:nvPr>
+        </p:nvSpPr>
+        <p:spPr/>
+        <p:txBody>
+          <a:bodyPr/>
+          <a:lstStyle/>
+          <a:p>
+            <a:r>
+              <a:rPr lang="en-US" dirty="0"/>
+              <a:t>Citations</a:t>
+            </a:r>
+          </a:p>
+        </p:txBody>
+      </p:sp>
+      <p:sp>
+        <p:nvSpPr>
+          <p:cNvPr id="3" name="Content Placeholder 2">
+            <a:extLst>
+              <a:ext uri="{FF2B5EF4-FFF2-40B4-BE49-F238E27FC236}">
+                <a16:creationId xmlns:a16="http://schemas.microsoft.com/office/drawing/2014/main" id="{64627BC6-7D6A-484C-B1A4-3646D8448567}"/>
+              </a:ext>
+            </a:extLst>
+          </p:cNvPr>
+          <p:cNvSpPr>
+            <a:spLocks noGrp="1"/>
+          </p:cNvSpPr>
+          <p:nvPr>
+            <p:ph idx="1"/>
+          </p:nvPr>
+        </p:nvSpPr>
+        <p:spPr/>
+        <p:txBody>
+          <a:bodyPr>
+            <a:normAutofit fontScale="92500" lnSpcReduction="10000"/>
+          </a:bodyPr>
+          <a:lstStyle/>
+          <a:p>
+            <a:r>
+              <a:rPr lang="en-US" dirty="0" err="1"/>
+              <a:t>Geron</a:t>
+            </a:r>
+            <a:r>
+              <a:rPr lang="en-US" dirty="0"/>
+              <a:t> </a:t>
+            </a:r>
+            <a:r>
+              <a:rPr lang="en-US" dirty="0" err="1"/>
+              <a:t>Aurelien</a:t>
+            </a:r>
+            <a:r>
+              <a:rPr lang="en-US" dirty="0"/>
+              <a:t>. Hands-on Machine Learning with </a:t>
+            </a:r>
+            <a:r>
+              <a:rPr lang="en-US" dirty="0" err="1"/>
+              <a:t>Scikit</a:t>
+            </a:r>
+            <a:r>
+              <a:rPr lang="en-US" dirty="0"/>
+              <a:t>-Learn and TensorFlow: Concepts, Tools, and Techniques to Build Intelligent Systems. O’Reilly, 2017.</a:t>
+            </a:r>
+          </a:p>
+          <a:p>
+            <a:r>
+              <a:rPr lang="en-US" dirty="0"/>
+              <a:t>Goodfellow, Ian, et </a:t>
+            </a:r>
+            <a:r>
+              <a:rPr lang="en-US" dirty="0" err="1"/>
+              <a:t>al.Deep</a:t>
+            </a:r>
+            <a:r>
+              <a:rPr lang="en-US" dirty="0"/>
+              <a:t> Learning. MIT Press, 2017.</a:t>
+            </a:r>
+          </a:p>
+          <a:p>
+            <a:r>
+              <a:rPr lang="en-US" dirty="0"/>
+              <a:t>James, Gareth, et al. An Introduction to Statistical Learning with Applications in R. Springer, 2017.</a:t>
+            </a:r>
+          </a:p>
+          <a:p>
+            <a:r>
+              <a:rPr lang="en-US" dirty="0"/>
+              <a:t>Olsen, R.S., et al. 2017. ’PMLB: A Large Benchmarking Suite for Machine Learning Evaluation and Comparison’. Biodata Mining</a:t>
+            </a:r>
+          </a:p>
+          <a:p>
+            <a:r>
+              <a:rPr lang="en-US" dirty="0"/>
+              <a:t>Petrik, Marek. “Introduction to Machine Learning.” Machine Learning. 05 Feb. 2020, Durham, New Hampshire</a:t>
+            </a:r>
+          </a:p>
+          <a:p>
+            <a:r>
+              <a:rPr lang="en-US" dirty="0"/>
+              <a:t>Sanderson, Grant. </a:t>
+            </a:r>
+            <a:r>
+              <a:rPr lang="en-US" i="1" dirty="0"/>
+              <a:t>But What Is A Neural Network?</a:t>
+            </a:r>
+            <a:r>
+              <a:rPr lang="en-US" dirty="0"/>
+              <a:t> </a:t>
+            </a:r>
+            <a:r>
+              <a:rPr lang="en-US" i="1" dirty="0"/>
+              <a:t>3Blue1Brown</a:t>
+            </a:r>
+            <a:r>
+              <a:rPr lang="en-US" dirty="0"/>
+              <a:t>, www.3blue1brown.com/neural-networks.</a:t>
+            </a:r>
+          </a:p>
+          <a:p>
+            <a:endParaRPr lang="en-US" dirty="0"/>
+          </a:p>
+        </p:txBody>
+      </p:sp>
+    </p:spTree>
+    <p:extLst>
+      <p:ext uri="{BB962C8B-B14F-4D97-AF65-F5344CB8AC3E}">
+        <p14:creationId xmlns:p14="http://schemas.microsoft.com/office/powerpoint/2010/main" val="903319644"/>
+      </p:ext>
+    </p:extLst>
+  </p:cSld>
+  <p:clrMapOvr>
+    <a:masterClrMapping/>
+  </p:clrMapOvr>
+</p:sld>
+</file>
+
 <file path=ppt/slides/slide3.xml><?xml version="1.0" encoding="utf-8"?>
 <p:sld xmlns:a="http://schemas.openxmlformats.org/drawingml/2006/main" xmlns:r="http://schemas.openxmlformats.org/officeDocument/2006/relationships" xmlns:p="http://schemas.openxmlformats.org/presentationml/2006/main">
   <p:cSld>
@@ -5857,14 +9413,14 @@
                 <p:ph sz="half" idx="2"/>
                 <p:extLst>
                   <p:ext uri="{D42A27DB-BD31-4B8C-83A1-F6EECF244321}">
-                    <p14:modId xmlns:p14="http://schemas.microsoft.com/office/powerpoint/2010/main" val="1941372521"/>
+                    <p14:modId xmlns:p14="http://schemas.microsoft.com/office/powerpoint/2010/main" val="2230832735"/>
                   </p:ext>
                 </p:extLst>
               </p:nvPr>
             </p:nvGraphicFramePr>
             <p:xfrm>
-              <a:off x="6516688" y="2120900"/>
-              <a:ext cx="4638672" cy="1497330"/>
+              <a:off x="6096000" y="3091808"/>
+              <a:ext cx="5616539" cy="2281578"/>
             </p:xfrm>
             <a:graphic>
               <a:graphicData uri="http://schemas.openxmlformats.org/drawingml/2006/table">
@@ -5873,28 +9429,42 @@
                     <a:tableStyleId>{E8B1032C-EA38-4F05-BA0D-38AFFFC7BED3}</a:tableStyleId>
                   </a:tblPr>
                   <a:tblGrid>
-                    <a:gridCol w="1159668">
+                    <a:gridCol w="936090">
                       <a:extLst>
                         <a:ext uri="{9D8B030D-6E8A-4147-A177-3AD203B41FA5}">
                           <a16:colId xmlns:a16="http://schemas.microsoft.com/office/drawing/2014/main" val="3104402084"/>
                         </a:ext>
                       </a:extLst>
                     </a:gridCol>
-                    <a:gridCol w="1159668">
+                    <a:gridCol w="936090">
                       <a:extLst>
                         <a:ext uri="{9D8B030D-6E8A-4147-A177-3AD203B41FA5}">
                           <a16:colId xmlns:a16="http://schemas.microsoft.com/office/drawing/2014/main" val="116974159"/>
                         </a:ext>
                       </a:extLst>
                     </a:gridCol>
-                    <a:gridCol w="1159668">
+                    <a:gridCol w="936090">
+                      <a:extLst>
+                        <a:ext uri="{9D8B030D-6E8A-4147-A177-3AD203B41FA5}">
+                          <a16:colId xmlns:a16="http://schemas.microsoft.com/office/drawing/2014/main" val="4039654780"/>
+                        </a:ext>
+                      </a:extLst>
+                    </a:gridCol>
+                    <a:gridCol w="936090">
                       <a:extLst>
                         <a:ext uri="{9D8B030D-6E8A-4147-A177-3AD203B41FA5}">
                           <a16:colId xmlns:a16="http://schemas.microsoft.com/office/drawing/2014/main" val="1762024210"/>
                         </a:ext>
                       </a:extLst>
                     </a:gridCol>
-                    <a:gridCol w="1159668">
+                    <a:gridCol w="1227786">
+                      <a:extLst>
+                        <a:ext uri="{9D8B030D-6E8A-4147-A177-3AD203B41FA5}">
+                          <a16:colId xmlns:a16="http://schemas.microsoft.com/office/drawing/2014/main" val="3900607038"/>
+                        </a:ext>
+                      </a:extLst>
+                    </a:gridCol>
+                    <a:gridCol w="644393">
                       <a:extLst>
                         <a:ext uri="{9D8B030D-6E8A-4147-A177-3AD203B41FA5}">
                           <a16:colId xmlns:a16="http://schemas.microsoft.com/office/drawing/2014/main" val="1814731412"/>
@@ -5902,7 +9472,7 @@
                       </a:extLst>
                     </a:gridCol>
                   </a:tblGrid>
-                  <a:tr h="370840">
+                  <a:tr h="375547">
                     <a:tc>
                       <a:txBody>
                         <a:bodyPr/>
@@ -5913,7 +9483,7 @@
                       </a:txBody>
                       <a:tcPr/>
                     </a:tc>
-                    <a:tc gridSpan="3">
+                    <a:tc gridSpan="5">
                       <a:txBody>
                         <a:bodyPr/>
                         <a:lstStyle/>
@@ -5932,7 +9502,27 @@
                         <a:bodyPr/>
                         <a:lstStyle/>
                         <a:p>
+                          <a:endParaRPr lang="en-US"/>
+                        </a:p>
+                      </a:txBody>
+                      <a:tcPr/>
+                    </a:tc>
+                    <a:tc hMerge="1">
+                      <a:txBody>
+                        <a:bodyPr/>
+                        <a:lstStyle/>
+                        <a:p>
                           <a:endParaRPr lang="en-US" dirty="0"/>
+                        </a:p>
+                      </a:txBody>
+                      <a:tcPr/>
+                    </a:tc>
+                    <a:tc hMerge="1">
+                      <a:txBody>
+                        <a:bodyPr/>
+                        <a:lstStyle/>
+                        <a:p>
+                          <a:endParaRPr lang="en-US"/>
                         </a:p>
                       </a:txBody>
                       <a:tcPr/>
@@ -5953,8 +9543,8 @@
                       </a:ext>
                     </a:extLst>
                   </a:tr>
-                  <a:tr h="370840">
-                    <a:tc rowSpan="3">
+                  <a:tr h="382621">
+                    <a:tc rowSpan="5">
                       <a:txBody>
                         <a:bodyPr/>
                         <a:lstStyle/>
@@ -5977,6 +9567,7 @@
                         <a:bodyPr/>
                         <a:lstStyle/>
                         <a:p>
+                          <a:pPr/>
                           <a14:m>
                             <m:oMathPara xmlns:m="http://schemas.openxmlformats.org/officeDocument/2006/math">
                               <m:oMathParaPr>
@@ -6021,6 +9612,58 @@
                         <a:bodyPr/>
                         <a:lstStyle/>
                         <a:p>
+                          <a:pPr/>
+                          <a14:m>
+                            <m:oMathPara xmlns:m="http://schemas.openxmlformats.org/officeDocument/2006/math">
+                              <m:oMathParaPr>
+                                <m:jc m:val="centerGroup"/>
+                              </m:oMathParaPr>
+                              <m:oMath xmlns:m="http://schemas.openxmlformats.org/officeDocument/2006/math">
+                                <m:sSub>
+                                  <m:sSubPr>
+                                    <m:ctrlPr>
+                                      <a:rPr lang="en-US" b="0" i="1" smtClean="0">
+                                        <a:latin typeface="Cambria Math" panose="02040503050406030204" pitchFamily="18" charset="0"/>
+                                      </a:rPr>
+                                    </m:ctrlPr>
+                                  </m:sSubPr>
+                                  <m:e>
+                                    <m:r>
+                                      <a:rPr lang="en-US" b="0" i="1" smtClean="0">
+                                        <a:latin typeface="Cambria Math" panose="02040503050406030204" pitchFamily="18" charset="0"/>
+                                      </a:rPr>
+                                      <m:t>𝐶</m:t>
+                                    </m:r>
+                                  </m:e>
+                                  <m:sub>
+                                    <m:r>
+                                      <a:rPr lang="en-US" b="0" i="1" smtClean="0">
+                                        <a:latin typeface="Cambria Math" panose="02040503050406030204" pitchFamily="18" charset="0"/>
+                                      </a:rPr>
+                                      <m:t>1,</m:t>
+                                    </m:r>
+                                    <m:r>
+                                      <a:rPr lang="en-US" b="0" i="1" smtClean="0">
+                                        <a:latin typeface="Cambria Math" panose="02040503050406030204" pitchFamily="18" charset="0"/>
+                                      </a:rPr>
+                                      <m:t>2</m:t>
+                                    </m:r>
+                                  </m:sub>
+                                </m:sSub>
+                              </m:oMath>
+                            </m:oMathPara>
+                          </a14:m>
+                          <a:endParaRPr lang="en-US" b="0" dirty="0"/>
+                        </a:p>
+                      </a:txBody>
+                      <a:tcPr/>
+                    </a:tc>
+                    <a:tc>
+                      <a:txBody>
+                        <a:bodyPr/>
+                        <a:lstStyle/>
+                        <a:p>
+                          <a:pPr/>
                           <a14:m>
                             <m:oMathPara xmlns:m="http://schemas.openxmlformats.org/officeDocument/2006/math">
                               <m:oMathParaPr>
@@ -6046,6 +9689,64 @@
                         <a:bodyPr/>
                         <a:lstStyle/>
                         <a:p>
+                          <a:pPr/>
+                          <a14:m>
+                            <m:oMathPara xmlns:m="http://schemas.openxmlformats.org/officeDocument/2006/math">
+                              <m:oMathParaPr>
+                                <m:jc m:val="centerGroup"/>
+                              </m:oMathParaPr>
+                              <m:oMath xmlns:m="http://schemas.openxmlformats.org/officeDocument/2006/math">
+                                <m:sSub>
+                                  <m:sSubPr>
+                                    <m:ctrlPr>
+                                      <a:rPr lang="en-US" b="0" i="1" smtClean="0">
+                                        <a:latin typeface="Cambria Math" panose="02040503050406030204" pitchFamily="18" charset="0"/>
+                                      </a:rPr>
+                                    </m:ctrlPr>
+                                  </m:sSubPr>
+                                  <m:e>
+                                    <m:r>
+                                      <a:rPr lang="en-US" b="0" i="1" smtClean="0">
+                                        <a:latin typeface="Cambria Math" panose="02040503050406030204" pitchFamily="18" charset="0"/>
+                                      </a:rPr>
+                                      <m:t>𝐶</m:t>
+                                    </m:r>
+                                  </m:e>
+                                  <m:sub>
+                                    <m:r>
+                                      <a:rPr lang="en-US" b="0" i="1" smtClean="0">
+                                        <a:latin typeface="Cambria Math" panose="02040503050406030204" pitchFamily="18" charset="0"/>
+                                      </a:rPr>
+                                      <m:t>1,</m:t>
+                                    </m:r>
+                                    <m:r>
+                                      <a:rPr lang="en-US" b="0" i="1" smtClean="0">
+                                        <a:latin typeface="Cambria Math" panose="02040503050406030204" pitchFamily="18" charset="0"/>
+                                      </a:rPr>
+                                      <m:t>𝑘</m:t>
+                                    </m:r>
+                                    <m:r>
+                                      <a:rPr lang="en-US" b="0" i="1" smtClean="0">
+                                        <a:latin typeface="Cambria Math" panose="02040503050406030204" pitchFamily="18" charset="0"/>
+                                      </a:rPr>
+                                      <m:t>−1</m:t>
+                                    </m:r>
+                                  </m:sub>
+                                </m:sSub>
+                              </m:oMath>
+                            </m:oMathPara>
+                          </a14:m>
+                          <a:endParaRPr lang="en-US" dirty="0"/>
+                        </a:p>
+                      </a:txBody>
+                      <a:tcPr/>
+                    </a:tc>
+                    <a:tc>
+                      <a:txBody>
+                        <a:bodyPr/>
+                        <a:lstStyle/>
+                        <a:p>
+                          <a:pPr/>
                           <a14:m>
                             <m:oMathPara xmlns:m="http://schemas.openxmlformats.org/officeDocument/2006/math">
                               <m:oMathParaPr>
@@ -6097,7 +9798,288 @@
                       </a:ext>
                     </a:extLst>
                   </a:tr>
-                  <a:tr h="370840">
+                  <a:tr h="382621">
+                    <a:tc vMerge="1">
+                      <a:txBody>
+                        <a:bodyPr/>
+                        <a:lstStyle/>
+                        <a:p>
+                          <a:endParaRPr lang="en-US"/>
+                        </a:p>
+                      </a:txBody>
+                      <a:tcPr/>
+                    </a:tc>
+                    <a:tc>
+                      <a:txBody>
+                        <a:bodyPr/>
+                        <a:lstStyle/>
+                        <a:p>
+                          <a:pPr/>
+                          <a14:m>
+                            <m:oMathPara xmlns:m="http://schemas.openxmlformats.org/officeDocument/2006/math">
+                              <m:oMathParaPr>
+                                <m:jc m:val="centerGroup"/>
+                              </m:oMathParaPr>
+                              <m:oMath xmlns:m="http://schemas.openxmlformats.org/officeDocument/2006/math">
+                                <m:sSub>
+                                  <m:sSubPr>
+                                    <m:ctrlPr>
+                                      <a:rPr lang="en-US" b="0" i="1" smtClean="0">
+                                        <a:latin typeface="Cambria Math" panose="02040503050406030204" pitchFamily="18" charset="0"/>
+                                      </a:rPr>
+                                    </m:ctrlPr>
+                                  </m:sSubPr>
+                                  <m:e>
+                                    <m:r>
+                                      <a:rPr lang="en-US" b="0" i="1" smtClean="0">
+                                        <a:latin typeface="Cambria Math" panose="02040503050406030204" pitchFamily="18" charset="0"/>
+                                      </a:rPr>
+                                      <m:t>𝐶</m:t>
+                                    </m:r>
+                                  </m:e>
+                                  <m:sub>
+                                    <m:r>
+                                      <a:rPr lang="en-US" b="0" i="1" smtClean="0">
+                                        <a:latin typeface="Cambria Math" panose="02040503050406030204" pitchFamily="18" charset="0"/>
+                                      </a:rPr>
+                                      <m:t>2</m:t>
+                                    </m:r>
+                                    <m:r>
+                                      <a:rPr lang="en-US" b="0" i="1" smtClean="0">
+                                        <a:latin typeface="Cambria Math" panose="02040503050406030204" pitchFamily="18" charset="0"/>
+                                      </a:rPr>
+                                      <m:t>,1</m:t>
+                                    </m:r>
+                                  </m:sub>
+                                </m:sSub>
+                              </m:oMath>
+                            </m:oMathPara>
+                          </a14:m>
+                          <a:endParaRPr lang="en-US" b="0" dirty="0"/>
+                        </a:p>
+                      </a:txBody>
+                      <a:tcPr/>
+                    </a:tc>
+                    <a:tc>
+                      <a:txBody>
+                        <a:bodyPr/>
+                        <a:lstStyle/>
+                        <a:p>
+                          <a:pPr/>
+                          <a14:m>
+                            <m:oMathPara xmlns:m="http://schemas.openxmlformats.org/officeDocument/2006/math">
+                              <m:oMathParaPr>
+                                <m:jc m:val="centerGroup"/>
+                              </m:oMathParaPr>
+                              <m:oMath xmlns:m="http://schemas.openxmlformats.org/officeDocument/2006/math">
+                                <m:sSub>
+                                  <m:sSubPr>
+                                    <m:ctrlPr>
+                                      <a:rPr lang="en-US" b="0" i="1" smtClean="0">
+                                        <a:latin typeface="Cambria Math" panose="02040503050406030204" pitchFamily="18" charset="0"/>
+                                      </a:rPr>
+                                    </m:ctrlPr>
+                                  </m:sSubPr>
+                                  <m:e>
+                                    <m:r>
+                                      <a:rPr lang="en-US" b="0" i="1" smtClean="0">
+                                        <a:latin typeface="Cambria Math" panose="02040503050406030204" pitchFamily="18" charset="0"/>
+                                      </a:rPr>
+                                      <m:t>𝐶</m:t>
+                                    </m:r>
+                                  </m:e>
+                                  <m:sub>
+                                    <m:r>
+                                      <a:rPr lang="en-US" b="0" i="1" smtClean="0">
+                                        <a:latin typeface="Cambria Math" panose="02040503050406030204" pitchFamily="18" charset="0"/>
+                                      </a:rPr>
+                                      <m:t>2</m:t>
+                                    </m:r>
+                                    <m:r>
+                                      <a:rPr lang="en-US" b="0" i="1" smtClean="0">
+                                        <a:latin typeface="Cambria Math" panose="02040503050406030204" pitchFamily="18" charset="0"/>
+                                      </a:rPr>
+                                      <m:t>,</m:t>
+                                    </m:r>
+                                    <m:r>
+                                      <a:rPr lang="en-US" b="0" i="1" smtClean="0">
+                                        <a:latin typeface="Cambria Math" panose="02040503050406030204" pitchFamily="18" charset="0"/>
+                                      </a:rPr>
+                                      <m:t>2</m:t>
+                                    </m:r>
+                                  </m:sub>
+                                </m:sSub>
+                              </m:oMath>
+                            </m:oMathPara>
+                          </a14:m>
+                          <a:endParaRPr lang="en-US" b="0" dirty="0"/>
+                        </a:p>
+                      </a:txBody>
+                      <a:tcPr/>
+                    </a:tc>
+                    <a:tc>
+                      <a:txBody>
+                        <a:bodyPr/>
+                        <a:lstStyle/>
+                        <a:p>
+                          <a:pPr marL="0" marR="0" lvl="0" indent="0" algn="l" defTabSz="914400" rtl="0" eaLnBrk="1" fontAlgn="auto" latinLnBrk="0" hangingPunct="1">
+                            <a:lnSpc>
+                              <a:spcPct val="100000"/>
+                            </a:lnSpc>
+                            <a:spcBef>
+                              <a:spcPts val="0"/>
+                            </a:spcBef>
+                            <a:spcAft>
+                              <a:spcPts val="0"/>
+                            </a:spcAft>
+                            <a:buClrTx/>
+                            <a:buSzTx/>
+                            <a:buFontTx/>
+                            <a:buNone/>
+                            <a:tabLst/>
+                            <a:defRPr/>
+                          </a:pPr>
+                          <a14:m>
+                            <m:oMathPara xmlns:m="http://schemas.openxmlformats.org/officeDocument/2006/math">
+                              <m:oMathParaPr>
+                                <m:jc m:val="centerGroup"/>
+                              </m:oMathParaPr>
+                              <m:oMath xmlns:m="http://schemas.openxmlformats.org/officeDocument/2006/math">
+                                <m:r>
+                                  <a:rPr lang="en-US" b="0" i="1" smtClean="0">
+                                    <a:latin typeface="Cambria Math" panose="02040503050406030204" pitchFamily="18" charset="0"/>
+                                  </a:rPr>
+                                  <m:t>…</m:t>
+                                </m:r>
+                              </m:oMath>
+                            </m:oMathPara>
+                          </a14:m>
+                          <a:endParaRPr lang="en-US" dirty="0"/>
+                        </a:p>
+                      </a:txBody>
+                      <a:tcPr/>
+                    </a:tc>
+                    <a:tc>
+                      <a:txBody>
+                        <a:bodyPr/>
+                        <a:lstStyle/>
+                        <a:p>
+                          <a:pPr/>
+                          <a14:m>
+                            <m:oMathPara xmlns:m="http://schemas.openxmlformats.org/officeDocument/2006/math">
+                              <m:oMathParaPr>
+                                <m:jc m:val="centerGroup"/>
+                              </m:oMathParaPr>
+                              <m:oMath xmlns:m="http://schemas.openxmlformats.org/officeDocument/2006/math">
+                                <m:sSub>
+                                  <m:sSubPr>
+                                    <m:ctrlPr>
+                                      <a:rPr lang="en-US" b="0" i="1" smtClean="0">
+                                        <a:latin typeface="Cambria Math" panose="02040503050406030204" pitchFamily="18" charset="0"/>
+                                      </a:rPr>
+                                    </m:ctrlPr>
+                                  </m:sSubPr>
+                                  <m:e>
+                                    <m:r>
+                                      <a:rPr lang="en-US" b="0" i="1" smtClean="0">
+                                        <a:latin typeface="Cambria Math" panose="02040503050406030204" pitchFamily="18" charset="0"/>
+                                      </a:rPr>
+                                      <m:t>𝐶</m:t>
+                                    </m:r>
+                                  </m:e>
+                                  <m:sub>
+                                    <m:r>
+                                      <a:rPr lang="en-US" b="0" i="1" smtClean="0">
+                                        <a:latin typeface="Cambria Math" panose="02040503050406030204" pitchFamily="18" charset="0"/>
+                                      </a:rPr>
+                                      <m:t>2</m:t>
+                                    </m:r>
+                                    <m:r>
+                                      <a:rPr lang="en-US" b="0" i="1" smtClean="0">
+                                        <a:latin typeface="Cambria Math" panose="02040503050406030204" pitchFamily="18" charset="0"/>
+                                      </a:rPr>
+                                      <m:t>,</m:t>
+                                    </m:r>
+                                    <m:r>
+                                      <a:rPr lang="en-US" b="0" i="1" smtClean="0">
+                                        <a:latin typeface="Cambria Math" panose="02040503050406030204" pitchFamily="18" charset="0"/>
+                                      </a:rPr>
+                                      <m:t>𝑘</m:t>
+                                    </m:r>
+                                    <m:r>
+                                      <a:rPr lang="en-US" b="0" i="1" smtClean="0">
+                                        <a:latin typeface="Cambria Math" panose="02040503050406030204" pitchFamily="18" charset="0"/>
+                                      </a:rPr>
+                                      <m:t>−1</m:t>
+                                    </m:r>
+                                  </m:sub>
+                                </m:sSub>
+                              </m:oMath>
+                            </m:oMathPara>
+                          </a14:m>
+                          <a:endParaRPr lang="en-US" dirty="0"/>
+                        </a:p>
+                      </a:txBody>
+                      <a:tcPr/>
+                    </a:tc>
+                    <a:tc>
+                      <a:txBody>
+                        <a:bodyPr/>
+                        <a:lstStyle/>
+                        <a:p>
+                          <a:pPr/>
+                          <a14:m>
+                            <m:oMathPara xmlns:m="http://schemas.openxmlformats.org/officeDocument/2006/math">
+                              <m:oMathParaPr>
+                                <m:jc m:val="centerGroup"/>
+                              </m:oMathParaPr>
+                              <m:oMath xmlns:m="http://schemas.openxmlformats.org/officeDocument/2006/math">
+                                <m:sSub>
+                                  <m:sSubPr>
+                                    <m:ctrlPr>
+                                      <a:rPr lang="en-US" b="0" i="1" smtClean="0">
+                                        <a:latin typeface="Cambria Math" panose="02040503050406030204" pitchFamily="18" charset="0"/>
+                                      </a:rPr>
+                                    </m:ctrlPr>
+                                  </m:sSubPr>
+                                  <m:e>
+                                    <m:r>
+                                      <a:rPr lang="en-US" b="0" i="1" smtClean="0">
+                                        <a:latin typeface="Cambria Math" panose="02040503050406030204" pitchFamily="18" charset="0"/>
+                                      </a:rPr>
+                                      <m:t>𝐶</m:t>
+                                    </m:r>
+                                  </m:e>
+                                  <m:sub>
+                                    <m:r>
+                                      <a:rPr lang="en-US" b="0" i="1" smtClean="0">
+                                        <a:latin typeface="Cambria Math" panose="02040503050406030204" pitchFamily="18" charset="0"/>
+                                      </a:rPr>
+                                      <m:t>2,</m:t>
+                                    </m:r>
+                                    <m:r>
+                                      <a:rPr lang="en-US" b="0" i="1" smtClean="0">
+                                        <a:latin typeface="Cambria Math" panose="02040503050406030204" pitchFamily="18" charset="0"/>
+                                      </a:rPr>
+                                      <m:t>𝑘</m:t>
+                                    </m:r>
+                                  </m:sub>
+                                </m:sSub>
+                              </m:oMath>
+                            </m:oMathPara>
+                          </a14:m>
+                          <a:endParaRPr lang="en-US" dirty="0"/>
+                        </a:p>
+                      </a:txBody>
+                      <a:tcPr/>
+                    </a:tc>
+                    <a:extLst>
+                      <a:ext uri="{0D108BD9-81ED-4DB2-BD59-A6C34878D82A}">
+                        <a16:rowId xmlns:a16="http://schemas.microsoft.com/office/drawing/2014/main" val="4123701205"/>
+                      </a:ext>
+                    </a:extLst>
+                  </a:tr>
+                  <a:tr h="375547">
                     <a:tc vMerge="1">
                       <a:txBody>
                         <a:bodyPr/>
@@ -6234,13 +10216,97 @@
                       </a:txBody>
                       <a:tcPr/>
                     </a:tc>
+                    <a:tc>
+                      <a:txBody>
+                        <a:bodyPr/>
+                        <a:lstStyle/>
+                        <a:p>
+                          <a:pPr marL="0" marR="0" lvl="0" indent="0" algn="l" defTabSz="914400" rtl="0" eaLnBrk="1" fontAlgn="auto" latinLnBrk="0" hangingPunct="1">
+                            <a:lnSpc>
+                              <a:spcPct val="100000"/>
+                            </a:lnSpc>
+                            <a:spcBef>
+                              <a:spcPts val="0"/>
+                            </a:spcBef>
+                            <a:spcAft>
+                              <a:spcPts val="0"/>
+                            </a:spcAft>
+                            <a:buClrTx/>
+                            <a:buSzTx/>
+                            <a:buFontTx/>
+                            <a:buNone/>
+                            <a:tabLst/>
+                            <a:defRPr/>
+                          </a:pPr>
+                          <a14:m>
+                            <m:oMathPara xmlns:m="http://schemas.openxmlformats.org/officeDocument/2006/math">
+                              <m:oMathParaPr>
+                                <m:jc m:val="centerGroup"/>
+                              </m:oMathParaPr>
+                              <m:oMath xmlns:m="http://schemas.openxmlformats.org/officeDocument/2006/math">
+                                <m:r>
+                                  <a:rPr lang="en-US" b="0" i="1" smtClean="0">
+                                    <a:latin typeface="Cambria Math" panose="02040503050406030204" pitchFamily="18" charset="0"/>
+                                  </a:rPr>
+                                  <m:t>…</m:t>
+                                </m:r>
+                              </m:oMath>
+                            </m:oMathPara>
+                          </a14:m>
+                          <a:endParaRPr lang="en-US" dirty="0"/>
+                        </a:p>
+                      </a:txBody>
+                      <a:tcPr/>
+                    </a:tc>
+                    <a:tc>
+                      <a:txBody>
+                        <a:bodyPr/>
+                        <a:lstStyle/>
+                        <a:p>
+                          <a:pPr marL="0" marR="0" lvl="0" indent="0" algn="l" defTabSz="914400" rtl="0" eaLnBrk="1" fontAlgn="auto" latinLnBrk="0" hangingPunct="1">
+                            <a:lnSpc>
+                              <a:spcPct val="100000"/>
+                            </a:lnSpc>
+                            <a:spcBef>
+                              <a:spcPts val="0"/>
+                            </a:spcBef>
+                            <a:spcAft>
+                              <a:spcPts val="0"/>
+                            </a:spcAft>
+                            <a:buClrTx/>
+                            <a:buSzTx/>
+                            <a:buFontTx/>
+                            <a:buNone/>
+                            <a:tabLst/>
+                            <a:defRPr/>
+                          </a:pPr>
+                          <a14:m>
+                            <m:oMathPara xmlns:m="http://schemas.openxmlformats.org/officeDocument/2006/math">
+                              <m:oMathParaPr>
+                                <m:jc m:val="centerGroup"/>
+                              </m:oMathParaPr>
+                              <m:oMath xmlns:m="http://schemas.openxmlformats.org/officeDocument/2006/math">
+                                <m:r>
+                                  <a:rPr lang="en-US" b="0" i="1" smtClean="0">
+                                    <a:latin typeface="Cambria Math" panose="02040503050406030204" pitchFamily="18" charset="0"/>
+                                  </a:rPr>
+                                  <m:t>…</m:t>
+                                </m:r>
+                              </m:oMath>
+                            </m:oMathPara>
+                          </a14:m>
+                          <a:endParaRPr lang="en-US" dirty="0"/>
+                        </a:p>
+                      </a:txBody>
+                      <a:tcPr/>
+                    </a:tc>
                     <a:extLst>
                       <a:ext uri="{0D108BD9-81ED-4DB2-BD59-A6C34878D82A}">
                         <a16:rowId xmlns:a16="http://schemas.microsoft.com/office/drawing/2014/main" val="2919549694"/>
                       </a:ext>
                     </a:extLst>
                   </a:tr>
-                  <a:tr h="370840">
+                  <a:tr h="382621">
                     <a:tc vMerge="1">
                       <a:txBody>
                         <a:bodyPr/>
@@ -6256,6 +10322,7 @@
                         <a:bodyPr/>
                         <a:lstStyle/>
                         <a:p>
+                          <a:pPr/>
                           <a14:m>
                             <m:oMathPara xmlns:m="http://schemas.openxmlformats.org/officeDocument/2006/math">
                               <m:oMathParaPr>
@@ -6289,7 +10356,58 @@
                                       <a:rPr lang="en-US" b="0" i="1" smtClean="0">
                                         <a:latin typeface="Cambria Math" panose="02040503050406030204" pitchFamily="18" charset="0"/>
                                       </a:rPr>
-                                      <m:t>,1</m:t>
+                                      <m:t>−1,1</m:t>
+                                    </m:r>
+                                  </m:sub>
+                                </m:sSub>
+                              </m:oMath>
+                            </m:oMathPara>
+                          </a14:m>
+                          <a:endParaRPr lang="en-US" dirty="0"/>
+                        </a:p>
+                      </a:txBody>
+                      <a:tcPr/>
+                    </a:tc>
+                    <a:tc>
+                      <a:txBody>
+                        <a:bodyPr/>
+                        <a:lstStyle/>
+                        <a:p>
+                          <a:pPr/>
+                          <a14:m>
+                            <m:oMathPara xmlns:m="http://schemas.openxmlformats.org/officeDocument/2006/math">
+                              <m:oMathParaPr>
+                                <m:jc m:val="centerGroup"/>
+                              </m:oMathParaPr>
+                              <m:oMath xmlns:m="http://schemas.openxmlformats.org/officeDocument/2006/math">
+                                <m:sSub>
+                                  <m:sSubPr>
+                                    <m:ctrlPr>
+                                      <a:rPr lang="en-US" b="0" i="1" smtClean="0">
+                                        <a:latin typeface="Cambria Math" panose="02040503050406030204" pitchFamily="18" charset="0"/>
+                                      </a:rPr>
+                                    </m:ctrlPr>
+                                  </m:sSubPr>
+                                  <m:e>
+                                    <m:r>
+                                      <a:rPr lang="en-US" b="0" i="1" smtClean="0">
+                                        <a:latin typeface="Cambria Math" panose="02040503050406030204" pitchFamily="18" charset="0"/>
+                                      </a:rPr>
+                                      <m:t>𝐶</m:t>
+                                    </m:r>
+                                  </m:e>
+                                  <m:sub>
+                                    <m:r>
+                                      <a:rPr lang="en-US" b="0" i="1" smtClean="0">
+                                        <a:latin typeface="Cambria Math" panose="02040503050406030204" pitchFamily="18" charset="0"/>
+                                      </a:rPr>
+                                      <m:t>𝑘</m:t>
+                                    </m:r>
+                                    <m:r>
+                                      <a:rPr lang="en-US" b="0" i="1" smtClean="0">
+                                        <a:latin typeface="Cambria Math" panose="02040503050406030204" pitchFamily="18" charset="0"/>
+                                      </a:rPr>
+                                      <m:t>−1,2</m:t>
                                     </m:r>
                                   </m:sub>
                                 </m:sSub>
@@ -6348,6 +10466,389 @@
                         <a:bodyPr/>
                         <a:lstStyle/>
                         <a:p>
+                          <a:pPr marL="0" marR="0" lvl="0" indent="0" algn="l" defTabSz="914400" rtl="0" eaLnBrk="1" fontAlgn="auto" latinLnBrk="0" hangingPunct="1">
+                            <a:lnSpc>
+                              <a:spcPct val="100000"/>
+                            </a:lnSpc>
+                            <a:spcBef>
+                              <a:spcPts val="0"/>
+                            </a:spcBef>
+                            <a:spcAft>
+                              <a:spcPts val="0"/>
+                            </a:spcAft>
+                            <a:buClrTx/>
+                            <a:buSzTx/>
+                            <a:buFontTx/>
+                            <a:buNone/>
+                            <a:tabLst/>
+                            <a:defRPr/>
+                          </a:pPr>
+                          <a14:m>
+                            <m:oMathPara xmlns:m="http://schemas.openxmlformats.org/officeDocument/2006/math">
+                              <m:oMathParaPr>
+                                <m:jc m:val="centerGroup"/>
+                              </m:oMathParaPr>
+                              <m:oMath xmlns:m="http://schemas.openxmlformats.org/officeDocument/2006/math">
+                                <m:sSub>
+                                  <m:sSubPr>
+                                    <m:ctrlPr>
+                                      <a:rPr lang="en-US" b="0" i="1" smtClean="0">
+                                        <a:latin typeface="Cambria Math" panose="02040503050406030204" pitchFamily="18" charset="0"/>
+                                      </a:rPr>
+                                    </m:ctrlPr>
+                                  </m:sSubPr>
+                                  <m:e>
+                                    <m:r>
+                                      <a:rPr lang="en-US" b="0" i="1" smtClean="0">
+                                        <a:latin typeface="Cambria Math" panose="02040503050406030204" pitchFamily="18" charset="0"/>
+                                      </a:rPr>
+                                      <m:t>𝐶</m:t>
+                                    </m:r>
+                                  </m:e>
+                                  <m:sub>
+                                    <m:r>
+                                      <a:rPr lang="en-US" b="0" i="1" smtClean="0">
+                                        <a:latin typeface="Cambria Math" panose="02040503050406030204" pitchFamily="18" charset="0"/>
+                                      </a:rPr>
+                                      <m:t>𝑘</m:t>
+                                    </m:r>
+                                    <m:r>
+                                      <a:rPr lang="en-US" b="0" i="1" smtClean="0">
+                                        <a:latin typeface="Cambria Math" panose="02040503050406030204" pitchFamily="18" charset="0"/>
+                                      </a:rPr>
+                                      <m:t>−1,</m:t>
+                                    </m:r>
+                                    <m:r>
+                                      <a:rPr lang="en-US" b="0" i="1" smtClean="0">
+                                        <a:latin typeface="Cambria Math" panose="02040503050406030204" pitchFamily="18" charset="0"/>
+                                      </a:rPr>
+                                      <m:t>𝑘</m:t>
+                                    </m:r>
+                                    <m:r>
+                                      <a:rPr lang="en-US" b="0" i="1" smtClean="0">
+                                        <a:latin typeface="Cambria Math" panose="02040503050406030204" pitchFamily="18" charset="0"/>
+                                      </a:rPr>
+                                      <m:t>−1</m:t>
+                                    </m:r>
+                                  </m:sub>
+                                </m:sSub>
+                              </m:oMath>
+                            </m:oMathPara>
+                          </a14:m>
+                          <a:endParaRPr lang="en-US" dirty="0"/>
+                        </a:p>
+                      </a:txBody>
+                      <a:tcPr/>
+                    </a:tc>
+                    <a:tc>
+                      <a:txBody>
+                        <a:bodyPr/>
+                        <a:lstStyle/>
+                        <a:p>
+                          <a:pPr/>
+                          <a14:m>
+                            <m:oMathPara xmlns:m="http://schemas.openxmlformats.org/officeDocument/2006/math">
+                              <m:oMathParaPr>
+                                <m:jc m:val="centerGroup"/>
+                              </m:oMathParaPr>
+                              <m:oMath xmlns:m="http://schemas.openxmlformats.org/officeDocument/2006/math">
+                                <m:sSub>
+                                  <m:sSubPr>
+                                    <m:ctrlPr>
+                                      <a:rPr lang="en-US" b="0" i="1" smtClean="0">
+                                        <a:latin typeface="Cambria Math" panose="02040503050406030204" pitchFamily="18" charset="0"/>
+                                      </a:rPr>
+                                    </m:ctrlPr>
+                                  </m:sSubPr>
+                                  <m:e>
+                                    <m:r>
+                                      <a:rPr lang="en-US" b="0" i="1" smtClean="0">
+                                        <a:latin typeface="Cambria Math" panose="02040503050406030204" pitchFamily="18" charset="0"/>
+                                      </a:rPr>
+                                      <m:t>𝐶</m:t>
+                                    </m:r>
+                                  </m:e>
+                                  <m:sub>
+                                    <m:r>
+                                      <a:rPr lang="en-US" b="0" i="1" smtClean="0">
+                                        <a:latin typeface="Cambria Math" panose="02040503050406030204" pitchFamily="18" charset="0"/>
+                                      </a:rPr>
+                                      <m:t>𝑘</m:t>
+                                    </m:r>
+                                    <m:r>
+                                      <a:rPr lang="en-US" b="0" i="1" smtClean="0">
+                                        <a:latin typeface="Cambria Math" panose="02040503050406030204" pitchFamily="18" charset="0"/>
+                                      </a:rPr>
+                                      <m:t>−1,</m:t>
+                                    </m:r>
+                                    <m:r>
+                                      <a:rPr lang="en-US" b="0" i="1" smtClean="0">
+                                        <a:latin typeface="Cambria Math" panose="02040503050406030204" pitchFamily="18" charset="0"/>
+                                      </a:rPr>
+                                      <m:t>𝑘</m:t>
+                                    </m:r>
+                                  </m:sub>
+                                </m:sSub>
+                              </m:oMath>
+                            </m:oMathPara>
+                          </a14:m>
+                          <a:endParaRPr lang="en-US" dirty="0"/>
+                        </a:p>
+                      </a:txBody>
+                      <a:tcPr/>
+                    </a:tc>
+                    <a:extLst>
+                      <a:ext uri="{0D108BD9-81ED-4DB2-BD59-A6C34878D82A}">
+                        <a16:rowId xmlns:a16="http://schemas.microsoft.com/office/drawing/2014/main" val="1839067155"/>
+                      </a:ext>
+                    </a:extLst>
+                  </a:tr>
+                  <a:tr h="382621">
+                    <a:tc vMerge="1">
+                      <a:txBody>
+                        <a:bodyPr/>
+                        <a:lstStyle/>
+                        <a:p>
+                          <a:endParaRPr lang="en-US"/>
+                        </a:p>
+                      </a:txBody>
+                      <a:tcPr/>
+                    </a:tc>
+                    <a:tc>
+                      <a:txBody>
+                        <a:bodyPr/>
+                        <a:lstStyle/>
+                        <a:p>
+                          <a:pPr/>
+                          <a14:m>
+                            <m:oMathPara xmlns:m="http://schemas.openxmlformats.org/officeDocument/2006/math">
+                              <m:oMathParaPr>
+                                <m:jc m:val="centerGroup"/>
+                              </m:oMathParaPr>
+                              <m:oMath xmlns:m="http://schemas.openxmlformats.org/officeDocument/2006/math">
+                                <m:sSub>
+                                  <m:sSubPr>
+                                    <m:ctrlPr>
+                                      <a:rPr lang="en-US" b="0" i="1" smtClean="0">
+                                        <a:latin typeface="Cambria Math" panose="02040503050406030204" pitchFamily="18" charset="0"/>
+                                      </a:rPr>
+                                    </m:ctrlPr>
+                                  </m:sSubPr>
+                                  <m:e>
+                                    <m:r>
+                                      <a:rPr lang="en-US" b="0" i="1" smtClean="0">
+                                        <a:latin typeface="Cambria Math" panose="02040503050406030204" pitchFamily="18" charset="0"/>
+                                      </a:rPr>
+                                      <m:t>𝐶</m:t>
+                                    </m:r>
+                                  </m:e>
+                                  <m:sub>
+                                    <m:r>
+                                      <a:rPr lang="en-US" b="0" i="1" smtClean="0">
+                                        <a:latin typeface="Cambria Math" panose="02040503050406030204" pitchFamily="18" charset="0"/>
+                                      </a:rPr>
+                                      <m:t>𝑘</m:t>
+                                    </m:r>
+                                    <m:r>
+                                      <a:rPr lang="en-US" b="0" i="1" smtClean="0">
+                                        <a:latin typeface="Cambria Math" panose="02040503050406030204" pitchFamily="18" charset="0"/>
+                                      </a:rPr>
+                                      <m:t>,1</m:t>
+                                    </m:r>
+                                  </m:sub>
+                                </m:sSub>
+                              </m:oMath>
+                            </m:oMathPara>
+                          </a14:m>
+                          <a:endParaRPr lang="en-US" dirty="0"/>
+                        </a:p>
+                      </a:txBody>
+                      <a:tcPr/>
+                    </a:tc>
+                    <a:tc>
+                      <a:txBody>
+                        <a:bodyPr/>
+                        <a:lstStyle/>
+                        <a:p>
+                          <a:pPr/>
+                          <a14:m>
+                            <m:oMathPara xmlns:m="http://schemas.openxmlformats.org/officeDocument/2006/math">
+                              <m:oMathParaPr>
+                                <m:jc m:val="centerGroup"/>
+                              </m:oMathParaPr>
+                              <m:oMath xmlns:m="http://schemas.openxmlformats.org/officeDocument/2006/math">
+                                <m:sSub>
+                                  <m:sSubPr>
+                                    <m:ctrlPr>
+                                      <a:rPr lang="en-US" b="0" i="1" smtClean="0">
+                                        <a:latin typeface="Cambria Math" panose="02040503050406030204" pitchFamily="18" charset="0"/>
+                                      </a:rPr>
+                                    </m:ctrlPr>
+                                  </m:sSubPr>
+                                  <m:e>
+                                    <m:r>
+                                      <a:rPr lang="en-US" b="0" i="1" smtClean="0">
+                                        <a:latin typeface="Cambria Math" panose="02040503050406030204" pitchFamily="18" charset="0"/>
+                                      </a:rPr>
+                                      <m:t>𝐶</m:t>
+                                    </m:r>
+                                  </m:e>
+                                  <m:sub>
+                                    <m:r>
+                                      <a:rPr lang="en-US" b="0" i="1" smtClean="0">
+                                        <a:latin typeface="Cambria Math" panose="02040503050406030204" pitchFamily="18" charset="0"/>
+                                      </a:rPr>
+                                      <m:t>𝑘</m:t>
+                                    </m:r>
+                                    <m:r>
+                                      <a:rPr lang="en-US" b="0" i="1" smtClean="0">
+                                        <a:latin typeface="Cambria Math" panose="02040503050406030204" pitchFamily="18" charset="0"/>
+                                      </a:rPr>
+                                      <m:t>,</m:t>
+                                    </m:r>
+                                    <m:r>
+                                      <a:rPr lang="en-US" b="0" i="1" smtClean="0">
+                                        <a:latin typeface="Cambria Math" panose="02040503050406030204" pitchFamily="18" charset="0"/>
+                                      </a:rPr>
+                                      <m:t>2</m:t>
+                                    </m:r>
+                                  </m:sub>
+                                </m:sSub>
+                              </m:oMath>
+                            </m:oMathPara>
+                          </a14:m>
+                          <a:endParaRPr lang="en-US" dirty="0"/>
+                        </a:p>
+                      </a:txBody>
+                      <a:tcPr/>
+                    </a:tc>
+                    <a:tc>
+                      <a:txBody>
+                        <a:bodyPr/>
+                        <a:lstStyle/>
+                        <a:p>
+                          <a:pPr marL="0" marR="0" lvl="0" indent="0" algn="l" defTabSz="914400" rtl="0" eaLnBrk="1" fontAlgn="auto" latinLnBrk="0" hangingPunct="1">
+                            <a:lnSpc>
+                              <a:spcPct val="100000"/>
+                            </a:lnSpc>
+                            <a:spcBef>
+                              <a:spcPts val="0"/>
+                            </a:spcBef>
+                            <a:spcAft>
+                              <a:spcPts val="0"/>
+                            </a:spcAft>
+                            <a:buClrTx/>
+                            <a:buSzTx/>
+                            <a:buFontTx/>
+                            <a:buNone/>
+                            <a:tabLst/>
+                            <a:defRPr/>
+                          </a:pPr>
+                          <a14:m>
+                            <m:oMathPara xmlns:m="http://schemas.openxmlformats.org/officeDocument/2006/math">
+                              <m:oMathParaPr>
+                                <m:jc m:val="centerGroup"/>
+                              </m:oMathParaPr>
+                              <m:oMath xmlns:m="http://schemas.openxmlformats.org/officeDocument/2006/math">
+                                <m:r>
+                                  <a:rPr lang="en-US" b="0" i="1" smtClean="0">
+                                    <a:latin typeface="Cambria Math" panose="02040503050406030204" pitchFamily="18" charset="0"/>
+                                  </a:rPr>
+                                  <m:t>…</m:t>
+                                </m:r>
+                              </m:oMath>
+                            </m:oMathPara>
+                          </a14:m>
+                          <a:endParaRPr lang="en-US" dirty="0"/>
+                        </a:p>
+                      </a:txBody>
+                      <a:tcPr/>
+                    </a:tc>
+                    <a:tc>
+                      <a:txBody>
+                        <a:bodyPr/>
+                        <a:lstStyle/>
+                        <a:p>
+                          <a:pPr marL="0" marR="0" lvl="0" indent="0" algn="l" defTabSz="914400" rtl="0" eaLnBrk="1" fontAlgn="auto" latinLnBrk="0" hangingPunct="1">
+                            <a:lnSpc>
+                              <a:spcPct val="100000"/>
+                            </a:lnSpc>
+                            <a:spcBef>
+                              <a:spcPts val="0"/>
+                            </a:spcBef>
+                            <a:spcAft>
+                              <a:spcPts val="0"/>
+                            </a:spcAft>
+                            <a:buClrTx/>
+                            <a:buSzTx/>
+                            <a:buFontTx/>
+                            <a:buNone/>
+                            <a:tabLst/>
+                            <a:defRPr/>
+                          </a:pPr>
+                          <a14:m>
+                            <m:oMathPara xmlns:m="http://schemas.openxmlformats.org/officeDocument/2006/math">
+                              <m:oMathParaPr>
+                                <m:jc m:val="centerGroup"/>
+                              </m:oMathParaPr>
+                              <m:oMath xmlns:m="http://schemas.openxmlformats.org/officeDocument/2006/math">
+                                <m:sSub>
+                                  <m:sSubPr>
+                                    <m:ctrlPr>
+                                      <a:rPr lang="en-US" b="0" i="1" smtClean="0">
+                                        <a:latin typeface="Cambria Math" panose="02040503050406030204" pitchFamily="18" charset="0"/>
+                                      </a:rPr>
+                                    </m:ctrlPr>
+                                  </m:sSubPr>
+                                  <m:e>
+                                    <m:r>
+                                      <a:rPr lang="en-US" b="0" i="1" smtClean="0">
+                                        <a:latin typeface="Cambria Math" panose="02040503050406030204" pitchFamily="18" charset="0"/>
+                                      </a:rPr>
+                                      <m:t>𝐶</m:t>
+                                    </m:r>
+                                  </m:e>
+                                  <m:sub>
+                                    <m:r>
+                                      <a:rPr lang="en-US" b="0" i="1" smtClean="0">
+                                        <a:latin typeface="Cambria Math" panose="02040503050406030204" pitchFamily="18" charset="0"/>
+                                      </a:rPr>
+                                      <m:t>𝑘</m:t>
+                                    </m:r>
+                                    <m:r>
+                                      <a:rPr lang="en-US" b="0" i="1" smtClean="0">
+                                        <a:latin typeface="Cambria Math" panose="02040503050406030204" pitchFamily="18" charset="0"/>
+                                      </a:rPr>
+                                      <m:t>,</m:t>
+                                    </m:r>
+                                    <m:r>
+                                      <a:rPr lang="en-US" b="0" i="1" smtClean="0">
+                                        <a:latin typeface="Cambria Math" panose="02040503050406030204" pitchFamily="18" charset="0"/>
+                                      </a:rPr>
+                                      <m:t>𝑘</m:t>
+                                    </m:r>
+                                    <m:r>
+                                      <a:rPr lang="en-US" b="0" i="1" smtClean="0">
+                                        <a:latin typeface="Cambria Math" panose="02040503050406030204" pitchFamily="18" charset="0"/>
+                                      </a:rPr>
+                                      <m:t>−1</m:t>
+                                    </m:r>
+                                  </m:sub>
+                                </m:sSub>
+                              </m:oMath>
+                            </m:oMathPara>
+                          </a14:m>
+                          <a:endParaRPr lang="en-US" dirty="0"/>
+                        </a:p>
+                      </a:txBody>
+                      <a:tcPr/>
+                    </a:tc>
+                    <a:tc>
+                      <a:txBody>
+                        <a:bodyPr/>
+                        <a:lstStyle/>
+                        <a:p>
+                          <a:pPr/>
                           <a14:m>
                             <m:oMathPara xmlns:m="http://schemas.openxmlformats.org/officeDocument/2006/math">
                               <m:oMathParaPr>
@@ -6427,14 +10928,14 @@
                 <p:ph sz="half" idx="2"/>
                 <p:extLst>
                   <p:ext uri="{D42A27DB-BD31-4B8C-83A1-F6EECF244321}">
-                    <p14:modId xmlns:p14="http://schemas.microsoft.com/office/powerpoint/2010/main" val="1941372521"/>
+                    <p14:modId xmlns:p14="http://schemas.microsoft.com/office/powerpoint/2010/main" val="2230832735"/>
                   </p:ext>
                 </p:extLst>
               </p:nvPr>
             </p:nvGraphicFramePr>
             <p:xfrm>
-              <a:off x="6516688" y="2120900"/>
-              <a:ext cx="4638672" cy="1497330"/>
+              <a:off x="6096000" y="3091808"/>
+              <a:ext cx="5616539" cy="2281578"/>
             </p:xfrm>
             <a:graphic>
               <a:graphicData uri="http://schemas.openxmlformats.org/drawingml/2006/table">
@@ -6443,28 +10944,42 @@
                     <a:tableStyleId>{E8B1032C-EA38-4F05-BA0D-38AFFFC7BED3}</a:tableStyleId>
                   </a:tblPr>
                   <a:tblGrid>
-                    <a:gridCol w="1159668">
+                    <a:gridCol w="936090">
                       <a:extLst>
                         <a:ext uri="{9D8B030D-6E8A-4147-A177-3AD203B41FA5}">
                           <a16:colId xmlns:a16="http://schemas.microsoft.com/office/drawing/2014/main" val="3104402084"/>
                         </a:ext>
                       </a:extLst>
                     </a:gridCol>
-                    <a:gridCol w="1159668">
+                    <a:gridCol w="936090">
                       <a:extLst>
                         <a:ext uri="{9D8B030D-6E8A-4147-A177-3AD203B41FA5}">
                           <a16:colId xmlns:a16="http://schemas.microsoft.com/office/drawing/2014/main" val="116974159"/>
                         </a:ext>
                       </a:extLst>
                     </a:gridCol>
-                    <a:gridCol w="1159668">
+                    <a:gridCol w="936090">
+                      <a:extLst>
+                        <a:ext uri="{9D8B030D-6E8A-4147-A177-3AD203B41FA5}">
+                          <a16:colId xmlns:a16="http://schemas.microsoft.com/office/drawing/2014/main" val="4039654780"/>
+                        </a:ext>
+                      </a:extLst>
+                    </a:gridCol>
+                    <a:gridCol w="936090">
                       <a:extLst>
                         <a:ext uri="{9D8B030D-6E8A-4147-A177-3AD203B41FA5}">
                           <a16:colId xmlns:a16="http://schemas.microsoft.com/office/drawing/2014/main" val="1762024210"/>
                         </a:ext>
                       </a:extLst>
                     </a:gridCol>
-                    <a:gridCol w="1159668">
+                    <a:gridCol w="1227786">
+                      <a:extLst>
+                        <a:ext uri="{9D8B030D-6E8A-4147-A177-3AD203B41FA5}">
+                          <a16:colId xmlns:a16="http://schemas.microsoft.com/office/drawing/2014/main" val="3900607038"/>
+                        </a:ext>
+                      </a:extLst>
+                    </a:gridCol>
+                    <a:gridCol w="644393">
                       <a:extLst>
                         <a:ext uri="{9D8B030D-6E8A-4147-A177-3AD203B41FA5}">
                           <a16:colId xmlns:a16="http://schemas.microsoft.com/office/drawing/2014/main" val="1814731412"/>
@@ -6472,7 +10987,7 @@
                       </a:extLst>
                     </a:gridCol>
                   </a:tblGrid>
-                  <a:tr h="370840">
+                  <a:tr h="375547">
                     <a:tc>
                       <a:txBody>
                         <a:bodyPr/>
@@ -6483,7 +10998,7 @@
                       </a:txBody>
                       <a:tcPr/>
                     </a:tc>
-                    <a:tc gridSpan="3">
+                    <a:tc gridSpan="5">
                       <a:txBody>
                         <a:bodyPr/>
                         <a:lstStyle/>
@@ -6502,7 +11017,27 @@
                         <a:bodyPr/>
                         <a:lstStyle/>
                         <a:p>
+                          <a:endParaRPr lang="en-US"/>
+                        </a:p>
+                      </a:txBody>
+                      <a:tcPr/>
+                    </a:tc>
+                    <a:tc hMerge="1">
+                      <a:txBody>
+                        <a:bodyPr/>
+                        <a:lstStyle/>
+                        <a:p>
                           <a:endParaRPr lang="en-US" dirty="0"/>
+                        </a:p>
+                      </a:txBody>
+                      <a:tcPr/>
+                    </a:tc>
+                    <a:tc hMerge="1">
+                      <a:txBody>
+                        <a:bodyPr/>
+                        <a:lstStyle/>
+                        <a:p>
+                          <a:endParaRPr lang="en-US"/>
                         </a:p>
                       </a:txBody>
                       <a:tcPr/>
@@ -6523,8 +11058,8 @@
                       </a:ext>
                     </a:extLst>
                   </a:tr>
-                  <a:tr h="377825">
-                    <a:tc rowSpan="3">
+                  <a:tr h="382621">
+                    <a:tc rowSpan="5">
                       <a:txBody>
                         <a:bodyPr/>
                         <a:lstStyle/>
@@ -6554,7 +11089,7 @@
                         <a:blipFill>
                           <a:blip r:embed="rId2"/>
                           <a:stretch>
-                            <a:fillRect l="-100524" t="-104762" r="-201047" b="-198413"/>
+                            <a:fillRect l="-101961" t="-106349" r="-403922" b="-400000"/>
                           </a:stretch>
                         </a:blipFill>
                       </a:tcPr>
@@ -6571,7 +11106,7 @@
                         <a:blipFill>
                           <a:blip r:embed="rId2"/>
                           <a:stretch>
-                            <a:fillRect l="-201579" t="-104762" r="-102105" b="-198413"/>
+                            <a:fillRect l="-200649" t="-106349" r="-301299" b="-400000"/>
                           </a:stretch>
                         </a:blipFill>
                       </a:tcPr>
@@ -6588,7 +11123,41 @@
                         <a:blipFill>
                           <a:blip r:embed="rId2"/>
                           <a:stretch>
-                            <a:fillRect l="-301579" t="-104762" r="-2105" b="-198413"/>
+                            <a:fillRect l="-300649" t="-106349" r="-201299" b="-400000"/>
+                          </a:stretch>
+                        </a:blipFill>
+                      </a:tcPr>
+                    </a:tc>
+                    <a:tc>
+                      <a:txBody>
+                        <a:bodyPr/>
+                        <a:lstStyle/>
+                        <a:p>
+                          <a:endParaRPr lang="en-US"/>
+                        </a:p>
+                      </a:txBody>
+                      <a:tcPr>
+                        <a:blipFill>
+                          <a:blip r:embed="rId2"/>
+                          <a:stretch>
+                            <a:fillRect l="-306965" t="-106349" r="-54229" b="-400000"/>
+                          </a:stretch>
+                        </a:blipFill>
+                      </a:tcPr>
+                    </a:tc>
+                    <a:tc>
+                      <a:txBody>
+                        <a:bodyPr/>
+                        <a:lstStyle/>
+                        <a:p>
+                          <a:endParaRPr lang="en-US"/>
+                        </a:p>
+                      </a:txBody>
+                      <a:tcPr>
+                        <a:blipFill>
+                          <a:blip r:embed="rId2"/>
+                          <a:stretch>
+                            <a:fillRect l="-771698" t="-106349" r="-2830" b="-400000"/>
                           </a:stretch>
                         </a:blipFill>
                       </a:tcPr>
@@ -6599,7 +11168,7 @@
                       </a:ext>
                     </a:extLst>
                   </a:tr>
-                  <a:tr h="370840">
+                  <a:tr h="382621">
                     <a:tc vMerge="1">
                       <a:txBody>
                         <a:bodyPr/>
@@ -6622,7 +11191,7 @@
                         <a:blipFill>
                           <a:blip r:embed="rId2"/>
                           <a:stretch>
-                            <a:fillRect l="-100524" t="-211475" r="-201047" b="-104918"/>
+                            <a:fillRect l="-101961" t="-206349" r="-403922" b="-300000"/>
                           </a:stretch>
                         </a:blipFill>
                       </a:tcPr>
@@ -6639,7 +11208,7 @@
                         <a:blipFill>
                           <a:blip r:embed="rId2"/>
                           <a:stretch>
-                            <a:fillRect l="-201579" t="-211475" r="-102105" b="-104918"/>
+                            <a:fillRect l="-200649" t="-206349" r="-301299" b="-300000"/>
                           </a:stretch>
                         </a:blipFill>
                       </a:tcPr>
@@ -6656,18 +11225,52 @@
                         <a:blipFill>
                           <a:blip r:embed="rId2"/>
                           <a:stretch>
-                            <a:fillRect l="-301579" t="-211475" r="-2105" b="-104918"/>
+                            <a:fillRect l="-300649" t="-206349" r="-201299" b="-300000"/>
+                          </a:stretch>
+                        </a:blipFill>
+                      </a:tcPr>
+                    </a:tc>
+                    <a:tc>
+                      <a:txBody>
+                        <a:bodyPr/>
+                        <a:lstStyle/>
+                        <a:p>
+                          <a:endParaRPr lang="en-US"/>
+                        </a:p>
+                      </a:txBody>
+                      <a:tcPr>
+                        <a:blipFill>
+                          <a:blip r:embed="rId2"/>
+                          <a:stretch>
+                            <a:fillRect l="-306965" t="-206349" r="-54229" b="-300000"/>
+                          </a:stretch>
+                        </a:blipFill>
+                      </a:tcPr>
+                    </a:tc>
+                    <a:tc>
+                      <a:txBody>
+                        <a:bodyPr/>
+                        <a:lstStyle/>
+                        <a:p>
+                          <a:endParaRPr lang="en-US"/>
+                        </a:p>
+                      </a:txBody>
+                      <a:tcPr>
+                        <a:blipFill>
+                          <a:blip r:embed="rId2"/>
+                          <a:stretch>
+                            <a:fillRect l="-771698" t="-206349" r="-2830" b="-300000"/>
                           </a:stretch>
                         </a:blipFill>
                       </a:tcPr>
                     </a:tc>
                     <a:extLst>
                       <a:ext uri="{0D108BD9-81ED-4DB2-BD59-A6C34878D82A}">
-                        <a16:rowId xmlns:a16="http://schemas.microsoft.com/office/drawing/2014/main" val="2919549694"/>
+                        <a16:rowId xmlns:a16="http://schemas.microsoft.com/office/drawing/2014/main" val="4123701205"/>
                       </a:ext>
                     </a:extLst>
                   </a:tr>
-                  <a:tr h="377825">
+                  <a:tr h="375547">
                     <a:tc vMerge="1">
                       <a:txBody>
                         <a:bodyPr/>
@@ -6690,7 +11293,7 @@
                         <a:blipFill>
                           <a:blip r:embed="rId2"/>
                           <a:stretch>
-                            <a:fillRect l="-100524" t="-306452" r="-201047" b="-3226"/>
+                            <a:fillRect l="-101961" t="-316393" r="-403922" b="-209836"/>
                           </a:stretch>
                         </a:blipFill>
                       </a:tcPr>
@@ -6707,7 +11310,7 @@
                         <a:blipFill>
                           <a:blip r:embed="rId2"/>
                           <a:stretch>
-                            <a:fillRect l="-201579" t="-306452" r="-102105" b="-3226"/>
+                            <a:fillRect l="-200649" t="-316393" r="-301299" b="-209836"/>
                           </a:stretch>
                         </a:blipFill>
                       </a:tcPr>
@@ -6724,7 +11327,245 @@
                         <a:blipFill>
                           <a:blip r:embed="rId2"/>
                           <a:stretch>
-                            <a:fillRect l="-301579" t="-306452" r="-2105" b="-3226"/>
+                            <a:fillRect l="-300649" t="-316393" r="-201299" b="-209836"/>
+                          </a:stretch>
+                        </a:blipFill>
+                      </a:tcPr>
+                    </a:tc>
+                    <a:tc>
+                      <a:txBody>
+                        <a:bodyPr/>
+                        <a:lstStyle/>
+                        <a:p>
+                          <a:endParaRPr lang="en-US"/>
+                        </a:p>
+                      </a:txBody>
+                      <a:tcPr>
+                        <a:blipFill>
+                          <a:blip r:embed="rId2"/>
+                          <a:stretch>
+                            <a:fillRect l="-306965" t="-316393" r="-54229" b="-209836"/>
+                          </a:stretch>
+                        </a:blipFill>
+                      </a:tcPr>
+                    </a:tc>
+                    <a:tc>
+                      <a:txBody>
+                        <a:bodyPr/>
+                        <a:lstStyle/>
+                        <a:p>
+                          <a:endParaRPr lang="en-US"/>
+                        </a:p>
+                      </a:txBody>
+                      <a:tcPr>
+                        <a:blipFill>
+                          <a:blip r:embed="rId2"/>
+                          <a:stretch>
+                            <a:fillRect l="-771698" t="-316393" r="-2830" b="-209836"/>
+                          </a:stretch>
+                        </a:blipFill>
+                      </a:tcPr>
+                    </a:tc>
+                    <a:extLst>
+                      <a:ext uri="{0D108BD9-81ED-4DB2-BD59-A6C34878D82A}">
+                        <a16:rowId xmlns:a16="http://schemas.microsoft.com/office/drawing/2014/main" val="2919549694"/>
+                      </a:ext>
+                    </a:extLst>
+                  </a:tr>
+                  <a:tr h="382621">
+                    <a:tc vMerge="1">
+                      <a:txBody>
+                        <a:bodyPr/>
+                        <a:lstStyle/>
+                        <a:p>
+                          <a:endParaRPr lang="en-US"/>
+                        </a:p>
+                      </a:txBody>
+                      <a:tcPr/>
+                    </a:tc>
+                    <a:tc>
+                      <a:txBody>
+                        <a:bodyPr/>
+                        <a:lstStyle/>
+                        <a:p>
+                          <a:endParaRPr lang="en-US"/>
+                        </a:p>
+                      </a:txBody>
+                      <a:tcPr>
+                        <a:blipFill>
+                          <a:blip r:embed="rId2"/>
+                          <a:stretch>
+                            <a:fillRect l="-101961" t="-403175" r="-403922" b="-103175"/>
+                          </a:stretch>
+                        </a:blipFill>
+                      </a:tcPr>
+                    </a:tc>
+                    <a:tc>
+                      <a:txBody>
+                        <a:bodyPr/>
+                        <a:lstStyle/>
+                        <a:p>
+                          <a:endParaRPr lang="en-US"/>
+                        </a:p>
+                      </a:txBody>
+                      <a:tcPr>
+                        <a:blipFill>
+                          <a:blip r:embed="rId2"/>
+                          <a:stretch>
+                            <a:fillRect l="-200649" t="-403175" r="-301299" b="-103175"/>
+                          </a:stretch>
+                        </a:blipFill>
+                      </a:tcPr>
+                    </a:tc>
+                    <a:tc>
+                      <a:txBody>
+                        <a:bodyPr/>
+                        <a:lstStyle/>
+                        <a:p>
+                          <a:endParaRPr lang="en-US"/>
+                        </a:p>
+                      </a:txBody>
+                      <a:tcPr>
+                        <a:blipFill>
+                          <a:blip r:embed="rId2"/>
+                          <a:stretch>
+                            <a:fillRect l="-300649" t="-403175" r="-201299" b="-103175"/>
+                          </a:stretch>
+                        </a:blipFill>
+                      </a:tcPr>
+                    </a:tc>
+                    <a:tc>
+                      <a:txBody>
+                        <a:bodyPr/>
+                        <a:lstStyle/>
+                        <a:p>
+                          <a:endParaRPr lang="en-US"/>
+                        </a:p>
+                      </a:txBody>
+                      <a:tcPr>
+                        <a:blipFill>
+                          <a:blip r:embed="rId2"/>
+                          <a:stretch>
+                            <a:fillRect l="-306965" t="-403175" r="-54229" b="-103175"/>
+                          </a:stretch>
+                        </a:blipFill>
+                      </a:tcPr>
+                    </a:tc>
+                    <a:tc>
+                      <a:txBody>
+                        <a:bodyPr/>
+                        <a:lstStyle/>
+                        <a:p>
+                          <a:endParaRPr lang="en-US"/>
+                        </a:p>
+                      </a:txBody>
+                      <a:tcPr>
+                        <a:blipFill>
+                          <a:blip r:embed="rId2"/>
+                          <a:stretch>
+                            <a:fillRect l="-771698" t="-403175" r="-2830" b="-103175"/>
+                          </a:stretch>
+                        </a:blipFill>
+                      </a:tcPr>
+                    </a:tc>
+                    <a:extLst>
+                      <a:ext uri="{0D108BD9-81ED-4DB2-BD59-A6C34878D82A}">
+                        <a16:rowId xmlns:a16="http://schemas.microsoft.com/office/drawing/2014/main" val="1839067155"/>
+                      </a:ext>
+                    </a:extLst>
+                  </a:tr>
+                  <a:tr h="382621">
+                    <a:tc vMerge="1">
+                      <a:txBody>
+                        <a:bodyPr/>
+                        <a:lstStyle/>
+                        <a:p>
+                          <a:endParaRPr lang="en-US"/>
+                        </a:p>
+                      </a:txBody>
+                      <a:tcPr/>
+                    </a:tc>
+                    <a:tc>
+                      <a:txBody>
+                        <a:bodyPr/>
+                        <a:lstStyle/>
+                        <a:p>
+                          <a:endParaRPr lang="en-US"/>
+                        </a:p>
+                      </a:txBody>
+                      <a:tcPr>
+                        <a:blipFill>
+                          <a:blip r:embed="rId2"/>
+                          <a:stretch>
+                            <a:fillRect l="-101961" t="-503175" r="-403922" b="-3175"/>
+                          </a:stretch>
+                        </a:blipFill>
+                      </a:tcPr>
+                    </a:tc>
+                    <a:tc>
+                      <a:txBody>
+                        <a:bodyPr/>
+                        <a:lstStyle/>
+                        <a:p>
+                          <a:endParaRPr lang="en-US"/>
+                        </a:p>
+                      </a:txBody>
+                      <a:tcPr>
+                        <a:blipFill>
+                          <a:blip r:embed="rId2"/>
+                          <a:stretch>
+                            <a:fillRect l="-200649" t="-503175" r="-301299" b="-3175"/>
+                          </a:stretch>
+                        </a:blipFill>
+                      </a:tcPr>
+                    </a:tc>
+                    <a:tc>
+                      <a:txBody>
+                        <a:bodyPr/>
+                        <a:lstStyle/>
+                        <a:p>
+                          <a:endParaRPr lang="en-US"/>
+                        </a:p>
+                      </a:txBody>
+                      <a:tcPr>
+                        <a:blipFill>
+                          <a:blip r:embed="rId2"/>
+                          <a:stretch>
+                            <a:fillRect l="-300649" t="-503175" r="-201299" b="-3175"/>
+                          </a:stretch>
+                        </a:blipFill>
+                      </a:tcPr>
+                    </a:tc>
+                    <a:tc>
+                      <a:txBody>
+                        <a:bodyPr/>
+                        <a:lstStyle/>
+                        <a:p>
+                          <a:endParaRPr lang="en-US"/>
+                        </a:p>
+                      </a:txBody>
+                      <a:tcPr>
+                        <a:blipFill>
+                          <a:blip r:embed="rId2"/>
+                          <a:stretch>
+                            <a:fillRect l="-306965" t="-503175" r="-54229" b="-3175"/>
+                          </a:stretch>
+                        </a:blipFill>
+                      </a:tcPr>
+                    </a:tc>
+                    <a:tc>
+                      <a:txBody>
+                        <a:bodyPr/>
+                        <a:lstStyle/>
+                        <a:p>
+                          <a:endParaRPr lang="en-US"/>
+                        </a:p>
+                      </a:txBody>
+                      <a:tcPr>
+                        <a:blipFill>
+                          <a:blip r:embed="rId2"/>
+                          <a:stretch>
+                            <a:fillRect l="-771698" t="-503175" r="-2830" b="-3175"/>
                           </a:stretch>
                         </a:blipFill>
                       </a:tcPr>
@@ -6799,8 +11640,8 @@
           </a:p>
         </p:txBody>
       </p:sp>
-      <mc:AlternateContent xmlns:mc="http://schemas.openxmlformats.org/markup-compatibility/2006">
-        <mc:Choice xmlns:a14="http://schemas.microsoft.com/office/drawing/2010/main" Requires="a14">
+      <mc:AlternateContent xmlns:mc="http://schemas.openxmlformats.org/markup-compatibility/2006" xmlns:a14="http://schemas.microsoft.com/office/drawing/2010/main">
+        <mc:Choice Requires="a14">
           <p:sp>
             <p:nvSpPr>
               <p:cNvPr id="8" name="Content Placeholder 7">
@@ -6904,7 +11745,6 @@
                 <a:endParaRPr lang="en-US" dirty="0"/>
               </a:p>
               <a:p>
-                <a:pPr/>
                 <a:endParaRPr lang="en-US" dirty="0"/>
               </a:p>
               <a:p>
@@ -6916,7 +11756,7 @@
             </p:txBody>
           </p:sp>
         </mc:Choice>
-        <mc:Fallback>
+        <mc:Fallback xmlns="">
           <p:sp>
             <p:nvSpPr>
               <p:cNvPr id="8" name="Content Placeholder 7">
@@ -6956,8 +11796,8 @@
           </p:sp>
         </mc:Fallback>
       </mc:AlternateContent>
-      <mc:AlternateContent xmlns:mc="http://schemas.openxmlformats.org/markup-compatibility/2006">
-        <mc:Choice xmlns:a14="http://schemas.microsoft.com/office/drawing/2010/main" Requires="a14">
+      <mc:AlternateContent xmlns:mc="http://schemas.openxmlformats.org/markup-compatibility/2006" xmlns:a14="http://schemas.microsoft.com/office/drawing/2010/main">
+        <mc:Choice Requires="a14">
           <p:sp>
             <p:nvSpPr>
               <p:cNvPr id="9" name="Content Placeholder 8">
@@ -7180,7 +12020,7 @@
             </p:txBody>
           </p:sp>
         </mc:Choice>
-        <mc:Fallback>
+        <mc:Fallback xmlns="">
           <p:sp>
             <p:nvSpPr>
               <p:cNvPr id="9" name="Content Placeholder 8">
@@ -7278,8 +12118,8 @@
           </a:p>
         </p:txBody>
       </p:sp>
-      <mc:AlternateContent xmlns:mc="http://schemas.openxmlformats.org/markup-compatibility/2006">
-        <mc:Choice xmlns:a14="http://schemas.microsoft.com/office/drawing/2010/main" Requires="a14">
+      <mc:AlternateContent xmlns:mc="http://schemas.openxmlformats.org/markup-compatibility/2006" xmlns:a14="http://schemas.microsoft.com/office/drawing/2010/main">
+        <mc:Choice Requires="a14">
           <p:sp>
             <p:nvSpPr>
               <p:cNvPr id="8" name="Content Placeholder 7">
@@ -7383,7 +12223,6 @@
                 <a:endParaRPr lang="en-US" dirty="0"/>
               </a:p>
               <a:p>
-                <a:pPr/>
                 <a:endParaRPr lang="en-US" dirty="0"/>
               </a:p>
               <a:p>
@@ -7395,7 +12234,7 @@
             </p:txBody>
           </p:sp>
         </mc:Choice>
-        <mc:Fallback>
+        <mc:Fallback xmlns="">
           <p:sp>
             <p:nvSpPr>
               <p:cNvPr id="8" name="Content Placeholder 7">
@@ -7435,8 +12274,8 @@
           </p:sp>
         </mc:Fallback>
       </mc:AlternateContent>
-      <mc:AlternateContent xmlns:mc="http://schemas.openxmlformats.org/markup-compatibility/2006">
-        <mc:Choice xmlns:a14="http://schemas.microsoft.com/office/drawing/2010/main" Requires="a14">
+      <mc:AlternateContent xmlns:mc="http://schemas.openxmlformats.org/markup-compatibility/2006" xmlns:a14="http://schemas.microsoft.com/office/drawing/2010/main">
+        <mc:Choice Requires="a14">
           <p:sp>
             <p:nvSpPr>
               <p:cNvPr id="9" name="Content Placeholder 8">
@@ -7659,7 +12498,7 @@
             </p:txBody>
           </p:sp>
         </mc:Choice>
-        <mc:Fallback>
+        <mc:Fallback xmlns="">
           <p:sp>
             <p:nvSpPr>
               <p:cNvPr id="9" name="Content Placeholder 8">
@@ -7757,8 +12596,8 @@
           </a:p>
         </p:txBody>
       </p:sp>
-      <mc:AlternateContent xmlns:mc="http://schemas.openxmlformats.org/markup-compatibility/2006">
-        <mc:Choice xmlns:a14="http://schemas.microsoft.com/office/drawing/2010/main" Requires="a14">
+      <mc:AlternateContent xmlns:mc="http://schemas.openxmlformats.org/markup-compatibility/2006" xmlns:a14="http://schemas.microsoft.com/office/drawing/2010/main">
+        <mc:Choice Requires="a14">
           <p:sp>
             <p:nvSpPr>
               <p:cNvPr id="8" name="Content Placeholder 7">
@@ -7894,7 +12733,6 @@
                 <a:endParaRPr lang="en-US" dirty="0"/>
               </a:p>
               <a:p>
-                <a:pPr/>
                 <a:endParaRPr lang="en-US" dirty="0"/>
               </a:p>
               <a:p>
@@ -7906,7 +12744,7 @@
             </p:txBody>
           </p:sp>
         </mc:Choice>
-        <mc:Fallback>
+        <mc:Fallback xmlns="">
           <p:sp>
             <p:nvSpPr>
               <p:cNvPr id="8" name="Content Placeholder 7">
@@ -8048,6 +12886,14 @@
 <file path=ppt/slides/slide8.xml><?xml version="1.0" encoding="utf-8"?>
 <p:sld xmlns:a="http://schemas.openxmlformats.org/drawingml/2006/main" xmlns:r="http://schemas.openxmlformats.org/officeDocument/2006/relationships" xmlns:p="http://schemas.openxmlformats.org/presentationml/2006/main">
   <p:cSld>
+    <p:bg>
+      <p:bgPr>
+        <a:solidFill>
+          <a:schemeClr val="bg1"/>
+        </a:solidFill>
+        <a:effectLst/>
+      </p:bgPr>
+    </p:bg>
     <p:spTree>
       <p:nvGrpSpPr>
         <p:cNvPr id="1" name=""/>
@@ -8078,9 +12924,19 @@
             <p:ph type="title"/>
           </p:nvPr>
         </p:nvSpPr>
-        <p:spPr/>
+        <p:spPr>
+          <a:xfrm>
+            <a:off x="643466" y="786383"/>
+            <a:ext cx="3517567" cy="2093975"/>
+          </a:xfrm>
+          <a:prstGeom prst="rect">
+            <a:avLst/>
+          </a:prstGeom>
+        </p:spPr>
         <p:txBody>
-          <a:bodyPr/>
+          <a:bodyPr anchor="b">
+            <a:normAutofit/>
+          </a:bodyPr>
           <a:lstStyle/>
           <a:p>
             <a:r>
@@ -8092,10 +12948,10 @@
       </p:sp>
       <p:sp>
         <p:nvSpPr>
-          <p:cNvPr id="3" name="Content Placeholder 2">
+          <p:cNvPr id="10" name="Text Placeholder 3">
             <a:extLst>
               <a:ext uri="{FF2B5EF4-FFF2-40B4-BE49-F238E27FC236}">
-                <a16:creationId xmlns:a16="http://schemas.microsoft.com/office/drawing/2014/main" id="{32DDD9F8-4BF8-443A-9B46-B46040FE85F7}"/>
+                <a16:creationId xmlns:a16="http://schemas.microsoft.com/office/drawing/2014/main" id="{47A582DE-C873-4858-A74E-7E13012E1A94}"/>
               </a:ext>
             </a:extLst>
           </p:cNvPr>
@@ -8103,44 +12959,65 @@
             <a:spLocks noGrp="1"/>
           </p:cNvSpPr>
           <p:nvPr>
-            <p:ph idx="1"/>
+            <p:ph type="body" sz="half" idx="2"/>
           </p:nvPr>
         </p:nvSpPr>
-        <p:spPr/>
+        <p:spPr>
+          <a:xfrm>
+            <a:off x="643465" y="3043050"/>
+            <a:ext cx="3517567" cy="3064505"/>
+          </a:xfrm>
+        </p:spPr>
         <p:txBody>
-          <a:bodyPr>
-            <a:normAutofit/>
-          </a:bodyPr>
+          <a:bodyPr/>
           <a:lstStyle/>
           <a:p>
             <a:r>
               <a:rPr lang="en-US" dirty="0"/>
-              <a:t>Basic Linear Model Classifier – very power &amp; very slow</a:t>
-            </a:r>
-          </a:p>
-          <a:p>
-            <a:endParaRPr lang="en-US" dirty="0"/>
-          </a:p>
-          <a:p>
+              <a:t>(See </a:t>
+            </a:r>
+            <a:r>
+              <a:rPr lang="en-US" dirty="0" err="1"/>
+              <a:t>Sklean.linear_model</a:t>
+            </a:r>
             <a:r>
               <a:rPr lang="en-US" dirty="0"/>
-              <a:t>Many algorithms use some variation of this (Goodfellow)</a:t>
-            </a:r>
-          </a:p>
-          <a:p>
-            <a:endParaRPr lang="en-US" dirty="0"/>
-          </a:p>
-          <a:p>
-            <a:r>
-              <a:rPr lang="en-US" dirty="0"/>
-              <a:t>Uses the gradient of a decision function to create an optimal set of parameters for classifier (Sanderson)</a:t>
-            </a:r>
-          </a:p>
-          <a:p>
-            <a:endParaRPr lang="en-US" dirty="0"/>
+              <a:t>)</a:t>
+            </a:r>
           </a:p>
         </p:txBody>
       </p:sp>
+      <p:graphicFrame>
+        <p:nvGraphicFramePr>
+          <p:cNvPr id="5" name="Content Placeholder 2">
+            <a:extLst>
+              <a:ext uri="{FF2B5EF4-FFF2-40B4-BE49-F238E27FC236}">
+                <a16:creationId xmlns:a16="http://schemas.microsoft.com/office/drawing/2014/main" id="{A8C4B18B-7614-47E3-89D7-7ED6F443DFF9}"/>
+              </a:ext>
+            </a:extLst>
+          </p:cNvPr>
+          <p:cNvGraphicFramePr>
+            <a:graphicFrameLocks noGrp="1"/>
+          </p:cNvGraphicFramePr>
+          <p:nvPr>
+            <p:ph idx="1"/>
+            <p:extLst>
+              <p:ext uri="{D42A27DB-BD31-4B8C-83A1-F6EECF244321}">
+                <p14:modId xmlns:p14="http://schemas.microsoft.com/office/powerpoint/2010/main" val="4175412833"/>
+              </p:ext>
+            </p:extLst>
+          </p:nvPr>
+        </p:nvGraphicFramePr>
+        <p:xfrm>
+          <a:off x="5458984" y="812799"/>
+          <a:ext cx="5928344" cy="5294757"/>
+        </p:xfrm>
+        <a:graphic>
+          <a:graphicData uri="http://schemas.openxmlformats.org/drawingml/2006/diagram">
+            <dgm:relIds xmlns:dgm="http://schemas.openxmlformats.org/drawingml/2006/diagram" xmlns:r="http://schemas.openxmlformats.org/officeDocument/2006/relationships" r:dm="rId2" r:lo="rId3" r:qs="rId4" r:cs="rId5"/>
+          </a:graphicData>
+        </a:graphic>
+      </p:graphicFrame>
     </p:spTree>
     <p:extLst>
       <p:ext uri="{BB962C8B-B14F-4D97-AF65-F5344CB8AC3E}">
